--- a/Sprint Review PPT.pptx
+++ b/Sprint Review PPT.pptx
@@ -5,20 +5,21 @@
     <p:sldMasterId id="2147483678" r:id="rId1"/>
   </p:sldMasterIdLst>
   <p:notesMasterIdLst>
-    <p:notesMasterId r:id="rId10"/>
+    <p:notesMasterId r:id="rId11"/>
   </p:notesMasterIdLst>
   <p:handoutMasterIdLst>
-    <p:handoutMasterId r:id="rId11"/>
+    <p:handoutMasterId r:id="rId12"/>
   </p:handoutMasterIdLst>
   <p:sldIdLst>
     <p:sldId id="268" r:id="rId2"/>
-    <p:sldId id="269" r:id="rId3"/>
-    <p:sldId id="270" r:id="rId4"/>
-    <p:sldId id="271" r:id="rId5"/>
-    <p:sldId id="272" r:id="rId6"/>
-    <p:sldId id="273" r:id="rId7"/>
-    <p:sldId id="274" r:id="rId8"/>
-    <p:sldId id="275" r:id="rId9"/>
+    <p:sldId id="276" r:id="rId3"/>
+    <p:sldId id="269" r:id="rId4"/>
+    <p:sldId id="270" r:id="rId5"/>
+    <p:sldId id="271" r:id="rId6"/>
+    <p:sldId id="272" r:id="rId7"/>
+    <p:sldId id="273" r:id="rId8"/>
+    <p:sldId id="274" r:id="rId9"/>
+    <p:sldId id="275" r:id="rId10"/>
   </p:sldIdLst>
   <p:sldSz cx="12192000" cy="6858000"/>
   <p:notesSz cx="6858000" cy="9144000"/>
@@ -10497,7 +10498,7 @@
           <p:cNvPr id="2" name="Title 1">
             <a:extLst>
               <a:ext uri="{FF2B5EF4-FFF2-40B4-BE49-F238E27FC236}">
-                <a16:creationId xmlns:a16="http://schemas.microsoft.com/office/drawing/2014/main" id="{1F37C8B4-33FB-47EA-9C83-1C729E353A06}"/>
+                <a16:creationId xmlns:a16="http://schemas.microsoft.com/office/drawing/2014/main" id="{C681C751-6C4C-405B-BC0E-56FF0D7A6B8F}"/>
               </a:ext>
             </a:extLst>
           </p:cNvPr>
@@ -10515,7 +10516,7 @@
           <a:p>
             <a:r>
               <a:rPr lang="en-US" dirty="0"/>
-              <a:t>Significance – summarize key points of this activity</a:t>
+              <a:t>Goals of Sprint Review/Retro</a:t>
             </a:r>
           </a:p>
         </p:txBody>
@@ -10525,7 +10526,7 @@
           <p:cNvPr id="3" name="Date Placeholder 2">
             <a:extLst>
               <a:ext uri="{FF2B5EF4-FFF2-40B4-BE49-F238E27FC236}">
-                <a16:creationId xmlns:a16="http://schemas.microsoft.com/office/drawing/2014/main" id="{A170A8BF-17BD-43E8-8677-915FFEEA9D32}"/>
+                <a16:creationId xmlns:a16="http://schemas.microsoft.com/office/drawing/2014/main" id="{02EF9BE8-D659-4D3D-9915-762531D05A33}"/>
               </a:ext>
             </a:extLst>
           </p:cNvPr>
@@ -10554,7 +10555,7 @@
           <p:cNvPr id="4" name="Footer Placeholder 3">
             <a:extLst>
               <a:ext uri="{FF2B5EF4-FFF2-40B4-BE49-F238E27FC236}">
-                <a16:creationId xmlns:a16="http://schemas.microsoft.com/office/drawing/2014/main" id="{D96C21D1-2429-4BFE-9695-EC1F9D109A67}"/>
+                <a16:creationId xmlns:a16="http://schemas.microsoft.com/office/drawing/2014/main" id="{6D660630-3ACC-447C-B7B7-0A845C5208C0}"/>
               </a:ext>
             </a:extLst>
           </p:cNvPr>
@@ -10582,7 +10583,7 @@
           <p:cNvPr id="5" name="Slide Number Placeholder 4">
             <a:extLst>
               <a:ext uri="{FF2B5EF4-FFF2-40B4-BE49-F238E27FC236}">
-                <a16:creationId xmlns:a16="http://schemas.microsoft.com/office/drawing/2014/main" id="{F03954BC-1A31-4DCA-9832-4F44C24D4174}"/>
+                <a16:creationId xmlns:a16="http://schemas.microsoft.com/office/drawing/2014/main" id="{A8094A15-9709-4D8E-B763-E5AF93A93B78}"/>
               </a:ext>
             </a:extLst>
           </p:cNvPr>
@@ -10606,10 +10607,67 @@
           </a:p>
         </p:txBody>
       </p:sp>
+      <p:sp>
+        <p:nvSpPr>
+          <p:cNvPr id="6" name="TextBox 5">
+            <a:extLst>
+              <a:ext uri="{FF2B5EF4-FFF2-40B4-BE49-F238E27FC236}">
+                <a16:creationId xmlns:a16="http://schemas.microsoft.com/office/drawing/2014/main" id="{D71BCC7F-EB82-43AA-9F0D-D8FA31F6ABDA}"/>
+              </a:ext>
+            </a:extLst>
+          </p:cNvPr>
+          <p:cNvSpPr txBox="1"/>
+          <p:nvPr/>
+        </p:nvSpPr>
+        <p:spPr>
+          <a:xfrm>
+            <a:off x="1224501" y="1796995"/>
+            <a:ext cx="8488017" cy="553998"/>
+          </a:xfrm>
+          <a:prstGeom prst="rect">
+            <a:avLst/>
+          </a:prstGeom>
+          <a:noFill/>
+        </p:spPr>
+        <p:txBody>
+          <a:bodyPr wrap="square" lIns="0" tIns="0" rIns="0" bIns="0" rtlCol="0">
+            <a:spAutoFit/>
+          </a:bodyPr>
+          <a:lstStyle/>
+          <a:p>
+            <a:pPr marL="285750" indent="-285750">
+              <a:buFont typeface="Arial" panose="020B0604020202020204" pitchFamily="34" charset="0"/>
+              <a:buChar char="•"/>
+            </a:pPr>
+            <a:r>
+              <a:rPr lang="en-US" dirty="0">
+                <a:solidFill>
+                  <a:schemeClr val="accent2"/>
+                </a:solidFill>
+              </a:rPr>
+              <a:t>Review: Demo each “story” (task/requirement) to product owner for acceptance</a:t>
+            </a:r>
+          </a:p>
+          <a:p>
+            <a:pPr marL="285750" indent="-285750">
+              <a:buFont typeface="Arial" panose="020B0604020202020204" pitchFamily="34" charset="0"/>
+              <a:buChar char="•"/>
+            </a:pPr>
+            <a:r>
+              <a:rPr lang="en-US" dirty="0">
+                <a:solidFill>
+                  <a:schemeClr val="accent2"/>
+                </a:solidFill>
+              </a:rPr>
+              <a:t>Retro: reflect on sprint, suggest changes for process improvement</a:t>
+            </a:r>
+          </a:p>
+        </p:txBody>
+      </p:sp>
     </p:spTree>
     <p:extLst>
       <p:ext uri="{BB962C8B-B14F-4D97-AF65-F5344CB8AC3E}">
-        <p14:creationId xmlns:p14="http://schemas.microsoft.com/office/powerpoint/2010/main" val="830380106"/>
+        <p14:creationId xmlns:p14="http://schemas.microsoft.com/office/powerpoint/2010/main" val="77835687"/>
       </p:ext>
     </p:extLst>
   </p:cSld>
@@ -10641,7 +10699,7 @@
           <p:cNvPr id="2" name="Title 1">
             <a:extLst>
               <a:ext uri="{FF2B5EF4-FFF2-40B4-BE49-F238E27FC236}">
-                <a16:creationId xmlns:a16="http://schemas.microsoft.com/office/drawing/2014/main" id="{A89D7FC9-B451-4F69-AA62-39D438720CFC}"/>
+                <a16:creationId xmlns:a16="http://schemas.microsoft.com/office/drawing/2014/main" id="{1F37C8B4-33FB-47EA-9C83-1C729E353A06}"/>
               </a:ext>
             </a:extLst>
           </p:cNvPr>
@@ -10659,7 +10717,7 @@
           <a:p>
             <a:r>
               <a:rPr lang="en-US" dirty="0"/>
-              <a:t>Algorithm – summarize main functions called and why</a:t>
+              <a:t>Significance – summarize key points of this activity</a:t>
             </a:r>
           </a:p>
         </p:txBody>
@@ -10669,7 +10727,7 @@
           <p:cNvPr id="3" name="Date Placeholder 2">
             <a:extLst>
               <a:ext uri="{FF2B5EF4-FFF2-40B4-BE49-F238E27FC236}">
-                <a16:creationId xmlns:a16="http://schemas.microsoft.com/office/drawing/2014/main" id="{DD30271C-8863-4410-8731-AB7247FB9F9F}"/>
+                <a16:creationId xmlns:a16="http://schemas.microsoft.com/office/drawing/2014/main" id="{A170A8BF-17BD-43E8-8677-915FFEEA9D32}"/>
               </a:ext>
             </a:extLst>
           </p:cNvPr>
@@ -10698,7 +10756,7 @@
           <p:cNvPr id="4" name="Footer Placeholder 3">
             <a:extLst>
               <a:ext uri="{FF2B5EF4-FFF2-40B4-BE49-F238E27FC236}">
-                <a16:creationId xmlns:a16="http://schemas.microsoft.com/office/drawing/2014/main" id="{E704B8F3-FC59-4A2E-B52C-C8694B5AF5EE}"/>
+                <a16:creationId xmlns:a16="http://schemas.microsoft.com/office/drawing/2014/main" id="{D96C21D1-2429-4BFE-9695-EC1F9D109A67}"/>
               </a:ext>
             </a:extLst>
           </p:cNvPr>
@@ -10726,7 +10784,7 @@
           <p:cNvPr id="5" name="Slide Number Placeholder 4">
             <a:extLst>
               <a:ext uri="{FF2B5EF4-FFF2-40B4-BE49-F238E27FC236}">
-                <a16:creationId xmlns:a16="http://schemas.microsoft.com/office/drawing/2014/main" id="{978E9D5B-59A4-458D-8F94-17387B144187}"/>
+                <a16:creationId xmlns:a16="http://schemas.microsoft.com/office/drawing/2014/main" id="{F03954BC-1A31-4DCA-9832-4F44C24D4174}"/>
               </a:ext>
             </a:extLst>
           </p:cNvPr>
@@ -10753,7 +10811,7 @@
     </p:spTree>
     <p:extLst>
       <p:ext uri="{BB962C8B-B14F-4D97-AF65-F5344CB8AC3E}">
-        <p14:creationId xmlns:p14="http://schemas.microsoft.com/office/powerpoint/2010/main" val="1379553736"/>
+        <p14:creationId xmlns:p14="http://schemas.microsoft.com/office/powerpoint/2010/main" val="830380106"/>
       </p:ext>
     </p:extLst>
   </p:cSld>
@@ -10785,7 +10843,7 @@
           <p:cNvPr id="2" name="Title 1">
             <a:extLst>
               <a:ext uri="{FF2B5EF4-FFF2-40B4-BE49-F238E27FC236}">
-                <a16:creationId xmlns:a16="http://schemas.microsoft.com/office/drawing/2014/main" id="{7CE911B1-7AD6-47B4-A8A0-4C2073FBD774}"/>
+                <a16:creationId xmlns:a16="http://schemas.microsoft.com/office/drawing/2014/main" id="{A89D7FC9-B451-4F69-AA62-39D438720CFC}"/>
               </a:ext>
             </a:extLst>
           </p:cNvPr>
@@ -10803,7 +10861,7 @@
           <a:p>
             <a:r>
               <a:rPr lang="en-US" dirty="0"/>
-              <a:t>Algorithm – explain in plain English why numerical methods are used</a:t>
+              <a:t>Algorithm – summarize main functions called and why</a:t>
             </a:r>
           </a:p>
         </p:txBody>
@@ -10813,7 +10871,7 @@
           <p:cNvPr id="3" name="Date Placeholder 2">
             <a:extLst>
               <a:ext uri="{FF2B5EF4-FFF2-40B4-BE49-F238E27FC236}">
-                <a16:creationId xmlns:a16="http://schemas.microsoft.com/office/drawing/2014/main" id="{F6872657-6815-4C3D-90E7-929F7C1F4E48}"/>
+                <a16:creationId xmlns:a16="http://schemas.microsoft.com/office/drawing/2014/main" id="{DD30271C-8863-4410-8731-AB7247FB9F9F}"/>
               </a:ext>
             </a:extLst>
           </p:cNvPr>
@@ -10842,7 +10900,7 @@
           <p:cNvPr id="4" name="Footer Placeholder 3">
             <a:extLst>
               <a:ext uri="{FF2B5EF4-FFF2-40B4-BE49-F238E27FC236}">
-                <a16:creationId xmlns:a16="http://schemas.microsoft.com/office/drawing/2014/main" id="{3A0B9964-B6E5-4169-ADCE-6B237E7B9AE4}"/>
+                <a16:creationId xmlns:a16="http://schemas.microsoft.com/office/drawing/2014/main" id="{E704B8F3-FC59-4A2E-B52C-C8694B5AF5EE}"/>
               </a:ext>
             </a:extLst>
           </p:cNvPr>
@@ -10870,7 +10928,7 @@
           <p:cNvPr id="5" name="Slide Number Placeholder 4">
             <a:extLst>
               <a:ext uri="{FF2B5EF4-FFF2-40B4-BE49-F238E27FC236}">
-                <a16:creationId xmlns:a16="http://schemas.microsoft.com/office/drawing/2014/main" id="{AA862143-3D06-4F54-AEA9-E6E6F56F9390}"/>
+                <a16:creationId xmlns:a16="http://schemas.microsoft.com/office/drawing/2014/main" id="{978E9D5B-59A4-458D-8F94-17387B144187}"/>
               </a:ext>
             </a:extLst>
           </p:cNvPr>
@@ -10897,7 +10955,7 @@
     </p:spTree>
     <p:extLst>
       <p:ext uri="{BB962C8B-B14F-4D97-AF65-F5344CB8AC3E}">
-        <p14:creationId xmlns:p14="http://schemas.microsoft.com/office/powerpoint/2010/main" val="820771692"/>
+        <p14:creationId xmlns:p14="http://schemas.microsoft.com/office/powerpoint/2010/main" val="1379553736"/>
       </p:ext>
     </p:extLst>
   </p:cSld>
@@ -10929,7 +10987,7 @@
           <p:cNvPr id="2" name="Title 1">
             <a:extLst>
               <a:ext uri="{FF2B5EF4-FFF2-40B4-BE49-F238E27FC236}">
-                <a16:creationId xmlns:a16="http://schemas.microsoft.com/office/drawing/2014/main" id="{79E99DA0-630A-4999-AE11-B17F0B98D37A}"/>
+                <a16:creationId xmlns:a16="http://schemas.microsoft.com/office/drawing/2014/main" id="{7CE911B1-7AD6-47B4-A8A0-4C2073FBD774}"/>
               </a:ext>
             </a:extLst>
           </p:cNvPr>
@@ -10947,7 +11005,7 @@
           <a:p>
             <a:r>
               <a:rPr lang="en-US" dirty="0"/>
-              <a:t>Algorithm – explain in plain English how you would extend the algorithm to 3D, 4D, beyond</a:t>
+              <a:t>Algorithm – explain in plain English why numerical methods are used</a:t>
             </a:r>
           </a:p>
         </p:txBody>
@@ -10957,7 +11015,7 @@
           <p:cNvPr id="3" name="Date Placeholder 2">
             <a:extLst>
               <a:ext uri="{FF2B5EF4-FFF2-40B4-BE49-F238E27FC236}">
-                <a16:creationId xmlns:a16="http://schemas.microsoft.com/office/drawing/2014/main" id="{2EE64DBE-2C49-435C-AF33-7D018E42A978}"/>
+                <a16:creationId xmlns:a16="http://schemas.microsoft.com/office/drawing/2014/main" id="{F6872657-6815-4C3D-90E7-929F7C1F4E48}"/>
               </a:ext>
             </a:extLst>
           </p:cNvPr>
@@ -10986,7 +11044,7 @@
           <p:cNvPr id="4" name="Footer Placeholder 3">
             <a:extLst>
               <a:ext uri="{FF2B5EF4-FFF2-40B4-BE49-F238E27FC236}">
-                <a16:creationId xmlns:a16="http://schemas.microsoft.com/office/drawing/2014/main" id="{3D5DBEE6-1FC3-43EC-A6E3-F4F0623B670B}"/>
+                <a16:creationId xmlns:a16="http://schemas.microsoft.com/office/drawing/2014/main" id="{3A0B9964-B6E5-4169-ADCE-6B237E7B9AE4}"/>
               </a:ext>
             </a:extLst>
           </p:cNvPr>
@@ -11014,7 +11072,7 @@
           <p:cNvPr id="5" name="Slide Number Placeholder 4">
             <a:extLst>
               <a:ext uri="{FF2B5EF4-FFF2-40B4-BE49-F238E27FC236}">
-                <a16:creationId xmlns:a16="http://schemas.microsoft.com/office/drawing/2014/main" id="{5C6F5594-894F-4D85-82C0-9D900DE9B3CB}"/>
+                <a16:creationId xmlns:a16="http://schemas.microsoft.com/office/drawing/2014/main" id="{AA862143-3D06-4F54-AEA9-E6E6F56F9390}"/>
               </a:ext>
             </a:extLst>
           </p:cNvPr>
@@ -11041,7 +11099,7 @@
     </p:spTree>
     <p:extLst>
       <p:ext uri="{BB962C8B-B14F-4D97-AF65-F5344CB8AC3E}">
-        <p14:creationId xmlns:p14="http://schemas.microsoft.com/office/powerpoint/2010/main" val="1643561512"/>
+        <p14:creationId xmlns:p14="http://schemas.microsoft.com/office/powerpoint/2010/main" val="820771692"/>
       </p:ext>
     </p:extLst>
   </p:cSld>
@@ -11073,7 +11131,7 @@
           <p:cNvPr id="2" name="Title 1">
             <a:extLst>
               <a:ext uri="{FF2B5EF4-FFF2-40B4-BE49-F238E27FC236}">
-                <a16:creationId xmlns:a16="http://schemas.microsoft.com/office/drawing/2014/main" id="{1BCC1F77-8300-466A-9C7F-5B21E88D231D}"/>
+                <a16:creationId xmlns:a16="http://schemas.microsoft.com/office/drawing/2014/main" id="{79E99DA0-630A-4999-AE11-B17F0B98D37A}"/>
               </a:ext>
             </a:extLst>
           </p:cNvPr>
@@ -11091,7 +11149,7 @@
           <a:p>
             <a:r>
               <a:rPr lang="en-US" dirty="0"/>
-              <a:t>Coding – do a study on how changing input parameters in the algorithms changes the outputs?</a:t>
+              <a:t>Algorithm – explain in plain English how you would extend the algorithm to 3D, 4D, beyond</a:t>
             </a:r>
           </a:p>
         </p:txBody>
@@ -11101,7 +11159,7 @@
           <p:cNvPr id="3" name="Date Placeholder 2">
             <a:extLst>
               <a:ext uri="{FF2B5EF4-FFF2-40B4-BE49-F238E27FC236}">
-                <a16:creationId xmlns:a16="http://schemas.microsoft.com/office/drawing/2014/main" id="{B437D10D-4E88-4BAB-8EFD-E0C870D25D0D}"/>
+                <a16:creationId xmlns:a16="http://schemas.microsoft.com/office/drawing/2014/main" id="{2EE64DBE-2C49-435C-AF33-7D018E42A978}"/>
               </a:ext>
             </a:extLst>
           </p:cNvPr>
@@ -11130,7 +11188,7 @@
           <p:cNvPr id="4" name="Footer Placeholder 3">
             <a:extLst>
               <a:ext uri="{FF2B5EF4-FFF2-40B4-BE49-F238E27FC236}">
-                <a16:creationId xmlns:a16="http://schemas.microsoft.com/office/drawing/2014/main" id="{49DF8C9D-4C14-425D-B520-A1C7AF13AC52}"/>
+                <a16:creationId xmlns:a16="http://schemas.microsoft.com/office/drawing/2014/main" id="{3D5DBEE6-1FC3-43EC-A6E3-F4F0623B670B}"/>
               </a:ext>
             </a:extLst>
           </p:cNvPr>
@@ -11158,7 +11216,7 @@
           <p:cNvPr id="5" name="Slide Number Placeholder 4">
             <a:extLst>
               <a:ext uri="{FF2B5EF4-FFF2-40B4-BE49-F238E27FC236}">
-                <a16:creationId xmlns:a16="http://schemas.microsoft.com/office/drawing/2014/main" id="{E53F0E2C-CD60-4BED-8A91-4E8A7C25550F}"/>
+                <a16:creationId xmlns:a16="http://schemas.microsoft.com/office/drawing/2014/main" id="{5C6F5594-894F-4D85-82C0-9D900DE9B3CB}"/>
               </a:ext>
             </a:extLst>
           </p:cNvPr>
@@ -11185,7 +11243,7 @@
     </p:spTree>
     <p:extLst>
       <p:ext uri="{BB962C8B-B14F-4D97-AF65-F5344CB8AC3E}">
-        <p14:creationId xmlns:p14="http://schemas.microsoft.com/office/powerpoint/2010/main" val="6936538"/>
+        <p14:creationId xmlns:p14="http://schemas.microsoft.com/office/powerpoint/2010/main" val="1643561512"/>
       </p:ext>
     </p:extLst>
   </p:cSld>
@@ -11217,7 +11275,7 @@
           <p:cNvPr id="2" name="Title 1">
             <a:extLst>
               <a:ext uri="{FF2B5EF4-FFF2-40B4-BE49-F238E27FC236}">
-                <a16:creationId xmlns:a16="http://schemas.microsoft.com/office/drawing/2014/main" id="{14D1FEA8-4E30-40AD-92EB-320FCAD023DA}"/>
+                <a16:creationId xmlns:a16="http://schemas.microsoft.com/office/drawing/2014/main" id="{1BCC1F77-8300-466A-9C7F-5B21E88D231D}"/>
               </a:ext>
             </a:extLst>
           </p:cNvPr>
@@ -11235,7 +11293,7 @@
           <a:p>
             <a:r>
               <a:rPr lang="en-US" dirty="0"/>
-              <a:t>Coding – using any kind of data outputted from this exercise show a cool plot with colors</a:t>
+              <a:t>Coding – do a study on how changing input parameters in the algorithms changes the outputs?</a:t>
             </a:r>
           </a:p>
         </p:txBody>
@@ -11245,7 +11303,7 @@
           <p:cNvPr id="3" name="Date Placeholder 2">
             <a:extLst>
               <a:ext uri="{FF2B5EF4-FFF2-40B4-BE49-F238E27FC236}">
-                <a16:creationId xmlns:a16="http://schemas.microsoft.com/office/drawing/2014/main" id="{D900F170-0D30-400A-8BE8-0791E8605B39}"/>
+                <a16:creationId xmlns:a16="http://schemas.microsoft.com/office/drawing/2014/main" id="{B437D10D-4E88-4BAB-8EFD-E0C870D25D0D}"/>
               </a:ext>
             </a:extLst>
           </p:cNvPr>
@@ -11274,7 +11332,7 @@
           <p:cNvPr id="4" name="Footer Placeholder 3">
             <a:extLst>
               <a:ext uri="{FF2B5EF4-FFF2-40B4-BE49-F238E27FC236}">
-                <a16:creationId xmlns:a16="http://schemas.microsoft.com/office/drawing/2014/main" id="{B7A92993-DBBD-47A6-81B4-E8DB54F4A23E}"/>
+                <a16:creationId xmlns:a16="http://schemas.microsoft.com/office/drawing/2014/main" id="{49DF8C9D-4C14-425D-B520-A1C7AF13AC52}"/>
               </a:ext>
             </a:extLst>
           </p:cNvPr>
@@ -11302,7 +11360,7 @@
           <p:cNvPr id="5" name="Slide Number Placeholder 4">
             <a:extLst>
               <a:ext uri="{FF2B5EF4-FFF2-40B4-BE49-F238E27FC236}">
-                <a16:creationId xmlns:a16="http://schemas.microsoft.com/office/drawing/2014/main" id="{1ACF5D45-8760-437F-92DA-130365F9DC59}"/>
+                <a16:creationId xmlns:a16="http://schemas.microsoft.com/office/drawing/2014/main" id="{E53F0E2C-CD60-4BED-8A91-4E8A7C25550F}"/>
               </a:ext>
             </a:extLst>
           </p:cNvPr>
@@ -11329,7 +11387,7 @@
     </p:spTree>
     <p:extLst>
       <p:ext uri="{BB962C8B-B14F-4D97-AF65-F5344CB8AC3E}">
-        <p14:creationId xmlns:p14="http://schemas.microsoft.com/office/powerpoint/2010/main" val="2054234993"/>
+        <p14:creationId xmlns:p14="http://schemas.microsoft.com/office/powerpoint/2010/main" val="6936538"/>
       </p:ext>
     </p:extLst>
   </p:cSld>
@@ -11361,6 +11419,150 @@
           <p:cNvPr id="2" name="Title 1">
             <a:extLst>
               <a:ext uri="{FF2B5EF4-FFF2-40B4-BE49-F238E27FC236}">
+                <a16:creationId xmlns:a16="http://schemas.microsoft.com/office/drawing/2014/main" id="{14D1FEA8-4E30-40AD-92EB-320FCAD023DA}"/>
+              </a:ext>
+            </a:extLst>
+          </p:cNvPr>
+          <p:cNvSpPr>
+            <a:spLocks noGrp="1"/>
+          </p:cNvSpPr>
+          <p:nvPr>
+            <p:ph type="title"/>
+          </p:nvPr>
+        </p:nvSpPr>
+        <p:spPr/>
+        <p:txBody>
+          <a:bodyPr/>
+          <a:lstStyle/>
+          <a:p>
+            <a:r>
+              <a:rPr lang="en-US" dirty="0"/>
+              <a:t>Coding – using any kind of data outputted from this exercise show a cool plot with colors</a:t>
+            </a:r>
+          </a:p>
+        </p:txBody>
+      </p:sp>
+      <p:sp>
+        <p:nvSpPr>
+          <p:cNvPr id="3" name="Date Placeholder 2">
+            <a:extLst>
+              <a:ext uri="{FF2B5EF4-FFF2-40B4-BE49-F238E27FC236}">
+                <a16:creationId xmlns:a16="http://schemas.microsoft.com/office/drawing/2014/main" id="{D900F170-0D30-400A-8BE8-0791E8605B39}"/>
+              </a:ext>
+            </a:extLst>
+          </p:cNvPr>
+          <p:cNvSpPr>
+            <a:spLocks noGrp="1"/>
+          </p:cNvSpPr>
+          <p:nvPr>
+            <p:ph type="dt" sz="half" idx="10"/>
+          </p:nvPr>
+        </p:nvSpPr>
+        <p:spPr/>
+        <p:txBody>
+          <a:bodyPr/>
+          <a:lstStyle/>
+          <a:p>
+            <a:fld id="{9AC9EBFE-5BA1-460F-BE92-8CF5579A714B}" type="datetime4">
+              <a:rPr lang="en-US" smtClean="0"/>
+              <a:t>December 1, 2022</a:t>
+            </a:fld>
+            <a:endParaRPr lang="en-CA"/>
+          </a:p>
+        </p:txBody>
+      </p:sp>
+      <p:sp>
+        <p:nvSpPr>
+          <p:cNvPr id="4" name="Footer Placeholder 3">
+            <a:extLst>
+              <a:ext uri="{FF2B5EF4-FFF2-40B4-BE49-F238E27FC236}">
+                <a16:creationId xmlns:a16="http://schemas.microsoft.com/office/drawing/2014/main" id="{B7A92993-DBBD-47A6-81B4-E8DB54F4A23E}"/>
+              </a:ext>
+            </a:extLst>
+          </p:cNvPr>
+          <p:cNvSpPr>
+            <a:spLocks noGrp="1"/>
+          </p:cNvSpPr>
+          <p:nvPr>
+            <p:ph type="ftr" sz="quarter" idx="11"/>
+          </p:nvPr>
+        </p:nvSpPr>
+        <p:spPr/>
+        <p:txBody>
+          <a:bodyPr/>
+          <a:lstStyle/>
+          <a:p>
+            <a:r>
+              <a:rPr lang="en-CA"/>
+              <a:t>Presentation Title</a:t>
+            </a:r>
+          </a:p>
+        </p:txBody>
+      </p:sp>
+      <p:sp>
+        <p:nvSpPr>
+          <p:cNvPr id="5" name="Slide Number Placeholder 4">
+            <a:extLst>
+              <a:ext uri="{FF2B5EF4-FFF2-40B4-BE49-F238E27FC236}">
+                <a16:creationId xmlns:a16="http://schemas.microsoft.com/office/drawing/2014/main" id="{1ACF5D45-8760-437F-92DA-130365F9DC59}"/>
+              </a:ext>
+            </a:extLst>
+          </p:cNvPr>
+          <p:cNvSpPr>
+            <a:spLocks noGrp="1"/>
+          </p:cNvSpPr>
+          <p:nvPr>
+            <p:ph type="sldNum" sz="quarter" idx="12"/>
+          </p:nvPr>
+        </p:nvSpPr>
+        <p:spPr/>
+        <p:txBody>
+          <a:bodyPr/>
+          <a:lstStyle/>
+          <a:p>
+            <a:fld id="{00E6A5BD-C011-4A45-AA3A-201790FB7F2B}" type="slidenum">
+              <a:rPr lang="en-CA" smtClean="0"/>
+              <a:t>8</a:t>
+            </a:fld>
+            <a:endParaRPr lang="en-CA"/>
+          </a:p>
+        </p:txBody>
+      </p:sp>
+    </p:spTree>
+    <p:extLst>
+      <p:ext uri="{BB962C8B-B14F-4D97-AF65-F5344CB8AC3E}">
+        <p14:creationId xmlns:p14="http://schemas.microsoft.com/office/powerpoint/2010/main" val="2054234993"/>
+      </p:ext>
+    </p:extLst>
+  </p:cSld>
+  <p:clrMapOvr>
+    <a:masterClrMapping/>
+  </p:clrMapOvr>
+</p:sld>
+</file>
+
+<file path=ppt/slides/slide9.xml><?xml version="1.0" encoding="utf-8"?>
+<p:sld xmlns:a="http://schemas.openxmlformats.org/drawingml/2006/main" xmlns:r="http://schemas.openxmlformats.org/officeDocument/2006/relationships" xmlns:p="http://schemas.openxmlformats.org/presentationml/2006/main">
+  <p:cSld>
+    <p:spTree>
+      <p:nvGrpSpPr>
+        <p:cNvPr id="1" name=""/>
+        <p:cNvGrpSpPr/>
+        <p:nvPr/>
+      </p:nvGrpSpPr>
+      <p:grpSpPr>
+        <a:xfrm>
+          <a:off x="0" y="0"/>
+          <a:ext cx="0" cy="0"/>
+          <a:chOff x="0" y="0"/>
+          <a:chExt cx="0" cy="0"/>
+        </a:xfrm>
+      </p:grpSpPr>
+      <p:sp>
+        <p:nvSpPr>
+          <p:cNvPr id="2" name="Title 1">
+            <a:extLst>
+              <a:ext uri="{FF2B5EF4-FFF2-40B4-BE49-F238E27FC236}">
                 <a16:creationId xmlns:a16="http://schemas.microsoft.com/office/drawing/2014/main" id="{DB334898-D631-4C74-84A1-69957732BEA5}"/>
               </a:ext>
             </a:extLst>
@@ -11379,11 +11581,7 @@
           <a:p>
             <a:r>
               <a:rPr lang="en-US" dirty="0"/>
-              <a:t>Explain in plain English a GE scenario that would benefit from </a:t>
-            </a:r>
-            <a:r>
-              <a:rPr lang="en-US"/>
-              <a:t>numerical integration</a:t>
+              <a:t>Explain in plain English a GE scenario that would benefit from numerical integration</a:t>
             </a:r>
           </a:p>
         </p:txBody>
@@ -11468,7 +11666,7 @@
           <a:p>
             <a:fld id="{00E6A5BD-C011-4A45-AA3A-201790FB7F2B}" type="slidenum">
               <a:rPr lang="en-CA" smtClean="0"/>
-              <a:t>8</a:t>
+              <a:t>9</a:t>
             </a:fld>
             <a:endParaRPr lang="en-CA"/>
           </a:p>

--- a/Sprint Review PPT.pptx
+++ b/Sprint Review PPT.pptx
@@ -273,7 +273,7 @@
           <a:p>
             <a:fld id="{FCBF77B6-06AB-43A3-89A4-8CD1677993D0}" type="datetimeFigureOut">
               <a:rPr lang="en-CA" smtClean="0"/>
-              <a:t>2022-12-01</a:t>
+              <a:t>2022-12-05</a:t>
             </a:fld>
             <a:endParaRPr lang="en-CA"/>
           </a:p>
@@ -479,7 +479,7 @@
           <a:p>
             <a:fld id="{9B6804B0-AD37-4623-8498-3C9AE39E25E5}" type="datetimeFigureOut">
               <a:rPr lang="en-CA" smtClean="0"/>
-              <a:t>2022-12-01</a:t>
+              <a:t>2022-12-05</a:t>
             </a:fld>
             <a:endParaRPr lang="en-CA"/>
           </a:p>
@@ -890,7 +890,7 @@
           <a:p>
             <a:fld id="{6050E0BC-091B-4F46-A64B-EF4A39477016}" type="datetime4">
               <a:rPr lang="en-US" smtClean="0"/>
-              <a:t>December 1, 2022</a:t>
+              <a:t>December 5, 2022</a:t>
             </a:fld>
             <a:endParaRPr lang="en-CA" dirty="0"/>
           </a:p>
@@ -1265,7 +1265,7 @@
           <a:p>
             <a:fld id="{BAF25C84-DC05-420E-ABA4-99596C0F9BFB}" type="datetime4">
               <a:rPr lang="en-US" smtClean="0"/>
-              <a:t>December 1, 2022</a:t>
+              <a:t>December 5, 2022</a:t>
             </a:fld>
             <a:endParaRPr lang="en-CA"/>
           </a:p>
@@ -1735,7 +1735,7 @@
           <a:p>
             <a:fld id="{016954F2-A168-429F-B267-8625DABCA019}" type="datetime4">
               <a:rPr lang="en-US" smtClean="0"/>
-              <a:t>December 1, 2022</a:t>
+              <a:t>December 5, 2022</a:t>
             </a:fld>
             <a:endParaRPr lang="en-CA"/>
           </a:p>
@@ -2265,7 +2265,7 @@
           <a:p>
             <a:fld id="{BAF25C84-DC05-420E-ABA4-99596C0F9BFB}" type="datetime4">
               <a:rPr lang="en-US" smtClean="0"/>
-              <a:t>December 1, 2022</a:t>
+              <a:t>December 5, 2022</a:t>
             </a:fld>
             <a:endParaRPr lang="en-CA"/>
           </a:p>
@@ -3080,7 +3080,7 @@
           <a:p>
             <a:fld id="{BAF25C84-DC05-420E-ABA4-99596C0F9BFB}" type="datetime4">
               <a:rPr lang="en-US" smtClean="0"/>
-              <a:t>December 1, 2022</a:t>
+              <a:t>December 5, 2022</a:t>
             </a:fld>
             <a:endParaRPr lang="en-CA"/>
           </a:p>
@@ -4089,7 +4089,7 @@
           <a:p>
             <a:fld id="{F5C60C1E-BE52-444A-B903-D3D3A7A6ABD9}" type="datetime4">
               <a:rPr lang="en-US" smtClean="0"/>
-              <a:t>December 1, 2022</a:t>
+              <a:t>December 5, 2022</a:t>
             </a:fld>
             <a:endParaRPr lang="en-CA"/>
           </a:p>
@@ -4396,7 +4396,7 @@
           <a:p>
             <a:fld id="{F5C60C1E-BE52-444A-B903-D3D3A7A6ABD9}" type="datetime4">
               <a:rPr lang="en-US" smtClean="0"/>
-              <a:t>December 1, 2022</a:t>
+              <a:t>December 5, 2022</a:t>
             </a:fld>
             <a:endParaRPr lang="en-CA"/>
           </a:p>
@@ -4742,7 +4742,7 @@
           <a:p>
             <a:fld id="{F5C60C1E-BE52-444A-B903-D3D3A7A6ABD9}" type="datetime4">
               <a:rPr lang="en-US" smtClean="0"/>
-              <a:t>December 1, 2022</a:t>
+              <a:t>December 5, 2022</a:t>
             </a:fld>
             <a:endParaRPr lang="en-CA"/>
           </a:p>
@@ -5070,7 +5070,7 @@
           <a:p>
             <a:fld id="{F5C60C1E-BE52-444A-B903-D3D3A7A6ABD9}" type="datetime4">
               <a:rPr lang="en-US" smtClean="0"/>
-              <a:t>December 1, 2022</a:t>
+              <a:t>December 5, 2022</a:t>
             </a:fld>
             <a:endParaRPr lang="en-CA"/>
           </a:p>
@@ -5408,7 +5408,7 @@
           <a:p>
             <a:fld id="{CDBE93D9-1E7C-4963-AD25-D0E8D4EECEE5}" type="datetime4">
               <a:rPr lang="en-US" smtClean="0"/>
-              <a:t>December 1, 2022</a:t>
+              <a:t>December 5, 2022</a:t>
             </a:fld>
             <a:endParaRPr lang="en-CA"/>
           </a:p>
@@ -7689,7 +7689,7 @@
           <a:p>
             <a:fld id="{11A10271-0286-4BA7-AF61-91EDADC7C7D8}" type="datetime4">
               <a:rPr lang="en-US" smtClean="0"/>
-              <a:t>December 1, 2022</a:t>
+              <a:t>December 5, 2022</a:t>
             </a:fld>
             <a:endParaRPr lang="en-CA" dirty="0"/>
           </a:p>
@@ -8363,7 +8363,7 @@
           <a:p>
             <a:fld id="{9AC9EBFE-5BA1-460F-BE92-8CF5579A714B}" type="datetime4">
               <a:rPr lang="en-US" smtClean="0"/>
-              <a:t>December 1, 2022</a:t>
+              <a:t>December 5, 2022</a:t>
             </a:fld>
             <a:endParaRPr lang="en-CA"/>
           </a:p>
@@ -8502,7 +8502,7 @@
           <a:p>
             <a:fld id="{561146A8-A192-4F5D-A963-F694E58B90FD}" type="datetime4">
               <a:rPr lang="en-US" smtClean="0"/>
-              <a:t>December 1, 2022</a:t>
+              <a:t>December 5, 2022</a:t>
             </a:fld>
             <a:endParaRPr lang="en-CA"/>
           </a:p>
@@ -8698,7 +8698,7 @@
           <a:p>
             <a:fld id="{D36516F6-A097-4E38-8A59-185C4D2E3785}" type="datetime4">
               <a:rPr lang="en-US" smtClean="0"/>
-              <a:t>December 1, 2022</a:t>
+              <a:t>December 5, 2022</a:t>
             </a:fld>
             <a:endParaRPr lang="en-CA"/>
           </a:p>
@@ -9136,7 +9136,7 @@
           <a:p>
             <a:fld id="{66CA7FD2-EEE1-4653-A3ED-EC06E26685F5}" type="datetime4">
               <a:rPr lang="en-US" smtClean="0"/>
-              <a:t>December 1, 2022</a:t>
+              <a:t>December 5, 2022</a:t>
             </a:fld>
             <a:endParaRPr lang="en-CA"/>
           </a:p>
@@ -9404,7 +9404,7 @@
           <a:p>
             <a:fld id="{66CA7FD2-EEE1-4653-A3ED-EC06E26685F5}" type="datetime4">
               <a:rPr lang="en-US" smtClean="0"/>
-              <a:t>December 1, 2022</a:t>
+              <a:t>December 5, 2022</a:t>
             </a:fld>
             <a:endParaRPr lang="en-CA"/>
           </a:p>
@@ -9883,7 +9883,7 @@
           <a:p>
             <a:fld id="{59AD7A44-F5B9-48AC-81DD-DBE0808B6C3A}" type="datetime4">
               <a:rPr lang="en-US" smtClean="0"/>
-              <a:t>December 1, 2022</a:t>
+              <a:t>December 5, 2022</a:t>
             </a:fld>
             <a:endParaRPr lang="en-CA" dirty="0"/>
           </a:p>
@@ -10457,7 +10457,7 @@
           <a:p>
             <a:fld id="{5BE6D354-99C5-404C-B6A2-01FFCCA0E449}" type="datetime4">
               <a:rPr lang="en-US" smtClean="0"/>
-              <a:t>December 1, 2022</a:t>
+              <a:t>December 5, 2022</a:t>
             </a:fld>
             <a:endParaRPr lang="en-CA" dirty="0"/>
           </a:p>
@@ -10544,7 +10544,7 @@
           <a:p>
             <a:fld id="{9AC9EBFE-5BA1-460F-BE92-8CF5579A714B}" type="datetime4">
               <a:rPr lang="en-US" smtClean="0"/>
-              <a:t>December 1, 2022</a:t>
+              <a:t>December 5, 2022</a:t>
             </a:fld>
             <a:endParaRPr lang="en-CA"/>
           </a:p>
@@ -10717,7 +10717,7 @@
           <a:p>
             <a:r>
               <a:rPr lang="en-US" dirty="0"/>
-              <a:t>Significance – summarize key points of this activity</a:t>
+              <a:t>Problem Significance</a:t>
             </a:r>
           </a:p>
         </p:txBody>
@@ -10745,7 +10745,7 @@
           <a:p>
             <a:fld id="{9AC9EBFE-5BA1-460F-BE92-8CF5579A714B}" type="datetime4">
               <a:rPr lang="en-US" smtClean="0"/>
-              <a:t>December 1, 2022</a:t>
+              <a:t>December 5, 2022</a:t>
             </a:fld>
             <a:endParaRPr lang="en-CA"/>
           </a:p>
@@ -10805,6 +10805,116 @@
               <a:t>3</a:t>
             </a:fld>
             <a:endParaRPr lang="en-CA"/>
+          </a:p>
+        </p:txBody>
+      </p:sp>
+      <p:sp>
+        <p:nvSpPr>
+          <p:cNvPr id="6" name="TextBox 5">
+            <a:extLst>
+              <a:ext uri="{FF2B5EF4-FFF2-40B4-BE49-F238E27FC236}">
+                <a16:creationId xmlns:a16="http://schemas.microsoft.com/office/drawing/2014/main" id="{74F88D33-475C-4F6D-B6A0-407D2E1AE71F}"/>
+              </a:ext>
+            </a:extLst>
+          </p:cNvPr>
+          <p:cNvSpPr txBox="1"/>
+          <p:nvPr/>
+        </p:nvSpPr>
+        <p:spPr>
+          <a:xfrm>
+            <a:off x="1323703" y="1637211"/>
+            <a:ext cx="9692640" cy="1661993"/>
+          </a:xfrm>
+          <a:prstGeom prst="rect">
+            <a:avLst/>
+          </a:prstGeom>
+          <a:noFill/>
+        </p:spPr>
+        <p:txBody>
+          <a:bodyPr wrap="square" lIns="0" tIns="0" rIns="0" bIns="0" rtlCol="0">
+            <a:spAutoFit/>
+          </a:bodyPr>
+          <a:lstStyle/>
+          <a:p>
+            <a:pPr marL="285750" indent="-285750">
+              <a:buFont typeface="Arial" panose="020B0604020202020204" pitchFamily="34" charset="0"/>
+              <a:buChar char="•"/>
+            </a:pPr>
+            <a:r>
+              <a:rPr lang="en-US" dirty="0">
+                <a:solidFill>
+                  <a:schemeClr val="accent2"/>
+                </a:solidFill>
+              </a:rPr>
+              <a:t>Task: estimate the circumference and area of a circle without using Pi</a:t>
+            </a:r>
+          </a:p>
+          <a:p>
+            <a:pPr marL="742950" lvl="1" indent="-285750">
+              <a:buFont typeface="Arial" panose="020B0604020202020204" pitchFamily="34" charset="0"/>
+              <a:buChar char="•"/>
+            </a:pPr>
+            <a:endParaRPr lang="en-US" dirty="0">
+              <a:solidFill>
+                <a:schemeClr val="accent2"/>
+              </a:solidFill>
+            </a:endParaRPr>
+          </a:p>
+          <a:p>
+            <a:pPr marL="285750" indent="-285750">
+              <a:buFont typeface="Arial" panose="020B0604020202020204" pitchFamily="34" charset="0"/>
+              <a:buChar char="•"/>
+            </a:pPr>
+            <a:r>
+              <a:rPr lang="en-US" dirty="0">
+                <a:solidFill>
+                  <a:schemeClr val="accent2"/>
+                </a:solidFill>
+              </a:rPr>
+              <a:t>Goals:</a:t>
+            </a:r>
+          </a:p>
+          <a:p>
+            <a:pPr marL="742950" lvl="1" indent="-285750">
+              <a:buFont typeface="Arial" panose="020B0604020202020204" pitchFamily="34" charset="0"/>
+              <a:buChar char="•"/>
+            </a:pPr>
+            <a:r>
+              <a:rPr lang="en-US" dirty="0">
+                <a:solidFill>
+                  <a:schemeClr val="accent2"/>
+                </a:solidFill>
+              </a:rPr>
+              <a:t>Accomplish task</a:t>
+            </a:r>
+          </a:p>
+          <a:p>
+            <a:pPr marL="742950" lvl="1" indent="-285750">
+              <a:buFont typeface="Arial" panose="020B0604020202020204" pitchFamily="34" charset="0"/>
+              <a:buChar char="•"/>
+            </a:pPr>
+            <a:r>
+              <a:rPr lang="en-US" dirty="0">
+                <a:solidFill>
+                  <a:schemeClr val="accent2"/>
+                </a:solidFill>
+              </a:rPr>
+              <a:t>Familiarize ourselves with GitHub and agile principles</a:t>
+            </a:r>
+          </a:p>
+          <a:p>
+            <a:pPr marL="742950" lvl="1" indent="-285750">
+              <a:buFont typeface="Arial" panose="020B0604020202020204" pitchFamily="34" charset="0"/>
+              <a:buChar char="•"/>
+            </a:pPr>
+            <a:r>
+              <a:rPr lang="en-US" dirty="0">
+                <a:solidFill>
+                  <a:schemeClr val="accent2"/>
+                </a:solidFill>
+              </a:rPr>
+              <a:t>Improve software development skills</a:t>
+            </a:r>
           </a:p>
         </p:txBody>
       </p:sp>
@@ -10889,7 +10999,7 @@
           <a:p>
             <a:fld id="{9AC9EBFE-5BA1-460F-BE92-8CF5579A714B}" type="datetime4">
               <a:rPr lang="en-US" smtClean="0"/>
-              <a:t>December 1, 2022</a:t>
+              <a:t>December 5, 2022</a:t>
             </a:fld>
             <a:endParaRPr lang="en-CA"/>
           </a:p>
@@ -11033,7 +11143,7 @@
           <a:p>
             <a:fld id="{9AC9EBFE-5BA1-460F-BE92-8CF5579A714B}" type="datetime4">
               <a:rPr lang="en-US" smtClean="0"/>
-              <a:t>December 1, 2022</a:t>
+              <a:t>December 5, 2022</a:t>
             </a:fld>
             <a:endParaRPr lang="en-CA"/>
           </a:p>
@@ -11177,7 +11287,7 @@
           <a:p>
             <a:fld id="{9AC9EBFE-5BA1-460F-BE92-8CF5579A714B}" type="datetime4">
               <a:rPr lang="en-US" smtClean="0"/>
-              <a:t>December 1, 2022</a:t>
+              <a:t>December 5, 2022</a:t>
             </a:fld>
             <a:endParaRPr lang="en-CA"/>
           </a:p>
@@ -11321,7 +11431,7 @@
           <a:p>
             <a:fld id="{9AC9EBFE-5BA1-460F-BE92-8CF5579A714B}" type="datetime4">
               <a:rPr lang="en-US" smtClean="0"/>
-              <a:t>December 1, 2022</a:t>
+              <a:t>December 5, 2022</a:t>
             </a:fld>
             <a:endParaRPr lang="en-CA"/>
           </a:p>
@@ -11465,7 +11575,7 @@
           <a:p>
             <a:fld id="{9AC9EBFE-5BA1-460F-BE92-8CF5579A714B}" type="datetime4">
               <a:rPr lang="en-US" smtClean="0"/>
-              <a:t>December 1, 2022</a:t>
+              <a:t>December 5, 2022</a:t>
             </a:fld>
             <a:endParaRPr lang="en-CA"/>
           </a:p>
@@ -11609,7 +11719,7 @@
           <a:p>
             <a:fld id="{9AC9EBFE-5BA1-460F-BE92-8CF5579A714B}" type="datetime4">
               <a:rPr lang="en-US" smtClean="0"/>
-              <a:t>December 1, 2022</a:t>
+              <a:t>December 5, 2022</a:t>
             </a:fld>
             <a:endParaRPr lang="en-CA"/>
           </a:p>

--- a/Sprint Review PPT.pptx
+++ b/Sprint Review PPT.pptx
@@ -5,10 +5,10 @@
     <p:sldMasterId id="2147483678" r:id="rId1"/>
   </p:sldMasterIdLst>
   <p:notesMasterIdLst>
-    <p:notesMasterId r:id="rId11"/>
+    <p:notesMasterId r:id="rId12"/>
   </p:notesMasterIdLst>
   <p:handoutMasterIdLst>
-    <p:handoutMasterId r:id="rId12"/>
+    <p:handoutMasterId r:id="rId13"/>
   </p:handoutMasterIdLst>
   <p:sldIdLst>
     <p:sldId id="268" r:id="rId2"/>
@@ -18,8 +18,9 @@
     <p:sldId id="271" r:id="rId6"/>
     <p:sldId id="272" r:id="rId7"/>
     <p:sldId id="273" r:id="rId8"/>
-    <p:sldId id="274" r:id="rId9"/>
-    <p:sldId id="275" r:id="rId10"/>
+    <p:sldId id="277" r:id="rId9"/>
+    <p:sldId id="274" r:id="rId10"/>
+    <p:sldId id="275" r:id="rId11"/>
   </p:sldIdLst>
   <p:sldSz cx="12192000" cy="6858000"/>
   <p:notesSz cx="6858000" cy="9144000"/>
@@ -10476,6 +10477,150 @@
 </p:sld>
 </file>
 
+<file path=ppt/slides/slide10.xml><?xml version="1.0" encoding="utf-8"?>
+<p:sld xmlns:a="http://schemas.openxmlformats.org/drawingml/2006/main" xmlns:r="http://schemas.openxmlformats.org/officeDocument/2006/relationships" xmlns:p="http://schemas.openxmlformats.org/presentationml/2006/main">
+  <p:cSld>
+    <p:spTree>
+      <p:nvGrpSpPr>
+        <p:cNvPr id="1" name=""/>
+        <p:cNvGrpSpPr/>
+        <p:nvPr/>
+      </p:nvGrpSpPr>
+      <p:grpSpPr>
+        <a:xfrm>
+          <a:off x="0" y="0"/>
+          <a:ext cx="0" cy="0"/>
+          <a:chOff x="0" y="0"/>
+          <a:chExt cx="0" cy="0"/>
+        </a:xfrm>
+      </p:grpSpPr>
+      <p:sp>
+        <p:nvSpPr>
+          <p:cNvPr id="2" name="Title 1">
+            <a:extLst>
+              <a:ext uri="{FF2B5EF4-FFF2-40B4-BE49-F238E27FC236}">
+                <a16:creationId xmlns:a16="http://schemas.microsoft.com/office/drawing/2014/main" id="{DB334898-D631-4C74-84A1-69957732BEA5}"/>
+              </a:ext>
+            </a:extLst>
+          </p:cNvPr>
+          <p:cNvSpPr>
+            <a:spLocks noGrp="1"/>
+          </p:cNvSpPr>
+          <p:nvPr>
+            <p:ph type="title"/>
+          </p:nvPr>
+        </p:nvSpPr>
+        <p:spPr/>
+        <p:txBody>
+          <a:bodyPr/>
+          <a:lstStyle/>
+          <a:p>
+            <a:r>
+              <a:rPr lang="en-US" dirty="0"/>
+              <a:t>Explain in plain English a GE scenario that would benefit from numerical integration</a:t>
+            </a:r>
+          </a:p>
+        </p:txBody>
+      </p:sp>
+      <p:sp>
+        <p:nvSpPr>
+          <p:cNvPr id="3" name="Date Placeholder 2">
+            <a:extLst>
+              <a:ext uri="{FF2B5EF4-FFF2-40B4-BE49-F238E27FC236}">
+                <a16:creationId xmlns:a16="http://schemas.microsoft.com/office/drawing/2014/main" id="{9FDB3C70-0541-4626-9DF3-B7935ECFFF76}"/>
+              </a:ext>
+            </a:extLst>
+          </p:cNvPr>
+          <p:cNvSpPr>
+            <a:spLocks noGrp="1"/>
+          </p:cNvSpPr>
+          <p:nvPr>
+            <p:ph type="dt" sz="half" idx="10"/>
+          </p:nvPr>
+        </p:nvSpPr>
+        <p:spPr/>
+        <p:txBody>
+          <a:bodyPr/>
+          <a:lstStyle/>
+          <a:p>
+            <a:fld id="{9AC9EBFE-5BA1-460F-BE92-8CF5579A714B}" type="datetime4">
+              <a:rPr lang="en-US" smtClean="0"/>
+              <a:t>December 5, 2022</a:t>
+            </a:fld>
+            <a:endParaRPr lang="en-CA"/>
+          </a:p>
+        </p:txBody>
+      </p:sp>
+      <p:sp>
+        <p:nvSpPr>
+          <p:cNvPr id="4" name="Footer Placeholder 3">
+            <a:extLst>
+              <a:ext uri="{FF2B5EF4-FFF2-40B4-BE49-F238E27FC236}">
+                <a16:creationId xmlns:a16="http://schemas.microsoft.com/office/drawing/2014/main" id="{EE95C2A9-4FAB-434C-AD19-0CBC470CD444}"/>
+              </a:ext>
+            </a:extLst>
+          </p:cNvPr>
+          <p:cNvSpPr>
+            <a:spLocks noGrp="1"/>
+          </p:cNvSpPr>
+          <p:nvPr>
+            <p:ph type="ftr" sz="quarter" idx="11"/>
+          </p:nvPr>
+        </p:nvSpPr>
+        <p:spPr/>
+        <p:txBody>
+          <a:bodyPr/>
+          <a:lstStyle/>
+          <a:p>
+            <a:r>
+              <a:rPr lang="en-CA"/>
+              <a:t>Presentation Title</a:t>
+            </a:r>
+          </a:p>
+        </p:txBody>
+      </p:sp>
+      <p:sp>
+        <p:nvSpPr>
+          <p:cNvPr id="5" name="Slide Number Placeholder 4">
+            <a:extLst>
+              <a:ext uri="{FF2B5EF4-FFF2-40B4-BE49-F238E27FC236}">
+                <a16:creationId xmlns:a16="http://schemas.microsoft.com/office/drawing/2014/main" id="{98C73070-B4B6-4677-93F1-04BEBC6549BF}"/>
+              </a:ext>
+            </a:extLst>
+          </p:cNvPr>
+          <p:cNvSpPr>
+            <a:spLocks noGrp="1"/>
+          </p:cNvSpPr>
+          <p:nvPr>
+            <p:ph type="sldNum" sz="quarter" idx="12"/>
+          </p:nvPr>
+        </p:nvSpPr>
+        <p:spPr/>
+        <p:txBody>
+          <a:bodyPr/>
+          <a:lstStyle/>
+          <a:p>
+            <a:fld id="{00E6A5BD-C011-4A45-AA3A-201790FB7F2B}" type="slidenum">
+              <a:rPr lang="en-CA" smtClean="0"/>
+              <a:t>10</a:t>
+            </a:fld>
+            <a:endParaRPr lang="en-CA"/>
+          </a:p>
+        </p:txBody>
+      </p:sp>
+    </p:spTree>
+    <p:extLst>
+      <p:ext uri="{BB962C8B-B14F-4D97-AF65-F5344CB8AC3E}">
+        <p14:creationId xmlns:p14="http://schemas.microsoft.com/office/powerpoint/2010/main" val="2008268739"/>
+      </p:ext>
+    </p:extLst>
+  </p:cSld>
+  <p:clrMapOvr>
+    <a:masterClrMapping/>
+  </p:clrMapOvr>
+</p:sld>
+</file>
+
 <file path=ppt/slides/slide2.xml><?xml version="1.0" encoding="utf-8"?>
 <p:sld xmlns:a="http://schemas.openxmlformats.org/drawingml/2006/main" xmlns:r="http://schemas.openxmlformats.org/officeDocument/2006/relationships" xmlns:p="http://schemas.openxmlformats.org/presentationml/2006/main">
   <p:cSld>
@@ -11529,7 +11674,7 @@
           <p:cNvPr id="2" name="Title 1">
             <a:extLst>
               <a:ext uri="{FF2B5EF4-FFF2-40B4-BE49-F238E27FC236}">
-                <a16:creationId xmlns:a16="http://schemas.microsoft.com/office/drawing/2014/main" id="{14D1FEA8-4E30-40AD-92EB-320FCAD023DA}"/>
+                <a16:creationId xmlns:a16="http://schemas.microsoft.com/office/drawing/2014/main" id="{1510E9B4-CA74-455B-8118-C442DE9703E6}"/>
               </a:ext>
             </a:extLst>
           </p:cNvPr>
@@ -11547,7 +11692,7 @@
           <a:p>
             <a:r>
               <a:rPr lang="en-US" dirty="0"/>
-              <a:t>Coding – using any kind of data outputted from this exercise show a cool plot with colors</a:t>
+              <a:t>Function timers</a:t>
             </a:r>
           </a:p>
         </p:txBody>
@@ -11557,7 +11702,7 @@
           <p:cNvPr id="3" name="Date Placeholder 2">
             <a:extLst>
               <a:ext uri="{FF2B5EF4-FFF2-40B4-BE49-F238E27FC236}">
-                <a16:creationId xmlns:a16="http://schemas.microsoft.com/office/drawing/2014/main" id="{D900F170-0D30-400A-8BE8-0791E8605B39}"/>
+                <a16:creationId xmlns:a16="http://schemas.microsoft.com/office/drawing/2014/main" id="{CD81B127-0108-4E34-8843-6C41F77971B2}"/>
               </a:ext>
             </a:extLst>
           </p:cNvPr>
@@ -11586,7 +11731,7 @@
           <p:cNvPr id="4" name="Footer Placeholder 3">
             <a:extLst>
               <a:ext uri="{FF2B5EF4-FFF2-40B4-BE49-F238E27FC236}">
-                <a16:creationId xmlns:a16="http://schemas.microsoft.com/office/drawing/2014/main" id="{B7A92993-DBBD-47A6-81B4-E8DB54F4A23E}"/>
+                <a16:creationId xmlns:a16="http://schemas.microsoft.com/office/drawing/2014/main" id="{A52276BF-457D-4678-A82D-C00B57994F78}"/>
               </a:ext>
             </a:extLst>
           </p:cNvPr>
@@ -11614,7 +11759,7 @@
           <p:cNvPr id="5" name="Slide Number Placeholder 4">
             <a:extLst>
               <a:ext uri="{FF2B5EF4-FFF2-40B4-BE49-F238E27FC236}">
-                <a16:creationId xmlns:a16="http://schemas.microsoft.com/office/drawing/2014/main" id="{1ACF5D45-8760-437F-92DA-130365F9DC59}"/>
+                <a16:creationId xmlns:a16="http://schemas.microsoft.com/office/drawing/2014/main" id="{607959CD-49D6-4277-AE74-B68049F17B0E}"/>
               </a:ext>
             </a:extLst>
           </p:cNvPr>
@@ -11638,10 +11783,890 @@
           </a:p>
         </p:txBody>
       </p:sp>
+      <p:sp>
+        <p:nvSpPr>
+          <p:cNvPr id="7" name="TextBox 6">
+            <a:extLst>
+              <a:ext uri="{FF2B5EF4-FFF2-40B4-BE49-F238E27FC236}">
+                <a16:creationId xmlns:a16="http://schemas.microsoft.com/office/drawing/2014/main" id="{C23CF4FC-A898-4E5E-BBB2-57CE91077D03}"/>
+              </a:ext>
+            </a:extLst>
+          </p:cNvPr>
+          <p:cNvSpPr txBox="1"/>
+          <p:nvPr/>
+        </p:nvSpPr>
+        <p:spPr>
+          <a:xfrm>
+            <a:off x="1253515" y="1180848"/>
+            <a:ext cx="9991788" cy="1384995"/>
+          </a:xfrm>
+          <a:prstGeom prst="rect">
+            <a:avLst/>
+          </a:prstGeom>
+          <a:noFill/>
+        </p:spPr>
+        <p:txBody>
+          <a:bodyPr wrap="square" lIns="0" tIns="0" rIns="0" bIns="0" rtlCol="0">
+            <a:spAutoFit/>
+          </a:bodyPr>
+          <a:lstStyle/>
+          <a:p>
+            <a:pPr marL="285750" indent="-285750">
+              <a:buFont typeface="Arial" panose="020B0604020202020204" pitchFamily="34" charset="0"/>
+              <a:buChar char="•"/>
+            </a:pPr>
+            <a:r>
+              <a:rPr lang="en-US" dirty="0">
+                <a:solidFill>
+                  <a:schemeClr val="accent2"/>
+                </a:solidFill>
+              </a:rPr>
+              <a:t>Use of </a:t>
+            </a:r>
+            <a:r>
+              <a:rPr lang="en-US" i="1" dirty="0">
+                <a:solidFill>
+                  <a:schemeClr val="accent2"/>
+                </a:solidFill>
+              </a:rPr>
+              <a:t>timer</a:t>
+            </a:r>
+            <a:r>
+              <a:rPr lang="en-US" dirty="0">
+                <a:solidFill>
+                  <a:schemeClr val="accent2"/>
+                </a:solidFill>
+              </a:rPr>
+              <a:t> Python library to determine run time of each function</a:t>
+            </a:r>
+          </a:p>
+          <a:p>
+            <a:pPr marL="285750" indent="-285750">
+              <a:buFont typeface="Arial" panose="020B0604020202020204" pitchFamily="34" charset="0"/>
+              <a:buChar char="•"/>
+            </a:pPr>
+            <a:endParaRPr lang="en-US" dirty="0">
+              <a:solidFill>
+                <a:schemeClr val="accent2"/>
+              </a:solidFill>
+            </a:endParaRPr>
+          </a:p>
+          <a:p>
+            <a:pPr marL="285750" indent="-285750">
+              <a:buFont typeface="Arial" panose="020B0604020202020204" pitchFamily="34" charset="0"/>
+              <a:buChar char="•"/>
+            </a:pPr>
+            <a:r>
+              <a:rPr lang="en-US" dirty="0">
+                <a:solidFill>
+                  <a:schemeClr val="accent2"/>
+                </a:solidFill>
+              </a:rPr>
+              <a:t>Example of timer encapsulating circumference function</a:t>
+            </a:r>
+          </a:p>
+          <a:p>
+            <a:pPr marL="285750" indent="-285750">
+              <a:buFont typeface="Arial" panose="020B0604020202020204" pitchFamily="34" charset="0"/>
+              <a:buChar char="•"/>
+            </a:pPr>
+            <a:endParaRPr lang="en-US" dirty="0">
+              <a:solidFill>
+                <a:schemeClr val="accent2"/>
+              </a:solidFill>
+            </a:endParaRPr>
+          </a:p>
+          <a:p>
+            <a:pPr marL="285750" indent="-285750">
+              <a:buFont typeface="Arial" panose="020B0604020202020204" pitchFamily="34" charset="0"/>
+              <a:buChar char="•"/>
+            </a:pPr>
+            <a:endParaRPr lang="en-US" dirty="0">
+              <a:solidFill>
+                <a:schemeClr val="accent2"/>
+              </a:solidFill>
+            </a:endParaRPr>
+          </a:p>
+        </p:txBody>
+      </p:sp>
+      <p:sp>
+        <p:nvSpPr>
+          <p:cNvPr id="13" name="Rectangle 2">
+            <a:extLst>
+              <a:ext uri="{FF2B5EF4-FFF2-40B4-BE49-F238E27FC236}">
+                <a16:creationId xmlns:a16="http://schemas.microsoft.com/office/drawing/2014/main" id="{BF561181-94AC-4C74-A74B-1CC34025F6B1}"/>
+              </a:ext>
+            </a:extLst>
+          </p:cNvPr>
+          <p:cNvSpPr>
+            <a:spLocks noChangeArrowheads="1"/>
+          </p:cNvSpPr>
+          <p:nvPr/>
+        </p:nvSpPr>
+        <p:spPr bwMode="auto">
+          <a:xfrm>
+            <a:off x="1459891" y="1948797"/>
+            <a:ext cx="6745487" cy="3062890"/>
+          </a:xfrm>
+          <a:prstGeom prst="rect">
+            <a:avLst/>
+          </a:prstGeom>
+          <a:noFill/>
+          <a:ln>
+            <a:noFill/>
+          </a:ln>
+          <a:effectLst/>
+          <a:extLst>
+            <a:ext uri="{909E8E84-426E-40DD-AFC4-6F175D3DCCD1}">
+              <a14:hiddenFill xmlns:a14="http://schemas.microsoft.com/office/drawing/2010/main">
+                <a:solidFill>
+                  <a:schemeClr val="accent1"/>
+                </a:solidFill>
+              </a14:hiddenFill>
+            </a:ext>
+            <a:ext uri="{91240B29-F687-4F45-9708-019B960494DF}">
+              <a14:hiddenLine xmlns:a14="http://schemas.microsoft.com/office/drawing/2010/main" w="9525">
+                <a:solidFill>
+                  <a:schemeClr val="tx1"/>
+                </a:solidFill>
+                <a:miter lim="800000"/>
+                <a:headEnd/>
+                <a:tailEnd/>
+              </a14:hiddenLine>
+            </a:ext>
+            <a:ext uri="{AF507438-7753-43E0-B8FC-AC1667EBCBE1}">
+              <a14:hiddenEffects xmlns:a14="http://schemas.microsoft.com/office/drawing/2010/main">
+                <a:effectLst>
+                  <a:outerShdw dist="35921" dir="2700000" algn="ctr" rotWithShape="0">
+                    <a:schemeClr val="bg2"/>
+                  </a:outerShdw>
+                </a:effectLst>
+              </a14:hiddenEffects>
+            </a:ext>
+          </a:extLst>
+        </p:spPr>
+        <p:txBody>
+          <a:bodyPr vert="horz" wrap="square" lIns="91440" tIns="45720" rIns="91440" bIns="45720" numCol="1" anchor="ctr" anchorCtr="0" compatLnSpc="1">
+            <a:prstTxWarp prst="textNoShape">
+              <a:avLst/>
+            </a:prstTxWarp>
+            <a:spAutoFit/>
+          </a:bodyPr>
+          <a:lstStyle/>
+          <a:p>
+            <a:pPr marL="0" marR="0" lvl="0" indent="0" algn="l" defTabSz="914400" rtl="0" eaLnBrk="0" fontAlgn="base" latinLnBrk="0" hangingPunct="0">
+              <a:lnSpc>
+                <a:spcPct val="250000"/>
+              </a:lnSpc>
+              <a:spcBef>
+                <a:spcPct val="0"/>
+              </a:spcBef>
+              <a:spcAft>
+                <a:spcPct val="0"/>
+              </a:spcAft>
+              <a:buClrTx/>
+              <a:buSzTx/>
+              <a:buFontTx/>
+              <a:buNone/>
+              <a:tabLst/>
+            </a:pPr>
+            <a:r>
+              <a:rPr kumimoji="0" lang="en-US" altLang="en-US" sz="1600" b="0" i="0" u="none" strike="noStrike" cap="none" normalizeH="0" baseline="0" dirty="0" err="1">
+                <a:ln>
+                  <a:noFill/>
+                </a:ln>
+                <a:solidFill>
+                  <a:schemeClr val="tx1"/>
+                </a:solidFill>
+                <a:effectLst/>
+                <a:latin typeface="Arial Unicode MS"/>
+              </a:rPr>
+              <a:t>tic_circ</a:t>
+            </a:r>
+            <a:r>
+              <a:rPr kumimoji="0" lang="en-US" altLang="en-US" sz="1600" b="0" i="0" u="none" strike="noStrike" cap="none" normalizeH="0" baseline="0" dirty="0">
+                <a:ln>
+                  <a:noFill/>
+                </a:ln>
+                <a:solidFill>
+                  <a:schemeClr val="tx1"/>
+                </a:solidFill>
+                <a:effectLst/>
+                <a:latin typeface="Arial Unicode MS"/>
+              </a:rPr>
+              <a:t> = </a:t>
+            </a:r>
+            <a:r>
+              <a:rPr kumimoji="0" lang="en-US" altLang="en-US" sz="1600" b="0" i="0" u="none" strike="noStrike" cap="none" normalizeH="0" baseline="0" dirty="0" err="1">
+                <a:ln>
+                  <a:noFill/>
+                </a:ln>
+                <a:solidFill>
+                  <a:schemeClr val="tx1"/>
+                </a:solidFill>
+                <a:effectLst/>
+                <a:latin typeface="Arial Unicode MS"/>
+              </a:rPr>
+              <a:t>time.perf_counter</a:t>
+            </a:r>
+            <a:r>
+              <a:rPr kumimoji="0" lang="en-US" altLang="en-US" sz="1600" b="0" i="0" u="none" strike="noStrike" cap="none" normalizeH="0" baseline="0" dirty="0">
+                <a:ln>
+                  <a:noFill/>
+                </a:ln>
+                <a:solidFill>
+                  <a:schemeClr val="tx1"/>
+                </a:solidFill>
+                <a:effectLst/>
+                <a:latin typeface="Arial Unicode MS"/>
+              </a:rPr>
+              <a:t>() </a:t>
+            </a:r>
+          </a:p>
+          <a:p>
+            <a:pPr marL="0" marR="0" lvl="0" indent="0" algn="l" defTabSz="914400" rtl="0" eaLnBrk="0" fontAlgn="base" latinLnBrk="0" hangingPunct="0">
+              <a:lnSpc>
+                <a:spcPct val="250000"/>
+              </a:lnSpc>
+              <a:spcBef>
+                <a:spcPct val="0"/>
+              </a:spcBef>
+              <a:spcAft>
+                <a:spcPct val="0"/>
+              </a:spcAft>
+              <a:buClrTx/>
+              <a:buSzTx/>
+              <a:buFontTx/>
+              <a:buNone/>
+              <a:tabLst/>
+            </a:pPr>
+            <a:r>
+              <a:rPr kumimoji="0" lang="en-US" altLang="en-US" sz="1600" b="0" i="0" u="none" strike="noStrike" cap="none" normalizeH="0" baseline="0" dirty="0" err="1">
+                <a:ln>
+                  <a:noFill/>
+                </a:ln>
+                <a:solidFill>
+                  <a:schemeClr val="tx1"/>
+                </a:solidFill>
+                <a:effectLst/>
+                <a:latin typeface="Arial Unicode MS"/>
+              </a:rPr>
+              <a:t>estimate_circ</a:t>
+            </a:r>
+            <a:r>
+              <a:rPr kumimoji="0" lang="en-US" altLang="en-US" sz="1600" b="0" i="0" u="none" strike="noStrike" cap="none" normalizeH="0" baseline="0" dirty="0">
+                <a:ln>
+                  <a:noFill/>
+                </a:ln>
+                <a:solidFill>
+                  <a:schemeClr val="tx1"/>
+                </a:solidFill>
+                <a:effectLst/>
+                <a:latin typeface="Arial Unicode MS"/>
+              </a:rPr>
+              <a:t>(</a:t>
+            </a:r>
+            <a:r>
+              <a:rPr kumimoji="0" lang="en-US" altLang="en-US" sz="1600" b="0" i="0" u="none" strike="noStrike" cap="none" normalizeH="0" baseline="0" dirty="0" err="1">
+                <a:ln>
+                  <a:noFill/>
+                </a:ln>
+                <a:solidFill>
+                  <a:schemeClr val="tx1"/>
+                </a:solidFill>
+                <a:effectLst/>
+                <a:latin typeface="Arial Unicode MS"/>
+              </a:rPr>
+              <a:t>r,n,choice</a:t>
+            </a:r>
+            <a:r>
+              <a:rPr kumimoji="0" lang="en-US" altLang="en-US" sz="1600" b="0" i="0" u="none" strike="noStrike" cap="none" normalizeH="0" baseline="0" dirty="0">
+                <a:ln>
+                  <a:noFill/>
+                </a:ln>
+                <a:solidFill>
+                  <a:schemeClr val="tx1"/>
+                </a:solidFill>
+                <a:effectLst/>
+                <a:latin typeface="Arial Unicode MS"/>
+              </a:rPr>
+              <a:t>) </a:t>
+            </a:r>
+          </a:p>
+          <a:p>
+            <a:pPr marL="0" marR="0" lvl="0" indent="0" algn="l" defTabSz="914400" rtl="0" eaLnBrk="0" fontAlgn="base" latinLnBrk="0" hangingPunct="0">
+              <a:lnSpc>
+                <a:spcPct val="250000"/>
+              </a:lnSpc>
+              <a:spcBef>
+                <a:spcPct val="0"/>
+              </a:spcBef>
+              <a:spcAft>
+                <a:spcPct val="0"/>
+              </a:spcAft>
+              <a:buClrTx/>
+              <a:buSzTx/>
+              <a:buFontTx/>
+              <a:buNone/>
+              <a:tabLst/>
+            </a:pPr>
+            <a:r>
+              <a:rPr kumimoji="0" lang="en-US" altLang="en-US" sz="1600" b="0" i="0" u="none" strike="noStrike" cap="none" normalizeH="0" baseline="0" dirty="0" err="1">
+                <a:ln>
+                  <a:noFill/>
+                </a:ln>
+                <a:solidFill>
+                  <a:schemeClr val="tx1"/>
+                </a:solidFill>
+                <a:effectLst/>
+                <a:latin typeface="Arial Unicode MS"/>
+              </a:rPr>
+              <a:t>toc_circ</a:t>
+            </a:r>
+            <a:r>
+              <a:rPr kumimoji="0" lang="en-US" altLang="en-US" sz="1600" b="0" i="0" u="none" strike="noStrike" cap="none" normalizeH="0" baseline="0" dirty="0">
+                <a:ln>
+                  <a:noFill/>
+                </a:ln>
+                <a:solidFill>
+                  <a:schemeClr val="tx1"/>
+                </a:solidFill>
+                <a:effectLst/>
+                <a:latin typeface="Arial Unicode MS"/>
+              </a:rPr>
+              <a:t> = </a:t>
+            </a:r>
+            <a:r>
+              <a:rPr kumimoji="0" lang="en-US" altLang="en-US" sz="1600" b="0" i="0" u="none" strike="noStrike" cap="none" normalizeH="0" baseline="0" dirty="0" err="1">
+                <a:ln>
+                  <a:noFill/>
+                </a:ln>
+                <a:solidFill>
+                  <a:schemeClr val="tx1"/>
+                </a:solidFill>
+                <a:effectLst/>
+                <a:latin typeface="Arial Unicode MS"/>
+              </a:rPr>
+              <a:t>time.perf_counter</a:t>
+            </a:r>
+            <a:r>
+              <a:rPr kumimoji="0" lang="en-US" altLang="en-US" sz="1600" b="0" i="0" u="none" strike="noStrike" cap="none" normalizeH="0" baseline="0" dirty="0">
+                <a:ln>
+                  <a:noFill/>
+                </a:ln>
+                <a:solidFill>
+                  <a:schemeClr val="tx1"/>
+                </a:solidFill>
+                <a:effectLst/>
+                <a:latin typeface="Arial Unicode MS"/>
+              </a:rPr>
+              <a:t>() </a:t>
+            </a:r>
+          </a:p>
+          <a:p>
+            <a:pPr marL="0" marR="0" lvl="0" indent="0" algn="l" defTabSz="914400" rtl="0" eaLnBrk="0" fontAlgn="base" latinLnBrk="0" hangingPunct="0">
+              <a:lnSpc>
+                <a:spcPct val="250000"/>
+              </a:lnSpc>
+              <a:spcBef>
+                <a:spcPct val="0"/>
+              </a:spcBef>
+              <a:spcAft>
+                <a:spcPct val="0"/>
+              </a:spcAft>
+              <a:buClrTx/>
+              <a:buSzTx/>
+              <a:buFontTx/>
+              <a:buNone/>
+              <a:tabLst/>
+            </a:pPr>
+            <a:r>
+              <a:rPr kumimoji="0" lang="en-US" altLang="en-US" sz="1600" b="0" i="0" u="none" strike="noStrike" cap="none" normalizeH="0" baseline="0" dirty="0" err="1">
+                <a:ln>
+                  <a:noFill/>
+                </a:ln>
+                <a:solidFill>
+                  <a:schemeClr val="tx1"/>
+                </a:solidFill>
+                <a:effectLst/>
+                <a:latin typeface="Arial Unicode MS"/>
+              </a:rPr>
+              <a:t>t_calc</a:t>
+            </a:r>
+            <a:r>
+              <a:rPr kumimoji="0" lang="en-US" altLang="en-US" sz="1600" b="0" i="0" u="none" strike="noStrike" cap="none" normalizeH="0" baseline="0" dirty="0">
+                <a:ln>
+                  <a:noFill/>
+                </a:ln>
+                <a:solidFill>
+                  <a:schemeClr val="tx1"/>
+                </a:solidFill>
+                <a:effectLst/>
+                <a:latin typeface="Arial Unicode MS"/>
+              </a:rPr>
+              <a:t> = (</a:t>
+            </a:r>
+            <a:r>
+              <a:rPr kumimoji="0" lang="en-US" altLang="en-US" sz="1600" b="0" i="0" u="none" strike="noStrike" cap="none" normalizeH="0" baseline="0" dirty="0" err="1">
+                <a:ln>
+                  <a:noFill/>
+                </a:ln>
+                <a:solidFill>
+                  <a:schemeClr val="tx1"/>
+                </a:solidFill>
+                <a:effectLst/>
+                <a:latin typeface="Arial Unicode MS"/>
+              </a:rPr>
+              <a:t>toc_circ</a:t>
+            </a:r>
+            <a:r>
+              <a:rPr kumimoji="0" lang="en-US" altLang="en-US" sz="1600" b="0" i="0" u="none" strike="noStrike" cap="none" normalizeH="0" baseline="0" dirty="0">
+                <a:ln>
+                  <a:noFill/>
+                </a:ln>
+                <a:solidFill>
+                  <a:schemeClr val="tx1"/>
+                </a:solidFill>
+                <a:effectLst/>
+                <a:latin typeface="Arial Unicode MS"/>
+              </a:rPr>
+              <a:t> - </a:t>
+            </a:r>
+            <a:r>
+              <a:rPr kumimoji="0" lang="en-US" altLang="en-US" sz="1600" b="0" i="0" u="none" strike="noStrike" cap="none" normalizeH="0" baseline="0" dirty="0" err="1">
+                <a:ln>
+                  <a:noFill/>
+                </a:ln>
+                <a:solidFill>
+                  <a:schemeClr val="tx1"/>
+                </a:solidFill>
+                <a:effectLst/>
+                <a:latin typeface="Arial Unicode MS"/>
+              </a:rPr>
+              <a:t>tic_circ</a:t>
+            </a:r>
+            <a:r>
+              <a:rPr kumimoji="0" lang="en-US" altLang="en-US" sz="1600" b="0" i="0" u="none" strike="noStrike" cap="none" normalizeH="0" baseline="0" dirty="0">
+                <a:ln>
+                  <a:noFill/>
+                </a:ln>
+                <a:solidFill>
+                  <a:schemeClr val="tx1"/>
+                </a:solidFill>
+                <a:effectLst/>
+                <a:latin typeface="Arial Unicode MS"/>
+              </a:rPr>
+              <a:t>) * 10 ** 6 </a:t>
+            </a:r>
+          </a:p>
+          <a:p>
+            <a:pPr marL="0" marR="0" lvl="0" indent="0" algn="l" defTabSz="914400" rtl="0" eaLnBrk="0" fontAlgn="base" latinLnBrk="0" hangingPunct="0">
+              <a:lnSpc>
+                <a:spcPct val="250000"/>
+              </a:lnSpc>
+              <a:spcBef>
+                <a:spcPct val="0"/>
+              </a:spcBef>
+              <a:spcAft>
+                <a:spcPct val="0"/>
+              </a:spcAft>
+              <a:buClrTx/>
+              <a:buSzTx/>
+              <a:buFontTx/>
+              <a:buNone/>
+              <a:tabLst/>
+            </a:pPr>
+            <a:r>
+              <a:rPr kumimoji="0" lang="en-US" altLang="en-US" sz="1600" b="0" i="0" u="none" strike="noStrike" cap="none" normalizeH="0" baseline="0" dirty="0">
+                <a:ln>
+                  <a:noFill/>
+                </a:ln>
+                <a:solidFill>
+                  <a:schemeClr val="tx1"/>
+                </a:solidFill>
+                <a:effectLst/>
+                <a:latin typeface="Arial Unicode MS"/>
+              </a:rPr>
+              <a:t>print(f "Circumference approximated in {t_calc:0.4f} microseconds")</a:t>
+            </a:r>
+            <a:r>
+              <a:rPr kumimoji="0" lang="en-US" altLang="en-US" sz="1050" b="0" i="0" u="none" strike="noStrike" cap="none" normalizeH="0" baseline="0" dirty="0">
+                <a:ln>
+                  <a:noFill/>
+                </a:ln>
+                <a:solidFill>
+                  <a:schemeClr val="tx1"/>
+                </a:solidFill>
+                <a:effectLst/>
+              </a:rPr>
+              <a:t> </a:t>
+            </a:r>
+            <a:endParaRPr kumimoji="0" lang="en-US" altLang="en-US" sz="3600" b="0" i="0" u="none" strike="noStrike" cap="none" normalizeH="0" baseline="0" dirty="0">
+              <a:ln>
+                <a:noFill/>
+              </a:ln>
+              <a:solidFill>
+                <a:schemeClr val="tx1"/>
+              </a:solidFill>
+              <a:effectLst/>
+              <a:latin typeface="Arial" panose="020B0604020202020204" pitchFamily="34" charset="0"/>
+            </a:endParaRPr>
+          </a:p>
+        </p:txBody>
+      </p:sp>
+      <p:pic>
+        <p:nvPicPr>
+          <p:cNvPr id="15" name="Graphic 14" descr="Stopwatch outline">
+            <a:extLst>
+              <a:ext uri="{FF2B5EF4-FFF2-40B4-BE49-F238E27FC236}">
+                <a16:creationId xmlns:a16="http://schemas.microsoft.com/office/drawing/2014/main" id="{1A4BFB00-1AF4-4328-BDC5-49B13411A734}"/>
+              </a:ext>
+            </a:extLst>
+          </p:cNvPr>
+          <p:cNvPicPr>
+            <a:picLocks noChangeAspect="1"/>
+          </p:cNvPicPr>
+          <p:nvPr/>
+        </p:nvPicPr>
+        <p:blipFill>
+          <a:blip r:embed="rId2">
+            <a:extLst>
+              <a:ext uri="{28A0092B-C50C-407E-A947-70E740481C1C}">
+                <a14:useLocalDpi xmlns:a14="http://schemas.microsoft.com/office/drawing/2010/main" val="0"/>
+              </a:ext>
+              <a:ext uri="{96DAC541-7B7A-43D3-8B79-37D633B846F1}">
+                <asvg:svgBlip xmlns:asvg="http://schemas.microsoft.com/office/drawing/2016/SVG/main" r:embed="rId3"/>
+              </a:ext>
+            </a:extLst>
+          </a:blip>
+          <a:stretch>
+            <a:fillRect/>
+          </a:stretch>
+        </p:blipFill>
+        <p:spPr>
+          <a:xfrm>
+            <a:off x="4220774" y="1873345"/>
+            <a:ext cx="914400" cy="914400"/>
+          </a:xfrm>
+          <a:prstGeom prst="rect">
+            <a:avLst/>
+          </a:prstGeom>
+        </p:spPr>
+      </p:pic>
+      <p:pic>
+        <p:nvPicPr>
+          <p:cNvPr id="17" name="Graphic 16" descr="Stopwatch 25% outline">
+            <a:extLst>
+              <a:ext uri="{FF2B5EF4-FFF2-40B4-BE49-F238E27FC236}">
+                <a16:creationId xmlns:a16="http://schemas.microsoft.com/office/drawing/2014/main" id="{A1E23DC3-C184-41D5-9F00-5E2139682CE2}"/>
+              </a:ext>
+            </a:extLst>
+          </p:cNvPr>
+          <p:cNvPicPr>
+            <a:picLocks noChangeAspect="1"/>
+          </p:cNvPicPr>
+          <p:nvPr/>
+        </p:nvPicPr>
+        <p:blipFill>
+          <a:blip r:embed="rId4">
+            <a:extLst>
+              <a:ext uri="{28A0092B-C50C-407E-A947-70E740481C1C}">
+                <a14:useLocalDpi xmlns:a14="http://schemas.microsoft.com/office/drawing/2010/main" val="0"/>
+              </a:ext>
+              <a:ext uri="{96DAC541-7B7A-43D3-8B79-37D633B846F1}">
+                <asvg:svgBlip xmlns:asvg="http://schemas.microsoft.com/office/drawing/2016/SVG/main" r:embed="rId5"/>
+              </a:ext>
+            </a:extLst>
+          </a:blip>
+          <a:stretch>
+            <a:fillRect/>
+          </a:stretch>
+        </p:blipFill>
+        <p:spPr>
+          <a:xfrm>
+            <a:off x="4220774" y="3155856"/>
+            <a:ext cx="914400" cy="914400"/>
+          </a:xfrm>
+          <a:prstGeom prst="rect">
+            <a:avLst/>
+          </a:prstGeom>
+        </p:spPr>
+      </p:pic>
+      <p:sp>
+        <p:nvSpPr>
+          <p:cNvPr id="18" name="TextBox 17">
+            <a:extLst>
+              <a:ext uri="{FF2B5EF4-FFF2-40B4-BE49-F238E27FC236}">
+                <a16:creationId xmlns:a16="http://schemas.microsoft.com/office/drawing/2014/main" id="{49DB4DAB-39E3-4071-8F59-2016E5B8BB00}"/>
+              </a:ext>
+            </a:extLst>
+          </p:cNvPr>
+          <p:cNvSpPr txBox="1"/>
+          <p:nvPr/>
+        </p:nvSpPr>
+        <p:spPr>
+          <a:xfrm>
+            <a:off x="5106915" y="2214425"/>
+            <a:ext cx="1949913" cy="276999"/>
+          </a:xfrm>
+          <a:prstGeom prst="rect">
+            <a:avLst/>
+          </a:prstGeom>
+          <a:noFill/>
+        </p:spPr>
+        <p:txBody>
+          <a:bodyPr wrap="square" lIns="0" tIns="0" rIns="0" bIns="0" rtlCol="0">
+            <a:spAutoFit/>
+          </a:bodyPr>
+          <a:lstStyle/>
+          <a:p>
+            <a:r>
+              <a:rPr lang="en-US" b="1" i="1" dirty="0">
+                <a:solidFill>
+                  <a:schemeClr val="accent6"/>
+                </a:solidFill>
+              </a:rPr>
+              <a:t>Timer started</a:t>
+            </a:r>
+          </a:p>
+        </p:txBody>
+      </p:sp>
+      <p:sp>
+        <p:nvSpPr>
+          <p:cNvPr id="19" name="TextBox 18">
+            <a:extLst>
+              <a:ext uri="{FF2B5EF4-FFF2-40B4-BE49-F238E27FC236}">
+                <a16:creationId xmlns:a16="http://schemas.microsoft.com/office/drawing/2014/main" id="{21BCEC3A-2CF1-493C-A93D-09EA0A0AB043}"/>
+              </a:ext>
+            </a:extLst>
+          </p:cNvPr>
+          <p:cNvSpPr txBox="1"/>
+          <p:nvPr/>
+        </p:nvSpPr>
+        <p:spPr>
+          <a:xfrm>
+            <a:off x="3951299" y="2842962"/>
+            <a:ext cx="5186645" cy="276999"/>
+          </a:xfrm>
+          <a:prstGeom prst="rect">
+            <a:avLst/>
+          </a:prstGeom>
+          <a:noFill/>
+        </p:spPr>
+        <p:txBody>
+          <a:bodyPr wrap="square" lIns="0" tIns="0" rIns="0" bIns="0" rtlCol="0">
+            <a:spAutoFit/>
+          </a:bodyPr>
+          <a:lstStyle/>
+          <a:p>
+            <a:r>
+              <a:rPr lang="en-US" b="1" i="1" dirty="0">
+                <a:solidFill>
+                  <a:schemeClr val="accent2"/>
+                </a:solidFill>
+              </a:rPr>
+              <a:t>Function call to circumference estimation</a:t>
+            </a:r>
+          </a:p>
+        </p:txBody>
+      </p:sp>
+      <p:sp>
+        <p:nvSpPr>
+          <p:cNvPr id="21" name="TextBox 20">
+            <a:extLst>
+              <a:ext uri="{FF2B5EF4-FFF2-40B4-BE49-F238E27FC236}">
+                <a16:creationId xmlns:a16="http://schemas.microsoft.com/office/drawing/2014/main" id="{A3BB3A13-FA8C-4E05-BA1D-6E3E722762D0}"/>
+              </a:ext>
+            </a:extLst>
+          </p:cNvPr>
+          <p:cNvSpPr txBox="1"/>
+          <p:nvPr/>
+        </p:nvSpPr>
+        <p:spPr>
+          <a:xfrm>
+            <a:off x="5135174" y="3426117"/>
+            <a:ext cx="1949913" cy="276999"/>
+          </a:xfrm>
+          <a:prstGeom prst="rect">
+            <a:avLst/>
+          </a:prstGeom>
+          <a:noFill/>
+        </p:spPr>
+        <p:txBody>
+          <a:bodyPr wrap="square" lIns="0" tIns="0" rIns="0" bIns="0" rtlCol="0">
+            <a:spAutoFit/>
+          </a:bodyPr>
+          <a:lstStyle/>
+          <a:p>
+            <a:r>
+              <a:rPr lang="en-US" b="1" i="1" dirty="0">
+                <a:solidFill>
+                  <a:schemeClr val="accent1">
+                    <a:lumMod val="75000"/>
+                  </a:schemeClr>
+                </a:solidFill>
+              </a:rPr>
+              <a:t>Timer ended</a:t>
+            </a:r>
+          </a:p>
+        </p:txBody>
+      </p:sp>
+      <p:sp>
+        <p:nvSpPr>
+          <p:cNvPr id="22" name="TextBox 21">
+            <a:extLst>
+              <a:ext uri="{FF2B5EF4-FFF2-40B4-BE49-F238E27FC236}">
+                <a16:creationId xmlns:a16="http://schemas.microsoft.com/office/drawing/2014/main" id="{CE7811C2-6083-4728-B00B-7B4BA1C3B92C}"/>
+              </a:ext>
+            </a:extLst>
+          </p:cNvPr>
+          <p:cNvSpPr txBox="1"/>
+          <p:nvPr/>
+        </p:nvSpPr>
+        <p:spPr>
+          <a:xfrm>
+            <a:off x="4942403" y="4070256"/>
+            <a:ext cx="4122874" cy="276999"/>
+          </a:xfrm>
+          <a:prstGeom prst="rect">
+            <a:avLst/>
+          </a:prstGeom>
+          <a:noFill/>
+        </p:spPr>
+        <p:txBody>
+          <a:bodyPr wrap="square" lIns="0" tIns="0" rIns="0" bIns="0" rtlCol="0">
+            <a:spAutoFit/>
+          </a:bodyPr>
+          <a:lstStyle/>
+          <a:p>
+            <a:r>
+              <a:rPr lang="en-US" b="1" i="1" dirty="0">
+                <a:solidFill>
+                  <a:schemeClr val="accent2"/>
+                </a:solidFill>
+              </a:rPr>
+              <a:t>Timer </a:t>
+            </a:r>
+            <a:r>
+              <a:rPr lang="en-US" b="1" i="1" dirty="0">
+                <a:solidFill>
+                  <a:schemeClr val="accent6"/>
+                </a:solidFill>
+              </a:rPr>
+              <a:t>Start</a:t>
+            </a:r>
+            <a:r>
+              <a:rPr lang="en-US" b="1" i="1" dirty="0">
+                <a:solidFill>
+                  <a:schemeClr val="accent2"/>
+                </a:solidFill>
+              </a:rPr>
+              <a:t> – </a:t>
+            </a:r>
+            <a:r>
+              <a:rPr lang="en-US" b="1" i="1" dirty="0">
+                <a:solidFill>
+                  <a:schemeClr val="accent1">
+                    <a:lumMod val="75000"/>
+                  </a:schemeClr>
+                </a:solidFill>
+              </a:rPr>
+              <a:t>Finish</a:t>
+            </a:r>
+            <a:r>
+              <a:rPr lang="en-US" b="1" i="1" dirty="0">
+                <a:solidFill>
+                  <a:schemeClr val="accent2"/>
+                </a:solidFill>
+              </a:rPr>
+              <a:t> (in microseconds)</a:t>
+            </a:r>
+          </a:p>
+        </p:txBody>
+      </p:sp>
+      <p:sp>
+        <p:nvSpPr>
+          <p:cNvPr id="23" name="TextBox 22">
+            <a:extLst>
+              <a:ext uri="{FF2B5EF4-FFF2-40B4-BE49-F238E27FC236}">
+                <a16:creationId xmlns:a16="http://schemas.microsoft.com/office/drawing/2014/main" id="{0AF7B826-8F00-4525-89EB-52607E8F7814}"/>
+              </a:ext>
+            </a:extLst>
+          </p:cNvPr>
+          <p:cNvSpPr txBox="1"/>
+          <p:nvPr/>
+        </p:nvSpPr>
+        <p:spPr>
+          <a:xfrm>
+            <a:off x="7741113" y="4664283"/>
+            <a:ext cx="4122874" cy="276999"/>
+          </a:xfrm>
+          <a:prstGeom prst="rect">
+            <a:avLst/>
+          </a:prstGeom>
+          <a:noFill/>
+        </p:spPr>
+        <p:txBody>
+          <a:bodyPr wrap="square" lIns="0" tIns="0" rIns="0" bIns="0" rtlCol="0">
+            <a:spAutoFit/>
+          </a:bodyPr>
+          <a:lstStyle/>
+          <a:p>
+            <a:r>
+              <a:rPr lang="en-US" b="1" i="1" dirty="0">
+                <a:solidFill>
+                  <a:schemeClr val="accent2"/>
+                </a:solidFill>
+              </a:rPr>
+              <a:t>Print statement</a:t>
+            </a:r>
+          </a:p>
+        </p:txBody>
+      </p:sp>
+      <p:sp>
+        <p:nvSpPr>
+          <p:cNvPr id="24" name="TextBox 23">
+            <a:extLst>
+              <a:ext uri="{FF2B5EF4-FFF2-40B4-BE49-F238E27FC236}">
+                <a16:creationId xmlns:a16="http://schemas.microsoft.com/office/drawing/2014/main" id="{4760A60F-5F90-46A1-BFD7-46314F86FACF}"/>
+              </a:ext>
+            </a:extLst>
+          </p:cNvPr>
+          <p:cNvSpPr txBox="1"/>
+          <p:nvPr/>
+        </p:nvSpPr>
+        <p:spPr>
+          <a:xfrm>
+            <a:off x="1513907" y="5502637"/>
+            <a:ext cx="10179513" cy="369332"/>
+          </a:xfrm>
+          <a:prstGeom prst="rect">
+            <a:avLst/>
+          </a:prstGeom>
+          <a:noFill/>
+        </p:spPr>
+        <p:txBody>
+          <a:bodyPr wrap="square" lIns="0" tIns="0" rIns="0" bIns="0" rtlCol="0">
+            <a:spAutoFit/>
+          </a:bodyPr>
+          <a:lstStyle/>
+          <a:p>
+            <a:pPr algn="ctr"/>
+            <a:r>
+              <a:rPr lang="en-US" sz="2400" b="1" i="1" dirty="0">
+                <a:solidFill>
+                  <a:schemeClr val="accent2"/>
+                </a:solidFill>
+              </a:rPr>
+              <a:t>Same code used to encapsulate area estimation function</a:t>
+            </a:r>
+          </a:p>
+        </p:txBody>
+      </p:sp>
     </p:spTree>
     <p:extLst>
       <p:ext uri="{BB962C8B-B14F-4D97-AF65-F5344CB8AC3E}">
-        <p14:creationId xmlns:p14="http://schemas.microsoft.com/office/powerpoint/2010/main" val="2054234993"/>
+        <p14:creationId xmlns:p14="http://schemas.microsoft.com/office/powerpoint/2010/main" val="1370634919"/>
       </p:ext>
     </p:extLst>
   </p:cSld>
@@ -11673,7 +12698,7 @@
           <p:cNvPr id="2" name="Title 1">
             <a:extLst>
               <a:ext uri="{FF2B5EF4-FFF2-40B4-BE49-F238E27FC236}">
-                <a16:creationId xmlns:a16="http://schemas.microsoft.com/office/drawing/2014/main" id="{DB334898-D631-4C74-84A1-69957732BEA5}"/>
+                <a16:creationId xmlns:a16="http://schemas.microsoft.com/office/drawing/2014/main" id="{14D1FEA8-4E30-40AD-92EB-320FCAD023DA}"/>
               </a:ext>
             </a:extLst>
           </p:cNvPr>
@@ -11691,7 +12716,7 @@
           <a:p>
             <a:r>
               <a:rPr lang="en-US" dirty="0"/>
-              <a:t>Explain in plain English a GE scenario that would benefit from numerical integration</a:t>
+              <a:t>Coding – using any kind of data outputted from this exercise show a cool plot with colors</a:t>
             </a:r>
           </a:p>
         </p:txBody>
@@ -11701,7 +12726,7 @@
           <p:cNvPr id="3" name="Date Placeholder 2">
             <a:extLst>
               <a:ext uri="{FF2B5EF4-FFF2-40B4-BE49-F238E27FC236}">
-                <a16:creationId xmlns:a16="http://schemas.microsoft.com/office/drawing/2014/main" id="{9FDB3C70-0541-4626-9DF3-B7935ECFFF76}"/>
+                <a16:creationId xmlns:a16="http://schemas.microsoft.com/office/drawing/2014/main" id="{D900F170-0D30-400A-8BE8-0791E8605B39}"/>
               </a:ext>
             </a:extLst>
           </p:cNvPr>
@@ -11730,7 +12755,7 @@
           <p:cNvPr id="4" name="Footer Placeholder 3">
             <a:extLst>
               <a:ext uri="{FF2B5EF4-FFF2-40B4-BE49-F238E27FC236}">
-                <a16:creationId xmlns:a16="http://schemas.microsoft.com/office/drawing/2014/main" id="{EE95C2A9-4FAB-434C-AD19-0CBC470CD444}"/>
+                <a16:creationId xmlns:a16="http://schemas.microsoft.com/office/drawing/2014/main" id="{B7A92993-DBBD-47A6-81B4-E8DB54F4A23E}"/>
               </a:ext>
             </a:extLst>
           </p:cNvPr>
@@ -11758,7 +12783,7 @@
           <p:cNvPr id="5" name="Slide Number Placeholder 4">
             <a:extLst>
               <a:ext uri="{FF2B5EF4-FFF2-40B4-BE49-F238E27FC236}">
-                <a16:creationId xmlns:a16="http://schemas.microsoft.com/office/drawing/2014/main" id="{98C73070-B4B6-4677-93F1-04BEBC6549BF}"/>
+                <a16:creationId xmlns:a16="http://schemas.microsoft.com/office/drawing/2014/main" id="{1ACF5D45-8760-437F-92DA-130365F9DC59}"/>
               </a:ext>
             </a:extLst>
           </p:cNvPr>
@@ -11785,7 +12810,7 @@
     </p:spTree>
     <p:extLst>
       <p:ext uri="{BB962C8B-B14F-4D97-AF65-F5344CB8AC3E}">
-        <p14:creationId xmlns:p14="http://schemas.microsoft.com/office/powerpoint/2010/main" val="2008268739"/>
+        <p14:creationId xmlns:p14="http://schemas.microsoft.com/office/powerpoint/2010/main" val="2054234993"/>
       </p:ext>
     </p:extLst>
   </p:cSld>

--- a/Sprint Review PPT.pptx
+++ b/Sprint Review PPT.pptx
@@ -10517,7 +10517,7 @@
           <a:p>
             <a:r>
               <a:rPr lang="en-US" dirty="0"/>
-              <a:t>Explain in plain English a GE scenario that would benefit from numerical integration</a:t>
+              <a:t>Impact of Numerical Methods at GE Research</a:t>
             </a:r>
           </a:p>
         </p:txBody>
@@ -10605,6 +10605,413 @@
               <a:t>10</a:t>
             </a:fld>
             <a:endParaRPr lang="en-CA"/>
+          </a:p>
+        </p:txBody>
+      </p:sp>
+      <p:sp>
+        <p:nvSpPr>
+          <p:cNvPr id="6" name="TextBox 5">
+            <a:extLst>
+              <a:ext uri="{FF2B5EF4-FFF2-40B4-BE49-F238E27FC236}">
+                <a16:creationId xmlns:a16="http://schemas.microsoft.com/office/drawing/2014/main" id="{518D3583-38BF-410A-9088-94C60F23FACF}"/>
+              </a:ext>
+            </a:extLst>
+          </p:cNvPr>
+          <p:cNvSpPr txBox="1"/>
+          <p:nvPr/>
+        </p:nvSpPr>
+        <p:spPr>
+          <a:xfrm>
+            <a:off x="1324901" y="1310006"/>
+            <a:ext cx="10088679" cy="3877985"/>
+          </a:xfrm>
+          <a:prstGeom prst="rect">
+            <a:avLst/>
+          </a:prstGeom>
+          <a:noFill/>
+        </p:spPr>
+        <p:txBody>
+          <a:bodyPr wrap="square" lIns="0" tIns="0" rIns="0" bIns="0" rtlCol="0">
+            <a:spAutoFit/>
+          </a:bodyPr>
+          <a:lstStyle/>
+          <a:p>
+            <a:pPr marL="285750" indent="-285750">
+              <a:buFont typeface="Arial" panose="020B0604020202020204" pitchFamily="34" charset="0"/>
+              <a:buChar char="•"/>
+            </a:pPr>
+            <a:r>
+              <a:rPr lang="en-US" dirty="0">
+                <a:solidFill>
+                  <a:schemeClr val="accent2"/>
+                </a:solidFill>
+              </a:rPr>
+              <a:t>Numerical methods can support a variety of applications such as:</a:t>
+            </a:r>
+          </a:p>
+          <a:p>
+            <a:pPr marL="742950" lvl="1" indent="-285750">
+              <a:buFont typeface="Arial" panose="020B0604020202020204" pitchFamily="34" charset="0"/>
+              <a:buChar char="•"/>
+            </a:pPr>
+            <a:r>
+              <a:rPr lang="en-US" dirty="0">
+                <a:solidFill>
+                  <a:schemeClr val="accent2"/>
+                </a:solidFill>
+              </a:rPr>
+              <a:t>Data Processing</a:t>
+            </a:r>
+          </a:p>
+          <a:p>
+            <a:pPr marL="1200150" lvl="2" indent="-285750">
+              <a:buFont typeface="Arial" panose="020B0604020202020204" pitchFamily="34" charset="0"/>
+              <a:buChar char="•"/>
+            </a:pPr>
+            <a:r>
+              <a:rPr lang="en-US" dirty="0">
+                <a:solidFill>
+                  <a:schemeClr val="accent2"/>
+                </a:solidFill>
+              </a:rPr>
+              <a:t>Position, velocity, acceleration data (numerical integration)</a:t>
+            </a:r>
+          </a:p>
+          <a:p>
+            <a:pPr lvl="2"/>
+            <a:endParaRPr lang="en-US" dirty="0">
+              <a:solidFill>
+                <a:schemeClr val="accent2"/>
+              </a:solidFill>
+            </a:endParaRPr>
+          </a:p>
+          <a:p>
+            <a:pPr marL="742950" lvl="1" indent="-285750">
+              <a:buFont typeface="Arial" panose="020B0604020202020204" pitchFamily="34" charset="0"/>
+              <a:buChar char="•"/>
+            </a:pPr>
+            <a:r>
+              <a:rPr lang="en-US" dirty="0">
+                <a:solidFill>
+                  <a:schemeClr val="accent2"/>
+                </a:solidFill>
+              </a:rPr>
+              <a:t>Modeling and Characterization</a:t>
+            </a:r>
+          </a:p>
+          <a:p>
+            <a:pPr marL="1200150" lvl="2" indent="-285750">
+              <a:buFont typeface="Arial" panose="020B0604020202020204" pitchFamily="34" charset="0"/>
+              <a:buChar char="•"/>
+            </a:pPr>
+            <a:r>
+              <a:rPr lang="en-US" dirty="0">
+                <a:solidFill>
+                  <a:schemeClr val="accent2"/>
+                </a:solidFill>
+              </a:rPr>
+              <a:t>Solving differential equations</a:t>
+            </a:r>
+          </a:p>
+          <a:p>
+            <a:pPr marL="1657350" lvl="3" indent="-285750">
+              <a:buFont typeface="Arial" panose="020B0604020202020204" pitchFamily="34" charset="0"/>
+              <a:buChar char="•"/>
+            </a:pPr>
+            <a:r>
+              <a:rPr lang="en-US" dirty="0">
+                <a:solidFill>
+                  <a:schemeClr val="accent2"/>
+                </a:solidFill>
+              </a:rPr>
+              <a:t>Navier Stokes, Reynolds Eqn. (etc.)</a:t>
+            </a:r>
+          </a:p>
+          <a:p>
+            <a:pPr marL="1200150" lvl="2" indent="-285750">
+              <a:buFont typeface="Arial" panose="020B0604020202020204" pitchFamily="34" charset="0"/>
+              <a:buChar char="•"/>
+            </a:pPr>
+            <a:r>
+              <a:rPr lang="en-US" dirty="0">
+                <a:solidFill>
+                  <a:schemeClr val="accent2"/>
+                </a:solidFill>
+              </a:rPr>
+              <a:t>Finite element analysis</a:t>
+            </a:r>
+          </a:p>
+          <a:p>
+            <a:pPr marL="1657350" lvl="3" indent="-285750">
+              <a:buFont typeface="Arial" panose="020B0604020202020204" pitchFamily="34" charset="0"/>
+              <a:buChar char="•"/>
+            </a:pPr>
+            <a:r>
+              <a:rPr lang="en-US" dirty="0">
+                <a:solidFill>
+                  <a:schemeClr val="accent2"/>
+                </a:solidFill>
+              </a:rPr>
+              <a:t>Newton Raphson schemes</a:t>
+            </a:r>
+          </a:p>
+          <a:p>
+            <a:pPr lvl="2"/>
+            <a:endParaRPr lang="en-US" dirty="0">
+              <a:solidFill>
+                <a:schemeClr val="accent2"/>
+              </a:solidFill>
+            </a:endParaRPr>
+          </a:p>
+          <a:p>
+            <a:pPr marL="742950" lvl="1" indent="-285750">
+              <a:buFont typeface="Arial" panose="020B0604020202020204" pitchFamily="34" charset="0"/>
+              <a:buChar char="•"/>
+            </a:pPr>
+            <a:r>
+              <a:rPr lang="en-US" dirty="0">
+                <a:solidFill>
+                  <a:schemeClr val="accent2"/>
+                </a:solidFill>
+              </a:rPr>
+              <a:t>Forecasting and Projections</a:t>
+            </a:r>
+          </a:p>
+          <a:p>
+            <a:pPr marL="1200150" lvl="2" indent="-285750">
+              <a:buFont typeface="Arial" panose="020B0604020202020204" pitchFamily="34" charset="0"/>
+              <a:buChar char="•"/>
+            </a:pPr>
+            <a:r>
+              <a:rPr lang="en-US" dirty="0">
+                <a:solidFill>
+                  <a:schemeClr val="accent2"/>
+                </a:solidFill>
+              </a:rPr>
+              <a:t>Lifing of mechanical components</a:t>
+            </a:r>
+          </a:p>
+          <a:p>
+            <a:pPr marL="1200150" lvl="2" indent="-285750">
+              <a:buFont typeface="Arial" panose="020B0604020202020204" pitchFamily="34" charset="0"/>
+              <a:buChar char="•"/>
+            </a:pPr>
+            <a:endParaRPr lang="en-US" dirty="0">
+              <a:solidFill>
+                <a:schemeClr val="accent2"/>
+              </a:solidFill>
+            </a:endParaRPr>
+          </a:p>
+          <a:p>
+            <a:pPr marL="742950" lvl="1" indent="-285750">
+              <a:buFont typeface="Arial" panose="020B0604020202020204" pitchFamily="34" charset="0"/>
+              <a:buChar char="•"/>
+            </a:pPr>
+            <a:endParaRPr lang="en-US" dirty="0">
+              <a:solidFill>
+                <a:schemeClr val="accent2"/>
+              </a:solidFill>
+            </a:endParaRPr>
+          </a:p>
+        </p:txBody>
+      </p:sp>
+      <p:pic>
+        <p:nvPicPr>
+          <p:cNvPr id="8" name="Graphic 7" descr="Research with solid fill">
+            <a:extLst>
+              <a:ext uri="{FF2B5EF4-FFF2-40B4-BE49-F238E27FC236}">
+                <a16:creationId xmlns:a16="http://schemas.microsoft.com/office/drawing/2014/main" id="{5AF97E05-91A7-47B0-9B75-36C1AFC60737}"/>
+              </a:ext>
+            </a:extLst>
+          </p:cNvPr>
+          <p:cNvPicPr>
+            <a:picLocks noChangeAspect="1"/>
+          </p:cNvPicPr>
+          <p:nvPr/>
+        </p:nvPicPr>
+        <p:blipFill>
+          <a:blip r:embed="rId2">
+            <a:extLst>
+              <a:ext uri="{28A0092B-C50C-407E-A947-70E740481C1C}">
+                <a14:useLocalDpi xmlns:a14="http://schemas.microsoft.com/office/drawing/2010/main" val="0"/>
+              </a:ext>
+              <a:ext uri="{96DAC541-7B7A-43D3-8B79-37D633B846F1}">
+                <asvg:svgBlip xmlns:asvg="http://schemas.microsoft.com/office/drawing/2016/SVG/main" r:embed="rId3"/>
+              </a:ext>
+            </a:extLst>
+          </a:blip>
+          <a:stretch>
+            <a:fillRect/>
+          </a:stretch>
+        </p:blipFill>
+        <p:spPr>
+          <a:xfrm>
+            <a:off x="9332733" y="1389890"/>
+            <a:ext cx="914400" cy="914400"/>
+          </a:xfrm>
+          <a:prstGeom prst="rect">
+            <a:avLst/>
+          </a:prstGeom>
+        </p:spPr>
+      </p:pic>
+      <p:pic>
+        <p:nvPicPr>
+          <p:cNvPr id="10" name="Graphic 9" descr="Bar chart with solid fill">
+            <a:extLst>
+              <a:ext uri="{FF2B5EF4-FFF2-40B4-BE49-F238E27FC236}">
+                <a16:creationId xmlns:a16="http://schemas.microsoft.com/office/drawing/2014/main" id="{D8F6A86A-136F-46F2-A808-28494F0C66B8}"/>
+              </a:ext>
+            </a:extLst>
+          </p:cNvPr>
+          <p:cNvPicPr>
+            <a:picLocks noChangeAspect="1"/>
+          </p:cNvPicPr>
+          <p:nvPr/>
+        </p:nvPicPr>
+        <p:blipFill>
+          <a:blip r:embed="rId4">
+            <a:extLst>
+              <a:ext uri="{28A0092B-C50C-407E-A947-70E740481C1C}">
+                <a14:useLocalDpi xmlns:a14="http://schemas.microsoft.com/office/drawing/2010/main" val="0"/>
+              </a:ext>
+              <a:ext uri="{96DAC541-7B7A-43D3-8B79-37D633B846F1}">
+                <asvg:svgBlip xmlns:asvg="http://schemas.microsoft.com/office/drawing/2016/SVG/main" r:embed="rId5"/>
+              </a:ext>
+            </a:extLst>
+          </a:blip>
+          <a:stretch>
+            <a:fillRect/>
+          </a:stretch>
+        </p:blipFill>
+        <p:spPr>
+          <a:xfrm>
+            <a:off x="8301886" y="1389890"/>
+            <a:ext cx="914400" cy="914400"/>
+          </a:xfrm>
+          <a:prstGeom prst="rect">
+            <a:avLst/>
+          </a:prstGeom>
+        </p:spPr>
+      </p:pic>
+      <p:pic>
+        <p:nvPicPr>
+          <p:cNvPr id="12" name="Picture 11">
+            <a:extLst>
+              <a:ext uri="{FF2B5EF4-FFF2-40B4-BE49-F238E27FC236}">
+                <a16:creationId xmlns:a16="http://schemas.microsoft.com/office/drawing/2014/main" id="{F31F450E-BE52-4A59-B13F-0D322189868D}"/>
+              </a:ext>
+            </a:extLst>
+          </p:cNvPr>
+          <p:cNvPicPr>
+            <a:picLocks noChangeAspect="1"/>
+          </p:cNvPicPr>
+          <p:nvPr/>
+        </p:nvPicPr>
+        <p:blipFill>
+          <a:blip r:embed="rId6" cstate="print">
+            <a:extLst>
+              <a:ext uri="{28A0092B-C50C-407E-A947-70E740481C1C}">
+                <a14:useLocalDpi xmlns:a14="http://schemas.microsoft.com/office/drawing/2010/main" val="0"/>
+              </a:ext>
+            </a:extLst>
+          </a:blip>
+          <a:stretch>
+            <a:fillRect/>
+          </a:stretch>
+        </p:blipFill>
+        <p:spPr>
+          <a:xfrm>
+            <a:off x="8203359" y="2444644"/>
+            <a:ext cx="1828800" cy="1301496"/>
+          </a:xfrm>
+          <a:prstGeom prst="rect">
+            <a:avLst/>
+          </a:prstGeom>
+        </p:spPr>
+      </p:pic>
+      <p:sp>
+        <p:nvSpPr>
+          <p:cNvPr id="14" name="TextBox 13">
+            <a:extLst>
+              <a:ext uri="{FF2B5EF4-FFF2-40B4-BE49-F238E27FC236}">
+                <a16:creationId xmlns:a16="http://schemas.microsoft.com/office/drawing/2014/main" id="{3C4C7602-CE7F-421E-B9A4-F9FA131C1193}"/>
+              </a:ext>
+            </a:extLst>
+          </p:cNvPr>
+          <p:cNvSpPr txBox="1"/>
+          <p:nvPr/>
+        </p:nvSpPr>
+        <p:spPr>
+          <a:xfrm>
+            <a:off x="8203360" y="3746140"/>
+            <a:ext cx="1828800" cy="338554"/>
+          </a:xfrm>
+          <a:prstGeom prst="rect">
+            <a:avLst/>
+          </a:prstGeom>
+          <a:noFill/>
+        </p:spPr>
+        <p:txBody>
+          <a:bodyPr wrap="square">
+            <a:spAutoFit/>
+          </a:bodyPr>
+          <a:lstStyle/>
+          <a:p>
+            <a:r>
+              <a:rPr lang="en-US" sz="400" dirty="0"/>
+              <a:t>https://www.google.com/url?sa=i&amp;url=https%3A%2F%2Fwww.hindawi.com%2Fjournals%2Fisrn%2F2014%2F157615%2F&amp;psig=AOvVaw2aNwglBezJ0NB5fqZKnwo2&amp;ust=1670371193816000&amp;source=images&amp;cd=vfe&amp;ved=0CAwQjRxqFwoTCMD1-uDX4_sCFQAAAAAdAAAAABAD</a:t>
+            </a:r>
+          </a:p>
+        </p:txBody>
+      </p:sp>
+      <p:sp>
+        <p:nvSpPr>
+          <p:cNvPr id="17" name="TextBox 16">
+            <a:extLst>
+              <a:ext uri="{FF2B5EF4-FFF2-40B4-BE49-F238E27FC236}">
+                <a16:creationId xmlns:a16="http://schemas.microsoft.com/office/drawing/2014/main" id="{1E53E840-5380-4603-A3FF-70C09D8D5D5D}"/>
+              </a:ext>
+            </a:extLst>
+          </p:cNvPr>
+          <p:cNvSpPr txBox="1"/>
+          <p:nvPr/>
+        </p:nvSpPr>
+        <p:spPr>
+          <a:xfrm>
+            <a:off x="1507852" y="5014061"/>
+            <a:ext cx="9359247" cy="646331"/>
+          </a:xfrm>
+          <a:prstGeom prst="rect">
+            <a:avLst/>
+          </a:prstGeom>
+          <a:noFill/>
+        </p:spPr>
+        <p:txBody>
+          <a:bodyPr wrap="square" lIns="0" tIns="0" rIns="0" bIns="0" rtlCol="0">
+            <a:spAutoFit/>
+          </a:bodyPr>
+          <a:lstStyle/>
+          <a:p>
+            <a:pPr algn="ctr"/>
+            <a:r>
+              <a:rPr lang="en-US" sz="2400" b="1" i="1" dirty="0">
+                <a:solidFill>
+                  <a:schemeClr val="accent2"/>
+                </a:solidFill>
+              </a:rPr>
+              <a:t>Most teams at GRC are using some form of numerical methods!</a:t>
+            </a:r>
+          </a:p>
+          <a:p>
+            <a:pPr algn="ctr"/>
+            <a:r>
+              <a:rPr lang="en-US" i="1" dirty="0">
+                <a:solidFill>
+                  <a:schemeClr val="accent2"/>
+                </a:solidFill>
+              </a:rPr>
+              <a:t>Above are just a few examples…</a:t>
+            </a:r>
           </a:p>
         </p:txBody>
       </p:sp>
@@ -11541,7 +11948,12 @@
             <p:ph type="title"/>
           </p:nvPr>
         </p:nvSpPr>
-        <p:spPr/>
+        <p:spPr>
+          <a:xfrm>
+            <a:off x="1627632" y="252364"/>
+            <a:ext cx="8997696" cy="914400"/>
+          </a:xfrm>
+        </p:spPr>
         <p:txBody>
           <a:bodyPr/>
           <a:lstStyle/>
@@ -12716,7 +13128,7 @@
           <a:p>
             <a:r>
               <a:rPr lang="en-US" dirty="0"/>
-              <a:t>Coding – using any kind of data outputted from this exercise show a cool plot with colors</a:t>
+              <a:t>Sample plots from function output</a:t>
             </a:r>
           </a:p>
         </p:txBody>
@@ -12804,6 +13216,417 @@
               <a:t>9</a:t>
             </a:fld>
             <a:endParaRPr lang="en-CA"/>
+          </a:p>
+        </p:txBody>
+      </p:sp>
+      <p:pic>
+        <p:nvPicPr>
+          <p:cNvPr id="7" name="Picture 6">
+            <a:extLst>
+              <a:ext uri="{FF2B5EF4-FFF2-40B4-BE49-F238E27FC236}">
+                <a16:creationId xmlns:a16="http://schemas.microsoft.com/office/drawing/2014/main" id="{0E09BC20-B082-45DC-8BAD-265A73E595C3}"/>
+              </a:ext>
+            </a:extLst>
+          </p:cNvPr>
+          <p:cNvPicPr>
+            <a:picLocks noChangeAspect="1"/>
+          </p:cNvPicPr>
+          <p:nvPr/>
+        </p:nvPicPr>
+        <p:blipFill>
+          <a:blip r:embed="rId2"/>
+          <a:stretch>
+            <a:fillRect/>
+          </a:stretch>
+        </p:blipFill>
+        <p:spPr>
+          <a:xfrm>
+            <a:off x="4227040" y="3858950"/>
+            <a:ext cx="3657600" cy="2451580"/>
+          </a:xfrm>
+          <a:prstGeom prst="rect">
+            <a:avLst/>
+          </a:prstGeom>
+        </p:spPr>
+      </p:pic>
+      <p:pic>
+        <p:nvPicPr>
+          <p:cNvPr id="9" name="Picture 8">
+            <a:extLst>
+              <a:ext uri="{FF2B5EF4-FFF2-40B4-BE49-F238E27FC236}">
+                <a16:creationId xmlns:a16="http://schemas.microsoft.com/office/drawing/2014/main" id="{2366CAD9-04E2-467E-A177-4B840A5B365C}"/>
+              </a:ext>
+            </a:extLst>
+          </p:cNvPr>
+          <p:cNvPicPr>
+            <a:picLocks noChangeAspect="1"/>
+          </p:cNvPicPr>
+          <p:nvPr/>
+        </p:nvPicPr>
+        <p:blipFill>
+          <a:blip r:embed="rId3"/>
+          <a:stretch>
+            <a:fillRect/>
+          </a:stretch>
+        </p:blipFill>
+        <p:spPr>
+          <a:xfrm>
+            <a:off x="207955" y="3858950"/>
+            <a:ext cx="3657600" cy="2451580"/>
+          </a:xfrm>
+          <a:prstGeom prst="rect">
+            <a:avLst/>
+          </a:prstGeom>
+        </p:spPr>
+      </p:pic>
+      <p:pic>
+        <p:nvPicPr>
+          <p:cNvPr id="11" name="Picture 10">
+            <a:extLst>
+              <a:ext uri="{FF2B5EF4-FFF2-40B4-BE49-F238E27FC236}">
+                <a16:creationId xmlns:a16="http://schemas.microsoft.com/office/drawing/2014/main" id="{26C93002-B5A6-45D6-AB45-291C3DFDF49C}"/>
+              </a:ext>
+            </a:extLst>
+          </p:cNvPr>
+          <p:cNvPicPr>
+            <a:picLocks noChangeAspect="1"/>
+          </p:cNvPicPr>
+          <p:nvPr/>
+        </p:nvPicPr>
+        <p:blipFill>
+          <a:blip r:embed="rId4"/>
+          <a:stretch>
+            <a:fillRect/>
+          </a:stretch>
+        </p:blipFill>
+        <p:spPr>
+          <a:xfrm>
+            <a:off x="8149236" y="3858950"/>
+            <a:ext cx="3657600" cy="2451580"/>
+          </a:xfrm>
+          <a:prstGeom prst="rect">
+            <a:avLst/>
+          </a:prstGeom>
+        </p:spPr>
+      </p:pic>
+      <p:pic>
+        <p:nvPicPr>
+          <p:cNvPr id="13" name="Picture 12">
+            <a:extLst>
+              <a:ext uri="{FF2B5EF4-FFF2-40B4-BE49-F238E27FC236}">
+                <a16:creationId xmlns:a16="http://schemas.microsoft.com/office/drawing/2014/main" id="{A9FC15EB-C14C-4DF0-A296-98935890E5FA}"/>
+              </a:ext>
+            </a:extLst>
+          </p:cNvPr>
+          <p:cNvPicPr>
+            <a:picLocks noChangeAspect="1"/>
+          </p:cNvPicPr>
+          <p:nvPr/>
+        </p:nvPicPr>
+        <p:blipFill>
+          <a:blip r:embed="rId5">
+            <a:clrChange>
+              <a:clrFrom>
+                <a:srgbClr val="FFFFFF"/>
+              </a:clrFrom>
+              <a:clrTo>
+                <a:srgbClr val="FFFFFF">
+                  <a:alpha val="0"/>
+                </a:srgbClr>
+              </a:clrTo>
+            </a:clrChange>
+          </a:blip>
+          <a:stretch>
+            <a:fillRect/>
+          </a:stretch>
+        </p:blipFill>
+        <p:spPr>
+          <a:xfrm>
+            <a:off x="2181412" y="1323880"/>
+            <a:ext cx="3657600" cy="2451580"/>
+          </a:xfrm>
+          <a:prstGeom prst="rect">
+            <a:avLst/>
+          </a:prstGeom>
+        </p:spPr>
+      </p:pic>
+      <p:pic>
+        <p:nvPicPr>
+          <p:cNvPr id="15" name="Picture 14">
+            <a:extLst>
+              <a:ext uri="{FF2B5EF4-FFF2-40B4-BE49-F238E27FC236}">
+                <a16:creationId xmlns:a16="http://schemas.microsoft.com/office/drawing/2014/main" id="{423953B8-58A8-44C0-82BE-F67951547EC1}"/>
+              </a:ext>
+            </a:extLst>
+          </p:cNvPr>
+          <p:cNvPicPr>
+            <a:picLocks noChangeAspect="1"/>
+          </p:cNvPicPr>
+          <p:nvPr/>
+        </p:nvPicPr>
+        <p:blipFill>
+          <a:blip r:embed="rId6"/>
+          <a:stretch>
+            <a:fillRect/>
+          </a:stretch>
+        </p:blipFill>
+        <p:spPr>
+          <a:xfrm>
+            <a:off x="6735247" y="1319345"/>
+            <a:ext cx="3657600" cy="2451580"/>
+          </a:xfrm>
+          <a:prstGeom prst="rect">
+            <a:avLst/>
+          </a:prstGeom>
+        </p:spPr>
+      </p:pic>
+      <p:sp>
+        <p:nvSpPr>
+          <p:cNvPr id="17" name="TextBox 16">
+            <a:extLst>
+              <a:ext uri="{FF2B5EF4-FFF2-40B4-BE49-F238E27FC236}">
+                <a16:creationId xmlns:a16="http://schemas.microsoft.com/office/drawing/2014/main" id="{66C7559F-196D-4FD4-A2D0-45B0C6D22F5F}"/>
+              </a:ext>
+            </a:extLst>
+          </p:cNvPr>
+          <p:cNvSpPr txBox="1"/>
+          <p:nvPr/>
+        </p:nvSpPr>
+        <p:spPr>
+          <a:xfrm>
+            <a:off x="3521559" y="2249367"/>
+            <a:ext cx="1410961" cy="553998"/>
+          </a:xfrm>
+          <a:prstGeom prst="rect">
+            <a:avLst/>
+          </a:prstGeom>
+          <a:noFill/>
+        </p:spPr>
+        <p:txBody>
+          <a:bodyPr wrap="square" lIns="0" tIns="0" rIns="0" bIns="0" rtlCol="0">
+            <a:spAutoFit/>
+          </a:bodyPr>
+          <a:lstStyle/>
+          <a:p>
+            <a:r>
+              <a:rPr lang="en-US" i="1" dirty="0">
+                <a:solidFill>
+                  <a:schemeClr val="accent2"/>
+                </a:solidFill>
+              </a:rPr>
+              <a:t>N = 20 points</a:t>
+            </a:r>
+          </a:p>
+          <a:p>
+            <a:pPr algn="ctr"/>
+            <a:r>
+              <a:rPr lang="en-US" i="1" dirty="0">
+                <a:solidFill>
+                  <a:schemeClr val="accent2"/>
+                </a:solidFill>
+              </a:rPr>
+              <a:t>Eq. spacing</a:t>
+            </a:r>
+          </a:p>
+        </p:txBody>
+      </p:sp>
+      <p:sp>
+        <p:nvSpPr>
+          <p:cNvPr id="18" name="TextBox 17">
+            <a:extLst>
+              <a:ext uri="{FF2B5EF4-FFF2-40B4-BE49-F238E27FC236}">
+                <a16:creationId xmlns:a16="http://schemas.microsoft.com/office/drawing/2014/main" id="{55146BF3-9B7A-4E00-AFDB-386BA17E0FD7}"/>
+              </a:ext>
+            </a:extLst>
+          </p:cNvPr>
+          <p:cNvSpPr txBox="1"/>
+          <p:nvPr/>
+        </p:nvSpPr>
+        <p:spPr>
+          <a:xfrm>
+            <a:off x="8082835" y="2246300"/>
+            <a:ext cx="1671777" cy="553998"/>
+          </a:xfrm>
+          <a:prstGeom prst="rect">
+            <a:avLst/>
+          </a:prstGeom>
+          <a:noFill/>
+        </p:spPr>
+        <p:txBody>
+          <a:bodyPr wrap="square" lIns="0" tIns="0" rIns="0" bIns="0" rtlCol="0">
+            <a:spAutoFit/>
+          </a:bodyPr>
+          <a:lstStyle/>
+          <a:p>
+            <a:r>
+              <a:rPr lang="en-US" i="1" dirty="0">
+                <a:solidFill>
+                  <a:schemeClr val="accent2"/>
+                </a:solidFill>
+              </a:rPr>
+              <a:t>N = 20 points</a:t>
+            </a:r>
+          </a:p>
+          <a:p>
+            <a:pPr algn="ctr"/>
+            <a:r>
+              <a:rPr lang="en-US" i="1" dirty="0">
+                <a:solidFill>
+                  <a:schemeClr val="accent2"/>
+                </a:solidFill>
+              </a:rPr>
+              <a:t>Random spacing</a:t>
+            </a:r>
+          </a:p>
+        </p:txBody>
+      </p:sp>
+      <p:sp>
+        <p:nvSpPr>
+          <p:cNvPr id="19" name="TextBox 18">
+            <a:extLst>
+              <a:ext uri="{FF2B5EF4-FFF2-40B4-BE49-F238E27FC236}">
+                <a16:creationId xmlns:a16="http://schemas.microsoft.com/office/drawing/2014/main" id="{1779A3FA-9F9F-4D20-9EDB-439D9EBBB03B}"/>
+              </a:ext>
+            </a:extLst>
+          </p:cNvPr>
+          <p:cNvSpPr txBox="1"/>
+          <p:nvPr/>
+        </p:nvSpPr>
+        <p:spPr>
+          <a:xfrm>
+            <a:off x="1345523" y="4742228"/>
+            <a:ext cx="1671777" cy="553998"/>
+          </a:xfrm>
+          <a:prstGeom prst="rect">
+            <a:avLst/>
+          </a:prstGeom>
+          <a:noFill/>
+        </p:spPr>
+        <p:txBody>
+          <a:bodyPr wrap="square" lIns="0" tIns="0" rIns="0" bIns="0" rtlCol="0">
+            <a:spAutoFit/>
+          </a:bodyPr>
+          <a:lstStyle/>
+          <a:p>
+            <a:r>
+              <a:rPr lang="en-US" i="1" dirty="0">
+                <a:solidFill>
+                  <a:schemeClr val="accent2"/>
+                </a:solidFill>
+              </a:rPr>
+              <a:t>N = 100 points</a:t>
+            </a:r>
+          </a:p>
+          <a:p>
+            <a:pPr algn="ctr"/>
+            <a:r>
+              <a:rPr lang="en-US" i="1" dirty="0">
+                <a:solidFill>
+                  <a:schemeClr val="accent2"/>
+                </a:solidFill>
+              </a:rPr>
+              <a:t>Eq. spacing</a:t>
+            </a:r>
+          </a:p>
+        </p:txBody>
+      </p:sp>
+      <p:sp>
+        <p:nvSpPr>
+          <p:cNvPr id="20" name="TextBox 19">
+            <a:extLst>
+              <a:ext uri="{FF2B5EF4-FFF2-40B4-BE49-F238E27FC236}">
+                <a16:creationId xmlns:a16="http://schemas.microsoft.com/office/drawing/2014/main" id="{990D25C5-7504-49AC-9E22-BAD11633B1A6}"/>
+              </a:ext>
+            </a:extLst>
+          </p:cNvPr>
+          <p:cNvSpPr txBox="1"/>
+          <p:nvPr/>
+        </p:nvSpPr>
+        <p:spPr>
+          <a:xfrm>
+            <a:off x="5431687" y="4742228"/>
+            <a:ext cx="1671777" cy="553998"/>
+          </a:xfrm>
+          <a:prstGeom prst="rect">
+            <a:avLst/>
+          </a:prstGeom>
+          <a:noFill/>
+        </p:spPr>
+        <p:txBody>
+          <a:bodyPr wrap="square" lIns="0" tIns="0" rIns="0" bIns="0" rtlCol="0">
+            <a:spAutoFit/>
+          </a:bodyPr>
+          <a:lstStyle/>
+          <a:p>
+            <a:r>
+              <a:rPr lang="en-US" i="1" dirty="0">
+                <a:solidFill>
+                  <a:schemeClr val="accent2"/>
+                </a:solidFill>
+              </a:rPr>
+              <a:t>N = 1000 points</a:t>
+            </a:r>
+          </a:p>
+          <a:p>
+            <a:pPr algn="ctr"/>
+            <a:r>
+              <a:rPr lang="en-US" i="1" dirty="0">
+                <a:solidFill>
+                  <a:schemeClr val="accent2"/>
+                </a:solidFill>
+              </a:rPr>
+              <a:t>Eq. spacing</a:t>
+            </a:r>
+          </a:p>
+        </p:txBody>
+      </p:sp>
+      <p:sp>
+        <p:nvSpPr>
+          <p:cNvPr id="21" name="TextBox 20">
+            <a:extLst>
+              <a:ext uri="{FF2B5EF4-FFF2-40B4-BE49-F238E27FC236}">
+                <a16:creationId xmlns:a16="http://schemas.microsoft.com/office/drawing/2014/main" id="{5C781B61-7EBE-4121-85EE-3FA310C04A5E}"/>
+              </a:ext>
+            </a:extLst>
+          </p:cNvPr>
+          <p:cNvSpPr txBox="1"/>
+          <p:nvPr/>
+        </p:nvSpPr>
+        <p:spPr>
+          <a:xfrm>
+            <a:off x="9399133" y="4736843"/>
+            <a:ext cx="1671777" cy="553998"/>
+          </a:xfrm>
+          <a:prstGeom prst="rect">
+            <a:avLst/>
+          </a:prstGeom>
+          <a:noFill/>
+        </p:spPr>
+        <p:txBody>
+          <a:bodyPr wrap="square" lIns="0" tIns="0" rIns="0" bIns="0" rtlCol="0">
+            <a:spAutoFit/>
+          </a:bodyPr>
+          <a:lstStyle/>
+          <a:p>
+            <a:r>
+              <a:rPr lang="en-US" i="1" dirty="0">
+                <a:solidFill>
+                  <a:schemeClr val="accent2"/>
+                </a:solidFill>
+              </a:rPr>
+              <a:t>N = 10000 points</a:t>
+            </a:r>
+          </a:p>
+          <a:p>
+            <a:pPr algn="ctr"/>
+            <a:r>
+              <a:rPr lang="en-US" i="1" dirty="0">
+                <a:solidFill>
+                  <a:schemeClr val="accent2"/>
+                </a:solidFill>
+              </a:rPr>
+              <a:t>Eq. spacing</a:t>
+            </a:r>
           </a:p>
         </p:txBody>
       </p:sp>

--- a/Sprint Review PPT.pptx
+++ b/Sprint Review PPT.pptx
@@ -5,22 +5,23 @@
     <p:sldMasterId id="2147483678" r:id="rId1"/>
   </p:sldMasterIdLst>
   <p:notesMasterIdLst>
-    <p:notesMasterId r:id="rId12"/>
+    <p:notesMasterId r:id="rId13"/>
   </p:notesMasterIdLst>
   <p:handoutMasterIdLst>
-    <p:handoutMasterId r:id="rId13"/>
+    <p:handoutMasterId r:id="rId14"/>
   </p:handoutMasterIdLst>
   <p:sldIdLst>
     <p:sldId id="268" r:id="rId2"/>
     <p:sldId id="276" r:id="rId3"/>
     <p:sldId id="269" r:id="rId4"/>
     <p:sldId id="270" r:id="rId5"/>
-    <p:sldId id="271" r:id="rId6"/>
-    <p:sldId id="272" r:id="rId7"/>
-    <p:sldId id="273" r:id="rId8"/>
-    <p:sldId id="277" r:id="rId9"/>
-    <p:sldId id="274" r:id="rId10"/>
-    <p:sldId id="275" r:id="rId11"/>
+    <p:sldId id="278" r:id="rId6"/>
+    <p:sldId id="271" r:id="rId7"/>
+    <p:sldId id="272" r:id="rId8"/>
+    <p:sldId id="273" r:id="rId9"/>
+    <p:sldId id="277" r:id="rId10"/>
+    <p:sldId id="274" r:id="rId11"/>
+    <p:sldId id="275" r:id="rId12"/>
   </p:sldIdLst>
   <p:sldSz cx="12192000" cy="6858000"/>
   <p:notesSz cx="6858000" cy="9144000"/>
@@ -10499,6 +10500,561 @@
           <p:cNvPr id="2" name="Title 1">
             <a:extLst>
               <a:ext uri="{FF2B5EF4-FFF2-40B4-BE49-F238E27FC236}">
+                <a16:creationId xmlns:a16="http://schemas.microsoft.com/office/drawing/2014/main" id="{14D1FEA8-4E30-40AD-92EB-320FCAD023DA}"/>
+              </a:ext>
+            </a:extLst>
+          </p:cNvPr>
+          <p:cNvSpPr>
+            <a:spLocks noGrp="1"/>
+          </p:cNvSpPr>
+          <p:nvPr>
+            <p:ph type="title"/>
+          </p:nvPr>
+        </p:nvSpPr>
+        <p:spPr/>
+        <p:txBody>
+          <a:bodyPr/>
+          <a:lstStyle/>
+          <a:p>
+            <a:r>
+              <a:rPr lang="en-US" dirty="0"/>
+              <a:t>Sample plots from function output</a:t>
+            </a:r>
+          </a:p>
+        </p:txBody>
+      </p:sp>
+      <p:sp>
+        <p:nvSpPr>
+          <p:cNvPr id="3" name="Date Placeholder 2">
+            <a:extLst>
+              <a:ext uri="{FF2B5EF4-FFF2-40B4-BE49-F238E27FC236}">
+                <a16:creationId xmlns:a16="http://schemas.microsoft.com/office/drawing/2014/main" id="{D900F170-0D30-400A-8BE8-0791E8605B39}"/>
+              </a:ext>
+            </a:extLst>
+          </p:cNvPr>
+          <p:cNvSpPr>
+            <a:spLocks noGrp="1"/>
+          </p:cNvSpPr>
+          <p:nvPr>
+            <p:ph type="dt" sz="half" idx="10"/>
+          </p:nvPr>
+        </p:nvSpPr>
+        <p:spPr/>
+        <p:txBody>
+          <a:bodyPr/>
+          <a:lstStyle/>
+          <a:p>
+            <a:fld id="{9AC9EBFE-5BA1-460F-BE92-8CF5579A714B}" type="datetime4">
+              <a:rPr lang="en-US" smtClean="0"/>
+              <a:t>December 5, 2022</a:t>
+            </a:fld>
+            <a:endParaRPr lang="en-CA"/>
+          </a:p>
+        </p:txBody>
+      </p:sp>
+      <p:sp>
+        <p:nvSpPr>
+          <p:cNvPr id="4" name="Footer Placeholder 3">
+            <a:extLst>
+              <a:ext uri="{FF2B5EF4-FFF2-40B4-BE49-F238E27FC236}">
+                <a16:creationId xmlns:a16="http://schemas.microsoft.com/office/drawing/2014/main" id="{B7A92993-DBBD-47A6-81B4-E8DB54F4A23E}"/>
+              </a:ext>
+            </a:extLst>
+          </p:cNvPr>
+          <p:cNvSpPr>
+            <a:spLocks noGrp="1"/>
+          </p:cNvSpPr>
+          <p:nvPr>
+            <p:ph type="ftr" sz="quarter" idx="11"/>
+          </p:nvPr>
+        </p:nvSpPr>
+        <p:spPr/>
+        <p:txBody>
+          <a:bodyPr/>
+          <a:lstStyle/>
+          <a:p>
+            <a:r>
+              <a:rPr lang="en-CA"/>
+              <a:t>Presentation Title</a:t>
+            </a:r>
+          </a:p>
+        </p:txBody>
+      </p:sp>
+      <p:sp>
+        <p:nvSpPr>
+          <p:cNvPr id="5" name="Slide Number Placeholder 4">
+            <a:extLst>
+              <a:ext uri="{FF2B5EF4-FFF2-40B4-BE49-F238E27FC236}">
+                <a16:creationId xmlns:a16="http://schemas.microsoft.com/office/drawing/2014/main" id="{1ACF5D45-8760-437F-92DA-130365F9DC59}"/>
+              </a:ext>
+            </a:extLst>
+          </p:cNvPr>
+          <p:cNvSpPr>
+            <a:spLocks noGrp="1"/>
+          </p:cNvSpPr>
+          <p:nvPr>
+            <p:ph type="sldNum" sz="quarter" idx="12"/>
+          </p:nvPr>
+        </p:nvSpPr>
+        <p:spPr/>
+        <p:txBody>
+          <a:bodyPr/>
+          <a:lstStyle/>
+          <a:p>
+            <a:fld id="{00E6A5BD-C011-4A45-AA3A-201790FB7F2B}" type="slidenum">
+              <a:rPr lang="en-CA" smtClean="0"/>
+              <a:t>10</a:t>
+            </a:fld>
+            <a:endParaRPr lang="en-CA"/>
+          </a:p>
+        </p:txBody>
+      </p:sp>
+      <p:pic>
+        <p:nvPicPr>
+          <p:cNvPr id="7" name="Picture 6">
+            <a:extLst>
+              <a:ext uri="{FF2B5EF4-FFF2-40B4-BE49-F238E27FC236}">
+                <a16:creationId xmlns:a16="http://schemas.microsoft.com/office/drawing/2014/main" id="{0E09BC20-B082-45DC-8BAD-265A73E595C3}"/>
+              </a:ext>
+            </a:extLst>
+          </p:cNvPr>
+          <p:cNvPicPr>
+            <a:picLocks noChangeAspect="1"/>
+          </p:cNvPicPr>
+          <p:nvPr/>
+        </p:nvPicPr>
+        <p:blipFill>
+          <a:blip r:embed="rId2"/>
+          <a:stretch>
+            <a:fillRect/>
+          </a:stretch>
+        </p:blipFill>
+        <p:spPr>
+          <a:xfrm>
+            <a:off x="4227040" y="3858950"/>
+            <a:ext cx="3657600" cy="2451580"/>
+          </a:xfrm>
+          <a:prstGeom prst="rect">
+            <a:avLst/>
+          </a:prstGeom>
+        </p:spPr>
+      </p:pic>
+      <p:pic>
+        <p:nvPicPr>
+          <p:cNvPr id="9" name="Picture 8">
+            <a:extLst>
+              <a:ext uri="{FF2B5EF4-FFF2-40B4-BE49-F238E27FC236}">
+                <a16:creationId xmlns:a16="http://schemas.microsoft.com/office/drawing/2014/main" id="{2366CAD9-04E2-467E-A177-4B840A5B365C}"/>
+              </a:ext>
+            </a:extLst>
+          </p:cNvPr>
+          <p:cNvPicPr>
+            <a:picLocks noChangeAspect="1"/>
+          </p:cNvPicPr>
+          <p:nvPr/>
+        </p:nvPicPr>
+        <p:blipFill>
+          <a:blip r:embed="rId3"/>
+          <a:stretch>
+            <a:fillRect/>
+          </a:stretch>
+        </p:blipFill>
+        <p:spPr>
+          <a:xfrm>
+            <a:off x="207955" y="3858950"/>
+            <a:ext cx="3657600" cy="2451580"/>
+          </a:xfrm>
+          <a:prstGeom prst="rect">
+            <a:avLst/>
+          </a:prstGeom>
+        </p:spPr>
+      </p:pic>
+      <p:pic>
+        <p:nvPicPr>
+          <p:cNvPr id="11" name="Picture 10">
+            <a:extLst>
+              <a:ext uri="{FF2B5EF4-FFF2-40B4-BE49-F238E27FC236}">
+                <a16:creationId xmlns:a16="http://schemas.microsoft.com/office/drawing/2014/main" id="{26C93002-B5A6-45D6-AB45-291C3DFDF49C}"/>
+              </a:ext>
+            </a:extLst>
+          </p:cNvPr>
+          <p:cNvPicPr>
+            <a:picLocks noChangeAspect="1"/>
+          </p:cNvPicPr>
+          <p:nvPr/>
+        </p:nvPicPr>
+        <p:blipFill>
+          <a:blip r:embed="rId4"/>
+          <a:stretch>
+            <a:fillRect/>
+          </a:stretch>
+        </p:blipFill>
+        <p:spPr>
+          <a:xfrm>
+            <a:off x="8149236" y="3858950"/>
+            <a:ext cx="3657600" cy="2451580"/>
+          </a:xfrm>
+          <a:prstGeom prst="rect">
+            <a:avLst/>
+          </a:prstGeom>
+        </p:spPr>
+      </p:pic>
+      <p:pic>
+        <p:nvPicPr>
+          <p:cNvPr id="13" name="Picture 12">
+            <a:extLst>
+              <a:ext uri="{FF2B5EF4-FFF2-40B4-BE49-F238E27FC236}">
+                <a16:creationId xmlns:a16="http://schemas.microsoft.com/office/drawing/2014/main" id="{A9FC15EB-C14C-4DF0-A296-98935890E5FA}"/>
+              </a:ext>
+            </a:extLst>
+          </p:cNvPr>
+          <p:cNvPicPr>
+            <a:picLocks noChangeAspect="1"/>
+          </p:cNvPicPr>
+          <p:nvPr/>
+        </p:nvPicPr>
+        <p:blipFill>
+          <a:blip r:embed="rId5">
+            <a:clrChange>
+              <a:clrFrom>
+                <a:srgbClr val="FFFFFF"/>
+              </a:clrFrom>
+              <a:clrTo>
+                <a:srgbClr val="FFFFFF">
+                  <a:alpha val="0"/>
+                </a:srgbClr>
+              </a:clrTo>
+            </a:clrChange>
+          </a:blip>
+          <a:stretch>
+            <a:fillRect/>
+          </a:stretch>
+        </p:blipFill>
+        <p:spPr>
+          <a:xfrm>
+            <a:off x="2181412" y="1323880"/>
+            <a:ext cx="3657600" cy="2451580"/>
+          </a:xfrm>
+          <a:prstGeom prst="rect">
+            <a:avLst/>
+          </a:prstGeom>
+        </p:spPr>
+      </p:pic>
+      <p:pic>
+        <p:nvPicPr>
+          <p:cNvPr id="15" name="Picture 14">
+            <a:extLst>
+              <a:ext uri="{FF2B5EF4-FFF2-40B4-BE49-F238E27FC236}">
+                <a16:creationId xmlns:a16="http://schemas.microsoft.com/office/drawing/2014/main" id="{423953B8-58A8-44C0-82BE-F67951547EC1}"/>
+              </a:ext>
+            </a:extLst>
+          </p:cNvPr>
+          <p:cNvPicPr>
+            <a:picLocks noChangeAspect="1"/>
+          </p:cNvPicPr>
+          <p:nvPr/>
+        </p:nvPicPr>
+        <p:blipFill>
+          <a:blip r:embed="rId6"/>
+          <a:stretch>
+            <a:fillRect/>
+          </a:stretch>
+        </p:blipFill>
+        <p:spPr>
+          <a:xfrm>
+            <a:off x="6735247" y="1319345"/>
+            <a:ext cx="3657600" cy="2451580"/>
+          </a:xfrm>
+          <a:prstGeom prst="rect">
+            <a:avLst/>
+          </a:prstGeom>
+        </p:spPr>
+      </p:pic>
+      <p:sp>
+        <p:nvSpPr>
+          <p:cNvPr id="17" name="TextBox 16">
+            <a:extLst>
+              <a:ext uri="{FF2B5EF4-FFF2-40B4-BE49-F238E27FC236}">
+                <a16:creationId xmlns:a16="http://schemas.microsoft.com/office/drawing/2014/main" id="{66C7559F-196D-4FD4-A2D0-45B0C6D22F5F}"/>
+              </a:ext>
+            </a:extLst>
+          </p:cNvPr>
+          <p:cNvSpPr txBox="1"/>
+          <p:nvPr/>
+        </p:nvSpPr>
+        <p:spPr>
+          <a:xfrm>
+            <a:off x="3521559" y="2249367"/>
+            <a:ext cx="1410961" cy="553998"/>
+          </a:xfrm>
+          <a:prstGeom prst="rect">
+            <a:avLst/>
+          </a:prstGeom>
+          <a:noFill/>
+        </p:spPr>
+        <p:txBody>
+          <a:bodyPr wrap="square" lIns="0" tIns="0" rIns="0" bIns="0" rtlCol="0">
+            <a:spAutoFit/>
+          </a:bodyPr>
+          <a:lstStyle/>
+          <a:p>
+            <a:r>
+              <a:rPr lang="en-US" i="1" dirty="0">
+                <a:solidFill>
+                  <a:schemeClr val="accent2"/>
+                </a:solidFill>
+              </a:rPr>
+              <a:t>N = 20 points</a:t>
+            </a:r>
+          </a:p>
+          <a:p>
+            <a:pPr algn="ctr"/>
+            <a:r>
+              <a:rPr lang="en-US" i="1" dirty="0">
+                <a:solidFill>
+                  <a:schemeClr val="accent2"/>
+                </a:solidFill>
+              </a:rPr>
+              <a:t>Eq. spacing</a:t>
+            </a:r>
+          </a:p>
+        </p:txBody>
+      </p:sp>
+      <p:sp>
+        <p:nvSpPr>
+          <p:cNvPr id="18" name="TextBox 17">
+            <a:extLst>
+              <a:ext uri="{FF2B5EF4-FFF2-40B4-BE49-F238E27FC236}">
+                <a16:creationId xmlns:a16="http://schemas.microsoft.com/office/drawing/2014/main" id="{55146BF3-9B7A-4E00-AFDB-386BA17E0FD7}"/>
+              </a:ext>
+            </a:extLst>
+          </p:cNvPr>
+          <p:cNvSpPr txBox="1"/>
+          <p:nvPr/>
+        </p:nvSpPr>
+        <p:spPr>
+          <a:xfrm>
+            <a:off x="8082835" y="2246300"/>
+            <a:ext cx="1671777" cy="553998"/>
+          </a:xfrm>
+          <a:prstGeom prst="rect">
+            <a:avLst/>
+          </a:prstGeom>
+          <a:noFill/>
+        </p:spPr>
+        <p:txBody>
+          <a:bodyPr wrap="square" lIns="0" tIns="0" rIns="0" bIns="0" rtlCol="0">
+            <a:spAutoFit/>
+          </a:bodyPr>
+          <a:lstStyle/>
+          <a:p>
+            <a:r>
+              <a:rPr lang="en-US" i="1" dirty="0">
+                <a:solidFill>
+                  <a:schemeClr val="accent2"/>
+                </a:solidFill>
+              </a:rPr>
+              <a:t>N = 20 points</a:t>
+            </a:r>
+          </a:p>
+          <a:p>
+            <a:pPr algn="ctr"/>
+            <a:r>
+              <a:rPr lang="en-US" i="1" dirty="0">
+                <a:solidFill>
+                  <a:schemeClr val="accent2"/>
+                </a:solidFill>
+              </a:rPr>
+              <a:t>Random spacing</a:t>
+            </a:r>
+          </a:p>
+        </p:txBody>
+      </p:sp>
+      <p:sp>
+        <p:nvSpPr>
+          <p:cNvPr id="19" name="TextBox 18">
+            <a:extLst>
+              <a:ext uri="{FF2B5EF4-FFF2-40B4-BE49-F238E27FC236}">
+                <a16:creationId xmlns:a16="http://schemas.microsoft.com/office/drawing/2014/main" id="{1779A3FA-9F9F-4D20-9EDB-439D9EBBB03B}"/>
+              </a:ext>
+            </a:extLst>
+          </p:cNvPr>
+          <p:cNvSpPr txBox="1"/>
+          <p:nvPr/>
+        </p:nvSpPr>
+        <p:spPr>
+          <a:xfrm>
+            <a:off x="1345523" y="4742228"/>
+            <a:ext cx="1671777" cy="553998"/>
+          </a:xfrm>
+          <a:prstGeom prst="rect">
+            <a:avLst/>
+          </a:prstGeom>
+          <a:noFill/>
+        </p:spPr>
+        <p:txBody>
+          <a:bodyPr wrap="square" lIns="0" tIns="0" rIns="0" bIns="0" rtlCol="0">
+            <a:spAutoFit/>
+          </a:bodyPr>
+          <a:lstStyle/>
+          <a:p>
+            <a:r>
+              <a:rPr lang="en-US" i="1" dirty="0">
+                <a:solidFill>
+                  <a:schemeClr val="accent2"/>
+                </a:solidFill>
+              </a:rPr>
+              <a:t>N = 100 points</a:t>
+            </a:r>
+          </a:p>
+          <a:p>
+            <a:pPr algn="ctr"/>
+            <a:r>
+              <a:rPr lang="en-US" i="1" dirty="0">
+                <a:solidFill>
+                  <a:schemeClr val="accent2"/>
+                </a:solidFill>
+              </a:rPr>
+              <a:t>Eq. spacing</a:t>
+            </a:r>
+          </a:p>
+        </p:txBody>
+      </p:sp>
+      <p:sp>
+        <p:nvSpPr>
+          <p:cNvPr id="20" name="TextBox 19">
+            <a:extLst>
+              <a:ext uri="{FF2B5EF4-FFF2-40B4-BE49-F238E27FC236}">
+                <a16:creationId xmlns:a16="http://schemas.microsoft.com/office/drawing/2014/main" id="{990D25C5-7504-49AC-9E22-BAD11633B1A6}"/>
+              </a:ext>
+            </a:extLst>
+          </p:cNvPr>
+          <p:cNvSpPr txBox="1"/>
+          <p:nvPr/>
+        </p:nvSpPr>
+        <p:spPr>
+          <a:xfrm>
+            <a:off x="5431687" y="4742228"/>
+            <a:ext cx="1671777" cy="553998"/>
+          </a:xfrm>
+          <a:prstGeom prst="rect">
+            <a:avLst/>
+          </a:prstGeom>
+          <a:noFill/>
+        </p:spPr>
+        <p:txBody>
+          <a:bodyPr wrap="square" lIns="0" tIns="0" rIns="0" bIns="0" rtlCol="0">
+            <a:spAutoFit/>
+          </a:bodyPr>
+          <a:lstStyle/>
+          <a:p>
+            <a:r>
+              <a:rPr lang="en-US" i="1" dirty="0">
+                <a:solidFill>
+                  <a:schemeClr val="accent2"/>
+                </a:solidFill>
+              </a:rPr>
+              <a:t>N = 1000 points</a:t>
+            </a:r>
+          </a:p>
+          <a:p>
+            <a:pPr algn="ctr"/>
+            <a:r>
+              <a:rPr lang="en-US" i="1" dirty="0">
+                <a:solidFill>
+                  <a:schemeClr val="accent2"/>
+                </a:solidFill>
+              </a:rPr>
+              <a:t>Eq. spacing</a:t>
+            </a:r>
+          </a:p>
+        </p:txBody>
+      </p:sp>
+      <p:sp>
+        <p:nvSpPr>
+          <p:cNvPr id="21" name="TextBox 20">
+            <a:extLst>
+              <a:ext uri="{FF2B5EF4-FFF2-40B4-BE49-F238E27FC236}">
+                <a16:creationId xmlns:a16="http://schemas.microsoft.com/office/drawing/2014/main" id="{5C781B61-7EBE-4121-85EE-3FA310C04A5E}"/>
+              </a:ext>
+            </a:extLst>
+          </p:cNvPr>
+          <p:cNvSpPr txBox="1"/>
+          <p:nvPr/>
+        </p:nvSpPr>
+        <p:spPr>
+          <a:xfrm>
+            <a:off x="9399133" y="4736843"/>
+            <a:ext cx="1671777" cy="553998"/>
+          </a:xfrm>
+          <a:prstGeom prst="rect">
+            <a:avLst/>
+          </a:prstGeom>
+          <a:noFill/>
+        </p:spPr>
+        <p:txBody>
+          <a:bodyPr wrap="square" lIns="0" tIns="0" rIns="0" bIns="0" rtlCol="0">
+            <a:spAutoFit/>
+          </a:bodyPr>
+          <a:lstStyle/>
+          <a:p>
+            <a:r>
+              <a:rPr lang="en-US" i="1" dirty="0">
+                <a:solidFill>
+                  <a:schemeClr val="accent2"/>
+                </a:solidFill>
+              </a:rPr>
+              <a:t>N = 10000 points</a:t>
+            </a:r>
+          </a:p>
+          <a:p>
+            <a:pPr algn="ctr"/>
+            <a:r>
+              <a:rPr lang="en-US" i="1" dirty="0">
+                <a:solidFill>
+                  <a:schemeClr val="accent2"/>
+                </a:solidFill>
+              </a:rPr>
+              <a:t>Eq. spacing</a:t>
+            </a:r>
+          </a:p>
+        </p:txBody>
+      </p:sp>
+    </p:spTree>
+    <p:extLst>
+      <p:ext uri="{BB962C8B-B14F-4D97-AF65-F5344CB8AC3E}">
+        <p14:creationId xmlns:p14="http://schemas.microsoft.com/office/powerpoint/2010/main" val="2054234993"/>
+      </p:ext>
+    </p:extLst>
+  </p:cSld>
+  <p:clrMapOvr>
+    <a:masterClrMapping/>
+  </p:clrMapOvr>
+</p:sld>
+</file>
+
+<file path=ppt/slides/slide11.xml><?xml version="1.0" encoding="utf-8"?>
+<p:sld xmlns:a="http://schemas.openxmlformats.org/drawingml/2006/main" xmlns:r="http://schemas.openxmlformats.org/officeDocument/2006/relationships" xmlns:p="http://schemas.openxmlformats.org/presentationml/2006/main">
+  <p:cSld>
+    <p:spTree>
+      <p:nvGrpSpPr>
+        <p:cNvPr id="1" name=""/>
+        <p:cNvGrpSpPr/>
+        <p:nvPr/>
+      </p:nvGrpSpPr>
+      <p:grpSpPr>
+        <a:xfrm>
+          <a:off x="0" y="0"/>
+          <a:ext cx="0" cy="0"/>
+          <a:chOff x="0" y="0"/>
+          <a:chExt cx="0" cy="0"/>
+        </a:xfrm>
+      </p:grpSpPr>
+      <p:sp>
+        <p:nvSpPr>
+          <p:cNvPr id="2" name="Title 1">
+            <a:extLst>
+              <a:ext uri="{FF2B5EF4-FFF2-40B4-BE49-F238E27FC236}">
                 <a16:creationId xmlns:a16="http://schemas.microsoft.com/office/drawing/2014/main" id="{DB334898-D631-4C74-84A1-69957732BEA5}"/>
               </a:ext>
             </a:extLst>
@@ -10602,7 +11158,7 @@
           <a:p>
             <a:fld id="{00E6A5BD-C011-4A45-AA3A-201790FB7F2B}" type="slidenum">
               <a:rPr lang="en-CA" smtClean="0"/>
-              <a:t>10</a:t>
+              <a:t>11</a:t>
             </a:fld>
             <a:endParaRPr lang="en-CA"/>
           </a:p>
@@ -11523,7 +12079,7 @@
           <a:p>
             <a:r>
               <a:rPr lang="en-US" dirty="0"/>
-              <a:t>Algorithm – summarize main functions called and why</a:t>
+              <a:t>Algorithm Functions</a:t>
             </a:r>
           </a:p>
         </p:txBody>
@@ -11611,6 +12167,85 @@
               <a:t>4</a:t>
             </a:fld>
             <a:endParaRPr lang="en-CA"/>
+          </a:p>
+        </p:txBody>
+      </p:sp>
+      <p:sp>
+        <p:nvSpPr>
+          <p:cNvPr id="7" name="Content Placeholder 6">
+            <a:extLst>
+              <a:ext uri="{FF2B5EF4-FFF2-40B4-BE49-F238E27FC236}">
+                <a16:creationId xmlns:a16="http://schemas.microsoft.com/office/drawing/2014/main" id="{EAC10EA5-DD1C-4111-968E-CF3F1D7D3647}"/>
+              </a:ext>
+            </a:extLst>
+          </p:cNvPr>
+          <p:cNvSpPr>
+            <a:spLocks noGrp="1"/>
+          </p:cNvSpPr>
+          <p:nvPr>
+            <p:ph sz="quarter" idx="14"/>
+          </p:nvPr>
+        </p:nvSpPr>
+        <p:spPr/>
+        <p:txBody>
+          <a:bodyPr/>
+          <a:lstStyle/>
+          <a:p>
+            <a:r>
+              <a:rPr lang="en-US" b="1" dirty="0" err="1"/>
+              <a:t>get_circle_inputs</a:t>
+            </a:r>
+            <a:r>
+              <a:rPr lang="en-US" b="1" dirty="0"/>
+              <a:t>()</a:t>
+            </a:r>
+            <a:r>
+              <a:rPr lang="en-US" dirty="0"/>
+              <a:t>:</a:t>
+            </a:r>
+            <a:r>
+              <a:rPr lang="en-US" b="1" dirty="0"/>
+              <a:t> </a:t>
+            </a:r>
+            <a:r>
+              <a:rPr lang="en-US" dirty="0"/>
+              <a:t>user enters values—if they are incorrect, an error message pops up and they repeat entry</a:t>
+            </a:r>
+          </a:p>
+          <a:p>
+            <a:r>
+              <a:rPr lang="en-US" b="1" dirty="0" err="1"/>
+              <a:t>estimate_circ</a:t>
+            </a:r>
+            <a:r>
+              <a:rPr lang="en-US" b="1" dirty="0"/>
+              <a:t>()</a:t>
+            </a:r>
+            <a:r>
+              <a:rPr lang="en-US" dirty="0"/>
+              <a:t>: circle circumference is approximated to be compared with actual circumference</a:t>
+            </a:r>
+          </a:p>
+          <a:p>
+            <a:r>
+              <a:rPr lang="en-US" b="1" dirty="0" err="1"/>
+              <a:t>estimate_area</a:t>
+            </a:r>
+            <a:r>
+              <a:rPr lang="en-US" b="1" dirty="0"/>
+              <a:t>()</a:t>
+            </a:r>
+            <a:r>
+              <a:rPr lang="en-US" dirty="0"/>
+              <a:t>: circle area is approximated to be compared with actual area</a:t>
+            </a:r>
+          </a:p>
+          <a:p>
+            <a:pPr lvl="1"/>
+            <a:r>
+              <a:rPr lang="en-US" dirty="0"/>
+              <a:t>	</a:t>
+            </a:r>
           </a:p>
         </p:txBody>
       </p:sp>
@@ -11649,7 +12284,7 @@
           <p:cNvPr id="2" name="Title 1">
             <a:extLst>
               <a:ext uri="{FF2B5EF4-FFF2-40B4-BE49-F238E27FC236}">
-                <a16:creationId xmlns:a16="http://schemas.microsoft.com/office/drawing/2014/main" id="{7CE911B1-7AD6-47B4-A8A0-4C2073FBD774}"/>
+                <a16:creationId xmlns:a16="http://schemas.microsoft.com/office/drawing/2014/main" id="{82427042-FE86-486E-8632-28308B2132FF}"/>
               </a:ext>
             </a:extLst>
           </p:cNvPr>
@@ -11667,7 +12302,7 @@
           <a:p>
             <a:r>
               <a:rPr lang="en-US" dirty="0"/>
-              <a:t>Algorithm – explain in plain English why numerical methods are used</a:t>
+              <a:t>User Inputs</a:t>
             </a:r>
           </a:p>
         </p:txBody>
@@ -11677,7 +12312,7 @@
           <p:cNvPr id="3" name="Date Placeholder 2">
             <a:extLst>
               <a:ext uri="{FF2B5EF4-FFF2-40B4-BE49-F238E27FC236}">
-                <a16:creationId xmlns:a16="http://schemas.microsoft.com/office/drawing/2014/main" id="{F6872657-6815-4C3D-90E7-929F7C1F4E48}"/>
+                <a16:creationId xmlns:a16="http://schemas.microsoft.com/office/drawing/2014/main" id="{D2B75781-9096-4A65-92FF-BF0F09ED31A1}"/>
               </a:ext>
             </a:extLst>
           </p:cNvPr>
@@ -11693,7 +12328,7 @@
           <a:bodyPr/>
           <a:lstStyle/>
           <a:p>
-            <a:fld id="{9AC9EBFE-5BA1-460F-BE92-8CF5579A714B}" type="datetime4">
+            <a:fld id="{66CA7FD2-EEE1-4653-A3ED-EC06E26685F5}" type="datetime4">
               <a:rPr lang="en-US" smtClean="0"/>
               <a:t>December 5, 2022</a:t>
             </a:fld>
@@ -11706,7 +12341,7 @@
           <p:cNvPr id="4" name="Footer Placeholder 3">
             <a:extLst>
               <a:ext uri="{FF2B5EF4-FFF2-40B4-BE49-F238E27FC236}">
-                <a16:creationId xmlns:a16="http://schemas.microsoft.com/office/drawing/2014/main" id="{3A0B9964-B6E5-4169-ADCE-6B237E7B9AE4}"/>
+                <a16:creationId xmlns:a16="http://schemas.microsoft.com/office/drawing/2014/main" id="{DC9674F5-9ABF-4829-A1B3-1C7391DD7B85}"/>
               </a:ext>
             </a:extLst>
           </p:cNvPr>
@@ -11734,7 +12369,7 @@
           <p:cNvPr id="5" name="Slide Number Placeholder 4">
             <a:extLst>
               <a:ext uri="{FF2B5EF4-FFF2-40B4-BE49-F238E27FC236}">
-                <a16:creationId xmlns:a16="http://schemas.microsoft.com/office/drawing/2014/main" id="{AA862143-3D06-4F54-AEA9-E6E6F56F9390}"/>
+                <a16:creationId xmlns:a16="http://schemas.microsoft.com/office/drawing/2014/main" id="{1EB4F8BC-D821-4D31-A462-DD2631D6487D}"/>
               </a:ext>
             </a:extLst>
           </p:cNvPr>
@@ -11758,10 +12393,109 @@
           </a:p>
         </p:txBody>
       </p:sp>
+      <p:sp>
+        <p:nvSpPr>
+          <p:cNvPr id="12" name="Content Placeholder 11">
+            <a:extLst>
+              <a:ext uri="{FF2B5EF4-FFF2-40B4-BE49-F238E27FC236}">
+                <a16:creationId xmlns:a16="http://schemas.microsoft.com/office/drawing/2014/main" id="{EDA34F20-C1CD-4E2D-ABC7-DE2947A83986}"/>
+              </a:ext>
+            </a:extLst>
+          </p:cNvPr>
+          <p:cNvSpPr>
+            <a:spLocks noGrp="1"/>
+          </p:cNvSpPr>
+          <p:nvPr>
+            <p:ph sz="quarter" idx="14"/>
+          </p:nvPr>
+        </p:nvSpPr>
+        <p:spPr/>
+        <p:txBody>
+          <a:bodyPr/>
+          <a:lstStyle/>
+          <a:p>
+            <a:r>
+              <a:rPr lang="en-US" dirty="0"/>
+              <a:t>Try-except statements were used to catch user errors and make the user try again if the type of input is incorrect</a:t>
+            </a:r>
+          </a:p>
+          <a:p>
+            <a:r>
+              <a:rPr lang="en-US" dirty="0"/>
+              <a:t>After entering their inputs, the values are printed, and the user has the option to try again</a:t>
+            </a:r>
+          </a:p>
+          <a:p>
+            <a:endParaRPr lang="en-US" dirty="0"/>
+          </a:p>
+          <a:p>
+            <a:endParaRPr lang="en-US" dirty="0"/>
+          </a:p>
+        </p:txBody>
+      </p:sp>
+      <p:pic>
+        <p:nvPicPr>
+          <p:cNvPr id="14" name="Picture 13">
+            <a:extLst>
+              <a:ext uri="{FF2B5EF4-FFF2-40B4-BE49-F238E27FC236}">
+                <a16:creationId xmlns:a16="http://schemas.microsoft.com/office/drawing/2014/main" id="{DE6F4DB9-40AF-4CDC-B55A-DC7A69BE365C}"/>
+              </a:ext>
+            </a:extLst>
+          </p:cNvPr>
+          <p:cNvPicPr>
+            <a:picLocks noChangeAspect="1"/>
+          </p:cNvPicPr>
+          <p:nvPr/>
+        </p:nvPicPr>
+        <p:blipFill rotWithShape="1">
+          <a:blip r:embed="rId2"/>
+          <a:srcRect r="54385"/>
+          <a:stretch/>
+        </p:blipFill>
+        <p:spPr>
+          <a:xfrm>
+            <a:off x="1045599" y="4112119"/>
+            <a:ext cx="4850294" cy="2323484"/>
+          </a:xfrm>
+          <a:prstGeom prst="rect">
+            <a:avLst/>
+          </a:prstGeom>
+        </p:spPr>
+      </p:pic>
+      <p:pic>
+        <p:nvPicPr>
+          <p:cNvPr id="18" name="Picture 17">
+            <a:extLst>
+              <a:ext uri="{FF2B5EF4-FFF2-40B4-BE49-F238E27FC236}">
+                <a16:creationId xmlns:a16="http://schemas.microsoft.com/office/drawing/2014/main" id="{502DF71B-B9E8-4387-92EB-C11EBED38BE2}"/>
+              </a:ext>
+            </a:extLst>
+          </p:cNvPr>
+          <p:cNvPicPr>
+            <a:picLocks noChangeAspect="1"/>
+          </p:cNvPicPr>
+          <p:nvPr/>
+        </p:nvPicPr>
+        <p:blipFill>
+          <a:blip r:embed="rId3"/>
+          <a:stretch>
+            <a:fillRect/>
+          </a:stretch>
+        </p:blipFill>
+        <p:spPr>
+          <a:xfrm>
+            <a:off x="6429636" y="4148304"/>
+            <a:ext cx="5347985" cy="2251114"/>
+          </a:xfrm>
+          <a:prstGeom prst="rect">
+            <a:avLst/>
+          </a:prstGeom>
+        </p:spPr>
+      </p:pic>
     </p:spTree>
     <p:extLst>
       <p:ext uri="{BB962C8B-B14F-4D97-AF65-F5344CB8AC3E}">
-        <p14:creationId xmlns:p14="http://schemas.microsoft.com/office/powerpoint/2010/main" val="820771692"/>
+        <p14:creationId xmlns:p14="http://schemas.microsoft.com/office/powerpoint/2010/main" val="473823252"/>
       </p:ext>
     </p:extLst>
   </p:cSld>
@@ -11793,7 +12527,7 @@
           <p:cNvPr id="2" name="Title 1">
             <a:extLst>
               <a:ext uri="{FF2B5EF4-FFF2-40B4-BE49-F238E27FC236}">
-                <a16:creationId xmlns:a16="http://schemas.microsoft.com/office/drawing/2014/main" id="{79E99DA0-630A-4999-AE11-B17F0B98D37A}"/>
+                <a16:creationId xmlns:a16="http://schemas.microsoft.com/office/drawing/2014/main" id="{7CE911B1-7AD6-47B4-A8A0-4C2073FBD774}"/>
               </a:ext>
             </a:extLst>
           </p:cNvPr>
@@ -11811,7 +12545,7 @@
           <a:p>
             <a:r>
               <a:rPr lang="en-US" dirty="0"/>
-              <a:t>Algorithm – explain in plain English how you would extend the algorithm to 3D, 4D, beyond</a:t>
+              <a:t>Algorithm – explain in plain English why numerical methods are used</a:t>
             </a:r>
           </a:p>
         </p:txBody>
@@ -11821,7 +12555,7 @@
           <p:cNvPr id="3" name="Date Placeholder 2">
             <a:extLst>
               <a:ext uri="{FF2B5EF4-FFF2-40B4-BE49-F238E27FC236}">
-                <a16:creationId xmlns:a16="http://schemas.microsoft.com/office/drawing/2014/main" id="{2EE64DBE-2C49-435C-AF33-7D018E42A978}"/>
+                <a16:creationId xmlns:a16="http://schemas.microsoft.com/office/drawing/2014/main" id="{F6872657-6815-4C3D-90E7-929F7C1F4E48}"/>
               </a:ext>
             </a:extLst>
           </p:cNvPr>
@@ -11850,7 +12584,7 @@
           <p:cNvPr id="4" name="Footer Placeholder 3">
             <a:extLst>
               <a:ext uri="{FF2B5EF4-FFF2-40B4-BE49-F238E27FC236}">
-                <a16:creationId xmlns:a16="http://schemas.microsoft.com/office/drawing/2014/main" id="{3D5DBEE6-1FC3-43EC-A6E3-F4F0623B670B}"/>
+                <a16:creationId xmlns:a16="http://schemas.microsoft.com/office/drawing/2014/main" id="{3A0B9964-B6E5-4169-ADCE-6B237E7B9AE4}"/>
               </a:ext>
             </a:extLst>
           </p:cNvPr>
@@ -11878,7 +12612,7 @@
           <p:cNvPr id="5" name="Slide Number Placeholder 4">
             <a:extLst>
               <a:ext uri="{FF2B5EF4-FFF2-40B4-BE49-F238E27FC236}">
-                <a16:creationId xmlns:a16="http://schemas.microsoft.com/office/drawing/2014/main" id="{5C6F5594-894F-4D85-82C0-9D900DE9B3CB}"/>
+                <a16:creationId xmlns:a16="http://schemas.microsoft.com/office/drawing/2014/main" id="{AA862143-3D06-4F54-AEA9-E6E6F56F9390}"/>
               </a:ext>
             </a:extLst>
           </p:cNvPr>
@@ -11902,10 +12636,35 @@
           </a:p>
         </p:txBody>
       </p:sp>
+      <p:sp>
+        <p:nvSpPr>
+          <p:cNvPr id="9" name="Content Placeholder 8">
+            <a:extLst>
+              <a:ext uri="{FF2B5EF4-FFF2-40B4-BE49-F238E27FC236}">
+                <a16:creationId xmlns:a16="http://schemas.microsoft.com/office/drawing/2014/main" id="{99DD318E-F5AB-4088-8CA7-498F149AE46D}"/>
+              </a:ext>
+            </a:extLst>
+          </p:cNvPr>
+          <p:cNvSpPr>
+            <a:spLocks noGrp="1"/>
+          </p:cNvSpPr>
+          <p:nvPr>
+            <p:ph sz="quarter" idx="14"/>
+          </p:nvPr>
+        </p:nvSpPr>
+        <p:spPr/>
+        <p:txBody>
+          <a:bodyPr/>
+          <a:lstStyle/>
+          <a:p>
+            <a:endParaRPr lang="en-US" dirty="0"/>
+          </a:p>
+        </p:txBody>
+      </p:sp>
     </p:spTree>
     <p:extLst>
       <p:ext uri="{BB962C8B-B14F-4D97-AF65-F5344CB8AC3E}">
-        <p14:creationId xmlns:p14="http://schemas.microsoft.com/office/powerpoint/2010/main" val="1643561512"/>
+        <p14:creationId xmlns:p14="http://schemas.microsoft.com/office/powerpoint/2010/main" val="820771692"/>
       </p:ext>
     </p:extLst>
   </p:cSld>
@@ -11937,7 +12696,7 @@
           <p:cNvPr id="2" name="Title 1">
             <a:extLst>
               <a:ext uri="{FF2B5EF4-FFF2-40B4-BE49-F238E27FC236}">
-                <a16:creationId xmlns:a16="http://schemas.microsoft.com/office/drawing/2014/main" id="{1BCC1F77-8300-466A-9C7F-5B21E88D231D}"/>
+                <a16:creationId xmlns:a16="http://schemas.microsoft.com/office/drawing/2014/main" id="{79E99DA0-630A-4999-AE11-B17F0B98D37A}"/>
               </a:ext>
             </a:extLst>
           </p:cNvPr>
@@ -11948,19 +12707,14 @@
             <p:ph type="title"/>
           </p:nvPr>
         </p:nvSpPr>
-        <p:spPr>
-          <a:xfrm>
-            <a:off x="1627632" y="252364"/>
-            <a:ext cx="8997696" cy="914400"/>
-          </a:xfrm>
-        </p:spPr>
+        <p:spPr/>
         <p:txBody>
           <a:bodyPr/>
           <a:lstStyle/>
           <a:p>
             <a:r>
               <a:rPr lang="en-US" dirty="0"/>
-              <a:t>Coding – do a study on how changing input parameters in the algorithms changes the outputs?</a:t>
+              <a:t>Algorithm – explain in plain English how you would extend the algorithm to 3D, 4D, beyond</a:t>
             </a:r>
           </a:p>
         </p:txBody>
@@ -11970,7 +12724,7 @@
           <p:cNvPr id="3" name="Date Placeholder 2">
             <a:extLst>
               <a:ext uri="{FF2B5EF4-FFF2-40B4-BE49-F238E27FC236}">
-                <a16:creationId xmlns:a16="http://schemas.microsoft.com/office/drawing/2014/main" id="{B437D10D-4E88-4BAB-8EFD-E0C870D25D0D}"/>
+                <a16:creationId xmlns:a16="http://schemas.microsoft.com/office/drawing/2014/main" id="{2EE64DBE-2C49-435C-AF33-7D018E42A978}"/>
               </a:ext>
             </a:extLst>
           </p:cNvPr>
@@ -11999,7 +12753,7 @@
           <p:cNvPr id="4" name="Footer Placeholder 3">
             <a:extLst>
               <a:ext uri="{FF2B5EF4-FFF2-40B4-BE49-F238E27FC236}">
-                <a16:creationId xmlns:a16="http://schemas.microsoft.com/office/drawing/2014/main" id="{49DF8C9D-4C14-425D-B520-A1C7AF13AC52}"/>
+                <a16:creationId xmlns:a16="http://schemas.microsoft.com/office/drawing/2014/main" id="{3D5DBEE6-1FC3-43EC-A6E3-F4F0623B670B}"/>
               </a:ext>
             </a:extLst>
           </p:cNvPr>
@@ -12027,7 +12781,7 @@
           <p:cNvPr id="5" name="Slide Number Placeholder 4">
             <a:extLst>
               <a:ext uri="{FF2B5EF4-FFF2-40B4-BE49-F238E27FC236}">
-                <a16:creationId xmlns:a16="http://schemas.microsoft.com/office/drawing/2014/main" id="{E53F0E2C-CD60-4BED-8A91-4E8A7C25550F}"/>
+                <a16:creationId xmlns:a16="http://schemas.microsoft.com/office/drawing/2014/main" id="{5C6F5594-894F-4D85-82C0-9D900DE9B3CB}"/>
               </a:ext>
             </a:extLst>
           </p:cNvPr>
@@ -12054,7 +12808,7 @@
     </p:spTree>
     <p:extLst>
       <p:ext uri="{BB962C8B-B14F-4D97-AF65-F5344CB8AC3E}">
-        <p14:creationId xmlns:p14="http://schemas.microsoft.com/office/powerpoint/2010/main" val="6936538"/>
+        <p14:creationId xmlns:p14="http://schemas.microsoft.com/office/powerpoint/2010/main" val="1643561512"/>
       </p:ext>
     </p:extLst>
   </p:cSld>
@@ -12086,6 +12840,155 @@
           <p:cNvPr id="2" name="Title 1">
             <a:extLst>
               <a:ext uri="{FF2B5EF4-FFF2-40B4-BE49-F238E27FC236}">
+                <a16:creationId xmlns:a16="http://schemas.microsoft.com/office/drawing/2014/main" id="{1BCC1F77-8300-466A-9C7F-5B21E88D231D}"/>
+              </a:ext>
+            </a:extLst>
+          </p:cNvPr>
+          <p:cNvSpPr>
+            <a:spLocks noGrp="1"/>
+          </p:cNvSpPr>
+          <p:nvPr>
+            <p:ph type="title"/>
+          </p:nvPr>
+        </p:nvSpPr>
+        <p:spPr>
+          <a:xfrm>
+            <a:off x="1627632" y="252364"/>
+            <a:ext cx="8997696" cy="914400"/>
+          </a:xfrm>
+        </p:spPr>
+        <p:txBody>
+          <a:bodyPr/>
+          <a:lstStyle/>
+          <a:p>
+            <a:r>
+              <a:rPr lang="en-US" dirty="0"/>
+              <a:t>Coding – do a study on how changing input parameters in the algorithms changes the outputs?</a:t>
+            </a:r>
+          </a:p>
+        </p:txBody>
+      </p:sp>
+      <p:sp>
+        <p:nvSpPr>
+          <p:cNvPr id="3" name="Date Placeholder 2">
+            <a:extLst>
+              <a:ext uri="{FF2B5EF4-FFF2-40B4-BE49-F238E27FC236}">
+                <a16:creationId xmlns:a16="http://schemas.microsoft.com/office/drawing/2014/main" id="{B437D10D-4E88-4BAB-8EFD-E0C870D25D0D}"/>
+              </a:ext>
+            </a:extLst>
+          </p:cNvPr>
+          <p:cNvSpPr>
+            <a:spLocks noGrp="1"/>
+          </p:cNvSpPr>
+          <p:nvPr>
+            <p:ph type="dt" sz="half" idx="10"/>
+          </p:nvPr>
+        </p:nvSpPr>
+        <p:spPr/>
+        <p:txBody>
+          <a:bodyPr/>
+          <a:lstStyle/>
+          <a:p>
+            <a:fld id="{9AC9EBFE-5BA1-460F-BE92-8CF5579A714B}" type="datetime4">
+              <a:rPr lang="en-US" smtClean="0"/>
+              <a:t>December 5, 2022</a:t>
+            </a:fld>
+            <a:endParaRPr lang="en-CA"/>
+          </a:p>
+        </p:txBody>
+      </p:sp>
+      <p:sp>
+        <p:nvSpPr>
+          <p:cNvPr id="4" name="Footer Placeholder 3">
+            <a:extLst>
+              <a:ext uri="{FF2B5EF4-FFF2-40B4-BE49-F238E27FC236}">
+                <a16:creationId xmlns:a16="http://schemas.microsoft.com/office/drawing/2014/main" id="{49DF8C9D-4C14-425D-B520-A1C7AF13AC52}"/>
+              </a:ext>
+            </a:extLst>
+          </p:cNvPr>
+          <p:cNvSpPr>
+            <a:spLocks noGrp="1"/>
+          </p:cNvSpPr>
+          <p:nvPr>
+            <p:ph type="ftr" sz="quarter" idx="11"/>
+          </p:nvPr>
+        </p:nvSpPr>
+        <p:spPr/>
+        <p:txBody>
+          <a:bodyPr/>
+          <a:lstStyle/>
+          <a:p>
+            <a:r>
+              <a:rPr lang="en-CA"/>
+              <a:t>Presentation Title</a:t>
+            </a:r>
+          </a:p>
+        </p:txBody>
+      </p:sp>
+      <p:sp>
+        <p:nvSpPr>
+          <p:cNvPr id="5" name="Slide Number Placeholder 4">
+            <a:extLst>
+              <a:ext uri="{FF2B5EF4-FFF2-40B4-BE49-F238E27FC236}">
+                <a16:creationId xmlns:a16="http://schemas.microsoft.com/office/drawing/2014/main" id="{E53F0E2C-CD60-4BED-8A91-4E8A7C25550F}"/>
+              </a:ext>
+            </a:extLst>
+          </p:cNvPr>
+          <p:cNvSpPr>
+            <a:spLocks noGrp="1"/>
+          </p:cNvSpPr>
+          <p:nvPr>
+            <p:ph type="sldNum" sz="quarter" idx="12"/>
+          </p:nvPr>
+        </p:nvSpPr>
+        <p:spPr/>
+        <p:txBody>
+          <a:bodyPr/>
+          <a:lstStyle/>
+          <a:p>
+            <a:fld id="{00E6A5BD-C011-4A45-AA3A-201790FB7F2B}" type="slidenum">
+              <a:rPr lang="en-CA" smtClean="0"/>
+              <a:t>8</a:t>
+            </a:fld>
+            <a:endParaRPr lang="en-CA"/>
+          </a:p>
+        </p:txBody>
+      </p:sp>
+    </p:spTree>
+    <p:extLst>
+      <p:ext uri="{BB962C8B-B14F-4D97-AF65-F5344CB8AC3E}">
+        <p14:creationId xmlns:p14="http://schemas.microsoft.com/office/powerpoint/2010/main" val="6936538"/>
+      </p:ext>
+    </p:extLst>
+  </p:cSld>
+  <p:clrMapOvr>
+    <a:masterClrMapping/>
+  </p:clrMapOvr>
+</p:sld>
+</file>
+
+<file path=ppt/slides/slide9.xml><?xml version="1.0" encoding="utf-8"?>
+<p:sld xmlns:a="http://schemas.openxmlformats.org/drawingml/2006/main" xmlns:r="http://schemas.openxmlformats.org/officeDocument/2006/relationships" xmlns:p="http://schemas.openxmlformats.org/presentationml/2006/main">
+  <p:cSld>
+    <p:spTree>
+      <p:nvGrpSpPr>
+        <p:cNvPr id="1" name=""/>
+        <p:cNvGrpSpPr/>
+        <p:nvPr/>
+      </p:nvGrpSpPr>
+      <p:grpSpPr>
+        <a:xfrm>
+          <a:off x="0" y="0"/>
+          <a:ext cx="0" cy="0"/>
+          <a:chOff x="0" y="0"/>
+          <a:chExt cx="0" cy="0"/>
+        </a:xfrm>
+      </p:grpSpPr>
+      <p:sp>
+        <p:nvSpPr>
+          <p:cNvPr id="2" name="Title 1">
+            <a:extLst>
+              <a:ext uri="{FF2B5EF4-FFF2-40B4-BE49-F238E27FC236}">
                 <a16:creationId xmlns:a16="http://schemas.microsoft.com/office/drawing/2014/main" id="{1510E9B4-CA74-455B-8118-C442DE9703E6}"/>
               </a:ext>
             </a:extLst>
@@ -12189,7 +13092,7 @@
           <a:p>
             <a:fld id="{00E6A5BD-C011-4A45-AA3A-201790FB7F2B}" type="slidenum">
               <a:rPr lang="en-CA" smtClean="0"/>
-              <a:t>8</a:t>
+              <a:t>9</a:t>
             </a:fld>
             <a:endParaRPr lang="en-CA"/>
           </a:p>
@@ -13079,561 +13982,6 @@
     <p:extLst>
       <p:ext uri="{BB962C8B-B14F-4D97-AF65-F5344CB8AC3E}">
         <p14:creationId xmlns:p14="http://schemas.microsoft.com/office/powerpoint/2010/main" val="1370634919"/>
-      </p:ext>
-    </p:extLst>
-  </p:cSld>
-  <p:clrMapOvr>
-    <a:masterClrMapping/>
-  </p:clrMapOvr>
-</p:sld>
-</file>
-
-<file path=ppt/slides/slide9.xml><?xml version="1.0" encoding="utf-8"?>
-<p:sld xmlns:a="http://schemas.openxmlformats.org/drawingml/2006/main" xmlns:r="http://schemas.openxmlformats.org/officeDocument/2006/relationships" xmlns:p="http://schemas.openxmlformats.org/presentationml/2006/main">
-  <p:cSld>
-    <p:spTree>
-      <p:nvGrpSpPr>
-        <p:cNvPr id="1" name=""/>
-        <p:cNvGrpSpPr/>
-        <p:nvPr/>
-      </p:nvGrpSpPr>
-      <p:grpSpPr>
-        <a:xfrm>
-          <a:off x="0" y="0"/>
-          <a:ext cx="0" cy="0"/>
-          <a:chOff x="0" y="0"/>
-          <a:chExt cx="0" cy="0"/>
-        </a:xfrm>
-      </p:grpSpPr>
-      <p:sp>
-        <p:nvSpPr>
-          <p:cNvPr id="2" name="Title 1">
-            <a:extLst>
-              <a:ext uri="{FF2B5EF4-FFF2-40B4-BE49-F238E27FC236}">
-                <a16:creationId xmlns:a16="http://schemas.microsoft.com/office/drawing/2014/main" id="{14D1FEA8-4E30-40AD-92EB-320FCAD023DA}"/>
-              </a:ext>
-            </a:extLst>
-          </p:cNvPr>
-          <p:cNvSpPr>
-            <a:spLocks noGrp="1"/>
-          </p:cNvSpPr>
-          <p:nvPr>
-            <p:ph type="title"/>
-          </p:nvPr>
-        </p:nvSpPr>
-        <p:spPr/>
-        <p:txBody>
-          <a:bodyPr/>
-          <a:lstStyle/>
-          <a:p>
-            <a:r>
-              <a:rPr lang="en-US" dirty="0"/>
-              <a:t>Sample plots from function output</a:t>
-            </a:r>
-          </a:p>
-        </p:txBody>
-      </p:sp>
-      <p:sp>
-        <p:nvSpPr>
-          <p:cNvPr id="3" name="Date Placeholder 2">
-            <a:extLst>
-              <a:ext uri="{FF2B5EF4-FFF2-40B4-BE49-F238E27FC236}">
-                <a16:creationId xmlns:a16="http://schemas.microsoft.com/office/drawing/2014/main" id="{D900F170-0D30-400A-8BE8-0791E8605B39}"/>
-              </a:ext>
-            </a:extLst>
-          </p:cNvPr>
-          <p:cNvSpPr>
-            <a:spLocks noGrp="1"/>
-          </p:cNvSpPr>
-          <p:nvPr>
-            <p:ph type="dt" sz="half" idx="10"/>
-          </p:nvPr>
-        </p:nvSpPr>
-        <p:spPr/>
-        <p:txBody>
-          <a:bodyPr/>
-          <a:lstStyle/>
-          <a:p>
-            <a:fld id="{9AC9EBFE-5BA1-460F-BE92-8CF5579A714B}" type="datetime4">
-              <a:rPr lang="en-US" smtClean="0"/>
-              <a:t>December 5, 2022</a:t>
-            </a:fld>
-            <a:endParaRPr lang="en-CA"/>
-          </a:p>
-        </p:txBody>
-      </p:sp>
-      <p:sp>
-        <p:nvSpPr>
-          <p:cNvPr id="4" name="Footer Placeholder 3">
-            <a:extLst>
-              <a:ext uri="{FF2B5EF4-FFF2-40B4-BE49-F238E27FC236}">
-                <a16:creationId xmlns:a16="http://schemas.microsoft.com/office/drawing/2014/main" id="{B7A92993-DBBD-47A6-81B4-E8DB54F4A23E}"/>
-              </a:ext>
-            </a:extLst>
-          </p:cNvPr>
-          <p:cNvSpPr>
-            <a:spLocks noGrp="1"/>
-          </p:cNvSpPr>
-          <p:nvPr>
-            <p:ph type="ftr" sz="quarter" idx="11"/>
-          </p:nvPr>
-        </p:nvSpPr>
-        <p:spPr/>
-        <p:txBody>
-          <a:bodyPr/>
-          <a:lstStyle/>
-          <a:p>
-            <a:r>
-              <a:rPr lang="en-CA"/>
-              <a:t>Presentation Title</a:t>
-            </a:r>
-          </a:p>
-        </p:txBody>
-      </p:sp>
-      <p:sp>
-        <p:nvSpPr>
-          <p:cNvPr id="5" name="Slide Number Placeholder 4">
-            <a:extLst>
-              <a:ext uri="{FF2B5EF4-FFF2-40B4-BE49-F238E27FC236}">
-                <a16:creationId xmlns:a16="http://schemas.microsoft.com/office/drawing/2014/main" id="{1ACF5D45-8760-437F-92DA-130365F9DC59}"/>
-              </a:ext>
-            </a:extLst>
-          </p:cNvPr>
-          <p:cNvSpPr>
-            <a:spLocks noGrp="1"/>
-          </p:cNvSpPr>
-          <p:nvPr>
-            <p:ph type="sldNum" sz="quarter" idx="12"/>
-          </p:nvPr>
-        </p:nvSpPr>
-        <p:spPr/>
-        <p:txBody>
-          <a:bodyPr/>
-          <a:lstStyle/>
-          <a:p>
-            <a:fld id="{00E6A5BD-C011-4A45-AA3A-201790FB7F2B}" type="slidenum">
-              <a:rPr lang="en-CA" smtClean="0"/>
-              <a:t>9</a:t>
-            </a:fld>
-            <a:endParaRPr lang="en-CA"/>
-          </a:p>
-        </p:txBody>
-      </p:sp>
-      <p:pic>
-        <p:nvPicPr>
-          <p:cNvPr id="7" name="Picture 6">
-            <a:extLst>
-              <a:ext uri="{FF2B5EF4-FFF2-40B4-BE49-F238E27FC236}">
-                <a16:creationId xmlns:a16="http://schemas.microsoft.com/office/drawing/2014/main" id="{0E09BC20-B082-45DC-8BAD-265A73E595C3}"/>
-              </a:ext>
-            </a:extLst>
-          </p:cNvPr>
-          <p:cNvPicPr>
-            <a:picLocks noChangeAspect="1"/>
-          </p:cNvPicPr>
-          <p:nvPr/>
-        </p:nvPicPr>
-        <p:blipFill>
-          <a:blip r:embed="rId2"/>
-          <a:stretch>
-            <a:fillRect/>
-          </a:stretch>
-        </p:blipFill>
-        <p:spPr>
-          <a:xfrm>
-            <a:off x="4227040" y="3858950"/>
-            <a:ext cx="3657600" cy="2451580"/>
-          </a:xfrm>
-          <a:prstGeom prst="rect">
-            <a:avLst/>
-          </a:prstGeom>
-        </p:spPr>
-      </p:pic>
-      <p:pic>
-        <p:nvPicPr>
-          <p:cNvPr id="9" name="Picture 8">
-            <a:extLst>
-              <a:ext uri="{FF2B5EF4-FFF2-40B4-BE49-F238E27FC236}">
-                <a16:creationId xmlns:a16="http://schemas.microsoft.com/office/drawing/2014/main" id="{2366CAD9-04E2-467E-A177-4B840A5B365C}"/>
-              </a:ext>
-            </a:extLst>
-          </p:cNvPr>
-          <p:cNvPicPr>
-            <a:picLocks noChangeAspect="1"/>
-          </p:cNvPicPr>
-          <p:nvPr/>
-        </p:nvPicPr>
-        <p:blipFill>
-          <a:blip r:embed="rId3"/>
-          <a:stretch>
-            <a:fillRect/>
-          </a:stretch>
-        </p:blipFill>
-        <p:spPr>
-          <a:xfrm>
-            <a:off x="207955" y="3858950"/>
-            <a:ext cx="3657600" cy="2451580"/>
-          </a:xfrm>
-          <a:prstGeom prst="rect">
-            <a:avLst/>
-          </a:prstGeom>
-        </p:spPr>
-      </p:pic>
-      <p:pic>
-        <p:nvPicPr>
-          <p:cNvPr id="11" name="Picture 10">
-            <a:extLst>
-              <a:ext uri="{FF2B5EF4-FFF2-40B4-BE49-F238E27FC236}">
-                <a16:creationId xmlns:a16="http://schemas.microsoft.com/office/drawing/2014/main" id="{26C93002-B5A6-45D6-AB45-291C3DFDF49C}"/>
-              </a:ext>
-            </a:extLst>
-          </p:cNvPr>
-          <p:cNvPicPr>
-            <a:picLocks noChangeAspect="1"/>
-          </p:cNvPicPr>
-          <p:nvPr/>
-        </p:nvPicPr>
-        <p:blipFill>
-          <a:blip r:embed="rId4"/>
-          <a:stretch>
-            <a:fillRect/>
-          </a:stretch>
-        </p:blipFill>
-        <p:spPr>
-          <a:xfrm>
-            <a:off x="8149236" y="3858950"/>
-            <a:ext cx="3657600" cy="2451580"/>
-          </a:xfrm>
-          <a:prstGeom prst="rect">
-            <a:avLst/>
-          </a:prstGeom>
-        </p:spPr>
-      </p:pic>
-      <p:pic>
-        <p:nvPicPr>
-          <p:cNvPr id="13" name="Picture 12">
-            <a:extLst>
-              <a:ext uri="{FF2B5EF4-FFF2-40B4-BE49-F238E27FC236}">
-                <a16:creationId xmlns:a16="http://schemas.microsoft.com/office/drawing/2014/main" id="{A9FC15EB-C14C-4DF0-A296-98935890E5FA}"/>
-              </a:ext>
-            </a:extLst>
-          </p:cNvPr>
-          <p:cNvPicPr>
-            <a:picLocks noChangeAspect="1"/>
-          </p:cNvPicPr>
-          <p:nvPr/>
-        </p:nvPicPr>
-        <p:blipFill>
-          <a:blip r:embed="rId5">
-            <a:clrChange>
-              <a:clrFrom>
-                <a:srgbClr val="FFFFFF"/>
-              </a:clrFrom>
-              <a:clrTo>
-                <a:srgbClr val="FFFFFF">
-                  <a:alpha val="0"/>
-                </a:srgbClr>
-              </a:clrTo>
-            </a:clrChange>
-          </a:blip>
-          <a:stretch>
-            <a:fillRect/>
-          </a:stretch>
-        </p:blipFill>
-        <p:spPr>
-          <a:xfrm>
-            <a:off x="2181412" y="1323880"/>
-            <a:ext cx="3657600" cy="2451580"/>
-          </a:xfrm>
-          <a:prstGeom prst="rect">
-            <a:avLst/>
-          </a:prstGeom>
-        </p:spPr>
-      </p:pic>
-      <p:pic>
-        <p:nvPicPr>
-          <p:cNvPr id="15" name="Picture 14">
-            <a:extLst>
-              <a:ext uri="{FF2B5EF4-FFF2-40B4-BE49-F238E27FC236}">
-                <a16:creationId xmlns:a16="http://schemas.microsoft.com/office/drawing/2014/main" id="{423953B8-58A8-44C0-82BE-F67951547EC1}"/>
-              </a:ext>
-            </a:extLst>
-          </p:cNvPr>
-          <p:cNvPicPr>
-            <a:picLocks noChangeAspect="1"/>
-          </p:cNvPicPr>
-          <p:nvPr/>
-        </p:nvPicPr>
-        <p:blipFill>
-          <a:blip r:embed="rId6"/>
-          <a:stretch>
-            <a:fillRect/>
-          </a:stretch>
-        </p:blipFill>
-        <p:spPr>
-          <a:xfrm>
-            <a:off x="6735247" y="1319345"/>
-            <a:ext cx="3657600" cy="2451580"/>
-          </a:xfrm>
-          <a:prstGeom prst="rect">
-            <a:avLst/>
-          </a:prstGeom>
-        </p:spPr>
-      </p:pic>
-      <p:sp>
-        <p:nvSpPr>
-          <p:cNvPr id="17" name="TextBox 16">
-            <a:extLst>
-              <a:ext uri="{FF2B5EF4-FFF2-40B4-BE49-F238E27FC236}">
-                <a16:creationId xmlns:a16="http://schemas.microsoft.com/office/drawing/2014/main" id="{66C7559F-196D-4FD4-A2D0-45B0C6D22F5F}"/>
-              </a:ext>
-            </a:extLst>
-          </p:cNvPr>
-          <p:cNvSpPr txBox="1"/>
-          <p:nvPr/>
-        </p:nvSpPr>
-        <p:spPr>
-          <a:xfrm>
-            <a:off x="3521559" y="2249367"/>
-            <a:ext cx="1410961" cy="553998"/>
-          </a:xfrm>
-          <a:prstGeom prst="rect">
-            <a:avLst/>
-          </a:prstGeom>
-          <a:noFill/>
-        </p:spPr>
-        <p:txBody>
-          <a:bodyPr wrap="square" lIns="0" tIns="0" rIns="0" bIns="0" rtlCol="0">
-            <a:spAutoFit/>
-          </a:bodyPr>
-          <a:lstStyle/>
-          <a:p>
-            <a:r>
-              <a:rPr lang="en-US" i="1" dirty="0">
-                <a:solidFill>
-                  <a:schemeClr val="accent2"/>
-                </a:solidFill>
-              </a:rPr>
-              <a:t>N = 20 points</a:t>
-            </a:r>
-          </a:p>
-          <a:p>
-            <a:pPr algn="ctr"/>
-            <a:r>
-              <a:rPr lang="en-US" i="1" dirty="0">
-                <a:solidFill>
-                  <a:schemeClr val="accent2"/>
-                </a:solidFill>
-              </a:rPr>
-              <a:t>Eq. spacing</a:t>
-            </a:r>
-          </a:p>
-        </p:txBody>
-      </p:sp>
-      <p:sp>
-        <p:nvSpPr>
-          <p:cNvPr id="18" name="TextBox 17">
-            <a:extLst>
-              <a:ext uri="{FF2B5EF4-FFF2-40B4-BE49-F238E27FC236}">
-                <a16:creationId xmlns:a16="http://schemas.microsoft.com/office/drawing/2014/main" id="{55146BF3-9B7A-4E00-AFDB-386BA17E0FD7}"/>
-              </a:ext>
-            </a:extLst>
-          </p:cNvPr>
-          <p:cNvSpPr txBox="1"/>
-          <p:nvPr/>
-        </p:nvSpPr>
-        <p:spPr>
-          <a:xfrm>
-            <a:off x="8082835" y="2246300"/>
-            <a:ext cx="1671777" cy="553998"/>
-          </a:xfrm>
-          <a:prstGeom prst="rect">
-            <a:avLst/>
-          </a:prstGeom>
-          <a:noFill/>
-        </p:spPr>
-        <p:txBody>
-          <a:bodyPr wrap="square" lIns="0" tIns="0" rIns="0" bIns="0" rtlCol="0">
-            <a:spAutoFit/>
-          </a:bodyPr>
-          <a:lstStyle/>
-          <a:p>
-            <a:r>
-              <a:rPr lang="en-US" i="1" dirty="0">
-                <a:solidFill>
-                  <a:schemeClr val="accent2"/>
-                </a:solidFill>
-              </a:rPr>
-              <a:t>N = 20 points</a:t>
-            </a:r>
-          </a:p>
-          <a:p>
-            <a:pPr algn="ctr"/>
-            <a:r>
-              <a:rPr lang="en-US" i="1" dirty="0">
-                <a:solidFill>
-                  <a:schemeClr val="accent2"/>
-                </a:solidFill>
-              </a:rPr>
-              <a:t>Random spacing</a:t>
-            </a:r>
-          </a:p>
-        </p:txBody>
-      </p:sp>
-      <p:sp>
-        <p:nvSpPr>
-          <p:cNvPr id="19" name="TextBox 18">
-            <a:extLst>
-              <a:ext uri="{FF2B5EF4-FFF2-40B4-BE49-F238E27FC236}">
-                <a16:creationId xmlns:a16="http://schemas.microsoft.com/office/drawing/2014/main" id="{1779A3FA-9F9F-4D20-9EDB-439D9EBBB03B}"/>
-              </a:ext>
-            </a:extLst>
-          </p:cNvPr>
-          <p:cNvSpPr txBox="1"/>
-          <p:nvPr/>
-        </p:nvSpPr>
-        <p:spPr>
-          <a:xfrm>
-            <a:off x="1345523" y="4742228"/>
-            <a:ext cx="1671777" cy="553998"/>
-          </a:xfrm>
-          <a:prstGeom prst="rect">
-            <a:avLst/>
-          </a:prstGeom>
-          <a:noFill/>
-        </p:spPr>
-        <p:txBody>
-          <a:bodyPr wrap="square" lIns="0" tIns="0" rIns="0" bIns="0" rtlCol="0">
-            <a:spAutoFit/>
-          </a:bodyPr>
-          <a:lstStyle/>
-          <a:p>
-            <a:r>
-              <a:rPr lang="en-US" i="1" dirty="0">
-                <a:solidFill>
-                  <a:schemeClr val="accent2"/>
-                </a:solidFill>
-              </a:rPr>
-              <a:t>N = 100 points</a:t>
-            </a:r>
-          </a:p>
-          <a:p>
-            <a:pPr algn="ctr"/>
-            <a:r>
-              <a:rPr lang="en-US" i="1" dirty="0">
-                <a:solidFill>
-                  <a:schemeClr val="accent2"/>
-                </a:solidFill>
-              </a:rPr>
-              <a:t>Eq. spacing</a:t>
-            </a:r>
-          </a:p>
-        </p:txBody>
-      </p:sp>
-      <p:sp>
-        <p:nvSpPr>
-          <p:cNvPr id="20" name="TextBox 19">
-            <a:extLst>
-              <a:ext uri="{FF2B5EF4-FFF2-40B4-BE49-F238E27FC236}">
-                <a16:creationId xmlns:a16="http://schemas.microsoft.com/office/drawing/2014/main" id="{990D25C5-7504-49AC-9E22-BAD11633B1A6}"/>
-              </a:ext>
-            </a:extLst>
-          </p:cNvPr>
-          <p:cNvSpPr txBox="1"/>
-          <p:nvPr/>
-        </p:nvSpPr>
-        <p:spPr>
-          <a:xfrm>
-            <a:off x="5431687" y="4742228"/>
-            <a:ext cx="1671777" cy="553998"/>
-          </a:xfrm>
-          <a:prstGeom prst="rect">
-            <a:avLst/>
-          </a:prstGeom>
-          <a:noFill/>
-        </p:spPr>
-        <p:txBody>
-          <a:bodyPr wrap="square" lIns="0" tIns="0" rIns="0" bIns="0" rtlCol="0">
-            <a:spAutoFit/>
-          </a:bodyPr>
-          <a:lstStyle/>
-          <a:p>
-            <a:r>
-              <a:rPr lang="en-US" i="1" dirty="0">
-                <a:solidFill>
-                  <a:schemeClr val="accent2"/>
-                </a:solidFill>
-              </a:rPr>
-              <a:t>N = 1000 points</a:t>
-            </a:r>
-          </a:p>
-          <a:p>
-            <a:pPr algn="ctr"/>
-            <a:r>
-              <a:rPr lang="en-US" i="1" dirty="0">
-                <a:solidFill>
-                  <a:schemeClr val="accent2"/>
-                </a:solidFill>
-              </a:rPr>
-              <a:t>Eq. spacing</a:t>
-            </a:r>
-          </a:p>
-        </p:txBody>
-      </p:sp>
-      <p:sp>
-        <p:nvSpPr>
-          <p:cNvPr id="21" name="TextBox 20">
-            <a:extLst>
-              <a:ext uri="{FF2B5EF4-FFF2-40B4-BE49-F238E27FC236}">
-                <a16:creationId xmlns:a16="http://schemas.microsoft.com/office/drawing/2014/main" id="{5C781B61-7EBE-4121-85EE-3FA310C04A5E}"/>
-              </a:ext>
-            </a:extLst>
-          </p:cNvPr>
-          <p:cNvSpPr txBox="1"/>
-          <p:nvPr/>
-        </p:nvSpPr>
-        <p:spPr>
-          <a:xfrm>
-            <a:off x="9399133" y="4736843"/>
-            <a:ext cx="1671777" cy="553998"/>
-          </a:xfrm>
-          <a:prstGeom prst="rect">
-            <a:avLst/>
-          </a:prstGeom>
-          <a:noFill/>
-        </p:spPr>
-        <p:txBody>
-          <a:bodyPr wrap="square" lIns="0" tIns="0" rIns="0" bIns="0" rtlCol="0">
-            <a:spAutoFit/>
-          </a:bodyPr>
-          <a:lstStyle/>
-          <a:p>
-            <a:r>
-              <a:rPr lang="en-US" i="1" dirty="0">
-                <a:solidFill>
-                  <a:schemeClr val="accent2"/>
-                </a:solidFill>
-              </a:rPr>
-              <a:t>N = 10000 points</a:t>
-            </a:r>
-          </a:p>
-          <a:p>
-            <a:pPr algn="ctr"/>
-            <a:r>
-              <a:rPr lang="en-US" i="1" dirty="0">
-                <a:solidFill>
-                  <a:schemeClr val="accent2"/>
-                </a:solidFill>
-              </a:rPr>
-              <a:t>Eq. spacing</a:t>
-            </a:r>
-          </a:p>
-        </p:txBody>
-      </p:sp>
-    </p:spTree>
-    <p:extLst>
-      <p:ext uri="{BB962C8B-B14F-4D97-AF65-F5344CB8AC3E}">
-        <p14:creationId xmlns:p14="http://schemas.microsoft.com/office/powerpoint/2010/main" val="2054234993"/>
       </p:ext>
     </p:extLst>
   </p:cSld>

--- a/Sprint Review PPT.pptx
+++ b/Sprint Review PPT.pptx
@@ -10609,417 +10609,541 @@
           </a:p>
         </p:txBody>
       </p:sp>
-      <p:pic>
-        <p:nvPicPr>
-          <p:cNvPr id="7" name="Picture 6">
+      <p:grpSp>
+        <p:nvGrpSpPr>
+          <p:cNvPr id="26" name="Group 25">
             <a:extLst>
               <a:ext uri="{FF2B5EF4-FFF2-40B4-BE49-F238E27FC236}">
-                <a16:creationId xmlns:a16="http://schemas.microsoft.com/office/drawing/2014/main" id="{0E09BC20-B082-45DC-8BAD-265A73E595C3}"/>
+                <a16:creationId xmlns:a16="http://schemas.microsoft.com/office/drawing/2014/main" id="{C68F1E91-2F35-44F4-A0BC-3C68E0FAA379}"/>
               </a:ext>
             </a:extLst>
           </p:cNvPr>
-          <p:cNvPicPr>
-            <a:picLocks noChangeAspect="1"/>
-          </p:cNvPicPr>
+          <p:cNvGrpSpPr/>
           <p:nvPr/>
-        </p:nvPicPr>
-        <p:blipFill>
-          <a:blip r:embed="rId2"/>
-          <a:stretch>
-            <a:fillRect/>
-          </a:stretch>
-        </p:blipFill>
-        <p:spPr>
-          <a:xfrm>
-            <a:off x="4227040" y="3858950"/>
-            <a:ext cx="3657600" cy="2451580"/>
-          </a:xfrm>
-          <a:prstGeom prst="rect">
-            <a:avLst/>
-          </a:prstGeom>
-        </p:spPr>
-      </p:pic>
-      <p:pic>
-        <p:nvPicPr>
-          <p:cNvPr id="9" name="Picture 8">
+        </p:nvGrpSpPr>
+        <p:grpSpPr>
+          <a:xfrm>
+            <a:off x="1941841" y="1165611"/>
+            <a:ext cx="3620500" cy="2715375"/>
+            <a:chOff x="2354905" y="1165611"/>
+            <a:chExt cx="3620500" cy="2715375"/>
+          </a:xfrm>
+        </p:grpSpPr>
+        <p:pic>
+          <p:nvPicPr>
+            <p:cNvPr id="8" name="Picture 7">
+              <a:extLst>
+                <a:ext uri="{FF2B5EF4-FFF2-40B4-BE49-F238E27FC236}">
+                  <a16:creationId xmlns:a16="http://schemas.microsoft.com/office/drawing/2014/main" id="{E5DE8E4B-1111-4E78-B43F-94E5F1FA4C7F}"/>
+                </a:ext>
+              </a:extLst>
+            </p:cNvPr>
+            <p:cNvPicPr>
+              <a:picLocks noChangeAspect="1"/>
+            </p:cNvPicPr>
+            <p:nvPr/>
+          </p:nvPicPr>
+          <p:blipFill>
+            <a:blip r:embed="rId2">
+              <a:extLst>
+                <a:ext uri="{28A0092B-C50C-407E-A947-70E740481C1C}">
+                  <a14:useLocalDpi xmlns:a14="http://schemas.microsoft.com/office/drawing/2010/main" val="0"/>
+                </a:ext>
+              </a:extLst>
+            </a:blip>
+            <a:stretch>
+              <a:fillRect/>
+            </a:stretch>
+          </p:blipFill>
+          <p:spPr>
+            <a:xfrm>
+              <a:off x="2354905" y="1165611"/>
+              <a:ext cx="3620500" cy="2715375"/>
+            </a:xfrm>
+            <a:prstGeom prst="rect">
+              <a:avLst/>
+            </a:prstGeom>
+          </p:spPr>
+        </p:pic>
+        <p:sp>
+          <p:nvSpPr>
+            <p:cNvPr id="17" name="TextBox 16">
+              <a:extLst>
+                <a:ext uri="{FF2B5EF4-FFF2-40B4-BE49-F238E27FC236}">
+                  <a16:creationId xmlns:a16="http://schemas.microsoft.com/office/drawing/2014/main" id="{66C7559F-196D-4FD4-A2D0-45B0C6D22F5F}"/>
+                </a:ext>
+              </a:extLst>
+            </p:cNvPr>
+            <p:cNvSpPr txBox="1"/>
+            <p:nvPr/>
+          </p:nvSpPr>
+          <p:spPr>
+            <a:xfrm>
+              <a:off x="3521559" y="2249367"/>
+              <a:ext cx="1410961" cy="553998"/>
+            </a:xfrm>
+            <a:prstGeom prst="rect">
+              <a:avLst/>
+            </a:prstGeom>
+            <a:noFill/>
+          </p:spPr>
+          <p:txBody>
+            <a:bodyPr wrap="square" lIns="0" tIns="0" rIns="0" bIns="0" rtlCol="0">
+              <a:spAutoFit/>
+            </a:bodyPr>
+            <a:lstStyle/>
+            <a:p>
+              <a:r>
+                <a:rPr lang="en-US" i="1" dirty="0">
+                  <a:solidFill>
+                    <a:schemeClr val="accent2"/>
+                  </a:solidFill>
+                </a:rPr>
+                <a:t>N = 20 points</a:t>
+              </a:r>
+            </a:p>
+            <a:p>
+              <a:pPr algn="ctr"/>
+              <a:r>
+                <a:rPr lang="en-US" i="1" dirty="0">
+                  <a:solidFill>
+                    <a:schemeClr val="accent2"/>
+                  </a:solidFill>
+                </a:rPr>
+                <a:t>Eq. spacing</a:t>
+              </a:r>
+            </a:p>
+          </p:txBody>
+        </p:sp>
+      </p:grpSp>
+      <p:grpSp>
+        <p:nvGrpSpPr>
+          <p:cNvPr id="27" name="Group 26">
             <a:extLst>
               <a:ext uri="{FF2B5EF4-FFF2-40B4-BE49-F238E27FC236}">
-                <a16:creationId xmlns:a16="http://schemas.microsoft.com/office/drawing/2014/main" id="{2366CAD9-04E2-467E-A177-4B840A5B365C}"/>
+                <a16:creationId xmlns:a16="http://schemas.microsoft.com/office/drawing/2014/main" id="{E39334E8-D940-464C-A993-298FBA057D04}"/>
               </a:ext>
             </a:extLst>
           </p:cNvPr>
-          <p:cNvPicPr>
-            <a:picLocks noChangeAspect="1"/>
-          </p:cNvPicPr>
+          <p:cNvGrpSpPr/>
           <p:nvPr/>
-        </p:nvPicPr>
-        <p:blipFill>
-          <a:blip r:embed="rId3"/>
-          <a:stretch>
-            <a:fillRect/>
-          </a:stretch>
-        </p:blipFill>
-        <p:spPr>
-          <a:xfrm>
-            <a:off x="207955" y="3858950"/>
-            <a:ext cx="3657600" cy="2451580"/>
-          </a:xfrm>
-          <a:prstGeom prst="rect">
-            <a:avLst/>
-          </a:prstGeom>
-        </p:spPr>
-      </p:pic>
-      <p:pic>
-        <p:nvPicPr>
-          <p:cNvPr id="11" name="Picture 10">
+        </p:nvGrpSpPr>
+        <p:grpSpPr>
+          <a:xfrm>
+            <a:off x="6629135" y="1165611"/>
+            <a:ext cx="3621024" cy="2715768"/>
+            <a:chOff x="7042199" y="1165611"/>
+            <a:chExt cx="3621024" cy="2715768"/>
+          </a:xfrm>
+        </p:grpSpPr>
+        <p:pic>
+          <p:nvPicPr>
+            <p:cNvPr id="12" name="Picture 11">
+              <a:extLst>
+                <a:ext uri="{FF2B5EF4-FFF2-40B4-BE49-F238E27FC236}">
+                  <a16:creationId xmlns:a16="http://schemas.microsoft.com/office/drawing/2014/main" id="{0D7C4D04-6477-4E96-BD5B-5B4EE973A610}"/>
+                </a:ext>
+              </a:extLst>
+            </p:cNvPr>
+            <p:cNvPicPr>
+              <a:picLocks noChangeAspect="1"/>
+            </p:cNvPicPr>
+            <p:nvPr/>
+          </p:nvPicPr>
+          <p:blipFill>
+            <a:blip r:embed="rId3">
+              <a:extLst>
+                <a:ext uri="{28A0092B-C50C-407E-A947-70E740481C1C}">
+                  <a14:useLocalDpi xmlns:a14="http://schemas.microsoft.com/office/drawing/2010/main" val="0"/>
+                </a:ext>
+              </a:extLst>
+            </a:blip>
+            <a:stretch>
+              <a:fillRect/>
+            </a:stretch>
+          </p:blipFill>
+          <p:spPr>
+            <a:xfrm>
+              <a:off x="7042199" y="1165611"/>
+              <a:ext cx="3621024" cy="2715768"/>
+            </a:xfrm>
+            <a:prstGeom prst="rect">
+              <a:avLst/>
+            </a:prstGeom>
+          </p:spPr>
+        </p:pic>
+        <p:sp>
+          <p:nvSpPr>
+            <p:cNvPr id="18" name="TextBox 17">
+              <a:extLst>
+                <a:ext uri="{FF2B5EF4-FFF2-40B4-BE49-F238E27FC236}">
+                  <a16:creationId xmlns:a16="http://schemas.microsoft.com/office/drawing/2014/main" id="{55146BF3-9B7A-4E00-AFDB-386BA17E0FD7}"/>
+                </a:ext>
+              </a:extLst>
+            </p:cNvPr>
+            <p:cNvSpPr txBox="1"/>
+            <p:nvPr/>
+          </p:nvSpPr>
+          <p:spPr>
+            <a:xfrm>
+              <a:off x="8082835" y="2246300"/>
+              <a:ext cx="1671777" cy="553998"/>
+            </a:xfrm>
+            <a:prstGeom prst="rect">
+              <a:avLst/>
+            </a:prstGeom>
+            <a:noFill/>
+          </p:spPr>
+          <p:txBody>
+            <a:bodyPr wrap="square" lIns="0" tIns="0" rIns="0" bIns="0" rtlCol="0">
+              <a:spAutoFit/>
+            </a:bodyPr>
+            <a:lstStyle/>
+            <a:p>
+              <a:r>
+                <a:rPr lang="en-US" i="1" dirty="0">
+                  <a:solidFill>
+                    <a:schemeClr val="accent2"/>
+                  </a:solidFill>
+                </a:rPr>
+                <a:t>N = 20 points</a:t>
+              </a:r>
+            </a:p>
+            <a:p>
+              <a:pPr algn="ctr"/>
+              <a:r>
+                <a:rPr lang="en-US" i="1" dirty="0">
+                  <a:solidFill>
+                    <a:schemeClr val="accent2"/>
+                  </a:solidFill>
+                </a:rPr>
+                <a:t>Random spacing</a:t>
+              </a:r>
+            </a:p>
+          </p:txBody>
+        </p:sp>
+      </p:grpSp>
+      <p:grpSp>
+        <p:nvGrpSpPr>
+          <p:cNvPr id="29" name="Group 28">
             <a:extLst>
               <a:ext uri="{FF2B5EF4-FFF2-40B4-BE49-F238E27FC236}">
-                <a16:creationId xmlns:a16="http://schemas.microsoft.com/office/drawing/2014/main" id="{26C93002-B5A6-45D6-AB45-291C3DFDF49C}"/>
+                <a16:creationId xmlns:a16="http://schemas.microsoft.com/office/drawing/2014/main" id="{1ADF9702-AE21-4923-B9CB-EF536A81696E}"/>
               </a:ext>
             </a:extLst>
           </p:cNvPr>
-          <p:cNvPicPr>
-            <a:picLocks noChangeAspect="1"/>
-          </p:cNvPicPr>
+          <p:cNvGrpSpPr/>
           <p:nvPr/>
-        </p:nvPicPr>
-        <p:blipFill>
-          <a:blip r:embed="rId4"/>
-          <a:stretch>
-            <a:fillRect/>
-          </a:stretch>
-        </p:blipFill>
-        <p:spPr>
-          <a:xfrm>
-            <a:off x="8149236" y="3858950"/>
-            <a:ext cx="3657600" cy="2451580"/>
-          </a:xfrm>
-          <a:prstGeom prst="rect">
-            <a:avLst/>
-          </a:prstGeom>
-        </p:spPr>
-      </p:pic>
-      <p:pic>
-        <p:nvPicPr>
-          <p:cNvPr id="13" name="Picture 12">
+        </p:nvGrpSpPr>
+        <p:grpSpPr>
+          <a:xfrm>
+            <a:off x="246437" y="3655958"/>
+            <a:ext cx="3621024" cy="2715768"/>
+            <a:chOff x="232330" y="3655958"/>
+            <a:chExt cx="3621024" cy="2715768"/>
+          </a:xfrm>
+        </p:grpSpPr>
+        <p:pic>
+          <p:nvPicPr>
+            <p:cNvPr id="23" name="Picture 22">
+              <a:extLst>
+                <a:ext uri="{FF2B5EF4-FFF2-40B4-BE49-F238E27FC236}">
+                  <a16:creationId xmlns:a16="http://schemas.microsoft.com/office/drawing/2014/main" id="{E3238632-A2FF-4D00-B9C1-DBFAB0ACE50C}"/>
+                </a:ext>
+              </a:extLst>
+            </p:cNvPr>
+            <p:cNvPicPr>
+              <a:picLocks noChangeAspect="1"/>
+            </p:cNvPicPr>
+            <p:nvPr/>
+          </p:nvPicPr>
+          <p:blipFill>
+            <a:blip r:embed="rId4">
+              <a:extLst>
+                <a:ext uri="{28A0092B-C50C-407E-A947-70E740481C1C}">
+                  <a14:useLocalDpi xmlns:a14="http://schemas.microsoft.com/office/drawing/2010/main" val="0"/>
+                </a:ext>
+              </a:extLst>
+            </a:blip>
+            <a:stretch>
+              <a:fillRect/>
+            </a:stretch>
+          </p:blipFill>
+          <p:spPr>
+            <a:xfrm>
+              <a:off x="232330" y="3655958"/>
+              <a:ext cx="3621024" cy="2715768"/>
+            </a:xfrm>
+            <a:prstGeom prst="rect">
+              <a:avLst/>
+            </a:prstGeom>
+          </p:spPr>
+        </p:pic>
+        <p:sp>
+          <p:nvSpPr>
+            <p:cNvPr id="19" name="TextBox 18">
+              <a:extLst>
+                <a:ext uri="{FF2B5EF4-FFF2-40B4-BE49-F238E27FC236}">
+                  <a16:creationId xmlns:a16="http://schemas.microsoft.com/office/drawing/2014/main" id="{1779A3FA-9F9F-4D20-9EDB-439D9EBBB03B}"/>
+                </a:ext>
+              </a:extLst>
+            </p:cNvPr>
+            <p:cNvSpPr txBox="1"/>
+            <p:nvPr/>
+          </p:nvSpPr>
+          <p:spPr>
+            <a:xfrm>
+              <a:off x="1345523" y="4742228"/>
+              <a:ext cx="1671777" cy="553998"/>
+            </a:xfrm>
+            <a:prstGeom prst="rect">
+              <a:avLst/>
+            </a:prstGeom>
+            <a:noFill/>
+          </p:spPr>
+          <p:txBody>
+            <a:bodyPr wrap="square" lIns="0" tIns="0" rIns="0" bIns="0" rtlCol="0">
+              <a:spAutoFit/>
+            </a:bodyPr>
+            <a:lstStyle/>
+            <a:p>
+              <a:r>
+                <a:rPr lang="en-US" i="1" dirty="0">
+                  <a:solidFill>
+                    <a:schemeClr val="accent2"/>
+                  </a:solidFill>
+                </a:rPr>
+                <a:t>N = 100 points</a:t>
+              </a:r>
+            </a:p>
+            <a:p>
+              <a:pPr algn="ctr"/>
+              <a:r>
+                <a:rPr lang="en-US" i="1" dirty="0">
+                  <a:solidFill>
+                    <a:schemeClr val="accent2"/>
+                  </a:solidFill>
+                </a:rPr>
+                <a:t>Eq. spacing</a:t>
+              </a:r>
+            </a:p>
+          </p:txBody>
+        </p:sp>
+      </p:grpSp>
+      <p:grpSp>
+        <p:nvGrpSpPr>
+          <p:cNvPr id="28" name="Group 27">
             <a:extLst>
               <a:ext uri="{FF2B5EF4-FFF2-40B4-BE49-F238E27FC236}">
-                <a16:creationId xmlns:a16="http://schemas.microsoft.com/office/drawing/2014/main" id="{A9FC15EB-C14C-4DF0-A296-98935890E5FA}"/>
+                <a16:creationId xmlns:a16="http://schemas.microsoft.com/office/drawing/2014/main" id="{6650B356-A0DA-4E32-A1A5-5025E618C9B2}"/>
               </a:ext>
             </a:extLst>
           </p:cNvPr>
-          <p:cNvPicPr>
-            <a:picLocks noChangeAspect="1"/>
-          </p:cNvPicPr>
+          <p:cNvGrpSpPr/>
           <p:nvPr/>
-        </p:nvPicPr>
-        <p:blipFill>
-          <a:blip r:embed="rId5">
-            <a:clrChange>
-              <a:clrFrom>
-                <a:srgbClr val="FFFFFF"/>
-              </a:clrFrom>
-              <a:clrTo>
-                <a:srgbClr val="FFFFFF">
-                  <a:alpha val="0"/>
-                </a:srgbClr>
-              </a:clrTo>
-            </a:clrChange>
-          </a:blip>
-          <a:stretch>
-            <a:fillRect/>
-          </a:stretch>
-        </p:blipFill>
-        <p:spPr>
-          <a:xfrm>
-            <a:off x="2181412" y="1323880"/>
-            <a:ext cx="3657600" cy="2451580"/>
-          </a:xfrm>
-          <a:prstGeom prst="rect">
-            <a:avLst/>
-          </a:prstGeom>
-        </p:spPr>
-      </p:pic>
-      <p:pic>
-        <p:nvPicPr>
-          <p:cNvPr id="15" name="Picture 14">
+        </p:nvGrpSpPr>
+        <p:grpSpPr>
+          <a:xfrm>
+            <a:off x="4285488" y="3655958"/>
+            <a:ext cx="3621024" cy="2715768"/>
+            <a:chOff x="4315968" y="3655958"/>
+            <a:chExt cx="3621024" cy="2715768"/>
+          </a:xfrm>
+        </p:grpSpPr>
+        <p:pic>
+          <p:nvPicPr>
+            <p:cNvPr id="25" name="Picture 24">
+              <a:extLst>
+                <a:ext uri="{FF2B5EF4-FFF2-40B4-BE49-F238E27FC236}">
+                  <a16:creationId xmlns:a16="http://schemas.microsoft.com/office/drawing/2014/main" id="{F7AE47D9-14E7-4769-9CB8-46200B4A2B27}"/>
+                </a:ext>
+              </a:extLst>
+            </p:cNvPr>
+            <p:cNvPicPr>
+              <a:picLocks noChangeAspect="1"/>
+            </p:cNvPicPr>
+            <p:nvPr/>
+          </p:nvPicPr>
+          <p:blipFill>
+            <a:blip r:embed="rId5">
+              <a:extLst>
+                <a:ext uri="{28A0092B-C50C-407E-A947-70E740481C1C}">
+                  <a14:useLocalDpi xmlns:a14="http://schemas.microsoft.com/office/drawing/2010/main" val="0"/>
+                </a:ext>
+              </a:extLst>
+            </a:blip>
+            <a:stretch>
+              <a:fillRect/>
+            </a:stretch>
+          </p:blipFill>
+          <p:spPr>
+            <a:xfrm>
+              <a:off x="4315968" y="3655958"/>
+              <a:ext cx="3621024" cy="2715768"/>
+            </a:xfrm>
+            <a:prstGeom prst="rect">
+              <a:avLst/>
+            </a:prstGeom>
+          </p:spPr>
+        </p:pic>
+        <p:sp>
+          <p:nvSpPr>
+            <p:cNvPr id="20" name="TextBox 19">
+              <a:extLst>
+                <a:ext uri="{FF2B5EF4-FFF2-40B4-BE49-F238E27FC236}">
+                  <a16:creationId xmlns:a16="http://schemas.microsoft.com/office/drawing/2014/main" id="{990D25C5-7504-49AC-9E22-BAD11633B1A6}"/>
+                </a:ext>
+              </a:extLst>
+            </p:cNvPr>
+            <p:cNvSpPr txBox="1"/>
+            <p:nvPr/>
+          </p:nvSpPr>
+          <p:spPr>
+            <a:xfrm>
+              <a:off x="5431687" y="4742228"/>
+              <a:ext cx="1671777" cy="553998"/>
+            </a:xfrm>
+            <a:prstGeom prst="rect">
+              <a:avLst/>
+            </a:prstGeom>
+            <a:noFill/>
+          </p:spPr>
+          <p:txBody>
+            <a:bodyPr wrap="square" lIns="0" tIns="0" rIns="0" bIns="0" rtlCol="0">
+              <a:spAutoFit/>
+            </a:bodyPr>
+            <a:lstStyle/>
+            <a:p>
+              <a:r>
+                <a:rPr lang="en-US" i="1" dirty="0">
+                  <a:solidFill>
+                    <a:schemeClr val="accent2"/>
+                  </a:solidFill>
+                </a:rPr>
+                <a:t>N = 1000 points</a:t>
+              </a:r>
+            </a:p>
+            <a:p>
+              <a:pPr algn="ctr"/>
+              <a:r>
+                <a:rPr lang="en-US" i="1" dirty="0">
+                  <a:solidFill>
+                    <a:schemeClr val="accent2"/>
+                  </a:solidFill>
+                </a:rPr>
+                <a:t>Eq. spacing</a:t>
+              </a:r>
+            </a:p>
+          </p:txBody>
+        </p:sp>
+      </p:grpSp>
+      <p:grpSp>
+        <p:nvGrpSpPr>
+          <p:cNvPr id="30" name="Group 29">
             <a:extLst>
               <a:ext uri="{FF2B5EF4-FFF2-40B4-BE49-F238E27FC236}">
-                <a16:creationId xmlns:a16="http://schemas.microsoft.com/office/drawing/2014/main" id="{423953B8-58A8-44C0-82BE-F67951547EC1}"/>
+                <a16:creationId xmlns:a16="http://schemas.microsoft.com/office/drawing/2014/main" id="{2A9737D4-BF89-4ACE-805D-29B033BEB491}"/>
               </a:ext>
             </a:extLst>
           </p:cNvPr>
-          <p:cNvPicPr>
-            <a:picLocks noChangeAspect="1"/>
-          </p:cNvPicPr>
+          <p:cNvGrpSpPr/>
           <p:nvPr/>
-        </p:nvPicPr>
-        <p:blipFill>
-          <a:blip r:embed="rId6"/>
-          <a:stretch>
-            <a:fillRect/>
-          </a:stretch>
-        </p:blipFill>
-        <p:spPr>
-          <a:xfrm>
-            <a:off x="6735247" y="1319345"/>
-            <a:ext cx="3657600" cy="2451580"/>
-          </a:xfrm>
-          <a:prstGeom prst="rect">
-            <a:avLst/>
-          </a:prstGeom>
-        </p:spPr>
-      </p:pic>
-      <p:sp>
-        <p:nvSpPr>
-          <p:cNvPr id="17" name="TextBox 16">
-            <a:extLst>
-              <a:ext uri="{FF2B5EF4-FFF2-40B4-BE49-F238E27FC236}">
-                <a16:creationId xmlns:a16="http://schemas.microsoft.com/office/drawing/2014/main" id="{66C7559F-196D-4FD4-A2D0-45B0C6D22F5F}"/>
-              </a:ext>
-            </a:extLst>
-          </p:cNvPr>
-          <p:cNvSpPr txBox="1"/>
-          <p:nvPr/>
-        </p:nvSpPr>
-        <p:spPr>
-          <a:xfrm>
-            <a:off x="3521559" y="2249367"/>
-            <a:ext cx="1410961" cy="553998"/>
-          </a:xfrm>
-          <a:prstGeom prst="rect">
-            <a:avLst/>
-          </a:prstGeom>
-          <a:noFill/>
-        </p:spPr>
-        <p:txBody>
-          <a:bodyPr wrap="square" lIns="0" tIns="0" rIns="0" bIns="0" rtlCol="0">
-            <a:spAutoFit/>
-          </a:bodyPr>
-          <a:lstStyle/>
-          <a:p>
-            <a:r>
-              <a:rPr lang="en-US" i="1" dirty="0">
-                <a:solidFill>
-                  <a:schemeClr val="accent2"/>
-                </a:solidFill>
-              </a:rPr>
-              <a:t>N = 20 points</a:t>
-            </a:r>
-          </a:p>
-          <a:p>
-            <a:pPr algn="ctr"/>
-            <a:r>
-              <a:rPr lang="en-US" i="1" dirty="0">
-                <a:solidFill>
-                  <a:schemeClr val="accent2"/>
-                </a:solidFill>
-              </a:rPr>
-              <a:t>Eq. spacing</a:t>
-            </a:r>
-          </a:p>
-        </p:txBody>
-      </p:sp>
-      <p:sp>
-        <p:nvSpPr>
-          <p:cNvPr id="18" name="TextBox 17">
-            <a:extLst>
-              <a:ext uri="{FF2B5EF4-FFF2-40B4-BE49-F238E27FC236}">
-                <a16:creationId xmlns:a16="http://schemas.microsoft.com/office/drawing/2014/main" id="{55146BF3-9B7A-4E00-AFDB-386BA17E0FD7}"/>
-              </a:ext>
-            </a:extLst>
-          </p:cNvPr>
-          <p:cNvSpPr txBox="1"/>
-          <p:nvPr/>
-        </p:nvSpPr>
-        <p:spPr>
-          <a:xfrm>
-            <a:off x="8082835" y="2246300"/>
-            <a:ext cx="1671777" cy="553998"/>
-          </a:xfrm>
-          <a:prstGeom prst="rect">
-            <a:avLst/>
-          </a:prstGeom>
-          <a:noFill/>
-        </p:spPr>
-        <p:txBody>
-          <a:bodyPr wrap="square" lIns="0" tIns="0" rIns="0" bIns="0" rtlCol="0">
-            <a:spAutoFit/>
-          </a:bodyPr>
-          <a:lstStyle/>
-          <a:p>
-            <a:r>
-              <a:rPr lang="en-US" i="1" dirty="0">
-                <a:solidFill>
-                  <a:schemeClr val="accent2"/>
-                </a:solidFill>
-              </a:rPr>
-              <a:t>N = 20 points</a:t>
-            </a:r>
-          </a:p>
-          <a:p>
-            <a:pPr algn="ctr"/>
-            <a:r>
-              <a:rPr lang="en-US" i="1" dirty="0">
-                <a:solidFill>
-                  <a:schemeClr val="accent2"/>
-                </a:solidFill>
-              </a:rPr>
-              <a:t>Random spacing</a:t>
-            </a:r>
-          </a:p>
-        </p:txBody>
-      </p:sp>
-      <p:sp>
-        <p:nvSpPr>
-          <p:cNvPr id="19" name="TextBox 18">
-            <a:extLst>
-              <a:ext uri="{FF2B5EF4-FFF2-40B4-BE49-F238E27FC236}">
-                <a16:creationId xmlns:a16="http://schemas.microsoft.com/office/drawing/2014/main" id="{1779A3FA-9F9F-4D20-9EDB-439D9EBBB03B}"/>
-              </a:ext>
-            </a:extLst>
-          </p:cNvPr>
-          <p:cNvSpPr txBox="1"/>
-          <p:nvPr/>
-        </p:nvSpPr>
-        <p:spPr>
-          <a:xfrm>
-            <a:off x="1345523" y="4742228"/>
-            <a:ext cx="1671777" cy="553998"/>
-          </a:xfrm>
-          <a:prstGeom prst="rect">
-            <a:avLst/>
-          </a:prstGeom>
-          <a:noFill/>
-        </p:spPr>
-        <p:txBody>
-          <a:bodyPr wrap="square" lIns="0" tIns="0" rIns="0" bIns="0" rtlCol="0">
-            <a:spAutoFit/>
-          </a:bodyPr>
-          <a:lstStyle/>
-          <a:p>
-            <a:r>
-              <a:rPr lang="en-US" i="1" dirty="0">
-                <a:solidFill>
-                  <a:schemeClr val="accent2"/>
-                </a:solidFill>
-              </a:rPr>
-              <a:t>N = 100 points</a:t>
-            </a:r>
-          </a:p>
-          <a:p>
-            <a:pPr algn="ctr"/>
-            <a:r>
-              <a:rPr lang="en-US" i="1" dirty="0">
-                <a:solidFill>
-                  <a:schemeClr val="accent2"/>
-                </a:solidFill>
-              </a:rPr>
-              <a:t>Eq. spacing</a:t>
-            </a:r>
-          </a:p>
-        </p:txBody>
-      </p:sp>
-      <p:sp>
-        <p:nvSpPr>
-          <p:cNvPr id="20" name="TextBox 19">
-            <a:extLst>
-              <a:ext uri="{FF2B5EF4-FFF2-40B4-BE49-F238E27FC236}">
-                <a16:creationId xmlns:a16="http://schemas.microsoft.com/office/drawing/2014/main" id="{990D25C5-7504-49AC-9E22-BAD11633B1A6}"/>
-              </a:ext>
-            </a:extLst>
-          </p:cNvPr>
-          <p:cNvSpPr txBox="1"/>
-          <p:nvPr/>
-        </p:nvSpPr>
-        <p:spPr>
-          <a:xfrm>
-            <a:off x="5431687" y="4742228"/>
-            <a:ext cx="1671777" cy="553998"/>
-          </a:xfrm>
-          <a:prstGeom prst="rect">
-            <a:avLst/>
-          </a:prstGeom>
-          <a:noFill/>
-        </p:spPr>
-        <p:txBody>
-          <a:bodyPr wrap="square" lIns="0" tIns="0" rIns="0" bIns="0" rtlCol="0">
-            <a:spAutoFit/>
-          </a:bodyPr>
-          <a:lstStyle/>
-          <a:p>
-            <a:r>
-              <a:rPr lang="en-US" i="1" dirty="0">
-                <a:solidFill>
-                  <a:schemeClr val="accent2"/>
-                </a:solidFill>
-              </a:rPr>
-              <a:t>N = 1000 points</a:t>
-            </a:r>
-          </a:p>
-          <a:p>
-            <a:pPr algn="ctr"/>
-            <a:r>
-              <a:rPr lang="en-US" i="1" dirty="0">
-                <a:solidFill>
-                  <a:schemeClr val="accent2"/>
-                </a:solidFill>
-              </a:rPr>
-              <a:t>Eq. spacing</a:t>
-            </a:r>
-          </a:p>
-        </p:txBody>
-      </p:sp>
-      <p:sp>
-        <p:nvSpPr>
-          <p:cNvPr id="21" name="TextBox 20">
-            <a:extLst>
-              <a:ext uri="{FF2B5EF4-FFF2-40B4-BE49-F238E27FC236}">
-                <a16:creationId xmlns:a16="http://schemas.microsoft.com/office/drawing/2014/main" id="{5C781B61-7EBE-4121-85EE-3FA310C04A5E}"/>
-              </a:ext>
-            </a:extLst>
-          </p:cNvPr>
-          <p:cNvSpPr txBox="1"/>
-          <p:nvPr/>
-        </p:nvSpPr>
-        <p:spPr>
-          <a:xfrm>
-            <a:off x="9399133" y="4736843"/>
-            <a:ext cx="1671777" cy="553998"/>
-          </a:xfrm>
-          <a:prstGeom prst="rect">
-            <a:avLst/>
-          </a:prstGeom>
-          <a:noFill/>
-        </p:spPr>
-        <p:txBody>
-          <a:bodyPr wrap="square" lIns="0" tIns="0" rIns="0" bIns="0" rtlCol="0">
-            <a:spAutoFit/>
-          </a:bodyPr>
-          <a:lstStyle/>
-          <a:p>
-            <a:r>
-              <a:rPr lang="en-US" i="1" dirty="0">
-                <a:solidFill>
-                  <a:schemeClr val="accent2"/>
-                </a:solidFill>
-              </a:rPr>
-              <a:t>N = 10000 points</a:t>
-            </a:r>
-          </a:p>
-          <a:p>
-            <a:pPr algn="ctr"/>
-            <a:r>
-              <a:rPr lang="en-US" i="1" dirty="0">
-                <a:solidFill>
-                  <a:schemeClr val="accent2"/>
-                </a:solidFill>
-              </a:rPr>
-              <a:t>Eq. spacing</a:t>
-            </a:r>
-          </a:p>
-        </p:txBody>
-      </p:sp>
+        </p:nvGrpSpPr>
+        <p:grpSpPr>
+          <a:xfrm>
+            <a:off x="8324539" y="3655958"/>
+            <a:ext cx="3621024" cy="2715768"/>
+            <a:chOff x="8310432" y="3655958"/>
+            <a:chExt cx="3621024" cy="2715768"/>
+          </a:xfrm>
+        </p:grpSpPr>
+        <p:pic>
+          <p:nvPicPr>
+            <p:cNvPr id="16" name="Picture 15">
+              <a:extLst>
+                <a:ext uri="{FF2B5EF4-FFF2-40B4-BE49-F238E27FC236}">
+                  <a16:creationId xmlns:a16="http://schemas.microsoft.com/office/drawing/2014/main" id="{656021F5-5A4A-45BB-B5A9-52C08B0D7B6E}"/>
+                </a:ext>
+              </a:extLst>
+            </p:cNvPr>
+            <p:cNvPicPr>
+              <a:picLocks noChangeAspect="1"/>
+            </p:cNvPicPr>
+            <p:nvPr/>
+          </p:nvPicPr>
+          <p:blipFill>
+            <a:blip r:embed="rId6">
+              <a:extLst>
+                <a:ext uri="{28A0092B-C50C-407E-A947-70E740481C1C}">
+                  <a14:useLocalDpi xmlns:a14="http://schemas.microsoft.com/office/drawing/2010/main" val="0"/>
+                </a:ext>
+              </a:extLst>
+            </a:blip>
+            <a:stretch>
+              <a:fillRect/>
+            </a:stretch>
+          </p:blipFill>
+          <p:spPr>
+            <a:xfrm>
+              <a:off x="8310432" y="3655958"/>
+              <a:ext cx="3621024" cy="2715768"/>
+            </a:xfrm>
+            <a:prstGeom prst="rect">
+              <a:avLst/>
+            </a:prstGeom>
+          </p:spPr>
+        </p:pic>
+        <p:sp>
+          <p:nvSpPr>
+            <p:cNvPr id="21" name="TextBox 20">
+              <a:extLst>
+                <a:ext uri="{FF2B5EF4-FFF2-40B4-BE49-F238E27FC236}">
+                  <a16:creationId xmlns:a16="http://schemas.microsoft.com/office/drawing/2014/main" id="{5C781B61-7EBE-4121-85EE-3FA310C04A5E}"/>
+                </a:ext>
+              </a:extLst>
+            </p:cNvPr>
+            <p:cNvSpPr txBox="1"/>
+            <p:nvPr/>
+          </p:nvSpPr>
+          <p:spPr>
+            <a:xfrm>
+              <a:off x="9399133" y="4736843"/>
+              <a:ext cx="1671777" cy="553998"/>
+            </a:xfrm>
+            <a:prstGeom prst="rect">
+              <a:avLst/>
+            </a:prstGeom>
+            <a:noFill/>
+          </p:spPr>
+          <p:txBody>
+            <a:bodyPr wrap="square" lIns="0" tIns="0" rIns="0" bIns="0" rtlCol="0">
+              <a:spAutoFit/>
+            </a:bodyPr>
+            <a:lstStyle/>
+            <a:p>
+              <a:r>
+                <a:rPr lang="en-US" i="1" dirty="0">
+                  <a:solidFill>
+                    <a:schemeClr val="accent2"/>
+                  </a:solidFill>
+                </a:rPr>
+                <a:t>N = 10000 points</a:t>
+              </a:r>
+            </a:p>
+            <a:p>
+              <a:pPr algn="ctr"/>
+              <a:r>
+                <a:rPr lang="en-US" i="1" dirty="0">
+                  <a:solidFill>
+                    <a:schemeClr val="accent2"/>
+                  </a:solidFill>
+                </a:rPr>
+                <a:t>Eq. spacing</a:t>
+              </a:r>
+            </a:p>
+          </p:txBody>
+        </p:sp>
+      </p:grpSp>
     </p:spTree>
     <p:extLst>
       <p:ext uri="{BB962C8B-B14F-4D97-AF65-F5344CB8AC3E}">

--- a/Sprint Review PPT.pptx
+++ b/Sprint Review PPT.pptx
@@ -275,7 +275,7 @@
           <a:p>
             <a:fld id="{FCBF77B6-06AB-43A3-89A4-8CD1677993D0}" type="datetimeFigureOut">
               <a:rPr lang="en-CA" smtClean="0"/>
-              <a:t>2022-12-05</a:t>
+              <a:t>2022-12-06</a:t>
             </a:fld>
             <a:endParaRPr lang="en-CA"/>
           </a:p>
@@ -481,7 +481,7 @@
           <a:p>
             <a:fld id="{9B6804B0-AD37-4623-8498-3C9AE39E25E5}" type="datetimeFigureOut">
               <a:rPr lang="en-CA" smtClean="0"/>
-              <a:t>2022-12-05</a:t>
+              <a:t>2022-12-06</a:t>
             </a:fld>
             <a:endParaRPr lang="en-CA"/>
           </a:p>
@@ -892,7 +892,7 @@
           <a:p>
             <a:fld id="{6050E0BC-091B-4F46-A64B-EF4A39477016}" type="datetime4">
               <a:rPr lang="en-US" smtClean="0"/>
-              <a:t>December 5, 2022</a:t>
+              <a:t>December 6, 2022</a:t>
             </a:fld>
             <a:endParaRPr lang="en-CA" dirty="0"/>
           </a:p>
@@ -1267,7 +1267,7 @@
           <a:p>
             <a:fld id="{BAF25C84-DC05-420E-ABA4-99596C0F9BFB}" type="datetime4">
               <a:rPr lang="en-US" smtClean="0"/>
-              <a:t>December 5, 2022</a:t>
+              <a:t>December 6, 2022</a:t>
             </a:fld>
             <a:endParaRPr lang="en-CA"/>
           </a:p>
@@ -1737,7 +1737,7 @@
           <a:p>
             <a:fld id="{016954F2-A168-429F-B267-8625DABCA019}" type="datetime4">
               <a:rPr lang="en-US" smtClean="0"/>
-              <a:t>December 5, 2022</a:t>
+              <a:t>December 6, 2022</a:t>
             </a:fld>
             <a:endParaRPr lang="en-CA"/>
           </a:p>
@@ -2267,7 +2267,7 @@
           <a:p>
             <a:fld id="{BAF25C84-DC05-420E-ABA4-99596C0F9BFB}" type="datetime4">
               <a:rPr lang="en-US" smtClean="0"/>
-              <a:t>December 5, 2022</a:t>
+              <a:t>December 6, 2022</a:t>
             </a:fld>
             <a:endParaRPr lang="en-CA"/>
           </a:p>
@@ -3082,7 +3082,7 @@
           <a:p>
             <a:fld id="{BAF25C84-DC05-420E-ABA4-99596C0F9BFB}" type="datetime4">
               <a:rPr lang="en-US" smtClean="0"/>
-              <a:t>December 5, 2022</a:t>
+              <a:t>December 6, 2022</a:t>
             </a:fld>
             <a:endParaRPr lang="en-CA"/>
           </a:p>
@@ -4091,7 +4091,7 @@
           <a:p>
             <a:fld id="{F5C60C1E-BE52-444A-B903-D3D3A7A6ABD9}" type="datetime4">
               <a:rPr lang="en-US" smtClean="0"/>
-              <a:t>December 5, 2022</a:t>
+              <a:t>December 6, 2022</a:t>
             </a:fld>
             <a:endParaRPr lang="en-CA"/>
           </a:p>
@@ -4398,7 +4398,7 @@
           <a:p>
             <a:fld id="{F5C60C1E-BE52-444A-B903-D3D3A7A6ABD9}" type="datetime4">
               <a:rPr lang="en-US" smtClean="0"/>
-              <a:t>December 5, 2022</a:t>
+              <a:t>December 6, 2022</a:t>
             </a:fld>
             <a:endParaRPr lang="en-CA"/>
           </a:p>
@@ -4744,7 +4744,7 @@
           <a:p>
             <a:fld id="{F5C60C1E-BE52-444A-B903-D3D3A7A6ABD9}" type="datetime4">
               <a:rPr lang="en-US" smtClean="0"/>
-              <a:t>December 5, 2022</a:t>
+              <a:t>December 6, 2022</a:t>
             </a:fld>
             <a:endParaRPr lang="en-CA"/>
           </a:p>
@@ -5072,7 +5072,7 @@
           <a:p>
             <a:fld id="{F5C60C1E-BE52-444A-B903-D3D3A7A6ABD9}" type="datetime4">
               <a:rPr lang="en-US" smtClean="0"/>
-              <a:t>December 5, 2022</a:t>
+              <a:t>December 6, 2022</a:t>
             </a:fld>
             <a:endParaRPr lang="en-CA"/>
           </a:p>
@@ -5410,7 +5410,7 @@
           <a:p>
             <a:fld id="{CDBE93D9-1E7C-4963-AD25-D0E8D4EECEE5}" type="datetime4">
               <a:rPr lang="en-US" smtClean="0"/>
-              <a:t>December 5, 2022</a:t>
+              <a:t>December 6, 2022</a:t>
             </a:fld>
             <a:endParaRPr lang="en-CA"/>
           </a:p>
@@ -7691,7 +7691,7 @@
           <a:p>
             <a:fld id="{11A10271-0286-4BA7-AF61-91EDADC7C7D8}" type="datetime4">
               <a:rPr lang="en-US" smtClean="0"/>
-              <a:t>December 5, 2022</a:t>
+              <a:t>December 6, 2022</a:t>
             </a:fld>
             <a:endParaRPr lang="en-CA" dirty="0"/>
           </a:p>
@@ -8365,7 +8365,7 @@
           <a:p>
             <a:fld id="{9AC9EBFE-5BA1-460F-BE92-8CF5579A714B}" type="datetime4">
               <a:rPr lang="en-US" smtClean="0"/>
-              <a:t>December 5, 2022</a:t>
+              <a:t>December 6, 2022</a:t>
             </a:fld>
             <a:endParaRPr lang="en-CA"/>
           </a:p>
@@ -8504,7 +8504,7 @@
           <a:p>
             <a:fld id="{561146A8-A192-4F5D-A963-F694E58B90FD}" type="datetime4">
               <a:rPr lang="en-US" smtClean="0"/>
-              <a:t>December 5, 2022</a:t>
+              <a:t>December 6, 2022</a:t>
             </a:fld>
             <a:endParaRPr lang="en-CA"/>
           </a:p>
@@ -8700,7 +8700,7 @@
           <a:p>
             <a:fld id="{D36516F6-A097-4E38-8A59-185C4D2E3785}" type="datetime4">
               <a:rPr lang="en-US" smtClean="0"/>
-              <a:t>December 5, 2022</a:t>
+              <a:t>December 6, 2022</a:t>
             </a:fld>
             <a:endParaRPr lang="en-CA"/>
           </a:p>
@@ -9138,7 +9138,7 @@
           <a:p>
             <a:fld id="{66CA7FD2-EEE1-4653-A3ED-EC06E26685F5}" type="datetime4">
               <a:rPr lang="en-US" smtClean="0"/>
-              <a:t>December 5, 2022</a:t>
+              <a:t>December 6, 2022</a:t>
             </a:fld>
             <a:endParaRPr lang="en-CA"/>
           </a:p>
@@ -9406,7 +9406,7 @@
           <a:p>
             <a:fld id="{66CA7FD2-EEE1-4653-A3ED-EC06E26685F5}" type="datetime4">
               <a:rPr lang="en-US" smtClean="0"/>
-              <a:t>December 5, 2022</a:t>
+              <a:t>December 6, 2022</a:t>
             </a:fld>
             <a:endParaRPr lang="en-CA"/>
           </a:p>
@@ -9885,7 +9885,7 @@
           <a:p>
             <a:fld id="{59AD7A44-F5B9-48AC-81DD-DBE0808B6C3A}" type="datetime4">
               <a:rPr lang="en-US" smtClean="0"/>
-              <a:t>December 5, 2022</a:t>
+              <a:t>December 6, 2022</a:t>
             </a:fld>
             <a:endParaRPr lang="en-CA" dirty="0"/>
           </a:p>
@@ -10459,7 +10459,7 @@
           <a:p>
             <a:fld id="{5BE6D354-99C5-404C-B6A2-01FFCCA0E449}" type="datetime4">
               <a:rPr lang="en-US" smtClean="0"/>
-              <a:t>December 5, 2022</a:t>
+              <a:t>December 6, 2022</a:t>
             </a:fld>
             <a:endParaRPr lang="en-CA" dirty="0"/>
           </a:p>
@@ -10495,6 +10495,126 @@
           <a:chExt cx="0" cy="0"/>
         </a:xfrm>
       </p:grpSpPr>
+      <p:pic>
+        <p:nvPicPr>
+          <p:cNvPr id="24" name="Picture 23">
+            <a:extLst>
+              <a:ext uri="{FF2B5EF4-FFF2-40B4-BE49-F238E27FC236}">
+                <a16:creationId xmlns:a16="http://schemas.microsoft.com/office/drawing/2014/main" id="{84A8546C-D059-498A-822B-74187498B3CF}"/>
+              </a:ext>
+            </a:extLst>
+          </p:cNvPr>
+          <p:cNvPicPr>
+            <a:picLocks noChangeAspect="1"/>
+          </p:cNvPicPr>
+          <p:nvPr/>
+        </p:nvPicPr>
+        <p:blipFill>
+          <a:blip r:embed="rId2"/>
+          <a:stretch>
+            <a:fillRect/>
+          </a:stretch>
+        </p:blipFill>
+        <p:spPr>
+          <a:xfrm>
+            <a:off x="8427077" y="3792003"/>
+            <a:ext cx="3411163" cy="2567279"/>
+          </a:xfrm>
+          <a:prstGeom prst="rect">
+            <a:avLst/>
+          </a:prstGeom>
+        </p:spPr>
+      </p:pic>
+      <p:pic>
+        <p:nvPicPr>
+          <p:cNvPr id="15" name="Picture 14">
+            <a:extLst>
+              <a:ext uri="{FF2B5EF4-FFF2-40B4-BE49-F238E27FC236}">
+                <a16:creationId xmlns:a16="http://schemas.microsoft.com/office/drawing/2014/main" id="{5C95B084-94EF-495A-B258-972D11F4BA94}"/>
+              </a:ext>
+            </a:extLst>
+          </p:cNvPr>
+          <p:cNvPicPr>
+            <a:picLocks noChangeAspect="1"/>
+          </p:cNvPicPr>
+          <p:nvPr/>
+        </p:nvPicPr>
+        <p:blipFill>
+          <a:blip r:embed="rId3"/>
+          <a:stretch>
+            <a:fillRect/>
+          </a:stretch>
+        </p:blipFill>
+        <p:spPr>
+          <a:xfrm>
+            <a:off x="4369025" y="3792167"/>
+            <a:ext cx="3411163" cy="2601773"/>
+          </a:xfrm>
+          <a:prstGeom prst="rect">
+            <a:avLst/>
+          </a:prstGeom>
+        </p:spPr>
+      </p:pic>
+      <p:pic>
+        <p:nvPicPr>
+          <p:cNvPr id="13" name="Picture 12">
+            <a:extLst>
+              <a:ext uri="{FF2B5EF4-FFF2-40B4-BE49-F238E27FC236}">
+                <a16:creationId xmlns:a16="http://schemas.microsoft.com/office/drawing/2014/main" id="{B6291C6D-D993-440A-B360-DE3FE0AEED54}"/>
+              </a:ext>
+            </a:extLst>
+          </p:cNvPr>
+          <p:cNvPicPr>
+            <a:picLocks noChangeAspect="1"/>
+          </p:cNvPicPr>
+          <p:nvPr/>
+        </p:nvPicPr>
+        <p:blipFill>
+          <a:blip r:embed="rId4"/>
+          <a:stretch>
+            <a:fillRect/>
+          </a:stretch>
+        </p:blipFill>
+        <p:spPr>
+          <a:xfrm>
+            <a:off x="324364" y="3776928"/>
+            <a:ext cx="3334084" cy="2597431"/>
+          </a:xfrm>
+          <a:prstGeom prst="rect">
+            <a:avLst/>
+          </a:prstGeom>
+        </p:spPr>
+      </p:pic>
+      <p:pic>
+        <p:nvPicPr>
+          <p:cNvPr id="7" name="Picture 6">
+            <a:extLst>
+              <a:ext uri="{FF2B5EF4-FFF2-40B4-BE49-F238E27FC236}">
+                <a16:creationId xmlns:a16="http://schemas.microsoft.com/office/drawing/2014/main" id="{C027FC18-6EC1-4ED1-95C4-E15563BD41F1}"/>
+              </a:ext>
+            </a:extLst>
+          </p:cNvPr>
+          <p:cNvPicPr>
+            <a:picLocks noChangeAspect="1"/>
+          </p:cNvPicPr>
+          <p:nvPr/>
+        </p:nvPicPr>
+        <p:blipFill>
+          <a:blip r:embed="rId5"/>
+          <a:stretch>
+            <a:fillRect/>
+          </a:stretch>
+        </p:blipFill>
+        <p:spPr>
+          <a:xfrm>
+            <a:off x="2032709" y="1165611"/>
+            <a:ext cx="3411163" cy="2597431"/>
+          </a:xfrm>
+          <a:prstGeom prst="rect">
+            <a:avLst/>
+          </a:prstGeom>
+        </p:spPr>
+      </p:pic>
       <p:sp>
         <p:nvSpPr>
           <p:cNvPr id="2" name="Title 1">
@@ -10546,7 +10666,7 @@
           <a:p>
             <a:fld id="{9AC9EBFE-5BA1-460F-BE92-8CF5579A714B}" type="datetime4">
               <a:rPr lang="en-US" smtClean="0"/>
-              <a:t>December 5, 2022</a:t>
+              <a:t>December 6, 2022</a:t>
             </a:fld>
             <a:endParaRPr lang="en-CA"/>
           </a:p>
@@ -10609,12 +10729,62 @@
           </a:p>
         </p:txBody>
       </p:sp>
+      <p:sp>
+        <p:nvSpPr>
+          <p:cNvPr id="17" name="TextBox 16">
+            <a:extLst>
+              <a:ext uri="{FF2B5EF4-FFF2-40B4-BE49-F238E27FC236}">
+                <a16:creationId xmlns:a16="http://schemas.microsoft.com/office/drawing/2014/main" id="{66C7559F-196D-4FD4-A2D0-45B0C6D22F5F}"/>
+              </a:ext>
+            </a:extLst>
+          </p:cNvPr>
+          <p:cNvSpPr txBox="1"/>
+          <p:nvPr/>
+        </p:nvSpPr>
+        <p:spPr>
+          <a:xfrm>
+            <a:off x="3108495" y="2249367"/>
+            <a:ext cx="1410961" cy="553998"/>
+          </a:xfrm>
+          <a:prstGeom prst="rect">
+            <a:avLst/>
+          </a:prstGeom>
+          <a:noFill/>
+        </p:spPr>
+        <p:txBody>
+          <a:bodyPr wrap="square" lIns="0" tIns="0" rIns="0" bIns="0" rtlCol="0">
+            <a:spAutoFit/>
+          </a:bodyPr>
+          <a:lstStyle/>
+          <a:p>
+            <a:r>
+              <a:rPr lang="en-US" i="1" dirty="0">
+                <a:solidFill>
+                  <a:schemeClr val="accent2"/>
+                </a:solidFill>
+              </a:rPr>
+              <a:t>N = 20 points</a:t>
+            </a:r>
+          </a:p>
+          <a:p>
+            <a:pPr algn="ctr"/>
+            <a:r>
+              <a:rPr lang="en-US" i="1" dirty="0">
+                <a:solidFill>
+                  <a:schemeClr val="accent2"/>
+                </a:solidFill>
+              </a:rPr>
+              <a:t>Eq. spacing</a:t>
+            </a:r>
+          </a:p>
+        </p:txBody>
+      </p:sp>
       <p:grpSp>
         <p:nvGrpSpPr>
-          <p:cNvPr id="26" name="Group 25">
+          <p:cNvPr id="31" name="Group 30">
             <a:extLst>
               <a:ext uri="{FF2B5EF4-FFF2-40B4-BE49-F238E27FC236}">
-                <a16:creationId xmlns:a16="http://schemas.microsoft.com/office/drawing/2014/main" id="{C68F1E91-2F35-44F4-A0BC-3C68E0FAA379}"/>
+                <a16:creationId xmlns:a16="http://schemas.microsoft.com/office/drawing/2014/main" id="{041B0009-93BB-43A1-83CC-04A10E41AF4F}"/>
               </a:ext>
             </a:extLst>
           </p:cNvPr>
@@ -10623,18 +10793,18 @@
         </p:nvGrpSpPr>
         <p:grpSpPr>
           <a:xfrm>
-            <a:off x="1941841" y="1165611"/>
-            <a:ext cx="3620500" cy="2715375"/>
-            <a:chOff x="2354905" y="1165611"/>
-            <a:chExt cx="3620500" cy="2715375"/>
+            <a:off x="6719103" y="1329260"/>
+            <a:ext cx="3415948" cy="2433782"/>
+            <a:chOff x="6719103" y="1329260"/>
+            <a:chExt cx="3415948" cy="2433782"/>
           </a:xfrm>
         </p:grpSpPr>
         <p:pic>
           <p:nvPicPr>
-            <p:cNvPr id="8" name="Picture 7">
+            <p:cNvPr id="10" name="Picture 9">
               <a:extLst>
                 <a:ext uri="{FF2B5EF4-FFF2-40B4-BE49-F238E27FC236}">
-                  <a16:creationId xmlns:a16="http://schemas.microsoft.com/office/drawing/2014/main" id="{E5DE8E4B-1111-4E78-B43F-94E5F1FA4C7F}"/>
+                  <a16:creationId xmlns:a16="http://schemas.microsoft.com/office/drawing/2014/main" id="{5E106F6A-1BFA-4BAA-AE58-25B44F7CB441}"/>
                 </a:ext>
               </a:extLst>
             </p:cNvPr>
@@ -10644,128 +10814,15 @@
             <p:nvPr/>
           </p:nvPicPr>
           <p:blipFill>
-            <a:blip r:embed="rId2">
-              <a:extLst>
-                <a:ext uri="{28A0092B-C50C-407E-A947-70E740481C1C}">
-                  <a14:useLocalDpi xmlns:a14="http://schemas.microsoft.com/office/drawing/2010/main" val="0"/>
-                </a:ext>
-              </a:extLst>
-            </a:blip>
+            <a:blip r:embed="rId6"/>
             <a:stretch>
               <a:fillRect/>
             </a:stretch>
           </p:blipFill>
           <p:spPr>
             <a:xfrm>
-              <a:off x="2354905" y="1165611"/>
-              <a:ext cx="3620500" cy="2715375"/>
-            </a:xfrm>
-            <a:prstGeom prst="rect">
-              <a:avLst/>
-            </a:prstGeom>
-          </p:spPr>
-        </p:pic>
-        <p:sp>
-          <p:nvSpPr>
-            <p:cNvPr id="17" name="TextBox 16">
-              <a:extLst>
-                <a:ext uri="{FF2B5EF4-FFF2-40B4-BE49-F238E27FC236}">
-                  <a16:creationId xmlns:a16="http://schemas.microsoft.com/office/drawing/2014/main" id="{66C7559F-196D-4FD4-A2D0-45B0C6D22F5F}"/>
-                </a:ext>
-              </a:extLst>
-            </p:cNvPr>
-            <p:cNvSpPr txBox="1"/>
-            <p:nvPr/>
-          </p:nvSpPr>
-          <p:spPr>
-            <a:xfrm>
-              <a:off x="3521559" y="2249367"/>
-              <a:ext cx="1410961" cy="553998"/>
-            </a:xfrm>
-            <a:prstGeom prst="rect">
-              <a:avLst/>
-            </a:prstGeom>
-            <a:noFill/>
-          </p:spPr>
-          <p:txBody>
-            <a:bodyPr wrap="square" lIns="0" tIns="0" rIns="0" bIns="0" rtlCol="0">
-              <a:spAutoFit/>
-            </a:bodyPr>
-            <a:lstStyle/>
-            <a:p>
-              <a:r>
-                <a:rPr lang="en-US" i="1" dirty="0">
-                  <a:solidFill>
-                    <a:schemeClr val="accent2"/>
-                  </a:solidFill>
-                </a:rPr>
-                <a:t>N = 20 points</a:t>
-              </a:r>
-            </a:p>
-            <a:p>
-              <a:pPr algn="ctr"/>
-              <a:r>
-                <a:rPr lang="en-US" i="1" dirty="0">
-                  <a:solidFill>
-                    <a:schemeClr val="accent2"/>
-                  </a:solidFill>
-                </a:rPr>
-                <a:t>Eq. spacing</a:t>
-              </a:r>
-            </a:p>
-          </p:txBody>
-        </p:sp>
-      </p:grpSp>
-      <p:grpSp>
-        <p:nvGrpSpPr>
-          <p:cNvPr id="27" name="Group 26">
-            <a:extLst>
-              <a:ext uri="{FF2B5EF4-FFF2-40B4-BE49-F238E27FC236}">
-                <a16:creationId xmlns:a16="http://schemas.microsoft.com/office/drawing/2014/main" id="{E39334E8-D940-464C-A993-298FBA057D04}"/>
-              </a:ext>
-            </a:extLst>
-          </p:cNvPr>
-          <p:cNvGrpSpPr/>
-          <p:nvPr/>
-        </p:nvGrpSpPr>
-        <p:grpSpPr>
-          <a:xfrm>
-            <a:off x="6629135" y="1165611"/>
-            <a:ext cx="3621024" cy="2715768"/>
-            <a:chOff x="7042199" y="1165611"/>
-            <a:chExt cx="3621024" cy="2715768"/>
-          </a:xfrm>
-        </p:grpSpPr>
-        <p:pic>
-          <p:nvPicPr>
-            <p:cNvPr id="12" name="Picture 11">
-              <a:extLst>
-                <a:ext uri="{FF2B5EF4-FFF2-40B4-BE49-F238E27FC236}">
-                  <a16:creationId xmlns:a16="http://schemas.microsoft.com/office/drawing/2014/main" id="{0D7C4D04-6477-4E96-BD5B-5B4EE973A610}"/>
-                </a:ext>
-              </a:extLst>
-            </p:cNvPr>
-            <p:cNvPicPr>
-              <a:picLocks noChangeAspect="1"/>
-            </p:cNvPicPr>
-            <p:nvPr/>
-          </p:nvPicPr>
-          <p:blipFill>
-            <a:blip r:embed="rId3">
-              <a:extLst>
-                <a:ext uri="{28A0092B-C50C-407E-A947-70E740481C1C}">
-                  <a14:useLocalDpi xmlns:a14="http://schemas.microsoft.com/office/drawing/2010/main" val="0"/>
-                </a:ext>
-              </a:extLst>
-            </a:blip>
-            <a:stretch>
-              <a:fillRect/>
-            </a:stretch>
-          </p:blipFill>
-          <p:spPr>
-            <a:xfrm>
-              <a:off x="7042199" y="1165611"/>
-              <a:ext cx="3621024" cy="2715768"/>
+              <a:off x="6719103" y="1329260"/>
+              <a:ext cx="3415948" cy="2433782"/>
             </a:xfrm>
             <a:prstGeom prst="rect">
               <a:avLst/>
@@ -10786,7 +10843,7 @@
           </p:nvSpPr>
           <p:spPr>
             <a:xfrm>
-              <a:off x="8082835" y="2246300"/>
+              <a:off x="7669771" y="2246300"/>
               <a:ext cx="1671777" cy="553998"/>
             </a:xfrm>
             <a:prstGeom prst="rect">
@@ -10823,327 +10880,156 @@
           </p:txBody>
         </p:sp>
       </p:grpSp>
-      <p:grpSp>
-        <p:nvGrpSpPr>
-          <p:cNvPr id="29" name="Group 28">
+      <p:sp>
+        <p:nvSpPr>
+          <p:cNvPr id="19" name="TextBox 18">
             <a:extLst>
               <a:ext uri="{FF2B5EF4-FFF2-40B4-BE49-F238E27FC236}">
-                <a16:creationId xmlns:a16="http://schemas.microsoft.com/office/drawing/2014/main" id="{1ADF9702-AE21-4923-B9CB-EF536A81696E}"/>
+                <a16:creationId xmlns:a16="http://schemas.microsoft.com/office/drawing/2014/main" id="{1779A3FA-9F9F-4D20-9EDB-439D9EBBB03B}"/>
               </a:ext>
             </a:extLst>
           </p:cNvPr>
-          <p:cNvGrpSpPr/>
+          <p:cNvSpPr txBox="1"/>
           <p:nvPr/>
-        </p:nvGrpSpPr>
-        <p:grpSpPr>
-          <a:xfrm>
-            <a:off x="246437" y="3655958"/>
-            <a:ext cx="3621024" cy="2715768"/>
-            <a:chOff x="232330" y="3655958"/>
-            <a:chExt cx="3621024" cy="2715768"/>
-          </a:xfrm>
-        </p:grpSpPr>
-        <p:pic>
-          <p:nvPicPr>
-            <p:cNvPr id="23" name="Picture 22">
-              <a:extLst>
-                <a:ext uri="{FF2B5EF4-FFF2-40B4-BE49-F238E27FC236}">
-                  <a16:creationId xmlns:a16="http://schemas.microsoft.com/office/drawing/2014/main" id="{E3238632-A2FF-4D00-B9C1-DBFAB0ACE50C}"/>
-                </a:ext>
-              </a:extLst>
-            </p:cNvPr>
-            <p:cNvPicPr>
-              <a:picLocks noChangeAspect="1"/>
-            </p:cNvPicPr>
-            <p:nvPr/>
-          </p:nvPicPr>
-          <p:blipFill>
-            <a:blip r:embed="rId4">
-              <a:extLst>
-                <a:ext uri="{28A0092B-C50C-407E-A947-70E740481C1C}">
-                  <a14:useLocalDpi xmlns:a14="http://schemas.microsoft.com/office/drawing/2010/main" val="0"/>
-                </a:ext>
-              </a:extLst>
-            </a:blip>
-            <a:stretch>
-              <a:fillRect/>
-            </a:stretch>
-          </p:blipFill>
-          <p:spPr>
-            <a:xfrm>
-              <a:off x="232330" y="3655958"/>
-              <a:ext cx="3621024" cy="2715768"/>
-            </a:xfrm>
-            <a:prstGeom prst="rect">
-              <a:avLst/>
-            </a:prstGeom>
-          </p:spPr>
-        </p:pic>
-        <p:sp>
-          <p:nvSpPr>
-            <p:cNvPr id="19" name="TextBox 18">
-              <a:extLst>
-                <a:ext uri="{FF2B5EF4-FFF2-40B4-BE49-F238E27FC236}">
-                  <a16:creationId xmlns:a16="http://schemas.microsoft.com/office/drawing/2014/main" id="{1779A3FA-9F9F-4D20-9EDB-439D9EBBB03B}"/>
-                </a:ext>
-              </a:extLst>
-            </p:cNvPr>
-            <p:cNvSpPr txBox="1"/>
-            <p:nvPr/>
-          </p:nvSpPr>
-          <p:spPr>
-            <a:xfrm>
-              <a:off x="1345523" y="4742228"/>
-              <a:ext cx="1671777" cy="553998"/>
-            </a:xfrm>
-            <a:prstGeom prst="rect">
-              <a:avLst/>
-            </a:prstGeom>
-            <a:noFill/>
-          </p:spPr>
-          <p:txBody>
-            <a:bodyPr wrap="square" lIns="0" tIns="0" rIns="0" bIns="0" rtlCol="0">
-              <a:spAutoFit/>
-            </a:bodyPr>
-            <a:lstStyle/>
-            <a:p>
-              <a:r>
-                <a:rPr lang="en-US" i="1" dirty="0">
-                  <a:solidFill>
-                    <a:schemeClr val="accent2"/>
-                  </a:solidFill>
-                </a:rPr>
-                <a:t>N = 100 points</a:t>
-              </a:r>
-            </a:p>
-            <a:p>
-              <a:pPr algn="ctr"/>
-              <a:r>
-                <a:rPr lang="en-US" i="1" dirty="0">
-                  <a:solidFill>
-                    <a:schemeClr val="accent2"/>
-                  </a:solidFill>
-                </a:rPr>
-                <a:t>Eq. spacing</a:t>
-              </a:r>
-            </a:p>
-          </p:txBody>
-        </p:sp>
-      </p:grpSp>
-      <p:grpSp>
-        <p:nvGrpSpPr>
-          <p:cNvPr id="28" name="Group 27">
+        </p:nvSpPr>
+        <p:spPr>
+          <a:xfrm>
+            <a:off x="1359630" y="4742228"/>
+            <a:ext cx="1671777" cy="553998"/>
+          </a:xfrm>
+          <a:prstGeom prst="rect">
+            <a:avLst/>
+          </a:prstGeom>
+          <a:noFill/>
+        </p:spPr>
+        <p:txBody>
+          <a:bodyPr wrap="square" lIns="0" tIns="0" rIns="0" bIns="0" rtlCol="0">
+            <a:spAutoFit/>
+          </a:bodyPr>
+          <a:lstStyle/>
+          <a:p>
+            <a:r>
+              <a:rPr lang="en-US" i="1" dirty="0">
+                <a:solidFill>
+                  <a:schemeClr val="accent2"/>
+                </a:solidFill>
+              </a:rPr>
+              <a:t>N = 100 points</a:t>
+            </a:r>
+          </a:p>
+          <a:p>
+            <a:pPr algn="ctr"/>
+            <a:r>
+              <a:rPr lang="en-US" i="1" dirty="0">
+                <a:solidFill>
+                  <a:schemeClr val="accent2"/>
+                </a:solidFill>
+              </a:rPr>
+              <a:t>Eq. spacing</a:t>
+            </a:r>
+          </a:p>
+        </p:txBody>
+      </p:sp>
+      <p:sp>
+        <p:nvSpPr>
+          <p:cNvPr id="20" name="TextBox 19">
             <a:extLst>
               <a:ext uri="{FF2B5EF4-FFF2-40B4-BE49-F238E27FC236}">
-                <a16:creationId xmlns:a16="http://schemas.microsoft.com/office/drawing/2014/main" id="{6650B356-A0DA-4E32-A1A5-5025E618C9B2}"/>
+                <a16:creationId xmlns:a16="http://schemas.microsoft.com/office/drawing/2014/main" id="{990D25C5-7504-49AC-9E22-BAD11633B1A6}"/>
               </a:ext>
             </a:extLst>
           </p:cNvPr>
-          <p:cNvGrpSpPr/>
+          <p:cNvSpPr txBox="1"/>
           <p:nvPr/>
-        </p:nvGrpSpPr>
-        <p:grpSpPr>
-          <a:xfrm>
-            <a:off x="4285488" y="3655958"/>
-            <a:ext cx="3621024" cy="2715768"/>
-            <a:chOff x="4315968" y="3655958"/>
-            <a:chExt cx="3621024" cy="2715768"/>
-          </a:xfrm>
-        </p:grpSpPr>
-        <p:pic>
-          <p:nvPicPr>
-            <p:cNvPr id="25" name="Picture 24">
-              <a:extLst>
-                <a:ext uri="{FF2B5EF4-FFF2-40B4-BE49-F238E27FC236}">
-                  <a16:creationId xmlns:a16="http://schemas.microsoft.com/office/drawing/2014/main" id="{F7AE47D9-14E7-4769-9CB8-46200B4A2B27}"/>
-                </a:ext>
-              </a:extLst>
-            </p:cNvPr>
-            <p:cNvPicPr>
-              <a:picLocks noChangeAspect="1"/>
-            </p:cNvPicPr>
-            <p:nvPr/>
-          </p:nvPicPr>
-          <p:blipFill>
-            <a:blip r:embed="rId5">
-              <a:extLst>
-                <a:ext uri="{28A0092B-C50C-407E-A947-70E740481C1C}">
-                  <a14:useLocalDpi xmlns:a14="http://schemas.microsoft.com/office/drawing/2010/main" val="0"/>
-                </a:ext>
-              </a:extLst>
-            </a:blip>
-            <a:stretch>
-              <a:fillRect/>
-            </a:stretch>
-          </p:blipFill>
-          <p:spPr>
-            <a:xfrm>
-              <a:off x="4315968" y="3655958"/>
-              <a:ext cx="3621024" cy="2715768"/>
-            </a:xfrm>
-            <a:prstGeom prst="rect">
-              <a:avLst/>
-            </a:prstGeom>
-          </p:spPr>
-        </p:pic>
-        <p:sp>
-          <p:nvSpPr>
-            <p:cNvPr id="20" name="TextBox 19">
-              <a:extLst>
-                <a:ext uri="{FF2B5EF4-FFF2-40B4-BE49-F238E27FC236}">
-                  <a16:creationId xmlns:a16="http://schemas.microsoft.com/office/drawing/2014/main" id="{990D25C5-7504-49AC-9E22-BAD11633B1A6}"/>
-                </a:ext>
-              </a:extLst>
-            </p:cNvPr>
-            <p:cNvSpPr txBox="1"/>
-            <p:nvPr/>
-          </p:nvSpPr>
-          <p:spPr>
-            <a:xfrm>
-              <a:off x="5431687" y="4742228"/>
-              <a:ext cx="1671777" cy="553998"/>
-            </a:xfrm>
-            <a:prstGeom prst="rect">
-              <a:avLst/>
-            </a:prstGeom>
-            <a:noFill/>
-          </p:spPr>
-          <p:txBody>
-            <a:bodyPr wrap="square" lIns="0" tIns="0" rIns="0" bIns="0" rtlCol="0">
-              <a:spAutoFit/>
-            </a:bodyPr>
-            <a:lstStyle/>
-            <a:p>
-              <a:r>
-                <a:rPr lang="en-US" i="1" dirty="0">
-                  <a:solidFill>
-                    <a:schemeClr val="accent2"/>
-                  </a:solidFill>
-                </a:rPr>
-                <a:t>N = 1000 points</a:t>
-              </a:r>
-            </a:p>
-            <a:p>
-              <a:pPr algn="ctr"/>
-              <a:r>
-                <a:rPr lang="en-US" i="1" dirty="0">
-                  <a:solidFill>
-                    <a:schemeClr val="accent2"/>
-                  </a:solidFill>
-                </a:rPr>
-                <a:t>Eq. spacing</a:t>
-              </a:r>
-            </a:p>
-          </p:txBody>
-        </p:sp>
-      </p:grpSp>
-      <p:grpSp>
-        <p:nvGrpSpPr>
-          <p:cNvPr id="30" name="Group 29">
+        </p:nvSpPr>
+        <p:spPr>
+          <a:xfrm>
+            <a:off x="5401207" y="4742228"/>
+            <a:ext cx="1671777" cy="553998"/>
+          </a:xfrm>
+          <a:prstGeom prst="rect">
+            <a:avLst/>
+          </a:prstGeom>
+          <a:noFill/>
+        </p:spPr>
+        <p:txBody>
+          <a:bodyPr wrap="square" lIns="0" tIns="0" rIns="0" bIns="0" rtlCol="0">
+            <a:spAutoFit/>
+          </a:bodyPr>
+          <a:lstStyle/>
+          <a:p>
+            <a:r>
+              <a:rPr lang="en-US" i="1" dirty="0">
+                <a:solidFill>
+                  <a:schemeClr val="accent2"/>
+                </a:solidFill>
+              </a:rPr>
+              <a:t>N = 1000 points</a:t>
+            </a:r>
+          </a:p>
+          <a:p>
+            <a:pPr algn="ctr"/>
+            <a:r>
+              <a:rPr lang="en-US" i="1" dirty="0">
+                <a:solidFill>
+                  <a:schemeClr val="accent2"/>
+                </a:solidFill>
+              </a:rPr>
+              <a:t>Eq. spacing</a:t>
+            </a:r>
+          </a:p>
+        </p:txBody>
+      </p:sp>
+      <p:sp>
+        <p:nvSpPr>
+          <p:cNvPr id="21" name="TextBox 20">
             <a:extLst>
               <a:ext uri="{FF2B5EF4-FFF2-40B4-BE49-F238E27FC236}">
-                <a16:creationId xmlns:a16="http://schemas.microsoft.com/office/drawing/2014/main" id="{2A9737D4-BF89-4ACE-805D-29B033BEB491}"/>
+                <a16:creationId xmlns:a16="http://schemas.microsoft.com/office/drawing/2014/main" id="{5C781B61-7EBE-4121-85EE-3FA310C04A5E}"/>
               </a:ext>
             </a:extLst>
           </p:cNvPr>
-          <p:cNvGrpSpPr/>
+          <p:cNvSpPr txBox="1"/>
           <p:nvPr/>
-        </p:nvGrpSpPr>
-        <p:grpSpPr>
-          <a:xfrm>
-            <a:off x="8324539" y="3655958"/>
-            <a:ext cx="3621024" cy="2715768"/>
-            <a:chOff x="8310432" y="3655958"/>
-            <a:chExt cx="3621024" cy="2715768"/>
-          </a:xfrm>
-        </p:grpSpPr>
-        <p:pic>
-          <p:nvPicPr>
-            <p:cNvPr id="16" name="Picture 15">
-              <a:extLst>
-                <a:ext uri="{FF2B5EF4-FFF2-40B4-BE49-F238E27FC236}">
-                  <a16:creationId xmlns:a16="http://schemas.microsoft.com/office/drawing/2014/main" id="{656021F5-5A4A-45BB-B5A9-52C08B0D7B6E}"/>
-                </a:ext>
-              </a:extLst>
-            </p:cNvPr>
-            <p:cNvPicPr>
-              <a:picLocks noChangeAspect="1"/>
-            </p:cNvPicPr>
-            <p:nvPr/>
-          </p:nvPicPr>
-          <p:blipFill>
-            <a:blip r:embed="rId6">
-              <a:extLst>
-                <a:ext uri="{28A0092B-C50C-407E-A947-70E740481C1C}">
-                  <a14:useLocalDpi xmlns:a14="http://schemas.microsoft.com/office/drawing/2010/main" val="0"/>
-                </a:ext>
-              </a:extLst>
-            </a:blip>
-            <a:stretch>
-              <a:fillRect/>
-            </a:stretch>
-          </p:blipFill>
-          <p:spPr>
-            <a:xfrm>
-              <a:off x="8310432" y="3655958"/>
-              <a:ext cx="3621024" cy="2715768"/>
-            </a:xfrm>
-            <a:prstGeom prst="rect">
-              <a:avLst/>
-            </a:prstGeom>
-          </p:spPr>
-        </p:pic>
-        <p:sp>
-          <p:nvSpPr>
-            <p:cNvPr id="21" name="TextBox 20">
-              <a:extLst>
-                <a:ext uri="{FF2B5EF4-FFF2-40B4-BE49-F238E27FC236}">
-                  <a16:creationId xmlns:a16="http://schemas.microsoft.com/office/drawing/2014/main" id="{5C781B61-7EBE-4121-85EE-3FA310C04A5E}"/>
-                </a:ext>
-              </a:extLst>
-            </p:cNvPr>
-            <p:cNvSpPr txBox="1"/>
-            <p:nvPr/>
-          </p:nvSpPr>
-          <p:spPr>
-            <a:xfrm>
-              <a:off x="9399133" y="4736843"/>
-              <a:ext cx="1671777" cy="553998"/>
-            </a:xfrm>
-            <a:prstGeom prst="rect">
-              <a:avLst/>
-            </a:prstGeom>
-            <a:noFill/>
-          </p:spPr>
-          <p:txBody>
-            <a:bodyPr wrap="square" lIns="0" tIns="0" rIns="0" bIns="0" rtlCol="0">
-              <a:spAutoFit/>
-            </a:bodyPr>
-            <a:lstStyle/>
-            <a:p>
-              <a:r>
-                <a:rPr lang="en-US" i="1" dirty="0">
-                  <a:solidFill>
-                    <a:schemeClr val="accent2"/>
-                  </a:solidFill>
-                </a:rPr>
-                <a:t>N = 10000 points</a:t>
-              </a:r>
-            </a:p>
-            <a:p>
-              <a:pPr algn="ctr"/>
-              <a:r>
-                <a:rPr lang="en-US" i="1" dirty="0">
-                  <a:solidFill>
-                    <a:schemeClr val="accent2"/>
-                  </a:solidFill>
-                </a:rPr>
-                <a:t>Eq. spacing</a:t>
-              </a:r>
-            </a:p>
-          </p:txBody>
-        </p:sp>
-      </p:grpSp>
+        </p:nvSpPr>
+        <p:spPr>
+          <a:xfrm>
+            <a:off x="9413240" y="4736843"/>
+            <a:ext cx="1671777" cy="553998"/>
+          </a:xfrm>
+          <a:prstGeom prst="rect">
+            <a:avLst/>
+          </a:prstGeom>
+          <a:noFill/>
+        </p:spPr>
+        <p:txBody>
+          <a:bodyPr wrap="square" lIns="0" tIns="0" rIns="0" bIns="0" rtlCol="0">
+            <a:spAutoFit/>
+          </a:bodyPr>
+          <a:lstStyle/>
+          <a:p>
+            <a:r>
+              <a:rPr lang="en-US" i="1" dirty="0">
+                <a:solidFill>
+                  <a:schemeClr val="accent2"/>
+                </a:solidFill>
+              </a:rPr>
+              <a:t>N = 10000 points</a:t>
+            </a:r>
+          </a:p>
+          <a:p>
+            <a:pPr algn="ctr"/>
+            <a:r>
+              <a:rPr lang="en-US" i="1" dirty="0">
+                <a:solidFill>
+                  <a:schemeClr val="accent2"/>
+                </a:solidFill>
+              </a:rPr>
+              <a:t>Random spacing</a:t>
+            </a:r>
+          </a:p>
+        </p:txBody>
+      </p:sp>
     </p:spTree>
     <p:extLst>
       <p:ext uri="{BB962C8B-B14F-4D97-AF65-F5344CB8AC3E}">
@@ -11225,7 +11111,7 @@
           <a:p>
             <a:fld id="{9AC9EBFE-5BA1-460F-BE92-8CF5579A714B}" type="datetime4">
               <a:rPr lang="en-US" smtClean="0"/>
-              <a:t>December 5, 2022</a:t>
+              <a:t>December 6, 2022</a:t>
             </a:fld>
             <a:endParaRPr lang="en-CA"/>
           </a:p>
@@ -11776,7 +11662,7 @@
           <a:p>
             <a:fld id="{9AC9EBFE-5BA1-460F-BE92-8CF5579A714B}" type="datetime4">
               <a:rPr lang="en-US" smtClean="0"/>
-              <a:t>December 5, 2022</a:t>
+              <a:t>December 6, 2022</a:t>
             </a:fld>
             <a:endParaRPr lang="en-CA"/>
           </a:p>
@@ -11977,7 +11863,7 @@
           <a:p>
             <a:fld id="{9AC9EBFE-5BA1-460F-BE92-8CF5579A714B}" type="datetime4">
               <a:rPr lang="en-US" smtClean="0"/>
-              <a:t>December 5, 2022</a:t>
+              <a:t>December 6, 2022</a:t>
             </a:fld>
             <a:endParaRPr lang="en-CA"/>
           </a:p>
@@ -12231,7 +12117,7 @@
           <a:p>
             <a:fld id="{9AC9EBFE-5BA1-460F-BE92-8CF5579A714B}" type="datetime4">
               <a:rPr lang="en-US" smtClean="0"/>
-              <a:t>December 5, 2022</a:t>
+              <a:t>December 6, 2022</a:t>
             </a:fld>
             <a:endParaRPr lang="en-CA"/>
           </a:p>
@@ -12454,7 +12340,7 @@
           <a:p>
             <a:fld id="{66CA7FD2-EEE1-4653-A3ED-EC06E26685F5}" type="datetime4">
               <a:rPr lang="en-US" smtClean="0"/>
-              <a:t>December 5, 2022</a:t>
+              <a:t>December 6, 2022</a:t>
             </a:fld>
             <a:endParaRPr lang="en-CA"/>
           </a:p>
@@ -12697,7 +12583,7 @@
           <a:p>
             <a:fld id="{9AC9EBFE-5BA1-460F-BE92-8CF5579A714B}" type="datetime4">
               <a:rPr lang="en-US" smtClean="0"/>
-              <a:t>December 5, 2022</a:t>
+              <a:t>December 6, 2022</a:t>
             </a:fld>
             <a:endParaRPr lang="en-CA"/>
           </a:p>
@@ -12866,7 +12752,7 @@
           <a:p>
             <a:fld id="{9AC9EBFE-5BA1-460F-BE92-8CF5579A714B}" type="datetime4">
               <a:rPr lang="en-US" smtClean="0"/>
-              <a:t>December 5, 2022</a:t>
+              <a:t>December 6, 2022</a:t>
             </a:fld>
             <a:endParaRPr lang="en-CA"/>
           </a:p>
@@ -12987,7 +12873,7 @@
           <a:p>
             <a:r>
               <a:rPr lang="en-US" dirty="0"/>
-              <a:t>Coding – do a study on how changing input parameters in the algorithms changes the outputs?</a:t>
+              <a:t>Input Parameter Impact on Results</a:t>
             </a:r>
           </a:p>
         </p:txBody>
@@ -13015,7 +12901,7 @@
           <a:p>
             <a:fld id="{9AC9EBFE-5BA1-460F-BE92-8CF5579A714B}" type="datetime4">
               <a:rPr lang="en-US" smtClean="0"/>
-              <a:t>December 5, 2022</a:t>
+              <a:t>December 6, 2022</a:t>
             </a:fld>
             <a:endParaRPr lang="en-CA"/>
           </a:p>
@@ -13078,6 +12964,156 @@
           </a:p>
         </p:txBody>
       </p:sp>
+      <p:pic>
+        <p:nvPicPr>
+          <p:cNvPr id="7" name="Picture 6">
+            <a:extLst>
+              <a:ext uri="{FF2B5EF4-FFF2-40B4-BE49-F238E27FC236}">
+                <a16:creationId xmlns:a16="http://schemas.microsoft.com/office/drawing/2014/main" id="{3EAD85DA-CD85-4E5A-9628-BA9462D1CC05}"/>
+              </a:ext>
+            </a:extLst>
+          </p:cNvPr>
+          <p:cNvPicPr>
+            <a:picLocks noChangeAspect="1"/>
+          </p:cNvPicPr>
+          <p:nvPr/>
+        </p:nvPicPr>
+        <p:blipFill>
+          <a:blip r:embed="rId2"/>
+          <a:stretch>
+            <a:fillRect/>
+          </a:stretch>
+        </p:blipFill>
+        <p:spPr>
+          <a:xfrm>
+            <a:off x="362528" y="1452958"/>
+            <a:ext cx="3268716" cy="2573949"/>
+          </a:xfrm>
+          <a:prstGeom prst="rect">
+            <a:avLst/>
+          </a:prstGeom>
+        </p:spPr>
+      </p:pic>
+      <p:pic>
+        <p:nvPicPr>
+          <p:cNvPr id="9" name="Picture 8">
+            <a:extLst>
+              <a:ext uri="{FF2B5EF4-FFF2-40B4-BE49-F238E27FC236}">
+                <a16:creationId xmlns:a16="http://schemas.microsoft.com/office/drawing/2014/main" id="{3832E934-F817-4D5F-B183-7FAB152B7A94}"/>
+              </a:ext>
+            </a:extLst>
+          </p:cNvPr>
+          <p:cNvPicPr>
+            <a:picLocks noChangeAspect="1"/>
+          </p:cNvPicPr>
+          <p:nvPr/>
+        </p:nvPicPr>
+        <p:blipFill>
+          <a:blip r:embed="rId3"/>
+          <a:stretch>
+            <a:fillRect/>
+          </a:stretch>
+        </p:blipFill>
+        <p:spPr>
+          <a:xfrm>
+            <a:off x="362528" y="4282160"/>
+            <a:ext cx="4410691" cy="1705213"/>
+          </a:xfrm>
+          <a:prstGeom prst="rect">
+            <a:avLst/>
+          </a:prstGeom>
+        </p:spPr>
+      </p:pic>
+      <p:pic>
+        <p:nvPicPr>
+          <p:cNvPr id="13" name="Picture 12">
+            <a:extLst>
+              <a:ext uri="{FF2B5EF4-FFF2-40B4-BE49-F238E27FC236}">
+                <a16:creationId xmlns:a16="http://schemas.microsoft.com/office/drawing/2014/main" id="{5A9CC59A-5075-4BE8-A18A-9125BCFEDE98}"/>
+              </a:ext>
+            </a:extLst>
+          </p:cNvPr>
+          <p:cNvPicPr>
+            <a:picLocks noChangeAspect="1"/>
+          </p:cNvPicPr>
+          <p:nvPr/>
+        </p:nvPicPr>
+        <p:blipFill>
+          <a:blip r:embed="rId4"/>
+          <a:stretch>
+            <a:fillRect/>
+          </a:stretch>
+        </p:blipFill>
+        <p:spPr>
+          <a:xfrm>
+            <a:off x="6096000" y="1440883"/>
+            <a:ext cx="3450438" cy="2576684"/>
+          </a:xfrm>
+          <a:prstGeom prst="rect">
+            <a:avLst/>
+          </a:prstGeom>
+        </p:spPr>
+      </p:pic>
+      <p:pic>
+        <p:nvPicPr>
+          <p:cNvPr id="15" name="Picture 14">
+            <a:extLst>
+              <a:ext uri="{FF2B5EF4-FFF2-40B4-BE49-F238E27FC236}">
+                <a16:creationId xmlns:a16="http://schemas.microsoft.com/office/drawing/2014/main" id="{C50EE643-FB78-447F-845C-D2B6129E03AC}"/>
+              </a:ext>
+            </a:extLst>
+          </p:cNvPr>
+          <p:cNvPicPr>
+            <a:picLocks noChangeAspect="1"/>
+          </p:cNvPicPr>
+          <p:nvPr/>
+        </p:nvPicPr>
+        <p:blipFill>
+          <a:blip r:embed="rId5"/>
+          <a:stretch>
+            <a:fillRect/>
+          </a:stretch>
+        </p:blipFill>
+        <p:spPr>
+          <a:xfrm>
+            <a:off x="6445907" y="4291686"/>
+            <a:ext cx="4772691" cy="1695687"/>
+          </a:xfrm>
+          <a:prstGeom prst="rect">
+            <a:avLst/>
+          </a:prstGeom>
+        </p:spPr>
+      </p:pic>
+      <p:pic>
+        <p:nvPicPr>
+          <p:cNvPr id="17" name="Picture 16">
+            <a:extLst>
+              <a:ext uri="{FF2B5EF4-FFF2-40B4-BE49-F238E27FC236}">
+                <a16:creationId xmlns:a16="http://schemas.microsoft.com/office/drawing/2014/main" id="{E23A86EB-E2F0-4576-97E0-FCE5C487298A}"/>
+              </a:ext>
+            </a:extLst>
+          </p:cNvPr>
+          <p:cNvPicPr>
+            <a:picLocks noChangeAspect="1"/>
+          </p:cNvPicPr>
+          <p:nvPr/>
+        </p:nvPicPr>
+        <p:blipFill>
+          <a:blip r:embed="rId6"/>
+          <a:stretch>
+            <a:fillRect/>
+          </a:stretch>
+        </p:blipFill>
+        <p:spPr>
+          <a:xfrm>
+            <a:off x="9476996" y="2139290"/>
+            <a:ext cx="2715004" cy="1333686"/>
+          </a:xfrm>
+          <a:prstGeom prst="rect">
+            <a:avLst/>
+          </a:prstGeom>
+        </p:spPr>
+      </p:pic>
     </p:spTree>
     <p:extLst>
       <p:ext uri="{BB962C8B-B14F-4D97-AF65-F5344CB8AC3E}">
@@ -13159,7 +13195,7 @@
           <a:p>
             <a:fld id="{9AC9EBFE-5BA1-460F-BE92-8CF5579A714B}" type="datetime4">
               <a:rPr lang="en-US" smtClean="0"/>
-              <a:t>December 5, 2022</a:t>
+              <a:t>December 6, 2022</a:t>
             </a:fld>
             <a:endParaRPr lang="en-CA"/>
           </a:p>

--- a/Sprint Review PPT.pptx
+++ b/Sprint Review PPT.pptx
@@ -11940,7 +11940,7 @@
         </p:nvSpPr>
         <p:spPr>
           <a:xfrm>
-            <a:off x="1323703" y="1637211"/>
+            <a:off x="1361803" y="2018211"/>
             <a:ext cx="9692640" cy="1661993"/>
           </a:xfrm>
           <a:prstGeom prst="rect">
@@ -12416,10 +12416,15 @@
             <a:spLocks noGrp="1"/>
           </p:cNvSpPr>
           <p:nvPr>
-            <p:ph sz="quarter" idx="14"/>
+            <p:ph sz="quarter" idx="4294967295"/>
           </p:nvPr>
         </p:nvSpPr>
-        <p:spPr/>
+        <p:spPr>
+          <a:xfrm>
+            <a:off x="1260215" y="1590675"/>
+            <a:ext cx="9004300" cy="4343400"/>
+          </a:xfrm>
+        </p:spPr>
         <p:txBody>
           <a:bodyPr/>
           <a:lstStyle/>
@@ -12534,6 +12539,63 @@
       </p:grpSpPr>
       <p:sp>
         <p:nvSpPr>
+          <p:cNvPr id="141" name="Octagon 140">
+            <a:extLst>
+              <a:ext uri="{FF2B5EF4-FFF2-40B4-BE49-F238E27FC236}">
+                <a16:creationId xmlns:a16="http://schemas.microsoft.com/office/drawing/2014/main" id="{653CB1D7-3865-4476-BDBA-BDDF244309A5}"/>
+              </a:ext>
+            </a:extLst>
+          </p:cNvPr>
+          <p:cNvSpPr/>
+          <p:nvPr/>
+        </p:nvSpPr>
+        <p:spPr>
+          <a:xfrm rot="401188">
+            <a:off x="8474598" y="2091620"/>
+            <a:ext cx="1992712" cy="1992712"/>
+          </a:xfrm>
+          <a:prstGeom prst="octagon">
+            <a:avLst/>
+          </a:prstGeom>
+          <a:solidFill>
+            <a:schemeClr val="accent5">
+              <a:lumMod val="40000"/>
+              <a:lumOff val="60000"/>
+            </a:schemeClr>
+          </a:solidFill>
+          <a:ln>
+            <a:solidFill>
+              <a:schemeClr val="bg1"/>
+            </a:solidFill>
+          </a:ln>
+        </p:spPr>
+        <p:style>
+          <a:lnRef idx="2">
+            <a:schemeClr val="accent1">
+              <a:shade val="50000"/>
+            </a:schemeClr>
+          </a:lnRef>
+          <a:fillRef idx="1">
+            <a:schemeClr val="accent1"/>
+          </a:fillRef>
+          <a:effectRef idx="0">
+            <a:schemeClr val="accent1"/>
+          </a:effectRef>
+          <a:fontRef idx="minor">
+            <a:schemeClr val="lt1"/>
+          </a:fontRef>
+        </p:style>
+        <p:txBody>
+          <a:bodyPr rtlCol="0" anchor="ctr"/>
+          <a:lstStyle/>
+          <a:p>
+            <a:pPr algn="ctr"/>
+            <a:endParaRPr lang="en-US"/>
+          </a:p>
+        </p:txBody>
+      </p:sp>
+      <p:sp>
+        <p:nvSpPr>
           <p:cNvPr id="2" name="Title 1">
             <a:extLst>
               <a:ext uri="{FF2B5EF4-FFF2-40B4-BE49-F238E27FC236}">
@@ -12548,14 +12610,19 @@
             <p:ph type="title"/>
           </p:nvPr>
         </p:nvSpPr>
-        <p:spPr/>
+        <p:spPr>
+          <a:xfrm>
+            <a:off x="1362700" y="593120"/>
+            <a:ext cx="8997696" cy="914400"/>
+          </a:xfrm>
+        </p:spPr>
         <p:txBody>
           <a:bodyPr/>
           <a:lstStyle/>
           <a:p>
             <a:r>
               <a:rPr lang="en-US" dirty="0"/>
-              <a:t>Algorithm – explain in plain English why numerical methods are used</a:t>
+              <a:t>Numerical Methods</a:t>
             </a:r>
           </a:p>
         </p:txBody>
@@ -12646,28 +12713,2791 @@
           </a:p>
         </p:txBody>
       </p:sp>
-      <p:sp>
-        <p:nvSpPr>
-          <p:cNvPr id="9" name="Content Placeholder 8">
+      <mc:AlternateContent xmlns:mc="http://schemas.openxmlformats.org/markup-compatibility/2006">
+        <mc:Choice xmlns:a14="http://schemas.microsoft.com/office/drawing/2010/main" Requires="a14">
+          <p:sp>
+            <p:nvSpPr>
+              <p:cNvPr id="17" name="TextBox 16">
+                <a:extLst>
+                  <a:ext uri="{FF2B5EF4-FFF2-40B4-BE49-F238E27FC236}">
+                    <a16:creationId xmlns:a16="http://schemas.microsoft.com/office/drawing/2014/main" id="{1177C6AF-AA00-4415-A917-D28659F0407C}"/>
+                  </a:ext>
+                </a:extLst>
+              </p:cNvPr>
+              <p:cNvSpPr txBox="1"/>
+              <p:nvPr/>
+            </p:nvSpPr>
+            <p:spPr>
+              <a:xfrm>
+                <a:off x="636521" y="4561342"/>
+                <a:ext cx="5075577" cy="1166410"/>
+              </a:xfrm>
+              <a:prstGeom prst="rect">
+                <a:avLst/>
+              </a:prstGeom>
+              <a:noFill/>
+            </p:spPr>
+            <p:txBody>
+              <a:bodyPr wrap="square" lIns="0" tIns="0" rIns="0" bIns="0" rtlCol="0">
+                <a:spAutoFit/>
+              </a:bodyPr>
+              <a:lstStyle/>
+              <a:p>
+                <a:r>
+                  <a:rPr lang="en-US" i="1" dirty="0">
+                    <a:solidFill>
+                      <a:schemeClr val="accent2"/>
+                    </a:solidFill>
+                  </a:rPr>
+                  <a:t>Law of Cosines:</a:t>
+                </a:r>
+              </a:p>
+              <a:p>
+                <a14:m>
+                  <m:oMath xmlns:m="http://schemas.openxmlformats.org/officeDocument/2006/math">
+                    <m:sSup>
+                      <m:sSupPr>
+                        <m:ctrlPr>
+                          <a:rPr lang="en-US" b="0" i="1" smtClean="0">
+                            <a:solidFill>
+                              <a:schemeClr val="accent2"/>
+                            </a:solidFill>
+                            <a:latin typeface="Cambria Math" panose="02040503050406030204" pitchFamily="18" charset="0"/>
+                          </a:rPr>
+                        </m:ctrlPr>
+                      </m:sSupPr>
+                      <m:e>
+                        <m:r>
+                          <a:rPr lang="en-US" b="0" i="1" smtClean="0">
+                            <a:solidFill>
+                              <a:schemeClr val="accent2"/>
+                            </a:solidFill>
+                            <a:latin typeface="Cambria Math" panose="02040503050406030204" pitchFamily="18" charset="0"/>
+                          </a:rPr>
+                          <m:t>𝑐</m:t>
+                        </m:r>
+                      </m:e>
+                      <m:sup>
+                        <m:r>
+                          <a:rPr lang="en-US" b="0" i="1" smtClean="0">
+                            <a:solidFill>
+                              <a:schemeClr val="accent2"/>
+                            </a:solidFill>
+                            <a:latin typeface="Cambria Math" panose="02040503050406030204" pitchFamily="18" charset="0"/>
+                          </a:rPr>
+                          <m:t>2</m:t>
+                        </m:r>
+                      </m:sup>
+                    </m:sSup>
+                    <m:r>
+                      <a:rPr lang="en-US" b="0" i="1" smtClean="0">
+                        <a:solidFill>
+                          <a:schemeClr val="accent2"/>
+                        </a:solidFill>
+                        <a:latin typeface="Cambria Math" panose="02040503050406030204" pitchFamily="18" charset="0"/>
+                      </a:rPr>
+                      <m:t>=</m:t>
+                    </m:r>
+                    <m:sSup>
+                      <m:sSupPr>
+                        <m:ctrlPr>
+                          <a:rPr lang="en-US" i="1">
+                            <a:solidFill>
+                              <a:schemeClr val="accent2"/>
+                            </a:solidFill>
+                            <a:latin typeface="Cambria Math" panose="02040503050406030204" pitchFamily="18" charset="0"/>
+                          </a:rPr>
+                        </m:ctrlPr>
+                      </m:sSupPr>
+                      <m:e>
+                        <m:r>
+                          <a:rPr lang="en-US" b="0" i="1" smtClean="0">
+                            <a:solidFill>
+                              <a:schemeClr val="accent2"/>
+                            </a:solidFill>
+                            <a:latin typeface="Cambria Math" panose="02040503050406030204" pitchFamily="18" charset="0"/>
+                          </a:rPr>
+                          <m:t>𝑎</m:t>
+                        </m:r>
+                      </m:e>
+                      <m:sup>
+                        <m:r>
+                          <a:rPr lang="en-US" i="1">
+                            <a:solidFill>
+                              <a:schemeClr val="accent2"/>
+                            </a:solidFill>
+                            <a:latin typeface="Cambria Math" panose="02040503050406030204" pitchFamily="18" charset="0"/>
+                          </a:rPr>
+                          <m:t>2</m:t>
+                        </m:r>
+                      </m:sup>
+                    </m:sSup>
+                    <m:r>
+                      <a:rPr lang="en-US" b="0" i="1" smtClean="0">
+                        <a:solidFill>
+                          <a:schemeClr val="accent2"/>
+                        </a:solidFill>
+                        <a:latin typeface="Cambria Math" panose="02040503050406030204" pitchFamily="18" charset="0"/>
+                      </a:rPr>
+                      <m:t>+</m:t>
+                    </m:r>
+                    <m:sSup>
+                      <m:sSupPr>
+                        <m:ctrlPr>
+                          <a:rPr lang="en-US" i="1">
+                            <a:solidFill>
+                              <a:schemeClr val="accent2"/>
+                            </a:solidFill>
+                            <a:latin typeface="Cambria Math" panose="02040503050406030204" pitchFamily="18" charset="0"/>
+                          </a:rPr>
+                        </m:ctrlPr>
+                      </m:sSupPr>
+                      <m:e>
+                        <m:r>
+                          <a:rPr lang="en-US" b="0" i="1" smtClean="0">
+                            <a:solidFill>
+                              <a:schemeClr val="accent2"/>
+                            </a:solidFill>
+                            <a:latin typeface="Cambria Math" panose="02040503050406030204" pitchFamily="18" charset="0"/>
+                          </a:rPr>
+                          <m:t>𝑏</m:t>
+                        </m:r>
+                      </m:e>
+                      <m:sup>
+                        <m:r>
+                          <a:rPr lang="en-US" i="1">
+                            <a:solidFill>
+                              <a:schemeClr val="accent2"/>
+                            </a:solidFill>
+                            <a:latin typeface="Cambria Math" panose="02040503050406030204" pitchFamily="18" charset="0"/>
+                          </a:rPr>
+                          <m:t>2</m:t>
+                        </m:r>
+                      </m:sup>
+                    </m:sSup>
+                    <m:r>
+                      <a:rPr lang="en-US" b="0" i="1" smtClean="0">
+                        <a:solidFill>
+                          <a:schemeClr val="accent2"/>
+                        </a:solidFill>
+                        <a:latin typeface="Cambria Math" panose="02040503050406030204" pitchFamily="18" charset="0"/>
+                      </a:rPr>
+                      <m:t>−2</m:t>
+                    </m:r>
+                    <m:r>
+                      <a:rPr lang="en-US" b="0" i="1" smtClean="0">
+                        <a:solidFill>
+                          <a:schemeClr val="accent2"/>
+                        </a:solidFill>
+                        <a:latin typeface="Cambria Math" panose="02040503050406030204" pitchFamily="18" charset="0"/>
+                      </a:rPr>
+                      <m:t>𝑎𝑏</m:t>
+                    </m:r>
+                    <m:func>
+                      <m:funcPr>
+                        <m:ctrlPr>
+                          <a:rPr lang="en-US" b="0" i="1" smtClean="0">
+                            <a:solidFill>
+                              <a:schemeClr val="accent2"/>
+                            </a:solidFill>
+                            <a:latin typeface="Cambria Math" panose="02040503050406030204" pitchFamily="18" charset="0"/>
+                          </a:rPr>
+                        </m:ctrlPr>
+                      </m:funcPr>
+                      <m:fName>
+                        <m:r>
+                          <m:rPr>
+                            <m:sty m:val="p"/>
+                          </m:rPr>
+                          <a:rPr lang="en-US" b="0" i="0" smtClean="0">
+                            <a:solidFill>
+                              <a:schemeClr val="accent2"/>
+                            </a:solidFill>
+                            <a:latin typeface="Cambria Math" panose="02040503050406030204" pitchFamily="18" charset="0"/>
+                          </a:rPr>
+                          <m:t>cos</m:t>
+                        </m:r>
+                      </m:fName>
+                      <m:e>
+                        <m:r>
+                          <a:rPr lang="en-US" b="0" i="1" smtClean="0">
+                            <a:solidFill>
+                              <a:schemeClr val="accent2"/>
+                            </a:solidFill>
+                            <a:latin typeface="Cambria Math" panose="02040503050406030204" pitchFamily="18" charset="0"/>
+                            <a:ea typeface="Cambria Math" panose="02040503050406030204" pitchFamily="18" charset="0"/>
+                          </a:rPr>
+                          <m:t>𝜃</m:t>
+                        </m:r>
+                      </m:e>
+                    </m:func>
+                  </m:oMath>
+                </a14:m>
+                <a:r>
+                  <a:rPr lang="en-US" dirty="0">
+                    <a:solidFill>
+                      <a:schemeClr val="accent2"/>
+                    </a:solidFill>
+                  </a:rPr>
+                  <a:t> </a:t>
+                </a:r>
+              </a:p>
+              <a:p>
+                <a14:m>
+                  <m:oMath xmlns:m="http://schemas.openxmlformats.org/officeDocument/2006/math">
+                    <m:sSup>
+                      <m:sSupPr>
+                        <m:ctrlPr>
+                          <a:rPr lang="en-US" b="0" i="1" smtClean="0">
+                            <a:solidFill>
+                              <a:schemeClr val="accent2"/>
+                            </a:solidFill>
+                            <a:latin typeface="Cambria Math" panose="02040503050406030204" pitchFamily="18" charset="0"/>
+                          </a:rPr>
+                        </m:ctrlPr>
+                      </m:sSupPr>
+                      <m:e>
+                        <m:r>
+                          <a:rPr lang="en-US" b="0" i="1" smtClean="0">
+                            <a:solidFill>
+                              <a:schemeClr val="accent2"/>
+                            </a:solidFill>
+                            <a:latin typeface="Cambria Math" panose="02040503050406030204" pitchFamily="18" charset="0"/>
+                          </a:rPr>
+                          <m:t>𝑑</m:t>
+                        </m:r>
+                      </m:e>
+                      <m:sup>
+                        <m:r>
+                          <a:rPr lang="en-US" b="0" i="1" smtClean="0">
+                            <a:solidFill>
+                              <a:schemeClr val="accent2"/>
+                            </a:solidFill>
+                            <a:latin typeface="Cambria Math" panose="02040503050406030204" pitchFamily="18" charset="0"/>
+                          </a:rPr>
+                          <m:t>2</m:t>
+                        </m:r>
+                      </m:sup>
+                    </m:sSup>
+                    <m:r>
+                      <a:rPr lang="en-US" b="0" i="1" smtClean="0">
+                        <a:solidFill>
+                          <a:schemeClr val="accent2"/>
+                        </a:solidFill>
+                        <a:latin typeface="Cambria Math" panose="02040503050406030204" pitchFamily="18" charset="0"/>
+                      </a:rPr>
+                      <m:t>=</m:t>
+                    </m:r>
+                    <m:sSup>
+                      <m:sSupPr>
+                        <m:ctrlPr>
+                          <a:rPr lang="en-US" i="1">
+                            <a:solidFill>
+                              <a:schemeClr val="accent2"/>
+                            </a:solidFill>
+                            <a:latin typeface="Cambria Math" panose="02040503050406030204" pitchFamily="18" charset="0"/>
+                          </a:rPr>
+                        </m:ctrlPr>
+                      </m:sSupPr>
+                      <m:e>
+                        <m:r>
+                          <a:rPr lang="en-US" b="0" i="1" smtClean="0">
+                            <a:solidFill>
+                              <a:schemeClr val="accent2"/>
+                            </a:solidFill>
+                            <a:latin typeface="Cambria Math" panose="02040503050406030204" pitchFamily="18" charset="0"/>
+                          </a:rPr>
+                          <m:t>𝑟</m:t>
+                        </m:r>
+                      </m:e>
+                      <m:sup>
+                        <m:r>
+                          <a:rPr lang="en-US" i="1">
+                            <a:solidFill>
+                              <a:schemeClr val="accent2"/>
+                            </a:solidFill>
+                            <a:latin typeface="Cambria Math" panose="02040503050406030204" pitchFamily="18" charset="0"/>
+                          </a:rPr>
+                          <m:t>2</m:t>
+                        </m:r>
+                      </m:sup>
+                    </m:sSup>
+                    <m:r>
+                      <a:rPr lang="en-US" b="0" i="0" smtClean="0">
+                        <a:solidFill>
+                          <a:schemeClr val="accent2"/>
+                        </a:solidFill>
+                        <a:latin typeface="Cambria Math" panose="02040503050406030204" pitchFamily="18" charset="0"/>
+                      </a:rPr>
+                      <m:t>+</m:t>
+                    </m:r>
+                    <m:sSup>
+                      <m:sSupPr>
+                        <m:ctrlPr>
+                          <a:rPr lang="en-US" i="1" smtClean="0">
+                            <a:solidFill>
+                              <a:schemeClr val="accent2"/>
+                            </a:solidFill>
+                            <a:latin typeface="Cambria Math" panose="02040503050406030204" pitchFamily="18" charset="0"/>
+                          </a:rPr>
+                        </m:ctrlPr>
+                      </m:sSupPr>
+                      <m:e>
+                        <m:r>
+                          <a:rPr lang="en-US" b="0" i="1" smtClean="0">
+                            <a:solidFill>
+                              <a:schemeClr val="accent2"/>
+                            </a:solidFill>
+                            <a:latin typeface="Cambria Math" panose="02040503050406030204" pitchFamily="18" charset="0"/>
+                          </a:rPr>
+                          <m:t>𝑟</m:t>
+                        </m:r>
+                      </m:e>
+                      <m:sup>
+                        <m:r>
+                          <a:rPr lang="en-US" i="1">
+                            <a:solidFill>
+                              <a:schemeClr val="accent2"/>
+                            </a:solidFill>
+                            <a:latin typeface="Cambria Math" panose="02040503050406030204" pitchFamily="18" charset="0"/>
+                          </a:rPr>
+                          <m:t>2</m:t>
+                        </m:r>
+                      </m:sup>
+                    </m:sSup>
+                    <m:r>
+                      <a:rPr lang="en-US" b="0" i="1" smtClean="0">
+                        <a:solidFill>
+                          <a:schemeClr val="accent2"/>
+                        </a:solidFill>
+                        <a:latin typeface="Cambria Math" panose="02040503050406030204" pitchFamily="18" charset="0"/>
+                      </a:rPr>
+                      <m:t>−2</m:t>
+                    </m:r>
+                    <m:sSup>
+                      <m:sSupPr>
+                        <m:ctrlPr>
+                          <a:rPr lang="en-US" i="1">
+                            <a:solidFill>
+                              <a:schemeClr val="accent2"/>
+                            </a:solidFill>
+                            <a:latin typeface="Cambria Math" panose="02040503050406030204" pitchFamily="18" charset="0"/>
+                          </a:rPr>
+                        </m:ctrlPr>
+                      </m:sSupPr>
+                      <m:e>
+                        <m:r>
+                          <a:rPr lang="en-US" i="1">
+                            <a:solidFill>
+                              <a:schemeClr val="accent2"/>
+                            </a:solidFill>
+                            <a:latin typeface="Cambria Math" panose="02040503050406030204" pitchFamily="18" charset="0"/>
+                          </a:rPr>
+                          <m:t>𝑟</m:t>
+                        </m:r>
+                      </m:e>
+                      <m:sup>
+                        <m:r>
+                          <a:rPr lang="en-US" i="1">
+                            <a:solidFill>
+                              <a:schemeClr val="accent2"/>
+                            </a:solidFill>
+                            <a:latin typeface="Cambria Math" panose="02040503050406030204" pitchFamily="18" charset="0"/>
+                          </a:rPr>
+                          <m:t>2</m:t>
+                        </m:r>
+                      </m:sup>
+                    </m:sSup>
+                    <m:func>
+                      <m:funcPr>
+                        <m:ctrlPr>
+                          <a:rPr lang="en-US" b="0" i="1" smtClean="0">
+                            <a:solidFill>
+                              <a:schemeClr val="accent2"/>
+                            </a:solidFill>
+                            <a:latin typeface="Cambria Math" panose="02040503050406030204" pitchFamily="18" charset="0"/>
+                          </a:rPr>
+                        </m:ctrlPr>
+                      </m:funcPr>
+                      <m:fName>
+                        <m:r>
+                          <m:rPr>
+                            <m:sty m:val="p"/>
+                          </m:rPr>
+                          <a:rPr lang="en-US" b="0" i="0" smtClean="0">
+                            <a:solidFill>
+                              <a:schemeClr val="accent2"/>
+                            </a:solidFill>
+                            <a:latin typeface="Cambria Math" panose="02040503050406030204" pitchFamily="18" charset="0"/>
+                          </a:rPr>
+                          <m:t>cos</m:t>
+                        </m:r>
+                      </m:fName>
+                      <m:e>
+                        <m:r>
+                          <a:rPr lang="en-US" b="0" i="1" smtClean="0">
+                            <a:solidFill>
+                              <a:schemeClr val="accent2"/>
+                            </a:solidFill>
+                            <a:latin typeface="Cambria Math" panose="02040503050406030204" pitchFamily="18" charset="0"/>
+                          </a:rPr>
+                          <m:t>(</m:t>
+                        </m:r>
+                        <m:sSub>
+                          <m:sSubPr>
+                            <m:ctrlPr>
+                              <a:rPr lang="en-US" b="0" i="1" smtClean="0">
+                                <a:solidFill>
+                                  <a:schemeClr val="accent2"/>
+                                </a:solidFill>
+                                <a:latin typeface="Cambria Math" panose="02040503050406030204" pitchFamily="18" charset="0"/>
+                              </a:rPr>
+                            </m:ctrlPr>
+                          </m:sSubPr>
+                          <m:e>
+                            <m:r>
+                              <a:rPr lang="en-US" b="0" i="1" smtClean="0">
+                                <a:solidFill>
+                                  <a:schemeClr val="accent2"/>
+                                </a:solidFill>
+                                <a:latin typeface="Cambria Math" panose="02040503050406030204" pitchFamily="18" charset="0"/>
+                                <a:ea typeface="Cambria Math" panose="02040503050406030204" pitchFamily="18" charset="0"/>
+                              </a:rPr>
+                              <m:t>𝜃</m:t>
+                            </m:r>
+                          </m:e>
+                          <m:sub>
+                            <m:r>
+                              <a:rPr lang="en-US" b="0" i="1" smtClean="0">
+                                <a:solidFill>
+                                  <a:schemeClr val="accent2"/>
+                                </a:solidFill>
+                                <a:latin typeface="Cambria Math" panose="02040503050406030204" pitchFamily="18" charset="0"/>
+                              </a:rPr>
+                              <m:t>1</m:t>
+                            </m:r>
+                          </m:sub>
+                        </m:sSub>
+                        <m:r>
+                          <a:rPr lang="en-US" b="0" i="1" smtClean="0">
+                            <a:solidFill>
+                              <a:schemeClr val="accent2"/>
+                            </a:solidFill>
+                            <a:latin typeface="Cambria Math" panose="02040503050406030204" pitchFamily="18" charset="0"/>
+                          </a:rPr>
+                          <m:t>−</m:t>
+                        </m:r>
+                        <m:sSub>
+                          <m:sSubPr>
+                            <m:ctrlPr>
+                              <a:rPr lang="en-US" i="1">
+                                <a:solidFill>
+                                  <a:schemeClr val="accent2"/>
+                                </a:solidFill>
+                                <a:latin typeface="Cambria Math" panose="02040503050406030204" pitchFamily="18" charset="0"/>
+                              </a:rPr>
+                            </m:ctrlPr>
+                          </m:sSubPr>
+                          <m:e>
+                            <m:r>
+                              <a:rPr lang="en-US" i="1">
+                                <a:solidFill>
+                                  <a:schemeClr val="accent2"/>
+                                </a:solidFill>
+                                <a:latin typeface="Cambria Math" panose="02040503050406030204" pitchFamily="18" charset="0"/>
+                                <a:ea typeface="Cambria Math" panose="02040503050406030204" pitchFamily="18" charset="0"/>
+                              </a:rPr>
+                              <m:t>𝜃</m:t>
+                            </m:r>
+                          </m:e>
+                          <m:sub>
+                            <m:r>
+                              <a:rPr lang="en-US" b="0" i="1" smtClean="0">
+                                <a:solidFill>
+                                  <a:schemeClr val="accent2"/>
+                                </a:solidFill>
+                                <a:latin typeface="Cambria Math" panose="02040503050406030204" pitchFamily="18" charset="0"/>
+                                <a:ea typeface="Cambria Math" panose="02040503050406030204" pitchFamily="18" charset="0"/>
+                              </a:rPr>
+                              <m:t>2</m:t>
+                            </m:r>
+                          </m:sub>
+                        </m:sSub>
+                        <m:r>
+                          <a:rPr lang="en-US" b="0" i="1" smtClean="0">
+                            <a:solidFill>
+                              <a:schemeClr val="accent2"/>
+                            </a:solidFill>
+                            <a:latin typeface="Cambria Math" panose="02040503050406030204" pitchFamily="18" charset="0"/>
+                          </a:rPr>
+                          <m:t>)</m:t>
+                        </m:r>
+                      </m:e>
+                    </m:func>
+                  </m:oMath>
+                </a14:m>
+                <a:r>
+                  <a:rPr lang="en-US" dirty="0">
+                    <a:solidFill>
+                      <a:schemeClr val="accent2"/>
+                    </a:solidFill>
+                  </a:rPr>
+                  <a:t> </a:t>
+                </a:r>
+              </a:p>
+              <a:p>
+                <a14:m>
+                  <m:oMath xmlns:m="http://schemas.openxmlformats.org/officeDocument/2006/math">
+                    <m:r>
+                      <a:rPr lang="en-US" b="0" i="1" smtClean="0">
+                        <a:solidFill>
+                          <a:schemeClr val="accent2"/>
+                        </a:solidFill>
+                        <a:latin typeface="Cambria Math" panose="02040503050406030204" pitchFamily="18" charset="0"/>
+                      </a:rPr>
+                      <m:t>𝑑</m:t>
+                    </m:r>
+                    <m:r>
+                      <a:rPr lang="en-US" b="0" i="1" smtClean="0">
+                        <a:solidFill>
+                          <a:schemeClr val="accent2"/>
+                        </a:solidFill>
+                        <a:latin typeface="Cambria Math" panose="02040503050406030204" pitchFamily="18" charset="0"/>
+                      </a:rPr>
+                      <m:t>=</m:t>
+                    </m:r>
+                    <m:rad>
+                      <m:radPr>
+                        <m:degHide m:val="on"/>
+                        <m:ctrlPr>
+                          <a:rPr lang="en-US" i="1">
+                            <a:solidFill>
+                              <a:schemeClr val="accent2"/>
+                            </a:solidFill>
+                            <a:latin typeface="Cambria Math" panose="02040503050406030204" pitchFamily="18" charset="0"/>
+                          </a:rPr>
+                        </m:ctrlPr>
+                      </m:radPr>
+                      <m:deg/>
+                      <m:e>
+                        <m:r>
+                          <a:rPr lang="en-US" i="1">
+                            <a:solidFill>
+                              <a:schemeClr val="accent2"/>
+                            </a:solidFill>
+                            <a:latin typeface="Cambria Math" panose="02040503050406030204" pitchFamily="18" charset="0"/>
+                          </a:rPr>
+                          <m:t>2</m:t>
+                        </m:r>
+                        <m:sSup>
+                          <m:sSupPr>
+                            <m:ctrlPr>
+                              <a:rPr lang="en-US" i="1">
+                                <a:solidFill>
+                                  <a:schemeClr val="accent2"/>
+                                </a:solidFill>
+                                <a:latin typeface="Cambria Math" panose="02040503050406030204" pitchFamily="18" charset="0"/>
+                              </a:rPr>
+                            </m:ctrlPr>
+                          </m:sSupPr>
+                          <m:e>
+                            <m:r>
+                              <a:rPr lang="en-US" i="1">
+                                <a:solidFill>
+                                  <a:schemeClr val="accent2"/>
+                                </a:solidFill>
+                                <a:latin typeface="Cambria Math" panose="02040503050406030204" pitchFamily="18" charset="0"/>
+                              </a:rPr>
+                              <m:t>𝑟</m:t>
+                            </m:r>
+                          </m:e>
+                          <m:sup>
+                            <m:r>
+                              <a:rPr lang="en-US" i="1">
+                                <a:solidFill>
+                                  <a:schemeClr val="accent2"/>
+                                </a:solidFill>
+                                <a:latin typeface="Cambria Math" panose="02040503050406030204" pitchFamily="18" charset="0"/>
+                              </a:rPr>
+                              <m:t>2</m:t>
+                            </m:r>
+                          </m:sup>
+                        </m:sSup>
+                        <m:r>
+                          <a:rPr lang="en-US" i="1">
+                            <a:solidFill>
+                              <a:schemeClr val="accent2"/>
+                            </a:solidFill>
+                            <a:latin typeface="Cambria Math" panose="02040503050406030204" pitchFamily="18" charset="0"/>
+                          </a:rPr>
+                          <m:t>(1−</m:t>
+                        </m:r>
+                        <m:func>
+                          <m:funcPr>
+                            <m:ctrlPr>
+                              <a:rPr lang="en-US" i="1">
+                                <a:solidFill>
+                                  <a:schemeClr val="accent2"/>
+                                </a:solidFill>
+                                <a:latin typeface="Cambria Math" panose="02040503050406030204" pitchFamily="18" charset="0"/>
+                              </a:rPr>
+                            </m:ctrlPr>
+                          </m:funcPr>
+                          <m:fName>
+                            <m:r>
+                              <m:rPr>
+                                <m:sty m:val="p"/>
+                              </m:rPr>
+                              <a:rPr lang="en-US">
+                                <a:solidFill>
+                                  <a:schemeClr val="accent2"/>
+                                </a:solidFill>
+                                <a:latin typeface="Cambria Math" panose="02040503050406030204" pitchFamily="18" charset="0"/>
+                              </a:rPr>
+                              <m:t>cos</m:t>
+                            </m:r>
+                          </m:fName>
+                          <m:e>
+                            <m:d>
+                              <m:dPr>
+                                <m:ctrlPr>
+                                  <a:rPr lang="en-US" i="1">
+                                    <a:solidFill>
+                                      <a:schemeClr val="accent2"/>
+                                    </a:solidFill>
+                                    <a:latin typeface="Cambria Math" panose="02040503050406030204" pitchFamily="18" charset="0"/>
+                                  </a:rPr>
+                                </m:ctrlPr>
+                              </m:dPr>
+                              <m:e>
+                                <m:sSub>
+                                  <m:sSubPr>
+                                    <m:ctrlPr>
+                                      <a:rPr lang="en-US" i="1">
+                                        <a:solidFill>
+                                          <a:schemeClr val="accent2"/>
+                                        </a:solidFill>
+                                        <a:latin typeface="Cambria Math" panose="02040503050406030204" pitchFamily="18" charset="0"/>
+                                      </a:rPr>
+                                    </m:ctrlPr>
+                                  </m:sSubPr>
+                                  <m:e>
+                                    <m:r>
+                                      <a:rPr lang="en-US" i="1">
+                                        <a:solidFill>
+                                          <a:schemeClr val="accent2"/>
+                                        </a:solidFill>
+                                        <a:latin typeface="Cambria Math" panose="02040503050406030204" pitchFamily="18" charset="0"/>
+                                        <a:ea typeface="Cambria Math" panose="02040503050406030204" pitchFamily="18" charset="0"/>
+                                      </a:rPr>
+                                      <m:t>𝜃</m:t>
+                                    </m:r>
+                                  </m:e>
+                                  <m:sub>
+                                    <m:r>
+                                      <a:rPr lang="en-US" i="1">
+                                        <a:solidFill>
+                                          <a:schemeClr val="accent2"/>
+                                        </a:solidFill>
+                                        <a:latin typeface="Cambria Math" panose="02040503050406030204" pitchFamily="18" charset="0"/>
+                                      </a:rPr>
+                                      <m:t>1</m:t>
+                                    </m:r>
+                                  </m:sub>
+                                </m:sSub>
+                                <m:r>
+                                  <a:rPr lang="en-US" i="1">
+                                    <a:solidFill>
+                                      <a:schemeClr val="accent2"/>
+                                    </a:solidFill>
+                                    <a:latin typeface="Cambria Math" panose="02040503050406030204" pitchFamily="18" charset="0"/>
+                                  </a:rPr>
+                                  <m:t>−</m:t>
+                                </m:r>
+                                <m:sSub>
+                                  <m:sSubPr>
+                                    <m:ctrlPr>
+                                      <a:rPr lang="en-US" i="1">
+                                        <a:solidFill>
+                                          <a:schemeClr val="accent2"/>
+                                        </a:solidFill>
+                                        <a:latin typeface="Cambria Math" panose="02040503050406030204" pitchFamily="18" charset="0"/>
+                                      </a:rPr>
+                                    </m:ctrlPr>
+                                  </m:sSubPr>
+                                  <m:e>
+                                    <m:r>
+                                      <a:rPr lang="en-US" i="1">
+                                        <a:solidFill>
+                                          <a:schemeClr val="accent2"/>
+                                        </a:solidFill>
+                                        <a:latin typeface="Cambria Math" panose="02040503050406030204" pitchFamily="18" charset="0"/>
+                                        <a:ea typeface="Cambria Math" panose="02040503050406030204" pitchFamily="18" charset="0"/>
+                                      </a:rPr>
+                                      <m:t>𝜃</m:t>
+                                    </m:r>
+                                  </m:e>
+                                  <m:sub>
+                                    <m:r>
+                                      <a:rPr lang="en-US" i="1">
+                                        <a:solidFill>
+                                          <a:schemeClr val="accent2"/>
+                                        </a:solidFill>
+                                        <a:latin typeface="Cambria Math" panose="02040503050406030204" pitchFamily="18" charset="0"/>
+                                        <a:ea typeface="Cambria Math" panose="02040503050406030204" pitchFamily="18" charset="0"/>
+                                      </a:rPr>
+                                      <m:t>2</m:t>
+                                    </m:r>
+                                  </m:sub>
+                                </m:sSub>
+                              </m:e>
+                            </m:d>
+                          </m:e>
+                        </m:func>
+                      </m:e>
+                    </m:rad>
+                  </m:oMath>
+                </a14:m>
+                <a:r>
+                  <a:rPr lang="en-US" dirty="0">
+                    <a:solidFill>
+                      <a:schemeClr val="accent2"/>
+                    </a:solidFill>
+                  </a:rPr>
+                  <a:t> </a:t>
+                </a:r>
+              </a:p>
+            </p:txBody>
+          </p:sp>
+        </mc:Choice>
+        <mc:Fallback>
+          <p:sp>
+            <p:nvSpPr>
+              <p:cNvPr id="17" name="TextBox 16">
+                <a:extLst>
+                  <a:ext uri="{FF2B5EF4-FFF2-40B4-BE49-F238E27FC236}">
+                    <a16:creationId xmlns:a16="http://schemas.microsoft.com/office/drawing/2014/main" id="{1177C6AF-AA00-4415-A917-D28659F0407C}"/>
+                  </a:ext>
+                </a:extLst>
+              </p:cNvPr>
+              <p:cNvSpPr txBox="1">
+                <a:spLocks noRot="1" noChangeAspect="1" noMove="1" noResize="1" noEditPoints="1" noAdjustHandles="1" noChangeArrowheads="1" noChangeShapeType="1" noTextEdit="1"/>
+              </p:cNvSpPr>
+              <p:nvPr/>
+            </p:nvSpPr>
+            <p:spPr>
+              <a:xfrm>
+                <a:off x="636521" y="4561342"/>
+                <a:ext cx="5075577" cy="1166410"/>
+              </a:xfrm>
+              <a:prstGeom prst="rect">
+                <a:avLst/>
+              </a:prstGeom>
+              <a:blipFill>
+                <a:blip r:embed="rId2"/>
+                <a:stretch>
+                  <a:fillRect l="-2761" t="-6771" b="-6771"/>
+                </a:stretch>
+              </a:blipFill>
+            </p:spPr>
+            <p:txBody>
+              <a:bodyPr/>
+              <a:lstStyle/>
+              <a:p>
+                <a:r>
+                  <a:rPr lang="en-US">
+                    <a:noFill/>
+                  </a:rPr>
+                  <a:t> </a:t>
+                </a:r>
+              </a:p>
+            </p:txBody>
+          </p:sp>
+        </mc:Fallback>
+      </mc:AlternateContent>
+      <p:grpSp>
+        <p:nvGrpSpPr>
+          <p:cNvPr id="53" name="Group 52">
             <a:extLst>
               <a:ext uri="{FF2B5EF4-FFF2-40B4-BE49-F238E27FC236}">
-                <a16:creationId xmlns:a16="http://schemas.microsoft.com/office/drawing/2014/main" id="{99DD318E-F5AB-4088-8CA7-498F149AE46D}"/>
+                <a16:creationId xmlns:a16="http://schemas.microsoft.com/office/drawing/2014/main" id="{22D95237-101C-48E5-9229-20FED6009B4D}"/>
               </a:ext>
             </a:extLst>
           </p:cNvPr>
-          <p:cNvSpPr>
-            <a:spLocks noGrp="1"/>
-          </p:cNvSpPr>
-          <p:nvPr>
-            <p:ph sz="quarter" idx="14"/>
-          </p:nvPr>
-        </p:nvSpPr>
-        <p:spPr/>
-        <p:txBody>
-          <a:bodyPr/>
+          <p:cNvGrpSpPr/>
+          <p:nvPr/>
+        </p:nvGrpSpPr>
+        <p:grpSpPr>
+          <a:xfrm>
+            <a:off x="622822" y="1840782"/>
+            <a:ext cx="2868708" cy="2401390"/>
+            <a:chOff x="412325" y="1664296"/>
+            <a:chExt cx="2868708" cy="2401390"/>
+          </a:xfrm>
+        </p:grpSpPr>
+        <p:cxnSp>
+          <p:nvCxnSpPr>
+            <p:cNvPr id="12" name="Straight Connector 11">
+              <a:extLst>
+                <a:ext uri="{FF2B5EF4-FFF2-40B4-BE49-F238E27FC236}">
+                  <a16:creationId xmlns:a16="http://schemas.microsoft.com/office/drawing/2014/main" id="{1E650DCC-A8E4-494D-8F59-B256EF335618}"/>
+                </a:ext>
+              </a:extLst>
+            </p:cNvPr>
+            <p:cNvCxnSpPr>
+              <a:cxnSpLocks/>
+              <a:stCxn id="10" idx="0"/>
+              <a:endCxn id="10" idx="4"/>
+            </p:cNvCxnSpPr>
+            <p:nvPr/>
+          </p:nvCxnSpPr>
+          <p:spPr>
+            <a:xfrm flipH="1">
+              <a:off x="452649" y="2682074"/>
+              <a:ext cx="2099134" cy="587442"/>
+            </a:xfrm>
+            <a:prstGeom prst="line">
+              <a:avLst/>
+            </a:prstGeom>
+            <a:ln w="19050">
+              <a:headEnd type="oval" w="med" len="med"/>
+              <a:tailEnd type="none" w="med" len="med"/>
+            </a:ln>
+          </p:spPr>
+          <p:style>
+            <a:lnRef idx="1">
+              <a:schemeClr val="accent5"/>
+            </a:lnRef>
+            <a:fillRef idx="0">
+              <a:schemeClr val="accent5"/>
+            </a:fillRef>
+            <a:effectRef idx="0">
+              <a:schemeClr val="accent5"/>
+            </a:effectRef>
+            <a:fontRef idx="minor">
+              <a:schemeClr val="tx1"/>
+            </a:fontRef>
+          </p:style>
+        </p:cxnSp>
+        <p:cxnSp>
+          <p:nvCxnSpPr>
+            <p:cNvPr id="14" name="Straight Connector 13">
+              <a:extLst>
+                <a:ext uri="{FF2B5EF4-FFF2-40B4-BE49-F238E27FC236}">
+                  <a16:creationId xmlns:a16="http://schemas.microsoft.com/office/drawing/2014/main" id="{BD001C18-2916-4807-9F62-1D3257D140A4}"/>
+                </a:ext>
+              </a:extLst>
+            </p:cNvPr>
+            <p:cNvCxnSpPr>
+              <a:stCxn id="10" idx="1"/>
+              <a:endCxn id="10" idx="5"/>
+            </p:cNvCxnSpPr>
+            <p:nvPr/>
+          </p:nvCxnSpPr>
+          <p:spPr>
+            <a:xfrm flipH="1">
+              <a:off x="967752" y="2025948"/>
+              <a:ext cx="1068928" cy="1899694"/>
+            </a:xfrm>
+            <a:prstGeom prst="line">
+              <a:avLst/>
+            </a:prstGeom>
+            <a:ln w="19050">
+              <a:headEnd type="oval" w="med" len="med"/>
+              <a:tailEnd type="none" w="med" len="med"/>
+            </a:ln>
+          </p:spPr>
+          <p:style>
+            <a:lnRef idx="1">
+              <a:schemeClr val="accent5"/>
+            </a:lnRef>
+            <a:fillRef idx="0">
+              <a:schemeClr val="accent5"/>
+            </a:fillRef>
+            <a:effectRef idx="0">
+              <a:schemeClr val="accent5"/>
+            </a:effectRef>
+            <a:fontRef idx="minor">
+              <a:schemeClr val="tx1"/>
+            </a:fontRef>
+          </p:style>
+        </p:cxnSp>
+        <p:grpSp>
+          <p:nvGrpSpPr>
+            <p:cNvPr id="32" name="Group 31">
+              <a:extLst>
+                <a:ext uri="{FF2B5EF4-FFF2-40B4-BE49-F238E27FC236}">
+                  <a16:creationId xmlns:a16="http://schemas.microsoft.com/office/drawing/2014/main" id="{7EB66280-62E7-44F0-B648-353E0E1E4E7B}"/>
+                </a:ext>
+              </a:extLst>
+            </p:cNvPr>
+            <p:cNvGrpSpPr/>
+            <p:nvPr/>
+          </p:nvGrpSpPr>
+          <p:grpSpPr>
+            <a:xfrm>
+              <a:off x="412325" y="1885904"/>
+              <a:ext cx="2179782" cy="2179782"/>
+              <a:chOff x="433591" y="1946886"/>
+              <a:chExt cx="2179782" cy="2179782"/>
+            </a:xfrm>
+          </p:grpSpPr>
+          <p:grpSp>
+            <p:nvGrpSpPr>
+              <p:cNvPr id="30" name="Group 29">
+                <a:extLst>
+                  <a:ext uri="{FF2B5EF4-FFF2-40B4-BE49-F238E27FC236}">
+                    <a16:creationId xmlns:a16="http://schemas.microsoft.com/office/drawing/2014/main" id="{532C35F1-D103-46E7-9FC6-933E18AA6FE5}"/>
+                  </a:ext>
+                </a:extLst>
+              </p:cNvPr>
+              <p:cNvGrpSpPr/>
+              <p:nvPr/>
+            </p:nvGrpSpPr>
+            <p:grpSpPr>
+              <a:xfrm>
+                <a:off x="433591" y="1946886"/>
+                <a:ext cx="2179782" cy="2179782"/>
+                <a:chOff x="434108" y="1946886"/>
+                <a:chExt cx="2179782" cy="2179782"/>
+              </a:xfrm>
+            </p:grpSpPr>
+            <p:sp>
+              <p:nvSpPr>
+                <p:cNvPr id="27" name="Rectangle 26">
+                  <a:extLst>
+                    <a:ext uri="{FF2B5EF4-FFF2-40B4-BE49-F238E27FC236}">
+                      <a16:creationId xmlns:a16="http://schemas.microsoft.com/office/drawing/2014/main" id="{F5584B98-0DC1-4153-BF13-33444A28DB7D}"/>
+                    </a:ext>
+                  </a:extLst>
+                </p:cNvPr>
+                <p:cNvSpPr/>
+                <p:nvPr/>
+              </p:nvSpPr>
+              <p:spPr>
+                <a:xfrm rot="19285179">
+                  <a:off x="681691" y="2883275"/>
+                  <a:ext cx="944205" cy="933895"/>
+                </a:xfrm>
+                <a:prstGeom prst="rect">
+                  <a:avLst/>
+                </a:prstGeom>
+                <a:solidFill>
+                  <a:schemeClr val="bg1"/>
+                </a:solidFill>
+                <a:ln>
+                  <a:solidFill>
+                    <a:schemeClr val="bg1"/>
+                  </a:solidFill>
+                </a:ln>
+              </p:spPr>
+              <p:style>
+                <a:lnRef idx="2">
+                  <a:schemeClr val="accent1">
+                    <a:shade val="50000"/>
+                  </a:schemeClr>
+                </a:lnRef>
+                <a:fillRef idx="1">
+                  <a:schemeClr val="accent1"/>
+                </a:fillRef>
+                <a:effectRef idx="0">
+                  <a:schemeClr val="accent1"/>
+                </a:effectRef>
+                <a:fontRef idx="minor">
+                  <a:schemeClr val="lt1"/>
+                </a:fontRef>
+              </p:style>
+              <p:txBody>
+                <a:bodyPr rtlCol="0" anchor="ctr"/>
+                <a:lstStyle/>
+                <a:p>
+                  <a:pPr algn="ctr"/>
+                  <a:endParaRPr lang="en-US"/>
+                </a:p>
+              </p:txBody>
+            </p:sp>
+            <p:grpSp>
+              <p:nvGrpSpPr>
+                <p:cNvPr id="29" name="Group 28">
+                  <a:extLst>
+                    <a:ext uri="{FF2B5EF4-FFF2-40B4-BE49-F238E27FC236}">
+                      <a16:creationId xmlns:a16="http://schemas.microsoft.com/office/drawing/2014/main" id="{0B447F93-C49D-4150-93B5-A60D61774AE9}"/>
+                    </a:ext>
+                  </a:extLst>
+                </p:cNvPr>
+                <p:cNvGrpSpPr/>
+                <p:nvPr/>
+              </p:nvGrpSpPr>
+              <p:grpSpPr>
+                <a:xfrm>
+                  <a:off x="434108" y="1946886"/>
+                  <a:ext cx="2179782" cy="2179782"/>
+                  <a:chOff x="434108" y="1946886"/>
+                  <a:chExt cx="2179782" cy="2179782"/>
+                </a:xfrm>
+              </p:grpSpPr>
+              <p:sp>
+                <p:nvSpPr>
+                  <p:cNvPr id="10" name="Oval 9">
+                    <a:extLst>
+                      <a:ext uri="{FF2B5EF4-FFF2-40B4-BE49-F238E27FC236}">
+                        <a16:creationId xmlns:a16="http://schemas.microsoft.com/office/drawing/2014/main" id="{E483851A-EB64-4B32-9273-200EF6825D3A}"/>
+                      </a:ext>
+                    </a:extLst>
+                  </p:cNvPr>
+                  <p:cNvSpPr/>
+                  <p:nvPr/>
+                </p:nvSpPr>
+                <p:spPr>
+                  <a:xfrm rot="4461945">
+                    <a:off x="434108" y="1946886"/>
+                    <a:ext cx="2179782" cy="2179782"/>
+                  </a:xfrm>
+                  <a:prstGeom prst="ellipse">
+                    <a:avLst/>
+                  </a:prstGeom>
+                  <a:noFill/>
+                  <a:ln w="28575" cap="flat" cmpd="sng" algn="ctr">
+                    <a:solidFill>
+                      <a:schemeClr val="accent1"/>
+                    </a:solidFill>
+                    <a:prstDash val="solid"/>
+                    <a:round/>
+                    <a:headEnd type="none" w="med" len="med"/>
+                    <a:tailEnd type="none" w="med" len="med"/>
+                  </a:ln>
+                </p:spPr>
+                <p:style>
+                  <a:lnRef idx="0">
+                    <a:scrgbClr r="0" g="0" b="0"/>
+                  </a:lnRef>
+                  <a:fillRef idx="0">
+                    <a:scrgbClr r="0" g="0" b="0"/>
+                  </a:fillRef>
+                  <a:effectRef idx="0">
+                    <a:scrgbClr r="0" g="0" b="0"/>
+                  </a:effectRef>
+                  <a:fontRef idx="minor">
+                    <a:schemeClr val="accent1"/>
+                  </a:fontRef>
+                </p:style>
+                <p:txBody>
+                  <a:bodyPr rtlCol="0" anchor="ctr"/>
+                  <a:lstStyle/>
+                  <a:p>
+                    <a:pPr algn="ctr"/>
+                    <a:endParaRPr lang="en-US"/>
+                  </a:p>
+                </p:txBody>
+              </p:sp>
+              <p:sp>
+                <p:nvSpPr>
+                  <p:cNvPr id="28" name="Right Triangle 27">
+                    <a:extLst>
+                      <a:ext uri="{FF2B5EF4-FFF2-40B4-BE49-F238E27FC236}">
+                        <a16:creationId xmlns:a16="http://schemas.microsoft.com/office/drawing/2014/main" id="{1AC784F7-DBD2-45FC-933E-3FDBF21359B2}"/>
+                      </a:ext>
+                    </a:extLst>
+                  </p:cNvPr>
+                  <p:cNvSpPr/>
+                  <p:nvPr/>
+                </p:nvSpPr>
+                <p:spPr>
+                  <a:xfrm rot="10243851">
+                    <a:off x="925196" y="3900657"/>
+                    <a:ext cx="128680" cy="106029"/>
+                  </a:xfrm>
+                  <a:prstGeom prst="rtTriangle">
+                    <a:avLst/>
+                  </a:prstGeom>
+                  <a:solidFill>
+                    <a:schemeClr val="bg1"/>
+                  </a:solidFill>
+                  <a:ln>
+                    <a:solidFill>
+                      <a:schemeClr val="bg1"/>
+                    </a:solidFill>
+                  </a:ln>
+                </p:spPr>
+                <p:style>
+                  <a:lnRef idx="2">
+                    <a:schemeClr val="accent1">
+                      <a:shade val="50000"/>
+                    </a:schemeClr>
+                  </a:lnRef>
+                  <a:fillRef idx="1">
+                    <a:schemeClr val="accent1"/>
+                  </a:fillRef>
+                  <a:effectRef idx="0">
+                    <a:schemeClr val="accent1"/>
+                  </a:effectRef>
+                  <a:fontRef idx="minor">
+                    <a:schemeClr val="lt1"/>
+                  </a:fontRef>
+                </p:style>
+                <p:txBody>
+                  <a:bodyPr rtlCol="0" anchor="ctr"/>
+                  <a:lstStyle/>
+                  <a:p>
+                    <a:pPr algn="ctr"/>
+                    <a:endParaRPr lang="en-US"/>
+                  </a:p>
+                </p:txBody>
+              </p:sp>
+            </p:grpSp>
+          </p:grpSp>
+          <p:sp>
+            <p:nvSpPr>
+              <p:cNvPr id="31" name="Right Triangle 30">
+                <a:extLst>
+                  <a:ext uri="{FF2B5EF4-FFF2-40B4-BE49-F238E27FC236}">
+                    <a16:creationId xmlns:a16="http://schemas.microsoft.com/office/drawing/2014/main" id="{6DE2BFD9-481F-4691-A43C-95E6F890DF32}"/>
+                  </a:ext>
+                </a:extLst>
+              </p:cNvPr>
+              <p:cNvSpPr/>
+              <p:nvPr/>
+            </p:nvSpPr>
+            <p:spPr>
+              <a:xfrm rot="12439702">
+                <a:off x="449461" y="3277225"/>
+                <a:ext cx="88158" cy="90567"/>
+              </a:xfrm>
+              <a:prstGeom prst="rtTriangle">
+                <a:avLst/>
+              </a:prstGeom>
+              <a:solidFill>
+                <a:schemeClr val="bg1"/>
+              </a:solidFill>
+              <a:ln>
+                <a:solidFill>
+                  <a:schemeClr val="bg1"/>
+                </a:solidFill>
+              </a:ln>
+            </p:spPr>
+            <p:style>
+              <a:lnRef idx="2">
+                <a:schemeClr val="accent1">
+                  <a:shade val="50000"/>
+                </a:schemeClr>
+              </a:lnRef>
+              <a:fillRef idx="1">
+                <a:schemeClr val="accent1"/>
+              </a:fillRef>
+              <a:effectRef idx="0">
+                <a:schemeClr val="accent1"/>
+              </a:effectRef>
+              <a:fontRef idx="minor">
+                <a:schemeClr val="lt1"/>
+              </a:fontRef>
+            </p:style>
+            <p:txBody>
+              <a:bodyPr rtlCol="0" anchor="ctr"/>
+              <a:lstStyle/>
+              <a:p>
+                <a:pPr algn="ctr"/>
+                <a:endParaRPr lang="en-US"/>
+              </a:p>
+            </p:txBody>
+          </p:sp>
+        </p:grpSp>
+        <p:cxnSp>
+          <p:nvCxnSpPr>
+            <p:cNvPr id="34" name="Straight Connector 33">
+              <a:extLst>
+                <a:ext uri="{FF2B5EF4-FFF2-40B4-BE49-F238E27FC236}">
+                  <a16:creationId xmlns:a16="http://schemas.microsoft.com/office/drawing/2014/main" id="{51E27293-73C4-49EE-88DD-4069B3359946}"/>
+                </a:ext>
+              </a:extLst>
+            </p:cNvPr>
+            <p:cNvCxnSpPr>
+              <a:cxnSpLocks/>
+              <a:stCxn id="10" idx="1"/>
+              <a:endCxn id="10" idx="0"/>
+            </p:cNvCxnSpPr>
+            <p:nvPr/>
+          </p:nvCxnSpPr>
+          <p:spPr>
+            <a:xfrm>
+              <a:off x="2036680" y="2025948"/>
+              <a:ext cx="515103" cy="656126"/>
+            </a:xfrm>
+            <a:prstGeom prst="line">
+              <a:avLst/>
+            </a:prstGeom>
+            <a:ln w="38100"/>
+          </p:spPr>
+          <p:style>
+            <a:lnRef idx="1">
+              <a:schemeClr val="accent6"/>
+            </a:lnRef>
+            <a:fillRef idx="0">
+              <a:schemeClr val="accent6"/>
+            </a:fillRef>
+            <a:effectRef idx="0">
+              <a:schemeClr val="accent6"/>
+            </a:effectRef>
+            <a:fontRef idx="minor">
+              <a:schemeClr val="tx1"/>
+            </a:fontRef>
+          </p:style>
+        </p:cxnSp>
+        <p:sp>
+          <p:nvSpPr>
+            <p:cNvPr id="36" name="TextBox 35">
+              <a:extLst>
+                <a:ext uri="{FF2B5EF4-FFF2-40B4-BE49-F238E27FC236}">
+                  <a16:creationId xmlns:a16="http://schemas.microsoft.com/office/drawing/2014/main" id="{E555980B-8D3B-41BD-8A2A-0ECA6038CB96}"/>
+                </a:ext>
+              </a:extLst>
+            </p:cNvPr>
+            <p:cNvSpPr txBox="1"/>
+            <p:nvPr/>
+          </p:nvSpPr>
+          <p:spPr>
+            <a:xfrm>
+              <a:off x="1609582" y="2274931"/>
+              <a:ext cx="176010" cy="276999"/>
+            </a:xfrm>
+            <a:prstGeom prst="rect">
+              <a:avLst/>
+            </a:prstGeom>
+            <a:noFill/>
+          </p:spPr>
+          <p:txBody>
+            <a:bodyPr wrap="square" lIns="0" tIns="0" rIns="0" bIns="0" rtlCol="0">
+              <a:spAutoFit/>
+            </a:bodyPr>
+            <a:lstStyle/>
+            <a:p>
+              <a:r>
+                <a:rPr lang="en-US" dirty="0">
+                  <a:solidFill>
+                    <a:schemeClr val="accent2"/>
+                  </a:solidFill>
+                </a:rPr>
+                <a:t>r</a:t>
+              </a:r>
+            </a:p>
+          </p:txBody>
+        </p:sp>
+        <p:sp>
+          <p:nvSpPr>
+            <p:cNvPr id="37" name="TextBox 36">
+              <a:extLst>
+                <a:ext uri="{FF2B5EF4-FFF2-40B4-BE49-F238E27FC236}">
+                  <a16:creationId xmlns:a16="http://schemas.microsoft.com/office/drawing/2014/main" id="{534192AA-297A-4445-84DD-E1D129829730}"/>
+                </a:ext>
+              </a:extLst>
+            </p:cNvPr>
+            <p:cNvSpPr txBox="1"/>
+            <p:nvPr/>
+          </p:nvSpPr>
+          <p:spPr>
+            <a:xfrm>
+              <a:off x="2427422" y="2065416"/>
+              <a:ext cx="176010" cy="276999"/>
+            </a:xfrm>
+            <a:prstGeom prst="rect">
+              <a:avLst/>
+            </a:prstGeom>
+            <a:noFill/>
+          </p:spPr>
+          <p:txBody>
+            <a:bodyPr wrap="square" lIns="0" tIns="0" rIns="0" bIns="0" rtlCol="0">
+              <a:spAutoFit/>
+            </a:bodyPr>
+            <a:lstStyle/>
+            <a:p>
+              <a:r>
+                <a:rPr lang="en-US" dirty="0">
+                  <a:solidFill>
+                    <a:schemeClr val="accent2"/>
+                  </a:solidFill>
+                </a:rPr>
+                <a:t>d</a:t>
+              </a:r>
+            </a:p>
+          </p:txBody>
+        </p:sp>
+        <p:cxnSp>
+          <p:nvCxnSpPr>
+            <p:cNvPr id="39" name="Straight Connector 38">
+              <a:extLst>
+                <a:ext uri="{FF2B5EF4-FFF2-40B4-BE49-F238E27FC236}">
+                  <a16:creationId xmlns:a16="http://schemas.microsoft.com/office/drawing/2014/main" id="{11B641A6-EE29-440E-9466-3666DD0BA034}"/>
+                </a:ext>
+              </a:extLst>
+            </p:cNvPr>
+            <p:cNvCxnSpPr>
+              <a:cxnSpLocks/>
+              <a:stCxn id="27" idx="3"/>
+            </p:cNvCxnSpPr>
+            <p:nvPr/>
+          </p:nvCxnSpPr>
+          <p:spPr>
+            <a:xfrm flipV="1">
+              <a:off x="1501070" y="2975795"/>
+              <a:ext cx="1091037" cy="19037"/>
+            </a:xfrm>
+            <a:prstGeom prst="line">
+              <a:avLst/>
+            </a:prstGeom>
+            <a:ln>
+              <a:prstDash val="lgDash"/>
+            </a:ln>
+          </p:spPr>
+          <p:style>
+            <a:lnRef idx="1">
+              <a:schemeClr val="accent1"/>
+            </a:lnRef>
+            <a:fillRef idx="0">
+              <a:schemeClr val="accent1"/>
+            </a:fillRef>
+            <a:effectRef idx="0">
+              <a:schemeClr val="accent1"/>
+            </a:effectRef>
+            <a:fontRef idx="minor">
+              <a:schemeClr val="tx1"/>
+            </a:fontRef>
+          </p:style>
+        </p:cxnSp>
+        <mc:AlternateContent xmlns:mc="http://schemas.openxmlformats.org/markup-compatibility/2006">
+          <mc:Choice xmlns:a14="http://schemas.microsoft.com/office/drawing/2010/main" Requires="a14">
+            <p:sp>
+              <p:nvSpPr>
+                <p:cNvPr id="41" name="TextBox 40">
+                  <a:extLst>
+                    <a:ext uri="{FF2B5EF4-FFF2-40B4-BE49-F238E27FC236}">
+                      <a16:creationId xmlns:a16="http://schemas.microsoft.com/office/drawing/2014/main" id="{1CE9F1B0-AD06-48BB-B73A-4F990A849575}"/>
+                    </a:ext>
+                  </a:extLst>
+                </p:cNvPr>
+                <p:cNvSpPr txBox="1"/>
+                <p:nvPr/>
+              </p:nvSpPr>
+              <p:spPr>
+                <a:xfrm>
+                  <a:off x="2669494" y="2807019"/>
+                  <a:ext cx="455932" cy="276999"/>
+                </a:xfrm>
+                <a:prstGeom prst="rect">
+                  <a:avLst/>
+                </a:prstGeom>
+                <a:noFill/>
+              </p:spPr>
+              <p:txBody>
+                <a:bodyPr wrap="square" lIns="0" tIns="0" rIns="0" bIns="0" rtlCol="0">
+                  <a:spAutoFit/>
+                </a:bodyPr>
+                <a:lstStyle/>
+                <a:p>
+                  <a14:m>
+                    <m:oMath xmlns:m="http://schemas.openxmlformats.org/officeDocument/2006/math">
+                      <m:r>
+                        <m:rPr>
+                          <m:sty m:val="p"/>
+                        </m:rPr>
+                        <a:rPr lang="en-US" b="0" i="0" smtClean="0">
+                          <a:solidFill>
+                            <a:schemeClr val="accent2"/>
+                          </a:solidFill>
+                          <a:ea typeface="Cambria Math" panose="02040503050406030204" pitchFamily="18" charset="0"/>
+                        </a:rPr>
+                        <m:t>θ</m:t>
+                      </m:r>
+                    </m:oMath>
+                  </a14:m>
+                  <a:r>
+                    <a:rPr lang="en-US" dirty="0">
+                      <a:solidFill>
+                        <a:schemeClr val="accent2"/>
+                      </a:solidFill>
+                    </a:rPr>
+                    <a:t>=0</a:t>
+                  </a:r>
+                </a:p>
+              </p:txBody>
+            </p:sp>
+          </mc:Choice>
+          <mc:Fallback>
+            <p:sp>
+              <p:nvSpPr>
+                <p:cNvPr id="41" name="TextBox 40">
+                  <a:extLst>
+                    <a:ext uri="{FF2B5EF4-FFF2-40B4-BE49-F238E27FC236}">
+                      <a16:creationId xmlns:a16="http://schemas.microsoft.com/office/drawing/2014/main" id="{1CE9F1B0-AD06-48BB-B73A-4F990A849575}"/>
+                    </a:ext>
+                  </a:extLst>
+                </p:cNvPr>
+                <p:cNvSpPr txBox="1">
+                  <a:spLocks noRot="1" noChangeAspect="1" noMove="1" noResize="1" noEditPoints="1" noAdjustHandles="1" noChangeArrowheads="1" noChangeShapeType="1" noTextEdit="1"/>
+                </p:cNvSpPr>
+                <p:nvPr/>
+              </p:nvSpPr>
+              <p:spPr>
+                <a:xfrm>
+                  <a:off x="2669494" y="2807019"/>
+                  <a:ext cx="455932" cy="276999"/>
+                </a:xfrm>
+                <a:prstGeom prst="rect">
+                  <a:avLst/>
+                </a:prstGeom>
+                <a:blipFill>
+                  <a:blip r:embed="rId3"/>
+                  <a:stretch>
+                    <a:fillRect l="-18667" t="-28261" r="-13333" b="-50000"/>
+                  </a:stretch>
+                </a:blipFill>
+              </p:spPr>
+              <p:txBody>
+                <a:bodyPr/>
+                <a:lstStyle/>
+                <a:p>
+                  <a:r>
+                    <a:rPr lang="en-US">
+                      <a:noFill/>
+                    </a:rPr>
+                    <a:t> </a:t>
+                  </a:r>
+                </a:p>
+              </p:txBody>
+            </p:sp>
+          </mc:Fallback>
+        </mc:AlternateContent>
+        <mc:AlternateContent xmlns:mc="http://schemas.openxmlformats.org/markup-compatibility/2006">
+          <mc:Choice xmlns:a14="http://schemas.microsoft.com/office/drawing/2010/main" Requires="a14">
+            <p:sp>
+              <p:nvSpPr>
+                <p:cNvPr id="42" name="TextBox 41">
+                  <a:extLst>
+                    <a:ext uri="{FF2B5EF4-FFF2-40B4-BE49-F238E27FC236}">
+                      <a16:creationId xmlns:a16="http://schemas.microsoft.com/office/drawing/2014/main" id="{D657C845-8341-4610-BEB6-EBB48560079F}"/>
+                    </a:ext>
+                  </a:extLst>
+                </p:cNvPr>
+                <p:cNvSpPr txBox="1"/>
+                <p:nvPr/>
+              </p:nvSpPr>
+              <p:spPr>
+                <a:xfrm>
+                  <a:off x="2646594" y="2528699"/>
+                  <a:ext cx="634439" cy="276999"/>
+                </a:xfrm>
+                <a:prstGeom prst="rect">
+                  <a:avLst/>
+                </a:prstGeom>
+                <a:noFill/>
+              </p:spPr>
+              <p:txBody>
+                <a:bodyPr wrap="square" lIns="0" tIns="0" rIns="0" bIns="0" rtlCol="0">
+                  <a:spAutoFit/>
+                </a:bodyPr>
+                <a:lstStyle/>
+                <a:p>
+                  <a14:m>
+                    <m:oMath xmlns:m="http://schemas.openxmlformats.org/officeDocument/2006/math">
+                      <m:r>
+                        <m:rPr>
+                          <m:sty m:val="p"/>
+                        </m:rPr>
+                        <a:rPr lang="en-US" b="0" i="0" smtClean="0">
+                          <a:solidFill>
+                            <a:schemeClr val="accent2"/>
+                          </a:solidFill>
+                          <a:ea typeface="Cambria Math" panose="02040503050406030204" pitchFamily="18" charset="0"/>
+                        </a:rPr>
+                        <m:t>θ</m:t>
+                      </m:r>
+                    </m:oMath>
+                  </a14:m>
+                  <a:r>
+                    <a:rPr lang="en-US" dirty="0">
+                      <a:solidFill>
+                        <a:schemeClr val="accent2"/>
+                      </a:solidFill>
+                    </a:rPr>
+                    <a:t>=</a:t>
+                  </a:r>
+                  <a:r>
+                    <a:rPr lang="en-US" dirty="0">
+                      <a:solidFill>
+                        <a:schemeClr val="accent2"/>
+                      </a:solidFill>
+                      <a:ea typeface="Cambria Math" panose="02040503050406030204" pitchFamily="18" charset="0"/>
+                    </a:rPr>
+                    <a:t> </a:t>
+                  </a:r>
+                  <a14:m>
+                    <m:oMath xmlns:m="http://schemas.openxmlformats.org/officeDocument/2006/math">
+                      <m:r>
+                        <m:rPr>
+                          <m:sty m:val="p"/>
+                        </m:rPr>
+                        <a:rPr lang="en-US">
+                          <a:solidFill>
+                            <a:schemeClr val="accent2"/>
+                          </a:solidFill>
+                          <a:latin typeface="Cambria Math" panose="02040503050406030204" pitchFamily="18" charset="0"/>
+                          <a:ea typeface="Cambria Math" panose="02040503050406030204" pitchFamily="18" charset="0"/>
+                        </a:rPr>
+                        <m:t>θ</m:t>
+                      </m:r>
+                    </m:oMath>
+                  </a14:m>
+                  <a:r>
+                    <a:rPr lang="en-US" baseline="-25000" dirty="0">
+                      <a:solidFill>
+                        <a:schemeClr val="accent2"/>
+                      </a:solidFill>
+                    </a:rPr>
+                    <a:t>1</a:t>
+                  </a:r>
+                  <a:endParaRPr lang="en-US" dirty="0">
+                    <a:solidFill>
+                      <a:schemeClr val="accent2"/>
+                    </a:solidFill>
+                  </a:endParaRPr>
+                </a:p>
+              </p:txBody>
+            </p:sp>
+          </mc:Choice>
+          <mc:Fallback>
+            <p:sp>
+              <p:nvSpPr>
+                <p:cNvPr id="42" name="TextBox 41">
+                  <a:extLst>
+                    <a:ext uri="{FF2B5EF4-FFF2-40B4-BE49-F238E27FC236}">
+                      <a16:creationId xmlns:a16="http://schemas.microsoft.com/office/drawing/2014/main" id="{D657C845-8341-4610-BEB6-EBB48560079F}"/>
+                    </a:ext>
+                  </a:extLst>
+                </p:cNvPr>
+                <p:cNvSpPr txBox="1">
+                  <a:spLocks noRot="1" noChangeAspect="1" noMove="1" noResize="1" noEditPoints="1" noAdjustHandles="1" noChangeArrowheads="1" noChangeShapeType="1" noTextEdit="1"/>
+                </p:cNvSpPr>
+                <p:nvPr/>
+              </p:nvSpPr>
+              <p:spPr>
+                <a:xfrm>
+                  <a:off x="2646594" y="2528699"/>
+                  <a:ext cx="634439" cy="276999"/>
+                </a:xfrm>
+                <a:prstGeom prst="rect">
+                  <a:avLst/>
+                </a:prstGeom>
+                <a:blipFill>
+                  <a:blip r:embed="rId4"/>
+                  <a:stretch>
+                    <a:fillRect l="-13462" t="-28889" b="-51111"/>
+                  </a:stretch>
+                </a:blipFill>
+              </p:spPr>
+              <p:txBody>
+                <a:bodyPr/>
+                <a:lstStyle/>
+                <a:p>
+                  <a:r>
+                    <a:rPr lang="en-US">
+                      <a:noFill/>
+                    </a:rPr>
+                    <a:t> </a:t>
+                  </a:r>
+                </a:p>
+              </p:txBody>
+            </p:sp>
+          </mc:Fallback>
+        </mc:AlternateContent>
+        <mc:AlternateContent xmlns:mc="http://schemas.openxmlformats.org/markup-compatibility/2006">
+          <mc:Choice xmlns:a14="http://schemas.microsoft.com/office/drawing/2010/main" Requires="a14">
+            <p:sp>
+              <p:nvSpPr>
+                <p:cNvPr id="44" name="TextBox 43">
+                  <a:extLst>
+                    <a:ext uri="{FF2B5EF4-FFF2-40B4-BE49-F238E27FC236}">
+                      <a16:creationId xmlns:a16="http://schemas.microsoft.com/office/drawing/2014/main" id="{92B1E388-DC3A-49AF-BE68-3A5C0F345132}"/>
+                    </a:ext>
+                  </a:extLst>
+                </p:cNvPr>
+                <p:cNvSpPr txBox="1"/>
+                <p:nvPr/>
+              </p:nvSpPr>
+              <p:spPr>
+                <a:xfrm>
+                  <a:off x="1848683" y="1664296"/>
+                  <a:ext cx="715926" cy="369332"/>
+                </a:xfrm>
+                <a:prstGeom prst="rect">
+                  <a:avLst/>
+                </a:prstGeom>
+                <a:noFill/>
+              </p:spPr>
+              <p:txBody>
+                <a:bodyPr wrap="square">
+                  <a:spAutoFit/>
+                </a:bodyPr>
+                <a:lstStyle/>
+                <a:p>
+                  <a14:m>
+                    <m:oMath xmlns:m="http://schemas.openxmlformats.org/officeDocument/2006/math">
+                      <m:r>
+                        <m:rPr>
+                          <m:sty m:val="p"/>
+                        </m:rPr>
+                        <a:rPr lang="en-US" b="0" i="0" smtClean="0">
+                          <a:solidFill>
+                            <a:schemeClr val="accent2"/>
+                          </a:solidFill>
+                          <a:latin typeface="Cambria Math" panose="02040503050406030204" pitchFamily="18" charset="0"/>
+                          <a:ea typeface="Cambria Math" panose="02040503050406030204" pitchFamily="18" charset="0"/>
+                        </a:rPr>
+                        <m:t>θ</m:t>
+                      </m:r>
+                    </m:oMath>
+                  </a14:m>
+                  <a:r>
+                    <a:rPr lang="en-US" dirty="0">
+                      <a:solidFill>
+                        <a:schemeClr val="accent2"/>
+                      </a:solidFill>
+                    </a:rPr>
+                    <a:t>=</a:t>
+                  </a:r>
+                  <a:r>
+                    <a:rPr lang="en-US" dirty="0">
+                      <a:solidFill>
+                        <a:schemeClr val="accent2"/>
+                      </a:solidFill>
+                      <a:ea typeface="Cambria Math" panose="02040503050406030204" pitchFamily="18" charset="0"/>
+                    </a:rPr>
+                    <a:t> </a:t>
+                  </a:r>
+                  <a14:m>
+                    <m:oMath xmlns:m="http://schemas.openxmlformats.org/officeDocument/2006/math">
+                      <m:r>
+                        <m:rPr>
+                          <m:sty m:val="p"/>
+                        </m:rPr>
+                        <a:rPr lang="en-US">
+                          <a:solidFill>
+                            <a:schemeClr val="accent2"/>
+                          </a:solidFill>
+                          <a:latin typeface="Cambria Math" panose="02040503050406030204" pitchFamily="18" charset="0"/>
+                          <a:ea typeface="Cambria Math" panose="02040503050406030204" pitchFamily="18" charset="0"/>
+                        </a:rPr>
+                        <m:t>θ</m:t>
+                      </m:r>
+                    </m:oMath>
+                  </a14:m>
+                  <a:r>
+                    <a:rPr lang="en-US" baseline="-25000" dirty="0">
+                      <a:solidFill>
+                        <a:schemeClr val="accent2"/>
+                      </a:solidFill>
+                    </a:rPr>
+                    <a:t>2</a:t>
+                  </a:r>
+                  <a:endParaRPr lang="en-US" dirty="0">
+                    <a:solidFill>
+                      <a:schemeClr val="accent2"/>
+                    </a:solidFill>
+                  </a:endParaRPr>
+                </a:p>
+              </p:txBody>
+            </p:sp>
+          </mc:Choice>
+          <mc:Fallback>
+            <p:sp>
+              <p:nvSpPr>
+                <p:cNvPr id="44" name="TextBox 43">
+                  <a:extLst>
+                    <a:ext uri="{FF2B5EF4-FFF2-40B4-BE49-F238E27FC236}">
+                      <a16:creationId xmlns:a16="http://schemas.microsoft.com/office/drawing/2014/main" id="{92B1E388-DC3A-49AF-BE68-3A5C0F345132}"/>
+                    </a:ext>
+                  </a:extLst>
+                </p:cNvPr>
+                <p:cNvSpPr txBox="1">
+                  <a:spLocks noRot="1" noChangeAspect="1" noMove="1" noResize="1" noEditPoints="1" noAdjustHandles="1" noChangeArrowheads="1" noChangeShapeType="1" noTextEdit="1"/>
+                </p:cNvSpPr>
+                <p:nvPr/>
+              </p:nvSpPr>
+              <p:spPr>
+                <a:xfrm>
+                  <a:off x="1848683" y="1664296"/>
+                  <a:ext cx="715926" cy="369332"/>
+                </a:xfrm>
+                <a:prstGeom prst="rect">
+                  <a:avLst/>
+                </a:prstGeom>
+                <a:blipFill>
+                  <a:blip r:embed="rId5"/>
+                  <a:stretch>
+                    <a:fillRect t="-9836" b="-24590"/>
+                  </a:stretch>
+                </a:blipFill>
+              </p:spPr>
+              <p:txBody>
+                <a:bodyPr/>
+                <a:lstStyle/>
+                <a:p>
+                  <a:r>
+                    <a:rPr lang="en-US">
+                      <a:noFill/>
+                    </a:rPr>
+                    <a:t> </a:t>
+                  </a:r>
+                </a:p>
+              </p:txBody>
+            </p:sp>
+          </mc:Fallback>
+        </mc:AlternateContent>
+      </p:grpSp>
+      <p:cxnSp>
+        <p:nvCxnSpPr>
+          <p:cNvPr id="73" name="Straight Connector 72">
+            <a:extLst>
+              <a:ext uri="{FF2B5EF4-FFF2-40B4-BE49-F238E27FC236}">
+                <a16:creationId xmlns:a16="http://schemas.microsoft.com/office/drawing/2014/main" id="{4F8401BA-A94F-492A-AB58-54D6F6747B58}"/>
+              </a:ext>
+            </a:extLst>
+          </p:cNvPr>
+          <p:cNvCxnSpPr>
+            <a:cxnSpLocks/>
+            <a:stCxn id="45" idx="1"/>
+            <a:endCxn id="45" idx="0"/>
+          </p:cNvCxnSpPr>
+          <p:nvPr/>
+        </p:nvCxnSpPr>
+        <p:spPr>
+          <a:xfrm>
+            <a:off x="6462494" y="2172278"/>
+            <a:ext cx="515103" cy="656126"/>
+          </a:xfrm>
+          <a:prstGeom prst="line">
+            <a:avLst/>
+          </a:prstGeom>
+          <a:ln w="38100"/>
+        </p:spPr>
+        <p:style>
+          <a:lnRef idx="1">
+            <a:schemeClr val="accent6"/>
+          </a:lnRef>
+          <a:fillRef idx="0">
+            <a:schemeClr val="accent6"/>
+          </a:fillRef>
+          <a:effectRef idx="0">
+            <a:schemeClr val="accent6"/>
+          </a:effectRef>
+          <a:fontRef idx="minor">
+            <a:schemeClr val="tx1"/>
+          </a:fontRef>
+        </p:style>
+      </p:cxnSp>
+      <p:grpSp>
+        <p:nvGrpSpPr>
+          <p:cNvPr id="114" name="Group 113">
+            <a:extLst>
+              <a:ext uri="{FF2B5EF4-FFF2-40B4-BE49-F238E27FC236}">
+                <a16:creationId xmlns:a16="http://schemas.microsoft.com/office/drawing/2014/main" id="{6C8F0AB7-6343-4635-9EB5-B387139A0D8A}"/>
+              </a:ext>
+            </a:extLst>
+          </p:cNvPr>
+          <p:cNvGrpSpPr/>
+          <p:nvPr/>
+        </p:nvGrpSpPr>
+        <p:grpSpPr>
+          <a:xfrm>
+            <a:off x="4838139" y="2032234"/>
+            <a:ext cx="2179782" cy="2179782"/>
+            <a:chOff x="4457777" y="1951586"/>
+            <a:chExt cx="2179782" cy="2179782"/>
+          </a:xfrm>
+        </p:grpSpPr>
+        <p:sp>
+          <p:nvSpPr>
+            <p:cNvPr id="45" name="Oval 44">
+              <a:extLst>
+                <a:ext uri="{FF2B5EF4-FFF2-40B4-BE49-F238E27FC236}">
+                  <a16:creationId xmlns:a16="http://schemas.microsoft.com/office/drawing/2014/main" id="{CF1D6179-1D35-4F55-8CE8-8A0BCDCF5502}"/>
+                </a:ext>
+              </a:extLst>
+            </p:cNvPr>
+            <p:cNvSpPr/>
+            <p:nvPr/>
+          </p:nvSpPr>
+          <p:spPr>
+            <a:xfrm rot="4461945">
+              <a:off x="4457777" y="1951586"/>
+              <a:ext cx="2179782" cy="2179782"/>
+            </a:xfrm>
+            <a:prstGeom prst="ellipse">
+              <a:avLst/>
+            </a:prstGeom>
+            <a:noFill/>
+            <a:ln w="28575" cap="flat" cmpd="sng" algn="ctr">
+              <a:solidFill>
+                <a:schemeClr val="accent1"/>
+              </a:solidFill>
+              <a:prstDash val="solid"/>
+              <a:round/>
+              <a:headEnd type="none" w="med" len="med"/>
+              <a:tailEnd type="none" w="med" len="med"/>
+            </a:ln>
+          </p:spPr>
+          <p:style>
+            <a:lnRef idx="0">
+              <a:scrgbClr r="0" g="0" b="0"/>
+            </a:lnRef>
+            <a:fillRef idx="0">
+              <a:scrgbClr r="0" g="0" b="0"/>
+            </a:fillRef>
+            <a:effectRef idx="0">
+              <a:scrgbClr r="0" g="0" b="0"/>
+            </a:effectRef>
+            <a:fontRef idx="minor">
+              <a:schemeClr val="accent1"/>
+            </a:fontRef>
+          </p:style>
+          <p:txBody>
+            <a:bodyPr rtlCol="0" anchor="ctr"/>
+            <a:lstStyle/>
+            <a:p>
+              <a:pPr algn="ctr"/>
+              <a:endParaRPr lang="en-US"/>
+            </a:p>
+          </p:txBody>
+        </p:sp>
+        <p:cxnSp>
+          <p:nvCxnSpPr>
+            <p:cNvPr id="74" name="Straight Connector 73">
+              <a:extLst>
+                <a:ext uri="{FF2B5EF4-FFF2-40B4-BE49-F238E27FC236}">
+                  <a16:creationId xmlns:a16="http://schemas.microsoft.com/office/drawing/2014/main" id="{B7E96D73-8112-45CC-B281-BCC4E5F072A8}"/>
+                </a:ext>
+              </a:extLst>
+            </p:cNvPr>
+            <p:cNvCxnSpPr>
+              <a:cxnSpLocks/>
+              <a:stCxn id="45" idx="0"/>
+              <a:endCxn id="45" idx="7"/>
+            </p:cNvCxnSpPr>
+            <p:nvPr/>
+          </p:nvCxnSpPr>
+          <p:spPr>
+            <a:xfrm flipH="1">
+              <a:off x="6497515" y="2747756"/>
+              <a:ext cx="99720" cy="828185"/>
+            </a:xfrm>
+            <a:prstGeom prst="line">
+              <a:avLst/>
+            </a:prstGeom>
+            <a:ln w="38100"/>
+          </p:spPr>
+          <p:style>
+            <a:lnRef idx="1">
+              <a:schemeClr val="accent6"/>
+            </a:lnRef>
+            <a:fillRef idx="0">
+              <a:schemeClr val="accent6"/>
+            </a:fillRef>
+            <a:effectRef idx="0">
+              <a:schemeClr val="accent6"/>
+            </a:effectRef>
+            <a:fontRef idx="minor">
+              <a:schemeClr val="tx1"/>
+            </a:fontRef>
+          </p:style>
+        </p:cxnSp>
+        <p:cxnSp>
+          <p:nvCxnSpPr>
+            <p:cNvPr id="77" name="Straight Connector 76">
+              <a:extLst>
+                <a:ext uri="{FF2B5EF4-FFF2-40B4-BE49-F238E27FC236}">
+                  <a16:creationId xmlns:a16="http://schemas.microsoft.com/office/drawing/2014/main" id="{5469E357-8E3E-4A4D-B11F-ED9E6AF756CE}"/>
+                </a:ext>
+              </a:extLst>
+            </p:cNvPr>
+            <p:cNvCxnSpPr>
+              <a:cxnSpLocks/>
+              <a:stCxn id="45" idx="5"/>
+              <a:endCxn id="45" idx="4"/>
+            </p:cNvCxnSpPr>
+            <p:nvPr/>
+          </p:nvCxnSpPr>
+          <p:spPr>
+            <a:xfrm flipH="1" flipV="1">
+              <a:off x="4498101" y="3335198"/>
+              <a:ext cx="515103" cy="656126"/>
+            </a:xfrm>
+            <a:prstGeom prst="line">
+              <a:avLst/>
+            </a:prstGeom>
+            <a:ln w="38100"/>
+          </p:spPr>
+          <p:style>
+            <a:lnRef idx="1">
+              <a:schemeClr val="accent6"/>
+            </a:lnRef>
+            <a:fillRef idx="0">
+              <a:schemeClr val="accent6"/>
+            </a:fillRef>
+            <a:effectRef idx="0">
+              <a:schemeClr val="accent6"/>
+            </a:effectRef>
+            <a:fontRef idx="minor">
+              <a:schemeClr val="tx1"/>
+            </a:fontRef>
+          </p:style>
+        </p:cxnSp>
+        <p:cxnSp>
+          <p:nvCxnSpPr>
+            <p:cNvPr id="78" name="Straight Connector 77">
+              <a:extLst>
+                <a:ext uri="{FF2B5EF4-FFF2-40B4-BE49-F238E27FC236}">
+                  <a16:creationId xmlns:a16="http://schemas.microsoft.com/office/drawing/2014/main" id="{6743918E-F2F2-45DD-AF3A-A95DB45799BD}"/>
+                </a:ext>
+              </a:extLst>
+            </p:cNvPr>
+            <p:cNvCxnSpPr>
+              <a:cxnSpLocks/>
+              <a:stCxn id="45" idx="6"/>
+              <a:endCxn id="45" idx="5"/>
+            </p:cNvCxnSpPr>
+            <p:nvPr/>
+          </p:nvCxnSpPr>
+          <p:spPr>
+            <a:xfrm flipH="1" flipV="1">
+              <a:off x="5013204" y="3991324"/>
+              <a:ext cx="828185" cy="99720"/>
+            </a:xfrm>
+            <a:prstGeom prst="line">
+              <a:avLst/>
+            </a:prstGeom>
+            <a:ln w="38100"/>
+          </p:spPr>
+          <p:style>
+            <a:lnRef idx="1">
+              <a:schemeClr val="accent6"/>
+            </a:lnRef>
+            <a:fillRef idx="0">
+              <a:schemeClr val="accent6"/>
+            </a:fillRef>
+            <a:effectRef idx="0">
+              <a:schemeClr val="accent6"/>
+            </a:effectRef>
+            <a:fontRef idx="minor">
+              <a:schemeClr val="tx1"/>
+            </a:fontRef>
+          </p:style>
+        </p:cxnSp>
+        <p:cxnSp>
+          <p:nvCxnSpPr>
+            <p:cNvPr id="79" name="Straight Connector 78">
+              <a:extLst>
+                <a:ext uri="{FF2B5EF4-FFF2-40B4-BE49-F238E27FC236}">
+                  <a16:creationId xmlns:a16="http://schemas.microsoft.com/office/drawing/2014/main" id="{D65FE20B-F2EF-4126-A832-AB51EC3DCE14}"/>
+                </a:ext>
+              </a:extLst>
+            </p:cNvPr>
+            <p:cNvCxnSpPr>
+              <a:cxnSpLocks/>
+              <a:stCxn id="45" idx="7"/>
+              <a:endCxn id="45" idx="6"/>
+            </p:cNvCxnSpPr>
+            <p:nvPr/>
+          </p:nvCxnSpPr>
+          <p:spPr>
+            <a:xfrm flipH="1">
+              <a:off x="5841389" y="3575941"/>
+              <a:ext cx="656126" cy="515103"/>
+            </a:xfrm>
+            <a:prstGeom prst="line">
+              <a:avLst/>
+            </a:prstGeom>
+            <a:ln w="38100"/>
+          </p:spPr>
+          <p:style>
+            <a:lnRef idx="1">
+              <a:schemeClr val="accent6"/>
+            </a:lnRef>
+            <a:fillRef idx="0">
+              <a:schemeClr val="accent6"/>
+            </a:fillRef>
+            <a:effectRef idx="0">
+              <a:schemeClr val="accent6"/>
+            </a:effectRef>
+            <a:fontRef idx="minor">
+              <a:schemeClr val="tx1"/>
+            </a:fontRef>
+          </p:style>
+        </p:cxnSp>
+        <p:cxnSp>
+          <p:nvCxnSpPr>
+            <p:cNvPr id="86" name="Straight Connector 85">
+              <a:extLst>
+                <a:ext uri="{FF2B5EF4-FFF2-40B4-BE49-F238E27FC236}">
+                  <a16:creationId xmlns:a16="http://schemas.microsoft.com/office/drawing/2014/main" id="{CD6963AD-40F0-4712-A831-A56834A2BA1C}"/>
+                </a:ext>
+              </a:extLst>
+            </p:cNvPr>
+            <p:cNvCxnSpPr>
+              <a:cxnSpLocks/>
+              <a:stCxn id="45" idx="4"/>
+              <a:endCxn id="45" idx="3"/>
+            </p:cNvCxnSpPr>
+            <p:nvPr/>
+          </p:nvCxnSpPr>
+          <p:spPr>
+            <a:xfrm flipV="1">
+              <a:off x="4498101" y="2507013"/>
+              <a:ext cx="99720" cy="828185"/>
+            </a:xfrm>
+            <a:prstGeom prst="line">
+              <a:avLst/>
+            </a:prstGeom>
+            <a:ln w="38100"/>
+          </p:spPr>
+          <p:style>
+            <a:lnRef idx="1">
+              <a:schemeClr val="accent6"/>
+            </a:lnRef>
+            <a:fillRef idx="0">
+              <a:schemeClr val="accent6"/>
+            </a:fillRef>
+            <a:effectRef idx="0">
+              <a:schemeClr val="accent6"/>
+            </a:effectRef>
+            <a:fontRef idx="minor">
+              <a:schemeClr val="tx1"/>
+            </a:fontRef>
+          </p:style>
+        </p:cxnSp>
+        <p:cxnSp>
+          <p:nvCxnSpPr>
+            <p:cNvPr id="89" name="Straight Connector 88">
+              <a:extLst>
+                <a:ext uri="{FF2B5EF4-FFF2-40B4-BE49-F238E27FC236}">
+                  <a16:creationId xmlns:a16="http://schemas.microsoft.com/office/drawing/2014/main" id="{02B04D98-6685-477A-BB3A-C49E9FC69417}"/>
+                </a:ext>
+              </a:extLst>
+            </p:cNvPr>
+            <p:cNvCxnSpPr>
+              <a:cxnSpLocks/>
+              <a:stCxn id="45" idx="2"/>
+              <a:endCxn id="45" idx="3"/>
+            </p:cNvCxnSpPr>
+            <p:nvPr/>
+          </p:nvCxnSpPr>
+          <p:spPr>
+            <a:xfrm flipH="1">
+              <a:off x="4597821" y="1991910"/>
+              <a:ext cx="656126" cy="515103"/>
+            </a:xfrm>
+            <a:prstGeom prst="line">
+              <a:avLst/>
+            </a:prstGeom>
+            <a:ln w="38100"/>
+          </p:spPr>
+          <p:style>
+            <a:lnRef idx="1">
+              <a:schemeClr val="accent6"/>
+            </a:lnRef>
+            <a:fillRef idx="0">
+              <a:schemeClr val="accent6"/>
+            </a:fillRef>
+            <a:effectRef idx="0">
+              <a:schemeClr val="accent6"/>
+            </a:effectRef>
+            <a:fontRef idx="minor">
+              <a:schemeClr val="tx1"/>
+            </a:fontRef>
+          </p:style>
+        </p:cxnSp>
+        <p:cxnSp>
+          <p:nvCxnSpPr>
+            <p:cNvPr id="92" name="Straight Connector 91">
+              <a:extLst>
+                <a:ext uri="{FF2B5EF4-FFF2-40B4-BE49-F238E27FC236}">
+                  <a16:creationId xmlns:a16="http://schemas.microsoft.com/office/drawing/2014/main" id="{A0391C4E-8447-4B13-8CE5-A06DFA27EF67}"/>
+                </a:ext>
+              </a:extLst>
+            </p:cNvPr>
+            <p:cNvCxnSpPr>
+              <a:cxnSpLocks/>
+              <a:stCxn id="45" idx="2"/>
+              <a:endCxn id="45" idx="1"/>
+            </p:cNvCxnSpPr>
+            <p:nvPr/>
+          </p:nvCxnSpPr>
+          <p:spPr>
+            <a:xfrm>
+              <a:off x="5253947" y="1991910"/>
+              <a:ext cx="828185" cy="99720"/>
+            </a:xfrm>
+            <a:prstGeom prst="line">
+              <a:avLst/>
+            </a:prstGeom>
+            <a:ln w="38100"/>
+          </p:spPr>
+          <p:style>
+            <a:lnRef idx="1">
+              <a:schemeClr val="accent6"/>
+            </a:lnRef>
+            <a:fillRef idx="0">
+              <a:schemeClr val="accent6"/>
+            </a:fillRef>
+            <a:effectRef idx="0">
+              <a:schemeClr val="accent6"/>
+            </a:effectRef>
+            <a:fontRef idx="minor">
+              <a:schemeClr val="tx1"/>
+            </a:fontRef>
+          </p:style>
+        </p:cxnSp>
+      </p:grpSp>
+      <p:sp>
+        <p:nvSpPr>
+          <p:cNvPr id="103" name="TextBox 102">
+            <a:extLst>
+              <a:ext uri="{FF2B5EF4-FFF2-40B4-BE49-F238E27FC236}">
+                <a16:creationId xmlns:a16="http://schemas.microsoft.com/office/drawing/2014/main" id="{0CE34DDD-49B4-4C18-A7EE-257412420324}"/>
+              </a:ext>
+            </a:extLst>
+          </p:cNvPr>
+          <p:cNvSpPr txBox="1"/>
+          <p:nvPr/>
+        </p:nvSpPr>
+        <p:spPr>
+          <a:xfrm>
+            <a:off x="5066932" y="4572922"/>
+            <a:ext cx="1671777" cy="553998"/>
+          </a:xfrm>
+          <a:prstGeom prst="rect">
+            <a:avLst/>
+          </a:prstGeom>
+          <a:noFill/>
+        </p:spPr>
+        <p:txBody>
+          <a:bodyPr wrap="square" lIns="0" tIns="0" rIns="0" bIns="0" rtlCol="0">
+            <a:spAutoFit/>
+          </a:bodyPr>
           <a:lstStyle/>
           <a:p>
-            <a:endParaRPr lang="en-US" dirty="0"/>
+            <a:pPr algn="ctr"/>
+            <a:r>
+              <a:rPr lang="en-US" i="1" dirty="0">
+                <a:solidFill>
+                  <a:schemeClr val="accent2"/>
+                </a:solidFill>
+              </a:rPr>
+              <a:t>Circumference Estimation</a:t>
+            </a:r>
+          </a:p>
+        </p:txBody>
+      </p:sp>
+      <p:grpSp>
+        <p:nvGrpSpPr>
+          <p:cNvPr id="115" name="Group 114">
+            <a:extLst>
+              <a:ext uri="{FF2B5EF4-FFF2-40B4-BE49-F238E27FC236}">
+                <a16:creationId xmlns:a16="http://schemas.microsoft.com/office/drawing/2014/main" id="{2187FAEE-0DD5-42CE-9594-F1866181F632}"/>
+              </a:ext>
+            </a:extLst>
+          </p:cNvPr>
+          <p:cNvGrpSpPr/>
+          <p:nvPr/>
+        </p:nvGrpSpPr>
+        <p:grpSpPr>
+          <a:xfrm>
+            <a:off x="8375267" y="1991910"/>
+            <a:ext cx="2179782" cy="2179782"/>
+            <a:chOff x="4457777" y="1951586"/>
+            <a:chExt cx="2179782" cy="2179782"/>
+          </a:xfrm>
+        </p:grpSpPr>
+        <p:sp>
+          <p:nvSpPr>
+            <p:cNvPr id="116" name="Oval 115">
+              <a:extLst>
+                <a:ext uri="{FF2B5EF4-FFF2-40B4-BE49-F238E27FC236}">
+                  <a16:creationId xmlns:a16="http://schemas.microsoft.com/office/drawing/2014/main" id="{29CA26A7-0EC0-4B69-9C62-32091732FB37}"/>
+                </a:ext>
+              </a:extLst>
+            </p:cNvPr>
+            <p:cNvSpPr/>
+            <p:nvPr/>
+          </p:nvSpPr>
+          <p:spPr>
+            <a:xfrm rot="4461945">
+              <a:off x="4457777" y="1951586"/>
+              <a:ext cx="2179782" cy="2179782"/>
+            </a:xfrm>
+            <a:prstGeom prst="ellipse">
+              <a:avLst/>
+            </a:prstGeom>
+            <a:noFill/>
+            <a:ln w="28575" cap="flat" cmpd="sng" algn="ctr">
+              <a:solidFill>
+                <a:schemeClr val="accent1"/>
+              </a:solidFill>
+              <a:prstDash val="solid"/>
+              <a:round/>
+              <a:headEnd type="none" w="med" len="med"/>
+              <a:tailEnd type="none" w="med" len="med"/>
+            </a:ln>
+          </p:spPr>
+          <p:style>
+            <a:lnRef idx="0">
+              <a:scrgbClr r="0" g="0" b="0"/>
+            </a:lnRef>
+            <a:fillRef idx="0">
+              <a:scrgbClr r="0" g="0" b="0"/>
+            </a:fillRef>
+            <a:effectRef idx="0">
+              <a:scrgbClr r="0" g="0" b="0"/>
+            </a:effectRef>
+            <a:fontRef idx="minor">
+              <a:schemeClr val="accent1"/>
+            </a:fontRef>
+          </p:style>
+          <p:txBody>
+            <a:bodyPr rtlCol="0" anchor="ctr"/>
+            <a:lstStyle/>
+            <a:p>
+              <a:pPr algn="ctr"/>
+              <a:endParaRPr lang="en-US"/>
+            </a:p>
+          </p:txBody>
+        </p:sp>
+        <p:cxnSp>
+          <p:nvCxnSpPr>
+            <p:cNvPr id="117" name="Straight Connector 116">
+              <a:extLst>
+                <a:ext uri="{FF2B5EF4-FFF2-40B4-BE49-F238E27FC236}">
+                  <a16:creationId xmlns:a16="http://schemas.microsoft.com/office/drawing/2014/main" id="{48DADB44-B960-4D39-AF05-C7B92638ACF5}"/>
+                </a:ext>
+              </a:extLst>
+            </p:cNvPr>
+            <p:cNvCxnSpPr>
+              <a:cxnSpLocks/>
+              <a:stCxn id="116" idx="0"/>
+              <a:endCxn id="116" idx="7"/>
+            </p:cNvCxnSpPr>
+            <p:nvPr/>
+          </p:nvCxnSpPr>
+          <p:spPr>
+            <a:xfrm flipH="1">
+              <a:off x="6497515" y="2747756"/>
+              <a:ext cx="99720" cy="828185"/>
+            </a:xfrm>
+            <a:prstGeom prst="line">
+              <a:avLst/>
+            </a:prstGeom>
+            <a:ln w="38100"/>
+          </p:spPr>
+          <p:style>
+            <a:lnRef idx="1">
+              <a:schemeClr val="accent6"/>
+            </a:lnRef>
+            <a:fillRef idx="0">
+              <a:schemeClr val="accent6"/>
+            </a:fillRef>
+            <a:effectRef idx="0">
+              <a:schemeClr val="accent6"/>
+            </a:effectRef>
+            <a:fontRef idx="minor">
+              <a:schemeClr val="tx1"/>
+            </a:fontRef>
+          </p:style>
+        </p:cxnSp>
+        <p:cxnSp>
+          <p:nvCxnSpPr>
+            <p:cNvPr id="118" name="Straight Connector 117">
+              <a:extLst>
+                <a:ext uri="{FF2B5EF4-FFF2-40B4-BE49-F238E27FC236}">
+                  <a16:creationId xmlns:a16="http://schemas.microsoft.com/office/drawing/2014/main" id="{241E0032-A804-49A6-92EB-0619BAD07781}"/>
+                </a:ext>
+              </a:extLst>
+            </p:cNvPr>
+            <p:cNvCxnSpPr>
+              <a:cxnSpLocks/>
+              <a:stCxn id="116" idx="5"/>
+              <a:endCxn id="116" idx="4"/>
+            </p:cNvCxnSpPr>
+            <p:nvPr/>
+          </p:nvCxnSpPr>
+          <p:spPr>
+            <a:xfrm flipH="1" flipV="1">
+              <a:off x="4498101" y="3335198"/>
+              <a:ext cx="515103" cy="656126"/>
+            </a:xfrm>
+            <a:prstGeom prst="line">
+              <a:avLst/>
+            </a:prstGeom>
+            <a:ln w="38100"/>
+          </p:spPr>
+          <p:style>
+            <a:lnRef idx="1">
+              <a:schemeClr val="accent6"/>
+            </a:lnRef>
+            <a:fillRef idx="0">
+              <a:schemeClr val="accent6"/>
+            </a:fillRef>
+            <a:effectRef idx="0">
+              <a:schemeClr val="accent6"/>
+            </a:effectRef>
+            <a:fontRef idx="minor">
+              <a:schemeClr val="tx1"/>
+            </a:fontRef>
+          </p:style>
+        </p:cxnSp>
+        <p:cxnSp>
+          <p:nvCxnSpPr>
+            <p:cNvPr id="119" name="Straight Connector 118">
+              <a:extLst>
+                <a:ext uri="{FF2B5EF4-FFF2-40B4-BE49-F238E27FC236}">
+                  <a16:creationId xmlns:a16="http://schemas.microsoft.com/office/drawing/2014/main" id="{869CC187-45AE-4C92-9057-DDBE8AE884E0}"/>
+                </a:ext>
+              </a:extLst>
+            </p:cNvPr>
+            <p:cNvCxnSpPr>
+              <a:cxnSpLocks/>
+              <a:stCxn id="116" idx="6"/>
+              <a:endCxn id="116" idx="5"/>
+            </p:cNvCxnSpPr>
+            <p:nvPr/>
+          </p:nvCxnSpPr>
+          <p:spPr>
+            <a:xfrm flipH="1" flipV="1">
+              <a:off x="5013204" y="3991324"/>
+              <a:ext cx="828185" cy="99720"/>
+            </a:xfrm>
+            <a:prstGeom prst="line">
+              <a:avLst/>
+            </a:prstGeom>
+            <a:ln w="38100"/>
+          </p:spPr>
+          <p:style>
+            <a:lnRef idx="1">
+              <a:schemeClr val="accent6"/>
+            </a:lnRef>
+            <a:fillRef idx="0">
+              <a:schemeClr val="accent6"/>
+            </a:fillRef>
+            <a:effectRef idx="0">
+              <a:schemeClr val="accent6"/>
+            </a:effectRef>
+            <a:fontRef idx="minor">
+              <a:schemeClr val="tx1"/>
+            </a:fontRef>
+          </p:style>
+        </p:cxnSp>
+        <p:cxnSp>
+          <p:nvCxnSpPr>
+            <p:cNvPr id="120" name="Straight Connector 119">
+              <a:extLst>
+                <a:ext uri="{FF2B5EF4-FFF2-40B4-BE49-F238E27FC236}">
+                  <a16:creationId xmlns:a16="http://schemas.microsoft.com/office/drawing/2014/main" id="{523F1FE0-1DA3-4370-A0D4-7CCB2BBAD5B5}"/>
+                </a:ext>
+              </a:extLst>
+            </p:cNvPr>
+            <p:cNvCxnSpPr>
+              <a:cxnSpLocks/>
+              <a:stCxn id="116" idx="7"/>
+              <a:endCxn id="116" idx="6"/>
+            </p:cNvCxnSpPr>
+            <p:nvPr/>
+          </p:nvCxnSpPr>
+          <p:spPr>
+            <a:xfrm flipH="1">
+              <a:off x="5841389" y="3575941"/>
+              <a:ext cx="656126" cy="515103"/>
+            </a:xfrm>
+            <a:prstGeom prst="line">
+              <a:avLst/>
+            </a:prstGeom>
+            <a:ln w="38100"/>
+          </p:spPr>
+          <p:style>
+            <a:lnRef idx="1">
+              <a:schemeClr val="accent6"/>
+            </a:lnRef>
+            <a:fillRef idx="0">
+              <a:schemeClr val="accent6"/>
+            </a:fillRef>
+            <a:effectRef idx="0">
+              <a:schemeClr val="accent6"/>
+            </a:effectRef>
+            <a:fontRef idx="minor">
+              <a:schemeClr val="tx1"/>
+            </a:fontRef>
+          </p:style>
+        </p:cxnSp>
+        <p:cxnSp>
+          <p:nvCxnSpPr>
+            <p:cNvPr id="121" name="Straight Connector 120">
+              <a:extLst>
+                <a:ext uri="{FF2B5EF4-FFF2-40B4-BE49-F238E27FC236}">
+                  <a16:creationId xmlns:a16="http://schemas.microsoft.com/office/drawing/2014/main" id="{64A3127E-BF54-48AD-A0D5-BDE6C839F33F}"/>
+                </a:ext>
+              </a:extLst>
+            </p:cNvPr>
+            <p:cNvCxnSpPr>
+              <a:cxnSpLocks/>
+              <a:stCxn id="116" idx="4"/>
+              <a:endCxn id="116" idx="3"/>
+            </p:cNvCxnSpPr>
+            <p:nvPr/>
+          </p:nvCxnSpPr>
+          <p:spPr>
+            <a:xfrm flipV="1">
+              <a:off x="4498101" y="2507013"/>
+              <a:ext cx="99720" cy="828185"/>
+            </a:xfrm>
+            <a:prstGeom prst="line">
+              <a:avLst/>
+            </a:prstGeom>
+            <a:ln w="38100"/>
+          </p:spPr>
+          <p:style>
+            <a:lnRef idx="1">
+              <a:schemeClr val="accent6"/>
+            </a:lnRef>
+            <a:fillRef idx="0">
+              <a:schemeClr val="accent6"/>
+            </a:fillRef>
+            <a:effectRef idx="0">
+              <a:schemeClr val="accent6"/>
+            </a:effectRef>
+            <a:fontRef idx="minor">
+              <a:schemeClr val="tx1"/>
+            </a:fontRef>
+          </p:style>
+        </p:cxnSp>
+        <p:cxnSp>
+          <p:nvCxnSpPr>
+            <p:cNvPr id="122" name="Straight Connector 121">
+              <a:extLst>
+                <a:ext uri="{FF2B5EF4-FFF2-40B4-BE49-F238E27FC236}">
+                  <a16:creationId xmlns:a16="http://schemas.microsoft.com/office/drawing/2014/main" id="{F0A771A8-219E-4FA7-8297-F9734855E836}"/>
+                </a:ext>
+              </a:extLst>
+            </p:cNvPr>
+            <p:cNvCxnSpPr>
+              <a:cxnSpLocks/>
+              <a:stCxn id="116" idx="2"/>
+              <a:endCxn id="116" idx="3"/>
+            </p:cNvCxnSpPr>
+            <p:nvPr/>
+          </p:nvCxnSpPr>
+          <p:spPr>
+            <a:xfrm flipH="1">
+              <a:off x="4597821" y="1991910"/>
+              <a:ext cx="656126" cy="515103"/>
+            </a:xfrm>
+            <a:prstGeom prst="line">
+              <a:avLst/>
+            </a:prstGeom>
+            <a:ln w="38100"/>
+          </p:spPr>
+          <p:style>
+            <a:lnRef idx="1">
+              <a:schemeClr val="accent6"/>
+            </a:lnRef>
+            <a:fillRef idx="0">
+              <a:schemeClr val="accent6"/>
+            </a:fillRef>
+            <a:effectRef idx="0">
+              <a:schemeClr val="accent6"/>
+            </a:effectRef>
+            <a:fontRef idx="minor">
+              <a:schemeClr val="tx1"/>
+            </a:fontRef>
+          </p:style>
+        </p:cxnSp>
+        <p:cxnSp>
+          <p:nvCxnSpPr>
+            <p:cNvPr id="123" name="Straight Connector 122">
+              <a:extLst>
+                <a:ext uri="{FF2B5EF4-FFF2-40B4-BE49-F238E27FC236}">
+                  <a16:creationId xmlns:a16="http://schemas.microsoft.com/office/drawing/2014/main" id="{347C0540-A6BB-4F13-930E-3D4B8B02960C}"/>
+                </a:ext>
+              </a:extLst>
+            </p:cNvPr>
+            <p:cNvCxnSpPr>
+              <a:cxnSpLocks/>
+              <a:stCxn id="116" idx="2"/>
+              <a:endCxn id="116" idx="1"/>
+            </p:cNvCxnSpPr>
+            <p:nvPr/>
+          </p:nvCxnSpPr>
+          <p:spPr>
+            <a:xfrm>
+              <a:off x="5253947" y="1991910"/>
+              <a:ext cx="828185" cy="99720"/>
+            </a:xfrm>
+            <a:prstGeom prst="line">
+              <a:avLst/>
+            </a:prstGeom>
+            <a:ln w="38100"/>
+          </p:spPr>
+          <p:style>
+            <a:lnRef idx="1">
+              <a:schemeClr val="accent6"/>
+            </a:lnRef>
+            <a:fillRef idx="0">
+              <a:schemeClr val="accent6"/>
+            </a:fillRef>
+            <a:effectRef idx="0">
+              <a:schemeClr val="accent6"/>
+            </a:effectRef>
+            <a:fontRef idx="minor">
+              <a:schemeClr val="tx1"/>
+            </a:fontRef>
+          </p:style>
+        </p:cxnSp>
+      </p:grpSp>
+      <p:cxnSp>
+        <p:nvCxnSpPr>
+          <p:cNvPr id="125" name="Straight Connector 124">
+            <a:extLst>
+              <a:ext uri="{FF2B5EF4-FFF2-40B4-BE49-F238E27FC236}">
+                <a16:creationId xmlns:a16="http://schemas.microsoft.com/office/drawing/2014/main" id="{C7C47D00-4D1E-4B2B-9053-D8AFBDF84B16}"/>
+              </a:ext>
+            </a:extLst>
+          </p:cNvPr>
+          <p:cNvCxnSpPr>
+            <a:cxnSpLocks/>
+            <a:stCxn id="116" idx="1"/>
+            <a:endCxn id="116" idx="0"/>
+          </p:cNvCxnSpPr>
+          <p:nvPr/>
+        </p:nvCxnSpPr>
+        <p:spPr>
+          <a:xfrm>
+            <a:off x="9999622" y="2131954"/>
+            <a:ext cx="515103" cy="656126"/>
+          </a:xfrm>
+          <a:prstGeom prst="line">
+            <a:avLst/>
+          </a:prstGeom>
+          <a:ln w="38100"/>
+        </p:spPr>
+        <p:style>
+          <a:lnRef idx="1">
+            <a:schemeClr val="accent6"/>
+          </a:lnRef>
+          <a:fillRef idx="0">
+            <a:schemeClr val="accent6"/>
+          </a:fillRef>
+          <a:effectRef idx="0">
+            <a:schemeClr val="accent6"/>
+          </a:effectRef>
+          <a:fontRef idx="minor">
+            <a:schemeClr val="tx1"/>
+          </a:fontRef>
+        </p:style>
+      </p:cxnSp>
+      <p:cxnSp>
+        <p:nvCxnSpPr>
+          <p:cNvPr id="130" name="Straight Connector 129">
+            <a:extLst>
+              <a:ext uri="{FF2B5EF4-FFF2-40B4-BE49-F238E27FC236}">
+                <a16:creationId xmlns:a16="http://schemas.microsoft.com/office/drawing/2014/main" id="{D412ABE5-ED6F-4893-849A-6EA8E2540178}"/>
+              </a:ext>
+            </a:extLst>
+          </p:cNvPr>
+          <p:cNvCxnSpPr>
+            <a:cxnSpLocks/>
+            <a:stCxn id="116" idx="4"/>
+            <a:endCxn id="116" idx="0"/>
+          </p:cNvCxnSpPr>
+          <p:nvPr/>
+        </p:nvCxnSpPr>
+        <p:spPr>
+          <a:xfrm flipV="1">
+            <a:off x="8415591" y="2788080"/>
+            <a:ext cx="2099134" cy="587442"/>
+          </a:xfrm>
+          <a:prstGeom prst="line">
+            <a:avLst/>
+          </a:prstGeom>
+          <a:ln w="28575"/>
+        </p:spPr>
+        <p:style>
+          <a:lnRef idx="1">
+            <a:schemeClr val="accent5"/>
+          </a:lnRef>
+          <a:fillRef idx="0">
+            <a:schemeClr val="accent5"/>
+          </a:fillRef>
+          <a:effectRef idx="0">
+            <a:schemeClr val="accent5"/>
+          </a:effectRef>
+          <a:fontRef idx="minor">
+            <a:schemeClr val="tx1"/>
+          </a:fontRef>
+        </p:style>
+      </p:cxnSp>
+      <p:cxnSp>
+        <p:nvCxnSpPr>
+          <p:cNvPr id="132" name="Straight Connector 131">
+            <a:extLst>
+              <a:ext uri="{FF2B5EF4-FFF2-40B4-BE49-F238E27FC236}">
+                <a16:creationId xmlns:a16="http://schemas.microsoft.com/office/drawing/2014/main" id="{3A8C1CA9-0EB8-4CEB-9B96-DBCED98BCAE7}"/>
+              </a:ext>
+            </a:extLst>
+          </p:cNvPr>
+          <p:cNvCxnSpPr>
+            <a:cxnSpLocks/>
+            <a:stCxn id="116" idx="3"/>
+            <a:endCxn id="116" idx="7"/>
+          </p:cNvCxnSpPr>
+          <p:nvPr/>
+        </p:nvCxnSpPr>
+        <p:spPr>
+          <a:xfrm>
+            <a:off x="8515311" y="2547337"/>
+            <a:ext cx="1899694" cy="1068928"/>
+          </a:xfrm>
+          <a:prstGeom prst="line">
+            <a:avLst/>
+          </a:prstGeom>
+          <a:ln w="28575"/>
+        </p:spPr>
+        <p:style>
+          <a:lnRef idx="1">
+            <a:schemeClr val="accent5"/>
+          </a:lnRef>
+          <a:fillRef idx="0">
+            <a:schemeClr val="accent5"/>
+          </a:fillRef>
+          <a:effectRef idx="0">
+            <a:schemeClr val="accent5"/>
+          </a:effectRef>
+          <a:fontRef idx="minor">
+            <a:schemeClr val="tx1"/>
+          </a:fontRef>
+        </p:style>
+      </p:cxnSp>
+      <p:cxnSp>
+        <p:nvCxnSpPr>
+          <p:cNvPr id="135" name="Straight Connector 134">
+            <a:extLst>
+              <a:ext uri="{FF2B5EF4-FFF2-40B4-BE49-F238E27FC236}">
+                <a16:creationId xmlns:a16="http://schemas.microsoft.com/office/drawing/2014/main" id="{52A23850-999F-4C75-9F32-1A20243CF4B5}"/>
+              </a:ext>
+            </a:extLst>
+          </p:cNvPr>
+          <p:cNvCxnSpPr>
+            <a:cxnSpLocks/>
+            <a:stCxn id="116" idx="5"/>
+            <a:endCxn id="116" idx="1"/>
+          </p:cNvCxnSpPr>
+          <p:nvPr/>
+        </p:nvCxnSpPr>
+        <p:spPr>
+          <a:xfrm flipV="1">
+            <a:off x="8930694" y="2131954"/>
+            <a:ext cx="1068928" cy="1899694"/>
+          </a:xfrm>
+          <a:prstGeom prst="line">
+            <a:avLst/>
+          </a:prstGeom>
+          <a:ln w="28575"/>
+        </p:spPr>
+        <p:style>
+          <a:lnRef idx="1">
+            <a:schemeClr val="accent5"/>
+          </a:lnRef>
+          <a:fillRef idx="0">
+            <a:schemeClr val="accent5"/>
+          </a:fillRef>
+          <a:effectRef idx="0">
+            <a:schemeClr val="accent5"/>
+          </a:effectRef>
+          <a:fontRef idx="minor">
+            <a:schemeClr val="tx1"/>
+          </a:fontRef>
+        </p:style>
+      </p:cxnSp>
+      <p:cxnSp>
+        <p:nvCxnSpPr>
+          <p:cNvPr id="138" name="Straight Connector 137">
+            <a:extLst>
+              <a:ext uri="{FF2B5EF4-FFF2-40B4-BE49-F238E27FC236}">
+                <a16:creationId xmlns:a16="http://schemas.microsoft.com/office/drawing/2014/main" id="{7BA06D9D-9A06-44C8-9CD4-C652DB5B73F2}"/>
+              </a:ext>
+            </a:extLst>
+          </p:cNvPr>
+          <p:cNvCxnSpPr>
+            <a:cxnSpLocks/>
+            <a:stCxn id="116" idx="2"/>
+            <a:endCxn id="116" idx="6"/>
+          </p:cNvCxnSpPr>
+          <p:nvPr/>
+        </p:nvCxnSpPr>
+        <p:spPr>
+          <a:xfrm>
+            <a:off x="9171437" y="2032234"/>
+            <a:ext cx="587442" cy="2099134"/>
+          </a:xfrm>
+          <a:prstGeom prst="line">
+            <a:avLst/>
+          </a:prstGeom>
+          <a:ln w="28575"/>
+        </p:spPr>
+        <p:style>
+          <a:lnRef idx="1">
+            <a:schemeClr val="accent5"/>
+          </a:lnRef>
+          <a:fillRef idx="0">
+            <a:schemeClr val="accent5"/>
+          </a:fillRef>
+          <a:effectRef idx="0">
+            <a:schemeClr val="accent5"/>
+          </a:effectRef>
+          <a:fontRef idx="minor">
+            <a:schemeClr val="tx1"/>
+          </a:fontRef>
+        </p:style>
+      </p:cxnSp>
+      <p:sp>
+        <p:nvSpPr>
+          <p:cNvPr id="142" name="TextBox 141">
+            <a:extLst>
+              <a:ext uri="{FF2B5EF4-FFF2-40B4-BE49-F238E27FC236}">
+                <a16:creationId xmlns:a16="http://schemas.microsoft.com/office/drawing/2014/main" id="{5236C0A2-DA96-4E5C-A353-39E53B43DCAD}"/>
+              </a:ext>
+            </a:extLst>
+          </p:cNvPr>
+          <p:cNvSpPr txBox="1"/>
+          <p:nvPr/>
+        </p:nvSpPr>
+        <p:spPr>
+          <a:xfrm>
+            <a:off x="8673142" y="4665832"/>
+            <a:ext cx="1671777" cy="276999"/>
+          </a:xfrm>
+          <a:prstGeom prst="rect">
+            <a:avLst/>
+          </a:prstGeom>
+          <a:noFill/>
+        </p:spPr>
+        <p:txBody>
+          <a:bodyPr wrap="square" lIns="0" tIns="0" rIns="0" bIns="0" rtlCol="0">
+            <a:spAutoFit/>
+          </a:bodyPr>
+          <a:lstStyle/>
+          <a:p>
+            <a:pPr algn="ctr"/>
+            <a:r>
+              <a:rPr lang="en-US" i="1" dirty="0">
+                <a:solidFill>
+                  <a:schemeClr val="accent2"/>
+                </a:solidFill>
+              </a:rPr>
+              <a:t>Area Estimation</a:t>
+            </a:r>
           </a:p>
         </p:txBody>
       </p:sp>
@@ -12724,7 +15554,7 @@
           <a:p>
             <a:r>
               <a:rPr lang="en-US" dirty="0"/>
-              <a:t>Algorithm – explain in plain English how you would extend the algorithm to 3D, 4D, beyond</a:t>
+              <a:t>Extending the Algorithm</a:t>
             </a:r>
           </a:p>
         </p:txBody>
@@ -12812,6 +15642,31 @@
               <a:t>7</a:t>
             </a:fld>
             <a:endParaRPr lang="en-CA"/>
+          </a:p>
+        </p:txBody>
+      </p:sp>
+      <p:sp>
+        <p:nvSpPr>
+          <p:cNvPr id="7" name="Content Placeholder 6">
+            <a:extLst>
+              <a:ext uri="{FF2B5EF4-FFF2-40B4-BE49-F238E27FC236}">
+                <a16:creationId xmlns:a16="http://schemas.microsoft.com/office/drawing/2014/main" id="{F37D6AE4-65CE-4F40-BA87-F8EEF35F47C3}"/>
+              </a:ext>
+            </a:extLst>
+          </p:cNvPr>
+          <p:cNvSpPr>
+            <a:spLocks noGrp="1"/>
+          </p:cNvSpPr>
+          <p:nvPr>
+            <p:ph sz="quarter" idx="14"/>
+          </p:nvPr>
+        </p:nvSpPr>
+        <p:spPr/>
+        <p:txBody>
+          <a:bodyPr/>
+          <a:lstStyle/>
+          <a:p>
+            <a:endParaRPr lang="en-US" dirty="0"/>
           </a:p>
         </p:txBody>
       </p:sp>

--- a/Sprint Review PPT.pptx
+++ b/Sprint Review PPT.pptx
@@ -5,23 +5,22 @@
     <p:sldMasterId id="2147483678" r:id="rId1"/>
   </p:sldMasterIdLst>
   <p:notesMasterIdLst>
-    <p:notesMasterId r:id="rId13"/>
+    <p:notesMasterId r:id="rId12"/>
   </p:notesMasterIdLst>
   <p:handoutMasterIdLst>
-    <p:handoutMasterId r:id="rId14"/>
+    <p:handoutMasterId r:id="rId13"/>
   </p:handoutMasterIdLst>
   <p:sldIdLst>
     <p:sldId id="268" r:id="rId2"/>
-    <p:sldId id="276" r:id="rId3"/>
-    <p:sldId id="269" r:id="rId4"/>
-    <p:sldId id="270" r:id="rId5"/>
-    <p:sldId id="278" r:id="rId6"/>
-    <p:sldId id="271" r:id="rId7"/>
-    <p:sldId id="272" r:id="rId8"/>
-    <p:sldId id="273" r:id="rId9"/>
-    <p:sldId id="277" r:id="rId10"/>
-    <p:sldId id="274" r:id="rId11"/>
-    <p:sldId id="275" r:id="rId12"/>
+    <p:sldId id="279" r:id="rId3"/>
+    <p:sldId id="270" r:id="rId4"/>
+    <p:sldId id="278" r:id="rId5"/>
+    <p:sldId id="271" r:id="rId6"/>
+    <p:sldId id="277" r:id="rId7"/>
+    <p:sldId id="280" r:id="rId8"/>
+    <p:sldId id="274" r:id="rId9"/>
+    <p:sldId id="273" r:id="rId10"/>
+    <p:sldId id="275" r:id="rId11"/>
   </p:sldIdLst>
   <p:sldSz cx="12192000" cy="6858000"/>
   <p:notesSz cx="6858000" cy="9144000"/>
@@ -10495,571 +10494,6 @@
           <a:chExt cx="0" cy="0"/>
         </a:xfrm>
       </p:grpSpPr>
-      <p:pic>
-        <p:nvPicPr>
-          <p:cNvPr id="24" name="Picture 23">
-            <a:extLst>
-              <a:ext uri="{FF2B5EF4-FFF2-40B4-BE49-F238E27FC236}">
-                <a16:creationId xmlns:a16="http://schemas.microsoft.com/office/drawing/2014/main" id="{84A8546C-D059-498A-822B-74187498B3CF}"/>
-              </a:ext>
-            </a:extLst>
-          </p:cNvPr>
-          <p:cNvPicPr>
-            <a:picLocks noChangeAspect="1"/>
-          </p:cNvPicPr>
-          <p:nvPr/>
-        </p:nvPicPr>
-        <p:blipFill>
-          <a:blip r:embed="rId2"/>
-          <a:stretch>
-            <a:fillRect/>
-          </a:stretch>
-        </p:blipFill>
-        <p:spPr>
-          <a:xfrm>
-            <a:off x="8427077" y="3792003"/>
-            <a:ext cx="3411163" cy="2567279"/>
-          </a:xfrm>
-          <a:prstGeom prst="rect">
-            <a:avLst/>
-          </a:prstGeom>
-        </p:spPr>
-      </p:pic>
-      <p:pic>
-        <p:nvPicPr>
-          <p:cNvPr id="15" name="Picture 14">
-            <a:extLst>
-              <a:ext uri="{FF2B5EF4-FFF2-40B4-BE49-F238E27FC236}">
-                <a16:creationId xmlns:a16="http://schemas.microsoft.com/office/drawing/2014/main" id="{5C95B084-94EF-495A-B258-972D11F4BA94}"/>
-              </a:ext>
-            </a:extLst>
-          </p:cNvPr>
-          <p:cNvPicPr>
-            <a:picLocks noChangeAspect="1"/>
-          </p:cNvPicPr>
-          <p:nvPr/>
-        </p:nvPicPr>
-        <p:blipFill>
-          <a:blip r:embed="rId3"/>
-          <a:stretch>
-            <a:fillRect/>
-          </a:stretch>
-        </p:blipFill>
-        <p:spPr>
-          <a:xfrm>
-            <a:off x="4369025" y="3792167"/>
-            <a:ext cx="3411163" cy="2601773"/>
-          </a:xfrm>
-          <a:prstGeom prst="rect">
-            <a:avLst/>
-          </a:prstGeom>
-        </p:spPr>
-      </p:pic>
-      <p:pic>
-        <p:nvPicPr>
-          <p:cNvPr id="13" name="Picture 12">
-            <a:extLst>
-              <a:ext uri="{FF2B5EF4-FFF2-40B4-BE49-F238E27FC236}">
-                <a16:creationId xmlns:a16="http://schemas.microsoft.com/office/drawing/2014/main" id="{B6291C6D-D993-440A-B360-DE3FE0AEED54}"/>
-              </a:ext>
-            </a:extLst>
-          </p:cNvPr>
-          <p:cNvPicPr>
-            <a:picLocks noChangeAspect="1"/>
-          </p:cNvPicPr>
-          <p:nvPr/>
-        </p:nvPicPr>
-        <p:blipFill>
-          <a:blip r:embed="rId4"/>
-          <a:stretch>
-            <a:fillRect/>
-          </a:stretch>
-        </p:blipFill>
-        <p:spPr>
-          <a:xfrm>
-            <a:off x="324364" y="3776928"/>
-            <a:ext cx="3334084" cy="2597431"/>
-          </a:xfrm>
-          <a:prstGeom prst="rect">
-            <a:avLst/>
-          </a:prstGeom>
-        </p:spPr>
-      </p:pic>
-      <p:pic>
-        <p:nvPicPr>
-          <p:cNvPr id="7" name="Picture 6">
-            <a:extLst>
-              <a:ext uri="{FF2B5EF4-FFF2-40B4-BE49-F238E27FC236}">
-                <a16:creationId xmlns:a16="http://schemas.microsoft.com/office/drawing/2014/main" id="{C027FC18-6EC1-4ED1-95C4-E15563BD41F1}"/>
-              </a:ext>
-            </a:extLst>
-          </p:cNvPr>
-          <p:cNvPicPr>
-            <a:picLocks noChangeAspect="1"/>
-          </p:cNvPicPr>
-          <p:nvPr/>
-        </p:nvPicPr>
-        <p:blipFill>
-          <a:blip r:embed="rId5"/>
-          <a:stretch>
-            <a:fillRect/>
-          </a:stretch>
-        </p:blipFill>
-        <p:spPr>
-          <a:xfrm>
-            <a:off x="2032709" y="1165611"/>
-            <a:ext cx="3411163" cy="2597431"/>
-          </a:xfrm>
-          <a:prstGeom prst="rect">
-            <a:avLst/>
-          </a:prstGeom>
-        </p:spPr>
-      </p:pic>
-      <p:sp>
-        <p:nvSpPr>
-          <p:cNvPr id="2" name="Title 1">
-            <a:extLst>
-              <a:ext uri="{FF2B5EF4-FFF2-40B4-BE49-F238E27FC236}">
-                <a16:creationId xmlns:a16="http://schemas.microsoft.com/office/drawing/2014/main" id="{14D1FEA8-4E30-40AD-92EB-320FCAD023DA}"/>
-              </a:ext>
-            </a:extLst>
-          </p:cNvPr>
-          <p:cNvSpPr>
-            <a:spLocks noGrp="1"/>
-          </p:cNvSpPr>
-          <p:nvPr>
-            <p:ph type="title"/>
-          </p:nvPr>
-        </p:nvSpPr>
-        <p:spPr/>
-        <p:txBody>
-          <a:bodyPr/>
-          <a:lstStyle/>
-          <a:p>
-            <a:r>
-              <a:rPr lang="en-US" dirty="0"/>
-              <a:t>Sample plots from function output</a:t>
-            </a:r>
-          </a:p>
-        </p:txBody>
-      </p:sp>
-      <p:sp>
-        <p:nvSpPr>
-          <p:cNvPr id="3" name="Date Placeholder 2">
-            <a:extLst>
-              <a:ext uri="{FF2B5EF4-FFF2-40B4-BE49-F238E27FC236}">
-                <a16:creationId xmlns:a16="http://schemas.microsoft.com/office/drawing/2014/main" id="{D900F170-0D30-400A-8BE8-0791E8605B39}"/>
-              </a:ext>
-            </a:extLst>
-          </p:cNvPr>
-          <p:cNvSpPr>
-            <a:spLocks noGrp="1"/>
-          </p:cNvSpPr>
-          <p:nvPr>
-            <p:ph type="dt" sz="half" idx="10"/>
-          </p:nvPr>
-        </p:nvSpPr>
-        <p:spPr/>
-        <p:txBody>
-          <a:bodyPr/>
-          <a:lstStyle/>
-          <a:p>
-            <a:fld id="{9AC9EBFE-5BA1-460F-BE92-8CF5579A714B}" type="datetime4">
-              <a:rPr lang="en-US" smtClean="0"/>
-              <a:t>December 6, 2022</a:t>
-            </a:fld>
-            <a:endParaRPr lang="en-CA"/>
-          </a:p>
-        </p:txBody>
-      </p:sp>
-      <p:sp>
-        <p:nvSpPr>
-          <p:cNvPr id="4" name="Footer Placeholder 3">
-            <a:extLst>
-              <a:ext uri="{FF2B5EF4-FFF2-40B4-BE49-F238E27FC236}">
-                <a16:creationId xmlns:a16="http://schemas.microsoft.com/office/drawing/2014/main" id="{B7A92993-DBBD-47A6-81B4-E8DB54F4A23E}"/>
-              </a:ext>
-            </a:extLst>
-          </p:cNvPr>
-          <p:cNvSpPr>
-            <a:spLocks noGrp="1"/>
-          </p:cNvSpPr>
-          <p:nvPr>
-            <p:ph type="ftr" sz="quarter" idx="11"/>
-          </p:nvPr>
-        </p:nvSpPr>
-        <p:spPr/>
-        <p:txBody>
-          <a:bodyPr/>
-          <a:lstStyle/>
-          <a:p>
-            <a:r>
-              <a:rPr lang="en-CA"/>
-              <a:t>Presentation Title</a:t>
-            </a:r>
-          </a:p>
-        </p:txBody>
-      </p:sp>
-      <p:sp>
-        <p:nvSpPr>
-          <p:cNvPr id="5" name="Slide Number Placeholder 4">
-            <a:extLst>
-              <a:ext uri="{FF2B5EF4-FFF2-40B4-BE49-F238E27FC236}">
-                <a16:creationId xmlns:a16="http://schemas.microsoft.com/office/drawing/2014/main" id="{1ACF5D45-8760-437F-92DA-130365F9DC59}"/>
-              </a:ext>
-            </a:extLst>
-          </p:cNvPr>
-          <p:cNvSpPr>
-            <a:spLocks noGrp="1"/>
-          </p:cNvSpPr>
-          <p:nvPr>
-            <p:ph type="sldNum" sz="quarter" idx="12"/>
-          </p:nvPr>
-        </p:nvSpPr>
-        <p:spPr/>
-        <p:txBody>
-          <a:bodyPr/>
-          <a:lstStyle/>
-          <a:p>
-            <a:fld id="{00E6A5BD-C011-4A45-AA3A-201790FB7F2B}" type="slidenum">
-              <a:rPr lang="en-CA" smtClean="0"/>
-              <a:t>10</a:t>
-            </a:fld>
-            <a:endParaRPr lang="en-CA"/>
-          </a:p>
-        </p:txBody>
-      </p:sp>
-      <p:sp>
-        <p:nvSpPr>
-          <p:cNvPr id="17" name="TextBox 16">
-            <a:extLst>
-              <a:ext uri="{FF2B5EF4-FFF2-40B4-BE49-F238E27FC236}">
-                <a16:creationId xmlns:a16="http://schemas.microsoft.com/office/drawing/2014/main" id="{66C7559F-196D-4FD4-A2D0-45B0C6D22F5F}"/>
-              </a:ext>
-            </a:extLst>
-          </p:cNvPr>
-          <p:cNvSpPr txBox="1"/>
-          <p:nvPr/>
-        </p:nvSpPr>
-        <p:spPr>
-          <a:xfrm>
-            <a:off x="3108495" y="2249367"/>
-            <a:ext cx="1410961" cy="553998"/>
-          </a:xfrm>
-          <a:prstGeom prst="rect">
-            <a:avLst/>
-          </a:prstGeom>
-          <a:noFill/>
-        </p:spPr>
-        <p:txBody>
-          <a:bodyPr wrap="square" lIns="0" tIns="0" rIns="0" bIns="0" rtlCol="0">
-            <a:spAutoFit/>
-          </a:bodyPr>
-          <a:lstStyle/>
-          <a:p>
-            <a:r>
-              <a:rPr lang="en-US" i="1" dirty="0">
-                <a:solidFill>
-                  <a:schemeClr val="accent2"/>
-                </a:solidFill>
-              </a:rPr>
-              <a:t>N = 20 points</a:t>
-            </a:r>
-          </a:p>
-          <a:p>
-            <a:pPr algn="ctr"/>
-            <a:r>
-              <a:rPr lang="en-US" i="1" dirty="0">
-                <a:solidFill>
-                  <a:schemeClr val="accent2"/>
-                </a:solidFill>
-              </a:rPr>
-              <a:t>Eq. spacing</a:t>
-            </a:r>
-          </a:p>
-        </p:txBody>
-      </p:sp>
-      <p:grpSp>
-        <p:nvGrpSpPr>
-          <p:cNvPr id="31" name="Group 30">
-            <a:extLst>
-              <a:ext uri="{FF2B5EF4-FFF2-40B4-BE49-F238E27FC236}">
-                <a16:creationId xmlns:a16="http://schemas.microsoft.com/office/drawing/2014/main" id="{041B0009-93BB-43A1-83CC-04A10E41AF4F}"/>
-              </a:ext>
-            </a:extLst>
-          </p:cNvPr>
-          <p:cNvGrpSpPr/>
-          <p:nvPr/>
-        </p:nvGrpSpPr>
-        <p:grpSpPr>
-          <a:xfrm>
-            <a:off x="6719103" y="1329260"/>
-            <a:ext cx="3415948" cy="2433782"/>
-            <a:chOff x="6719103" y="1329260"/>
-            <a:chExt cx="3415948" cy="2433782"/>
-          </a:xfrm>
-        </p:grpSpPr>
-        <p:pic>
-          <p:nvPicPr>
-            <p:cNvPr id="10" name="Picture 9">
-              <a:extLst>
-                <a:ext uri="{FF2B5EF4-FFF2-40B4-BE49-F238E27FC236}">
-                  <a16:creationId xmlns:a16="http://schemas.microsoft.com/office/drawing/2014/main" id="{5E106F6A-1BFA-4BAA-AE58-25B44F7CB441}"/>
-                </a:ext>
-              </a:extLst>
-            </p:cNvPr>
-            <p:cNvPicPr>
-              <a:picLocks noChangeAspect="1"/>
-            </p:cNvPicPr>
-            <p:nvPr/>
-          </p:nvPicPr>
-          <p:blipFill>
-            <a:blip r:embed="rId6"/>
-            <a:stretch>
-              <a:fillRect/>
-            </a:stretch>
-          </p:blipFill>
-          <p:spPr>
-            <a:xfrm>
-              <a:off x="6719103" y="1329260"/>
-              <a:ext cx="3415948" cy="2433782"/>
-            </a:xfrm>
-            <a:prstGeom prst="rect">
-              <a:avLst/>
-            </a:prstGeom>
-          </p:spPr>
-        </p:pic>
-        <p:sp>
-          <p:nvSpPr>
-            <p:cNvPr id="18" name="TextBox 17">
-              <a:extLst>
-                <a:ext uri="{FF2B5EF4-FFF2-40B4-BE49-F238E27FC236}">
-                  <a16:creationId xmlns:a16="http://schemas.microsoft.com/office/drawing/2014/main" id="{55146BF3-9B7A-4E00-AFDB-386BA17E0FD7}"/>
-                </a:ext>
-              </a:extLst>
-            </p:cNvPr>
-            <p:cNvSpPr txBox="1"/>
-            <p:nvPr/>
-          </p:nvSpPr>
-          <p:spPr>
-            <a:xfrm>
-              <a:off x="7669771" y="2246300"/>
-              <a:ext cx="1671777" cy="553998"/>
-            </a:xfrm>
-            <a:prstGeom prst="rect">
-              <a:avLst/>
-            </a:prstGeom>
-            <a:noFill/>
-          </p:spPr>
-          <p:txBody>
-            <a:bodyPr wrap="square" lIns="0" tIns="0" rIns="0" bIns="0" rtlCol="0">
-              <a:spAutoFit/>
-            </a:bodyPr>
-            <a:lstStyle/>
-            <a:p>
-              <a:r>
-                <a:rPr lang="en-US" i="1" dirty="0">
-                  <a:solidFill>
-                    <a:schemeClr val="accent2"/>
-                  </a:solidFill>
-                </a:rPr>
-                <a:t>N = 20 points</a:t>
-              </a:r>
-            </a:p>
-            <a:p>
-              <a:pPr algn="ctr"/>
-              <a:r>
-                <a:rPr lang="en-US" i="1" dirty="0">
-                  <a:solidFill>
-                    <a:schemeClr val="accent2"/>
-                  </a:solidFill>
-                </a:rPr>
-                <a:t>Random spacing</a:t>
-              </a:r>
-            </a:p>
-          </p:txBody>
-        </p:sp>
-      </p:grpSp>
-      <p:sp>
-        <p:nvSpPr>
-          <p:cNvPr id="19" name="TextBox 18">
-            <a:extLst>
-              <a:ext uri="{FF2B5EF4-FFF2-40B4-BE49-F238E27FC236}">
-                <a16:creationId xmlns:a16="http://schemas.microsoft.com/office/drawing/2014/main" id="{1779A3FA-9F9F-4D20-9EDB-439D9EBBB03B}"/>
-              </a:ext>
-            </a:extLst>
-          </p:cNvPr>
-          <p:cNvSpPr txBox="1"/>
-          <p:nvPr/>
-        </p:nvSpPr>
-        <p:spPr>
-          <a:xfrm>
-            <a:off x="1359630" y="4742228"/>
-            <a:ext cx="1671777" cy="553998"/>
-          </a:xfrm>
-          <a:prstGeom prst="rect">
-            <a:avLst/>
-          </a:prstGeom>
-          <a:noFill/>
-        </p:spPr>
-        <p:txBody>
-          <a:bodyPr wrap="square" lIns="0" tIns="0" rIns="0" bIns="0" rtlCol="0">
-            <a:spAutoFit/>
-          </a:bodyPr>
-          <a:lstStyle/>
-          <a:p>
-            <a:r>
-              <a:rPr lang="en-US" i="1" dirty="0">
-                <a:solidFill>
-                  <a:schemeClr val="accent2"/>
-                </a:solidFill>
-              </a:rPr>
-              <a:t>N = 100 points</a:t>
-            </a:r>
-          </a:p>
-          <a:p>
-            <a:pPr algn="ctr"/>
-            <a:r>
-              <a:rPr lang="en-US" i="1" dirty="0">
-                <a:solidFill>
-                  <a:schemeClr val="accent2"/>
-                </a:solidFill>
-              </a:rPr>
-              <a:t>Eq. spacing</a:t>
-            </a:r>
-          </a:p>
-        </p:txBody>
-      </p:sp>
-      <p:sp>
-        <p:nvSpPr>
-          <p:cNvPr id="20" name="TextBox 19">
-            <a:extLst>
-              <a:ext uri="{FF2B5EF4-FFF2-40B4-BE49-F238E27FC236}">
-                <a16:creationId xmlns:a16="http://schemas.microsoft.com/office/drawing/2014/main" id="{990D25C5-7504-49AC-9E22-BAD11633B1A6}"/>
-              </a:ext>
-            </a:extLst>
-          </p:cNvPr>
-          <p:cNvSpPr txBox="1"/>
-          <p:nvPr/>
-        </p:nvSpPr>
-        <p:spPr>
-          <a:xfrm>
-            <a:off x="5401207" y="4742228"/>
-            <a:ext cx="1671777" cy="553998"/>
-          </a:xfrm>
-          <a:prstGeom prst="rect">
-            <a:avLst/>
-          </a:prstGeom>
-          <a:noFill/>
-        </p:spPr>
-        <p:txBody>
-          <a:bodyPr wrap="square" lIns="0" tIns="0" rIns="0" bIns="0" rtlCol="0">
-            <a:spAutoFit/>
-          </a:bodyPr>
-          <a:lstStyle/>
-          <a:p>
-            <a:r>
-              <a:rPr lang="en-US" i="1" dirty="0">
-                <a:solidFill>
-                  <a:schemeClr val="accent2"/>
-                </a:solidFill>
-              </a:rPr>
-              <a:t>N = 1000 points</a:t>
-            </a:r>
-          </a:p>
-          <a:p>
-            <a:pPr algn="ctr"/>
-            <a:r>
-              <a:rPr lang="en-US" i="1" dirty="0">
-                <a:solidFill>
-                  <a:schemeClr val="accent2"/>
-                </a:solidFill>
-              </a:rPr>
-              <a:t>Eq. spacing</a:t>
-            </a:r>
-          </a:p>
-        </p:txBody>
-      </p:sp>
-      <p:sp>
-        <p:nvSpPr>
-          <p:cNvPr id="21" name="TextBox 20">
-            <a:extLst>
-              <a:ext uri="{FF2B5EF4-FFF2-40B4-BE49-F238E27FC236}">
-                <a16:creationId xmlns:a16="http://schemas.microsoft.com/office/drawing/2014/main" id="{5C781B61-7EBE-4121-85EE-3FA310C04A5E}"/>
-              </a:ext>
-            </a:extLst>
-          </p:cNvPr>
-          <p:cNvSpPr txBox="1"/>
-          <p:nvPr/>
-        </p:nvSpPr>
-        <p:spPr>
-          <a:xfrm>
-            <a:off x="9413240" y="4736843"/>
-            <a:ext cx="1671777" cy="553998"/>
-          </a:xfrm>
-          <a:prstGeom prst="rect">
-            <a:avLst/>
-          </a:prstGeom>
-          <a:noFill/>
-        </p:spPr>
-        <p:txBody>
-          <a:bodyPr wrap="square" lIns="0" tIns="0" rIns="0" bIns="0" rtlCol="0">
-            <a:spAutoFit/>
-          </a:bodyPr>
-          <a:lstStyle/>
-          <a:p>
-            <a:r>
-              <a:rPr lang="en-US" i="1" dirty="0">
-                <a:solidFill>
-                  <a:schemeClr val="accent2"/>
-                </a:solidFill>
-              </a:rPr>
-              <a:t>N = 10000 points</a:t>
-            </a:r>
-          </a:p>
-          <a:p>
-            <a:pPr algn="ctr"/>
-            <a:r>
-              <a:rPr lang="en-US" i="1" dirty="0">
-                <a:solidFill>
-                  <a:schemeClr val="accent2"/>
-                </a:solidFill>
-              </a:rPr>
-              <a:t>Random spacing</a:t>
-            </a:r>
-          </a:p>
-        </p:txBody>
-      </p:sp>
-    </p:spTree>
-    <p:extLst>
-      <p:ext uri="{BB962C8B-B14F-4D97-AF65-F5344CB8AC3E}">
-        <p14:creationId xmlns:p14="http://schemas.microsoft.com/office/powerpoint/2010/main" val="2054234993"/>
-      </p:ext>
-    </p:extLst>
-  </p:cSld>
-  <p:clrMapOvr>
-    <a:masterClrMapping/>
-  </p:clrMapOvr>
-</p:sld>
-</file>
-
-<file path=ppt/slides/slide11.xml><?xml version="1.0" encoding="utf-8"?>
-<p:sld xmlns:a="http://schemas.openxmlformats.org/drawingml/2006/main" xmlns:r="http://schemas.openxmlformats.org/officeDocument/2006/relationships" xmlns:p="http://schemas.openxmlformats.org/presentationml/2006/main">
-  <p:cSld>
-    <p:spTree>
-      <p:nvGrpSpPr>
-        <p:cNvPr id="1" name=""/>
-        <p:cNvGrpSpPr/>
-        <p:nvPr/>
-      </p:nvGrpSpPr>
-      <p:grpSpPr>
-        <a:xfrm>
-          <a:off x="0" y="0"/>
-          <a:ext cx="0" cy="0"/>
-          <a:chOff x="0" y="0"/>
-          <a:chExt cx="0" cy="0"/>
-        </a:xfrm>
-      </p:grpSpPr>
       <p:sp>
         <p:nvSpPr>
           <p:cNvPr id="2" name="Title 1">
@@ -11168,7 +10602,7 @@
           <a:p>
             <a:fld id="{00E6A5BD-C011-4A45-AA3A-201790FB7F2B}" type="slidenum">
               <a:rPr lang="en-CA" smtClean="0"/>
-              <a:t>11</a:t>
+              <a:t>10</a:t>
             </a:fld>
             <a:endParaRPr lang="en-CA"/>
           </a:p>
@@ -11616,7 +11050,7 @@
           <p:cNvPr id="2" name="Title 1">
             <a:extLst>
               <a:ext uri="{FF2B5EF4-FFF2-40B4-BE49-F238E27FC236}">
-                <a16:creationId xmlns:a16="http://schemas.microsoft.com/office/drawing/2014/main" id="{C681C751-6C4C-405B-BC0E-56FF0D7A6B8F}"/>
+                <a16:creationId xmlns:a16="http://schemas.microsoft.com/office/drawing/2014/main" id="{096D3C48-AC85-4316-B900-31ED5036E9C0}"/>
               </a:ext>
             </a:extLst>
           </p:cNvPr>
@@ -11634,7 +11068,7 @@
           <a:p>
             <a:r>
               <a:rPr lang="en-US" dirty="0"/>
-              <a:t>Goals of Sprint Review/Retro</a:t>
+              <a:t>Problem Significance</a:t>
             </a:r>
           </a:p>
         </p:txBody>
@@ -11644,7 +11078,7 @@
           <p:cNvPr id="3" name="Date Placeholder 2">
             <a:extLst>
               <a:ext uri="{FF2B5EF4-FFF2-40B4-BE49-F238E27FC236}">
-                <a16:creationId xmlns:a16="http://schemas.microsoft.com/office/drawing/2014/main" id="{02EF9BE8-D659-4D3D-9915-762531D05A33}"/>
+                <a16:creationId xmlns:a16="http://schemas.microsoft.com/office/drawing/2014/main" id="{E1B5C280-673B-4A37-B9CE-4D54D483FE00}"/>
               </a:ext>
             </a:extLst>
           </p:cNvPr>
@@ -11660,7 +11094,7 @@
           <a:bodyPr/>
           <a:lstStyle/>
           <a:p>
-            <a:fld id="{9AC9EBFE-5BA1-460F-BE92-8CF5579A714B}" type="datetime4">
+            <a:fld id="{66CA7FD2-EEE1-4653-A3ED-EC06E26685F5}" type="datetime4">
               <a:rPr lang="en-US" smtClean="0"/>
               <a:t>December 6, 2022</a:t>
             </a:fld>
@@ -11673,7 +11107,7 @@
           <p:cNvPr id="4" name="Footer Placeholder 3">
             <a:extLst>
               <a:ext uri="{FF2B5EF4-FFF2-40B4-BE49-F238E27FC236}">
-                <a16:creationId xmlns:a16="http://schemas.microsoft.com/office/drawing/2014/main" id="{6D660630-3ACC-447C-B7B7-0A845C5208C0}"/>
+                <a16:creationId xmlns:a16="http://schemas.microsoft.com/office/drawing/2014/main" id="{F8220D51-AAD9-4E5B-AAC7-9EB42A899FD0}"/>
               </a:ext>
             </a:extLst>
           </p:cNvPr>
@@ -11701,7 +11135,7 @@
           <p:cNvPr id="5" name="Slide Number Placeholder 4">
             <a:extLst>
               <a:ext uri="{FF2B5EF4-FFF2-40B4-BE49-F238E27FC236}">
-                <a16:creationId xmlns:a16="http://schemas.microsoft.com/office/drawing/2014/main" id="{A8094A15-9709-4D8E-B763-E5AF93A93B78}"/>
+                <a16:creationId xmlns:a16="http://schemas.microsoft.com/office/drawing/2014/main" id="{692BE39E-019F-4912-8F35-B05935509E4E}"/>
               </a:ext>
             </a:extLst>
           </p:cNvPr>
@@ -11727,65 +11161,82 @@
       </p:sp>
       <p:sp>
         <p:nvSpPr>
-          <p:cNvPr id="6" name="TextBox 5">
+          <p:cNvPr id="7" name="Content Placeholder 6">
             <a:extLst>
               <a:ext uri="{FF2B5EF4-FFF2-40B4-BE49-F238E27FC236}">
-                <a16:creationId xmlns:a16="http://schemas.microsoft.com/office/drawing/2014/main" id="{D71BCC7F-EB82-43AA-9F0D-D8FA31F6ABDA}"/>
+                <a16:creationId xmlns:a16="http://schemas.microsoft.com/office/drawing/2014/main" id="{47A96F61-8D24-47EB-AF71-375BA14F78CB}"/>
               </a:ext>
             </a:extLst>
           </p:cNvPr>
-          <p:cNvSpPr txBox="1"/>
-          <p:nvPr/>
-        </p:nvSpPr>
-        <p:spPr>
-          <a:xfrm>
-            <a:off x="1224501" y="1796995"/>
-            <a:ext cx="8488017" cy="553998"/>
-          </a:xfrm>
-          <a:prstGeom prst="rect">
-            <a:avLst/>
-          </a:prstGeom>
-          <a:noFill/>
-        </p:spPr>
-        <p:txBody>
-          <a:bodyPr wrap="square" lIns="0" tIns="0" rIns="0" bIns="0" rtlCol="0">
-            <a:spAutoFit/>
-          </a:bodyPr>
+          <p:cNvSpPr>
+            <a:spLocks noGrp="1"/>
+          </p:cNvSpPr>
+          <p:nvPr>
+            <p:ph sz="quarter" idx="14"/>
+          </p:nvPr>
+        </p:nvSpPr>
+        <p:spPr/>
+        <p:txBody>
+          <a:bodyPr/>
           <a:lstStyle/>
           <a:p>
-            <a:pPr marL="285750" indent="-285750">
-              <a:buFont typeface="Arial" panose="020B0604020202020204" pitchFamily="34" charset="0"/>
-              <a:buChar char="•"/>
-            </a:pPr>
-            <a:r>
-              <a:rPr lang="en-US" dirty="0">
-                <a:solidFill>
-                  <a:schemeClr val="accent2"/>
-                </a:solidFill>
-              </a:rPr>
-              <a:t>Review: Demo each “story” (task/requirement) to product owner for acceptance</a:t>
-            </a:r>
-          </a:p>
-          <a:p>
-            <a:pPr marL="285750" indent="-285750">
-              <a:buFont typeface="Arial" panose="020B0604020202020204" pitchFamily="34" charset="0"/>
-              <a:buChar char="•"/>
-            </a:pPr>
-            <a:r>
-              <a:rPr lang="en-US" dirty="0">
-                <a:solidFill>
-                  <a:schemeClr val="accent2"/>
-                </a:solidFill>
-              </a:rPr>
-              <a:t>Retro: reflect on sprint, suggest changes for process improvement</a:t>
-            </a:r>
+            <a:r>
+              <a:rPr lang="en-US" dirty="0"/>
+              <a:t>Task:</a:t>
+            </a:r>
+          </a:p>
+          <a:p>
+            <a:pPr marL="649288" lvl="2" indent="-457200"/>
+            <a:r>
+              <a:rPr lang="en-US" dirty="0"/>
+              <a:t>Estimate the circumference and area of a circle without using Pi</a:t>
+            </a:r>
+          </a:p>
+          <a:p>
+            <a:r>
+              <a:rPr lang="en-US" dirty="0"/>
+              <a:t>Goals:</a:t>
+            </a:r>
+          </a:p>
+          <a:p>
+            <a:pPr marL="649288" lvl="2" indent="-457200"/>
+            <a:r>
+              <a:rPr lang="en-US" dirty="0"/>
+              <a:t>Generate working code that accomplishes the defined task</a:t>
+            </a:r>
+          </a:p>
+          <a:p>
+            <a:pPr marL="649288" lvl="2" indent="-457200"/>
+            <a:r>
+              <a:rPr lang="en-US" dirty="0"/>
+              <a:t>Improve understanding of  numerical methods</a:t>
+            </a:r>
+          </a:p>
+          <a:p>
+            <a:pPr marL="649288" lvl="2" indent="-457200"/>
+            <a:r>
+              <a:rPr lang="en-US" dirty="0"/>
+              <a:t>Familiarize ourselves with agile principles</a:t>
+            </a:r>
+          </a:p>
+          <a:p>
+            <a:pPr marL="649288" lvl="2" indent="-457200"/>
+            <a:r>
+              <a:rPr lang="en-US" dirty="0"/>
+              <a:t>Improve software development skills using </a:t>
+            </a:r>
+            <a:r>
+              <a:rPr lang="en-US" dirty="0" err="1"/>
+              <a:t>Github</a:t>
+            </a:r>
+            <a:endParaRPr lang="en-US" dirty="0"/>
           </a:p>
         </p:txBody>
       </p:sp>
     </p:spTree>
     <p:extLst>
       <p:ext uri="{BB962C8B-B14F-4D97-AF65-F5344CB8AC3E}">
-        <p14:creationId xmlns:p14="http://schemas.microsoft.com/office/powerpoint/2010/main" val="77835687"/>
+        <p14:creationId xmlns:p14="http://schemas.microsoft.com/office/powerpoint/2010/main" val="144615818"/>
       </p:ext>
     </p:extLst>
   </p:cSld>
@@ -11817,7 +11268,7 @@
           <p:cNvPr id="2" name="Title 1">
             <a:extLst>
               <a:ext uri="{FF2B5EF4-FFF2-40B4-BE49-F238E27FC236}">
-                <a16:creationId xmlns:a16="http://schemas.microsoft.com/office/drawing/2014/main" id="{1F37C8B4-33FB-47EA-9C83-1C729E353A06}"/>
+                <a16:creationId xmlns:a16="http://schemas.microsoft.com/office/drawing/2014/main" id="{A89D7FC9-B451-4F69-AA62-39D438720CFC}"/>
               </a:ext>
             </a:extLst>
           </p:cNvPr>
@@ -11835,7 +11286,7 @@
           <a:p>
             <a:r>
               <a:rPr lang="en-US" dirty="0"/>
-              <a:t>Problem Significance</a:t>
+              <a:t>Algorithm Functions</a:t>
             </a:r>
           </a:p>
         </p:txBody>
@@ -11845,7 +11296,7 @@
           <p:cNvPr id="3" name="Date Placeholder 2">
             <a:extLst>
               <a:ext uri="{FF2B5EF4-FFF2-40B4-BE49-F238E27FC236}">
-                <a16:creationId xmlns:a16="http://schemas.microsoft.com/office/drawing/2014/main" id="{A170A8BF-17BD-43E8-8677-915FFEEA9D32}"/>
+                <a16:creationId xmlns:a16="http://schemas.microsoft.com/office/drawing/2014/main" id="{DD30271C-8863-4410-8731-AB7247FB9F9F}"/>
               </a:ext>
             </a:extLst>
           </p:cNvPr>
@@ -11874,7 +11325,7 @@
           <p:cNvPr id="4" name="Footer Placeholder 3">
             <a:extLst>
               <a:ext uri="{FF2B5EF4-FFF2-40B4-BE49-F238E27FC236}">
-                <a16:creationId xmlns:a16="http://schemas.microsoft.com/office/drawing/2014/main" id="{D96C21D1-2429-4BFE-9695-EC1F9D109A67}"/>
+                <a16:creationId xmlns:a16="http://schemas.microsoft.com/office/drawing/2014/main" id="{E704B8F3-FC59-4A2E-B52C-C8694B5AF5EE}"/>
               </a:ext>
             </a:extLst>
           </p:cNvPr>
@@ -11902,7 +11353,7 @@
           <p:cNvPr id="5" name="Slide Number Placeholder 4">
             <a:extLst>
               <a:ext uri="{FF2B5EF4-FFF2-40B4-BE49-F238E27FC236}">
-                <a16:creationId xmlns:a16="http://schemas.microsoft.com/office/drawing/2014/main" id="{F03954BC-1A31-4DCA-9832-4F44C24D4174}"/>
+                <a16:creationId xmlns:a16="http://schemas.microsoft.com/office/drawing/2014/main" id="{978E9D5B-59A4-458D-8F94-17387B144187}"/>
               </a:ext>
             </a:extLst>
           </p:cNvPr>
@@ -11928,110 +11379,79 @@
       </p:sp>
       <p:sp>
         <p:nvSpPr>
-          <p:cNvPr id="6" name="TextBox 5">
+          <p:cNvPr id="7" name="Content Placeholder 6">
             <a:extLst>
               <a:ext uri="{FF2B5EF4-FFF2-40B4-BE49-F238E27FC236}">
-                <a16:creationId xmlns:a16="http://schemas.microsoft.com/office/drawing/2014/main" id="{74F88D33-475C-4F6D-B6A0-407D2E1AE71F}"/>
+                <a16:creationId xmlns:a16="http://schemas.microsoft.com/office/drawing/2014/main" id="{EAC10EA5-DD1C-4111-968E-CF3F1D7D3647}"/>
               </a:ext>
             </a:extLst>
           </p:cNvPr>
-          <p:cNvSpPr txBox="1"/>
-          <p:nvPr/>
-        </p:nvSpPr>
-        <p:spPr>
-          <a:xfrm>
-            <a:off x="1361803" y="2018211"/>
-            <a:ext cx="9692640" cy="1661993"/>
-          </a:xfrm>
-          <a:prstGeom prst="rect">
-            <a:avLst/>
-          </a:prstGeom>
-          <a:noFill/>
-        </p:spPr>
-        <p:txBody>
-          <a:bodyPr wrap="square" lIns="0" tIns="0" rIns="0" bIns="0" rtlCol="0">
-            <a:spAutoFit/>
-          </a:bodyPr>
+          <p:cNvSpPr>
+            <a:spLocks noGrp="1"/>
+          </p:cNvSpPr>
+          <p:nvPr>
+            <p:ph sz="quarter" idx="14"/>
+          </p:nvPr>
+        </p:nvSpPr>
+        <p:spPr/>
+        <p:txBody>
+          <a:bodyPr/>
           <a:lstStyle/>
           <a:p>
-            <a:pPr marL="285750" indent="-285750">
-              <a:buFont typeface="Arial" panose="020B0604020202020204" pitchFamily="34" charset="0"/>
-              <a:buChar char="•"/>
-            </a:pPr>
-            <a:r>
-              <a:rPr lang="en-US" dirty="0">
-                <a:solidFill>
-                  <a:schemeClr val="accent2"/>
-                </a:solidFill>
-              </a:rPr>
-              <a:t>Task: estimate the circumference and area of a circle without using Pi</a:t>
-            </a:r>
-          </a:p>
-          <a:p>
-            <a:pPr marL="742950" lvl="1" indent="-285750">
-              <a:buFont typeface="Arial" panose="020B0604020202020204" pitchFamily="34" charset="0"/>
-              <a:buChar char="•"/>
-            </a:pPr>
-            <a:endParaRPr lang="en-US" dirty="0">
-              <a:solidFill>
-                <a:schemeClr val="accent2"/>
-              </a:solidFill>
-            </a:endParaRPr>
-          </a:p>
-          <a:p>
-            <a:pPr marL="285750" indent="-285750">
-              <a:buFont typeface="Arial" panose="020B0604020202020204" pitchFamily="34" charset="0"/>
-              <a:buChar char="•"/>
-            </a:pPr>
-            <a:r>
-              <a:rPr lang="en-US" dirty="0">
-                <a:solidFill>
-                  <a:schemeClr val="accent2"/>
-                </a:solidFill>
-              </a:rPr>
-              <a:t>Goals:</a:t>
-            </a:r>
-          </a:p>
-          <a:p>
-            <a:pPr marL="742950" lvl="1" indent="-285750">
-              <a:buFont typeface="Arial" panose="020B0604020202020204" pitchFamily="34" charset="0"/>
-              <a:buChar char="•"/>
-            </a:pPr>
-            <a:r>
-              <a:rPr lang="en-US" dirty="0">
-                <a:solidFill>
-                  <a:schemeClr val="accent2"/>
-                </a:solidFill>
-              </a:rPr>
-              <a:t>Accomplish task</a:t>
-            </a:r>
-          </a:p>
-          <a:p>
-            <a:pPr marL="742950" lvl="1" indent="-285750">
-              <a:buFont typeface="Arial" panose="020B0604020202020204" pitchFamily="34" charset="0"/>
-              <a:buChar char="•"/>
-            </a:pPr>
-            <a:r>
-              <a:rPr lang="en-US" dirty="0">
-                <a:solidFill>
-                  <a:schemeClr val="accent2"/>
-                </a:solidFill>
-              </a:rPr>
-              <a:t>Familiarize ourselves with GitHub and agile principles</a:t>
-            </a:r>
-          </a:p>
-          <a:p>
-            <a:pPr marL="742950" lvl="1" indent="-285750">
-              <a:buFont typeface="Arial" panose="020B0604020202020204" pitchFamily="34" charset="0"/>
-              <a:buChar char="•"/>
-            </a:pPr>
-            <a:r>
-              <a:rPr lang="en-US" dirty="0">
-                <a:solidFill>
-                  <a:schemeClr val="accent2"/>
-                </a:solidFill>
-              </a:rPr>
-              <a:t>Improve software development skills</a:t>
+            <a:r>
+              <a:rPr lang="en-US" b="1" dirty="0" err="1"/>
+              <a:t>get_circle_inputs</a:t>
+            </a:r>
+            <a:r>
+              <a:rPr lang="en-US" b="1" dirty="0"/>
+              <a:t>()</a:t>
+            </a:r>
+            <a:r>
+              <a:rPr lang="en-US" dirty="0"/>
+              <a:t>:</a:t>
+            </a:r>
+            <a:r>
+              <a:rPr lang="en-US" b="1" dirty="0"/>
+              <a:t> </a:t>
+            </a:r>
+            <a:r>
+              <a:rPr lang="en-US" dirty="0"/>
+              <a:t>user enters values—if they are incorrect, an error message pops up and they repeat entry</a:t>
+            </a:r>
+          </a:p>
+          <a:p>
+            <a:r>
+              <a:rPr lang="en-US" b="1" dirty="0" err="1"/>
+              <a:t>estimate_circ</a:t>
+            </a:r>
+            <a:r>
+              <a:rPr lang="en-US" b="1" dirty="0"/>
+              <a:t>()</a:t>
+            </a:r>
+            <a:r>
+              <a:rPr lang="en-US" dirty="0"/>
+              <a:t>: circle circumference is approximated to be compared with actual circumference</a:t>
+            </a:r>
+          </a:p>
+          <a:p>
+            <a:r>
+              <a:rPr lang="en-US" b="1" dirty="0" err="1"/>
+              <a:t>estimate_area</a:t>
+            </a:r>
+            <a:r>
+              <a:rPr lang="en-US" b="1" dirty="0"/>
+              <a:t>()</a:t>
+            </a:r>
+            <a:r>
+              <a:rPr lang="en-US" dirty="0"/>
+              <a:t>: circle area is approximated to be compared with actual area</a:t>
+            </a:r>
+          </a:p>
+          <a:p>
+            <a:pPr lvl="1"/>
+            <a:r>
+              <a:rPr lang="en-US" dirty="0"/>
+              <a:t>	</a:t>
             </a:r>
           </a:p>
         </p:txBody>
@@ -12039,7 +11459,7 @@
     </p:spTree>
     <p:extLst>
       <p:ext uri="{BB962C8B-B14F-4D97-AF65-F5344CB8AC3E}">
-        <p14:creationId xmlns:p14="http://schemas.microsoft.com/office/powerpoint/2010/main" val="830380106"/>
+        <p14:creationId xmlns:p14="http://schemas.microsoft.com/office/powerpoint/2010/main" val="1379553736"/>
       </p:ext>
     </p:extLst>
   </p:cSld>
@@ -12071,7 +11491,7 @@
           <p:cNvPr id="2" name="Title 1">
             <a:extLst>
               <a:ext uri="{FF2B5EF4-FFF2-40B4-BE49-F238E27FC236}">
-                <a16:creationId xmlns:a16="http://schemas.microsoft.com/office/drawing/2014/main" id="{A89D7FC9-B451-4F69-AA62-39D438720CFC}"/>
+                <a16:creationId xmlns:a16="http://schemas.microsoft.com/office/drawing/2014/main" id="{82427042-FE86-486E-8632-28308B2132FF}"/>
               </a:ext>
             </a:extLst>
           </p:cNvPr>
@@ -12089,7 +11509,7 @@
           <a:p>
             <a:r>
               <a:rPr lang="en-US" dirty="0"/>
-              <a:t>Algorithm Functions</a:t>
+              <a:t>User Inputs</a:t>
             </a:r>
           </a:p>
         </p:txBody>
@@ -12099,7 +11519,7 @@
           <p:cNvPr id="3" name="Date Placeholder 2">
             <a:extLst>
               <a:ext uri="{FF2B5EF4-FFF2-40B4-BE49-F238E27FC236}">
-                <a16:creationId xmlns:a16="http://schemas.microsoft.com/office/drawing/2014/main" id="{DD30271C-8863-4410-8731-AB7247FB9F9F}"/>
+                <a16:creationId xmlns:a16="http://schemas.microsoft.com/office/drawing/2014/main" id="{D2B75781-9096-4A65-92FF-BF0F09ED31A1}"/>
               </a:ext>
             </a:extLst>
           </p:cNvPr>
@@ -12115,7 +11535,7 @@
           <a:bodyPr/>
           <a:lstStyle/>
           <a:p>
-            <a:fld id="{9AC9EBFE-5BA1-460F-BE92-8CF5579A714B}" type="datetime4">
+            <a:fld id="{66CA7FD2-EEE1-4653-A3ED-EC06E26685F5}" type="datetime4">
               <a:rPr lang="en-US" smtClean="0"/>
               <a:t>December 6, 2022</a:t>
             </a:fld>
@@ -12128,7 +11548,7 @@
           <p:cNvPr id="4" name="Footer Placeholder 3">
             <a:extLst>
               <a:ext uri="{FF2B5EF4-FFF2-40B4-BE49-F238E27FC236}">
-                <a16:creationId xmlns:a16="http://schemas.microsoft.com/office/drawing/2014/main" id="{E704B8F3-FC59-4A2E-B52C-C8694B5AF5EE}"/>
+                <a16:creationId xmlns:a16="http://schemas.microsoft.com/office/drawing/2014/main" id="{DC9674F5-9ABF-4829-A1B3-1C7391DD7B85}"/>
               </a:ext>
             </a:extLst>
           </p:cNvPr>
@@ -12156,7 +11576,7 @@
           <p:cNvPr id="5" name="Slide Number Placeholder 4">
             <a:extLst>
               <a:ext uri="{FF2B5EF4-FFF2-40B4-BE49-F238E27FC236}">
-                <a16:creationId xmlns:a16="http://schemas.microsoft.com/office/drawing/2014/main" id="{978E9D5B-59A4-458D-8F94-17387B144187}"/>
+                <a16:creationId xmlns:a16="http://schemas.microsoft.com/office/drawing/2014/main" id="{1EB4F8BC-D821-4D31-A462-DD2631D6487D}"/>
               </a:ext>
             </a:extLst>
           </p:cNvPr>
@@ -12182,10 +11602,10 @@
       </p:sp>
       <p:sp>
         <p:nvSpPr>
-          <p:cNvPr id="7" name="Content Placeholder 6">
+          <p:cNvPr id="12" name="Content Placeholder 11">
             <a:extLst>
               <a:ext uri="{FF2B5EF4-FFF2-40B4-BE49-F238E27FC236}">
-                <a16:creationId xmlns:a16="http://schemas.microsoft.com/office/drawing/2014/main" id="{EAC10EA5-DD1C-4111-968E-CF3F1D7D3647}"/>
+                <a16:creationId xmlns:a16="http://schemas.microsoft.com/office/drawing/2014/main" id="{EDA34F20-C1CD-4E2D-ABC7-DE2947A83986}"/>
               </a:ext>
             </a:extLst>
           </p:cNvPr>
@@ -12193,76 +11613,101 @@
             <a:spLocks noGrp="1"/>
           </p:cNvSpPr>
           <p:nvPr>
-            <p:ph sz="quarter" idx="14"/>
+            <p:ph sz="quarter" idx="4294967295"/>
           </p:nvPr>
         </p:nvSpPr>
-        <p:spPr/>
+        <p:spPr>
+          <a:xfrm>
+            <a:off x="1260215" y="1590675"/>
+            <a:ext cx="9004300" cy="4343400"/>
+          </a:xfrm>
+        </p:spPr>
         <p:txBody>
           <a:bodyPr/>
           <a:lstStyle/>
           <a:p>
             <a:r>
-              <a:rPr lang="en-US" b="1" dirty="0" err="1"/>
-              <a:t>get_circle_inputs</a:t>
-            </a:r>
-            <a:r>
-              <a:rPr lang="en-US" b="1" dirty="0"/>
-              <a:t>()</a:t>
-            </a:r>
-            <a:r>
               <a:rPr lang="en-US" dirty="0"/>
-              <a:t>:</a:t>
-            </a:r>
-            <a:r>
-              <a:rPr lang="en-US" b="1" dirty="0"/>
-              <a:t> </a:t>
-            </a:r>
+              <a:t>Try-except statements were used to catch user errors and make the user try again if the type of input is incorrect</a:t>
+            </a:r>
+          </a:p>
+          <a:p>
             <a:r>
               <a:rPr lang="en-US" dirty="0"/>
-              <a:t>user enters values—if they are incorrect, an error message pops up and they repeat entry</a:t>
-            </a:r>
-          </a:p>
-          <a:p>
-            <a:r>
-              <a:rPr lang="en-US" b="1" dirty="0" err="1"/>
-              <a:t>estimate_circ</a:t>
-            </a:r>
-            <a:r>
-              <a:rPr lang="en-US" b="1" dirty="0"/>
-              <a:t>()</a:t>
-            </a:r>
-            <a:r>
-              <a:rPr lang="en-US" dirty="0"/>
-              <a:t>: circle circumference is approximated to be compared with actual circumference</a:t>
-            </a:r>
-          </a:p>
-          <a:p>
-            <a:r>
-              <a:rPr lang="en-US" b="1" dirty="0" err="1"/>
-              <a:t>estimate_area</a:t>
-            </a:r>
-            <a:r>
-              <a:rPr lang="en-US" b="1" dirty="0"/>
-              <a:t>()</a:t>
-            </a:r>
-            <a:r>
-              <a:rPr lang="en-US" dirty="0"/>
-              <a:t>: circle area is approximated to be compared with actual area</a:t>
-            </a:r>
-          </a:p>
-          <a:p>
-            <a:pPr lvl="1"/>
-            <a:r>
-              <a:rPr lang="en-US" dirty="0"/>
-              <a:t>	</a:t>
-            </a:r>
-          </a:p>
-        </p:txBody>
-      </p:sp>
+              <a:t>After entering their inputs, the values are printed, and the user has the option to try again</a:t>
+            </a:r>
+          </a:p>
+          <a:p>
+            <a:endParaRPr lang="en-US" dirty="0"/>
+          </a:p>
+          <a:p>
+            <a:endParaRPr lang="en-US" dirty="0"/>
+          </a:p>
+        </p:txBody>
+      </p:sp>
+      <p:pic>
+        <p:nvPicPr>
+          <p:cNvPr id="14" name="Picture 13">
+            <a:extLst>
+              <a:ext uri="{FF2B5EF4-FFF2-40B4-BE49-F238E27FC236}">
+                <a16:creationId xmlns:a16="http://schemas.microsoft.com/office/drawing/2014/main" id="{DE6F4DB9-40AF-4CDC-B55A-DC7A69BE365C}"/>
+              </a:ext>
+            </a:extLst>
+          </p:cNvPr>
+          <p:cNvPicPr>
+            <a:picLocks noChangeAspect="1"/>
+          </p:cNvPicPr>
+          <p:nvPr/>
+        </p:nvPicPr>
+        <p:blipFill rotWithShape="1">
+          <a:blip r:embed="rId2"/>
+          <a:srcRect r="54385"/>
+          <a:stretch/>
+        </p:blipFill>
+        <p:spPr>
+          <a:xfrm>
+            <a:off x="1045599" y="4112119"/>
+            <a:ext cx="4850294" cy="2323484"/>
+          </a:xfrm>
+          <a:prstGeom prst="rect">
+            <a:avLst/>
+          </a:prstGeom>
+        </p:spPr>
+      </p:pic>
+      <p:pic>
+        <p:nvPicPr>
+          <p:cNvPr id="18" name="Picture 17">
+            <a:extLst>
+              <a:ext uri="{FF2B5EF4-FFF2-40B4-BE49-F238E27FC236}">
+                <a16:creationId xmlns:a16="http://schemas.microsoft.com/office/drawing/2014/main" id="{502DF71B-B9E8-4387-92EB-C11EBED38BE2}"/>
+              </a:ext>
+            </a:extLst>
+          </p:cNvPr>
+          <p:cNvPicPr>
+            <a:picLocks noChangeAspect="1"/>
+          </p:cNvPicPr>
+          <p:nvPr/>
+        </p:nvPicPr>
+        <p:blipFill>
+          <a:blip r:embed="rId3"/>
+          <a:stretch>
+            <a:fillRect/>
+          </a:stretch>
+        </p:blipFill>
+        <p:spPr>
+          <a:xfrm>
+            <a:off x="6429636" y="4148304"/>
+            <a:ext cx="5347985" cy="2251114"/>
+          </a:xfrm>
+          <a:prstGeom prst="rect">
+            <a:avLst/>
+          </a:prstGeom>
+        </p:spPr>
+      </p:pic>
     </p:spTree>
     <p:extLst>
       <p:ext uri="{BB962C8B-B14F-4D97-AF65-F5344CB8AC3E}">
-        <p14:creationId xmlns:p14="http://schemas.microsoft.com/office/powerpoint/2010/main" val="1379553736"/>
+        <p14:creationId xmlns:p14="http://schemas.microsoft.com/office/powerpoint/2010/main" val="473823252"/>
       </p:ext>
     </p:extLst>
   </p:cSld>
@@ -12291,254 +11736,6 @@
       </p:grpSpPr>
       <p:sp>
         <p:nvSpPr>
-          <p:cNvPr id="2" name="Title 1">
-            <a:extLst>
-              <a:ext uri="{FF2B5EF4-FFF2-40B4-BE49-F238E27FC236}">
-                <a16:creationId xmlns:a16="http://schemas.microsoft.com/office/drawing/2014/main" id="{82427042-FE86-486E-8632-28308B2132FF}"/>
-              </a:ext>
-            </a:extLst>
-          </p:cNvPr>
-          <p:cNvSpPr>
-            <a:spLocks noGrp="1"/>
-          </p:cNvSpPr>
-          <p:nvPr>
-            <p:ph type="title"/>
-          </p:nvPr>
-        </p:nvSpPr>
-        <p:spPr/>
-        <p:txBody>
-          <a:bodyPr/>
-          <a:lstStyle/>
-          <a:p>
-            <a:r>
-              <a:rPr lang="en-US" dirty="0"/>
-              <a:t>User Inputs</a:t>
-            </a:r>
-          </a:p>
-        </p:txBody>
-      </p:sp>
-      <p:sp>
-        <p:nvSpPr>
-          <p:cNvPr id="3" name="Date Placeholder 2">
-            <a:extLst>
-              <a:ext uri="{FF2B5EF4-FFF2-40B4-BE49-F238E27FC236}">
-                <a16:creationId xmlns:a16="http://schemas.microsoft.com/office/drawing/2014/main" id="{D2B75781-9096-4A65-92FF-BF0F09ED31A1}"/>
-              </a:ext>
-            </a:extLst>
-          </p:cNvPr>
-          <p:cNvSpPr>
-            <a:spLocks noGrp="1"/>
-          </p:cNvSpPr>
-          <p:nvPr>
-            <p:ph type="dt" sz="half" idx="10"/>
-          </p:nvPr>
-        </p:nvSpPr>
-        <p:spPr/>
-        <p:txBody>
-          <a:bodyPr/>
-          <a:lstStyle/>
-          <a:p>
-            <a:fld id="{66CA7FD2-EEE1-4653-A3ED-EC06E26685F5}" type="datetime4">
-              <a:rPr lang="en-US" smtClean="0"/>
-              <a:t>December 6, 2022</a:t>
-            </a:fld>
-            <a:endParaRPr lang="en-CA"/>
-          </a:p>
-        </p:txBody>
-      </p:sp>
-      <p:sp>
-        <p:nvSpPr>
-          <p:cNvPr id="4" name="Footer Placeholder 3">
-            <a:extLst>
-              <a:ext uri="{FF2B5EF4-FFF2-40B4-BE49-F238E27FC236}">
-                <a16:creationId xmlns:a16="http://schemas.microsoft.com/office/drawing/2014/main" id="{DC9674F5-9ABF-4829-A1B3-1C7391DD7B85}"/>
-              </a:ext>
-            </a:extLst>
-          </p:cNvPr>
-          <p:cNvSpPr>
-            <a:spLocks noGrp="1"/>
-          </p:cNvSpPr>
-          <p:nvPr>
-            <p:ph type="ftr" sz="quarter" idx="11"/>
-          </p:nvPr>
-        </p:nvSpPr>
-        <p:spPr/>
-        <p:txBody>
-          <a:bodyPr/>
-          <a:lstStyle/>
-          <a:p>
-            <a:r>
-              <a:rPr lang="en-CA"/>
-              <a:t>Presentation Title</a:t>
-            </a:r>
-          </a:p>
-        </p:txBody>
-      </p:sp>
-      <p:sp>
-        <p:nvSpPr>
-          <p:cNvPr id="5" name="Slide Number Placeholder 4">
-            <a:extLst>
-              <a:ext uri="{FF2B5EF4-FFF2-40B4-BE49-F238E27FC236}">
-                <a16:creationId xmlns:a16="http://schemas.microsoft.com/office/drawing/2014/main" id="{1EB4F8BC-D821-4D31-A462-DD2631D6487D}"/>
-              </a:ext>
-            </a:extLst>
-          </p:cNvPr>
-          <p:cNvSpPr>
-            <a:spLocks noGrp="1"/>
-          </p:cNvSpPr>
-          <p:nvPr>
-            <p:ph type="sldNum" sz="quarter" idx="12"/>
-          </p:nvPr>
-        </p:nvSpPr>
-        <p:spPr/>
-        <p:txBody>
-          <a:bodyPr/>
-          <a:lstStyle/>
-          <a:p>
-            <a:fld id="{00E6A5BD-C011-4A45-AA3A-201790FB7F2B}" type="slidenum">
-              <a:rPr lang="en-CA" smtClean="0"/>
-              <a:t>5</a:t>
-            </a:fld>
-            <a:endParaRPr lang="en-CA"/>
-          </a:p>
-        </p:txBody>
-      </p:sp>
-      <p:sp>
-        <p:nvSpPr>
-          <p:cNvPr id="12" name="Content Placeholder 11">
-            <a:extLst>
-              <a:ext uri="{FF2B5EF4-FFF2-40B4-BE49-F238E27FC236}">
-                <a16:creationId xmlns:a16="http://schemas.microsoft.com/office/drawing/2014/main" id="{EDA34F20-C1CD-4E2D-ABC7-DE2947A83986}"/>
-              </a:ext>
-            </a:extLst>
-          </p:cNvPr>
-          <p:cNvSpPr>
-            <a:spLocks noGrp="1"/>
-          </p:cNvSpPr>
-          <p:nvPr>
-            <p:ph sz="quarter" idx="4294967295"/>
-          </p:nvPr>
-        </p:nvSpPr>
-        <p:spPr>
-          <a:xfrm>
-            <a:off x="1260215" y="1590675"/>
-            <a:ext cx="9004300" cy="4343400"/>
-          </a:xfrm>
-        </p:spPr>
-        <p:txBody>
-          <a:bodyPr/>
-          <a:lstStyle/>
-          <a:p>
-            <a:r>
-              <a:rPr lang="en-US" dirty="0"/>
-              <a:t>Try-except statements were used to catch user errors and make the user try again if the type of input is incorrect</a:t>
-            </a:r>
-          </a:p>
-          <a:p>
-            <a:r>
-              <a:rPr lang="en-US" dirty="0"/>
-              <a:t>After entering their inputs, the values are printed, and the user has the option to try again</a:t>
-            </a:r>
-          </a:p>
-          <a:p>
-            <a:endParaRPr lang="en-US" dirty="0"/>
-          </a:p>
-          <a:p>
-            <a:endParaRPr lang="en-US" dirty="0"/>
-          </a:p>
-        </p:txBody>
-      </p:sp>
-      <p:pic>
-        <p:nvPicPr>
-          <p:cNvPr id="14" name="Picture 13">
-            <a:extLst>
-              <a:ext uri="{FF2B5EF4-FFF2-40B4-BE49-F238E27FC236}">
-                <a16:creationId xmlns:a16="http://schemas.microsoft.com/office/drawing/2014/main" id="{DE6F4DB9-40AF-4CDC-B55A-DC7A69BE365C}"/>
-              </a:ext>
-            </a:extLst>
-          </p:cNvPr>
-          <p:cNvPicPr>
-            <a:picLocks noChangeAspect="1"/>
-          </p:cNvPicPr>
-          <p:nvPr/>
-        </p:nvPicPr>
-        <p:blipFill rotWithShape="1">
-          <a:blip r:embed="rId2"/>
-          <a:srcRect r="54385"/>
-          <a:stretch/>
-        </p:blipFill>
-        <p:spPr>
-          <a:xfrm>
-            <a:off x="1045599" y="4112119"/>
-            <a:ext cx="4850294" cy="2323484"/>
-          </a:xfrm>
-          <a:prstGeom prst="rect">
-            <a:avLst/>
-          </a:prstGeom>
-        </p:spPr>
-      </p:pic>
-      <p:pic>
-        <p:nvPicPr>
-          <p:cNvPr id="18" name="Picture 17">
-            <a:extLst>
-              <a:ext uri="{FF2B5EF4-FFF2-40B4-BE49-F238E27FC236}">
-                <a16:creationId xmlns:a16="http://schemas.microsoft.com/office/drawing/2014/main" id="{502DF71B-B9E8-4387-92EB-C11EBED38BE2}"/>
-              </a:ext>
-            </a:extLst>
-          </p:cNvPr>
-          <p:cNvPicPr>
-            <a:picLocks noChangeAspect="1"/>
-          </p:cNvPicPr>
-          <p:nvPr/>
-        </p:nvPicPr>
-        <p:blipFill>
-          <a:blip r:embed="rId3"/>
-          <a:stretch>
-            <a:fillRect/>
-          </a:stretch>
-        </p:blipFill>
-        <p:spPr>
-          <a:xfrm>
-            <a:off x="6429636" y="4148304"/>
-            <a:ext cx="5347985" cy="2251114"/>
-          </a:xfrm>
-          <a:prstGeom prst="rect">
-            <a:avLst/>
-          </a:prstGeom>
-        </p:spPr>
-      </p:pic>
-    </p:spTree>
-    <p:extLst>
-      <p:ext uri="{BB962C8B-B14F-4D97-AF65-F5344CB8AC3E}">
-        <p14:creationId xmlns:p14="http://schemas.microsoft.com/office/powerpoint/2010/main" val="473823252"/>
-      </p:ext>
-    </p:extLst>
-  </p:cSld>
-  <p:clrMapOvr>
-    <a:masterClrMapping/>
-  </p:clrMapOvr>
-</p:sld>
-</file>
-
-<file path=ppt/slides/slide6.xml><?xml version="1.0" encoding="utf-8"?>
-<p:sld xmlns:a="http://schemas.openxmlformats.org/drawingml/2006/main" xmlns:r="http://schemas.openxmlformats.org/officeDocument/2006/relationships" xmlns:p="http://schemas.openxmlformats.org/presentationml/2006/main">
-  <p:cSld>
-    <p:spTree>
-      <p:nvGrpSpPr>
-        <p:cNvPr id="1" name=""/>
-        <p:cNvGrpSpPr/>
-        <p:nvPr/>
-      </p:nvGrpSpPr>
-      <p:grpSpPr>
-        <a:xfrm>
-          <a:off x="0" y="0"/>
-          <a:ext cx="0" cy="0"/>
-          <a:chOff x="0" y="0"/>
-          <a:chExt cx="0" cy="0"/>
-        </a:xfrm>
-      </p:grpSpPr>
-      <p:sp>
-        <p:nvSpPr>
           <p:cNvPr id="141" name="Octagon 140">
             <a:extLst>
               <a:ext uri="{FF2B5EF4-FFF2-40B4-BE49-F238E27FC236}">
@@ -12707,14 +11904,14 @@
           <a:p>
             <a:fld id="{00E6A5BD-C011-4A45-AA3A-201790FB7F2B}" type="slidenum">
               <a:rPr lang="en-CA" smtClean="0"/>
-              <a:t>6</a:t>
+              <a:t>5</a:t>
             </a:fld>
             <a:endParaRPr lang="en-CA"/>
           </a:p>
         </p:txBody>
       </p:sp>
-      <mc:AlternateContent xmlns:mc="http://schemas.openxmlformats.org/markup-compatibility/2006">
-        <mc:Choice xmlns:a14="http://schemas.microsoft.com/office/drawing/2010/main" Requires="a14">
+      <mc:AlternateContent xmlns:mc="http://schemas.openxmlformats.org/markup-compatibility/2006" xmlns:a14="http://schemas.microsoft.com/office/drawing/2010/main">
+        <mc:Choice Requires="a14">
           <p:sp>
             <p:nvSpPr>
               <p:cNvPr id="17" name="TextBox 16">
@@ -13470,7 +12667,7 @@
             </p:txBody>
           </p:sp>
         </mc:Choice>
-        <mc:Fallback>
+        <mc:Fallback xmlns="">
           <p:sp>
             <p:nvSpPr>
               <p:cNvPr id="17" name="TextBox 16">
@@ -14062,8 +13259,8 @@
             </a:fontRef>
           </p:style>
         </p:cxnSp>
-        <mc:AlternateContent xmlns:mc="http://schemas.openxmlformats.org/markup-compatibility/2006">
-          <mc:Choice xmlns:a14="http://schemas.microsoft.com/office/drawing/2010/main" Requires="a14">
+        <mc:AlternateContent xmlns:mc="http://schemas.openxmlformats.org/markup-compatibility/2006" xmlns:a14="http://schemas.microsoft.com/office/drawing/2010/main">
+          <mc:Choice Requires="a14">
             <p:sp>
               <p:nvSpPr>
                 <p:cNvPr id="41" name="TextBox 40">
@@ -14102,6 +13299,7 @@
                           <a:solidFill>
                             <a:schemeClr val="accent2"/>
                           </a:solidFill>
+                          <a:latin typeface="Cambria Math" panose="02040503050406030204" pitchFamily="18" charset="0"/>
                           <a:ea typeface="Cambria Math" panose="02040503050406030204" pitchFamily="18" charset="0"/>
                         </a:rPr>
                         <m:t>θ</m:t>
@@ -14120,7 +13318,7 @@
               </p:txBody>
             </p:sp>
           </mc:Choice>
-          <mc:Fallback>
+          <mc:Fallback xmlns="">
             <p:sp>
               <p:nvSpPr>
                 <p:cNvPr id="41" name="TextBox 40">
@@ -14165,8 +13363,8 @@
             </p:sp>
           </mc:Fallback>
         </mc:AlternateContent>
-        <mc:AlternateContent xmlns:mc="http://schemas.openxmlformats.org/markup-compatibility/2006">
-          <mc:Choice xmlns:a14="http://schemas.microsoft.com/office/drawing/2010/main" Requires="a14">
+        <mc:AlternateContent xmlns:mc="http://schemas.openxmlformats.org/markup-compatibility/2006" xmlns:a14="http://schemas.microsoft.com/office/drawing/2010/main">
+          <mc:Choice Requires="a14">
             <p:sp>
               <p:nvSpPr>
                 <p:cNvPr id="42" name="TextBox 41">
@@ -14205,6 +13403,7 @@
                           <a:solidFill>
                             <a:schemeClr val="accent2"/>
                           </a:solidFill>
+                          <a:latin typeface="Cambria Math" panose="02040503050406030204" pitchFamily="18" charset="0"/>
                           <a:ea typeface="Cambria Math" panose="02040503050406030204" pitchFamily="18" charset="0"/>
                         </a:rPr>
                         <m:t>θ</m:t>
@@ -14262,7 +13461,7 @@
               </p:txBody>
             </p:sp>
           </mc:Choice>
-          <mc:Fallback>
+          <mc:Fallback xmlns="">
             <p:sp>
               <p:nvSpPr>
                 <p:cNvPr id="42" name="TextBox 41">
@@ -14307,8 +13506,8 @@
             </p:sp>
           </mc:Fallback>
         </mc:AlternateContent>
-        <mc:AlternateContent xmlns:mc="http://schemas.openxmlformats.org/markup-compatibility/2006">
-          <mc:Choice xmlns:a14="http://schemas.microsoft.com/office/drawing/2010/main" Requires="a14">
+        <mc:AlternateContent xmlns:mc="http://schemas.openxmlformats.org/markup-compatibility/2006" xmlns:a14="http://schemas.microsoft.com/office/drawing/2010/main">
+          <mc:Choice Requires="a14">
             <p:sp>
               <p:nvSpPr>
                 <p:cNvPr id="44" name="TextBox 43">
@@ -14405,7 +13604,7 @@
               </p:txBody>
             </p:sp>
           </mc:Choice>
-          <mc:Fallback>
+          <mc:Fallback xmlns="">
             <p:sp>
               <p:nvSpPr>
                 <p:cNvPr id="44" name="TextBox 43">
@@ -15514,7 +14713,7 @@
 </p:sld>
 </file>
 
-<file path=ppt/slides/slide7.xml><?xml version="1.0" encoding="utf-8"?>
+<file path=ppt/slides/slide6.xml><?xml version="1.0" encoding="utf-8"?>
 <p:sld xmlns:a="http://schemas.openxmlformats.org/drawingml/2006/main" xmlns:r="http://schemas.openxmlformats.org/officeDocument/2006/relationships" xmlns:p="http://schemas.openxmlformats.org/presentationml/2006/main">
   <p:cSld>
     <p:spTree>
@@ -15536,474 +14735,6 @@
           <p:cNvPr id="2" name="Title 1">
             <a:extLst>
               <a:ext uri="{FF2B5EF4-FFF2-40B4-BE49-F238E27FC236}">
-                <a16:creationId xmlns:a16="http://schemas.microsoft.com/office/drawing/2014/main" id="{79E99DA0-630A-4999-AE11-B17F0B98D37A}"/>
-              </a:ext>
-            </a:extLst>
-          </p:cNvPr>
-          <p:cNvSpPr>
-            <a:spLocks noGrp="1"/>
-          </p:cNvSpPr>
-          <p:nvPr>
-            <p:ph type="title"/>
-          </p:nvPr>
-        </p:nvSpPr>
-        <p:spPr/>
-        <p:txBody>
-          <a:bodyPr/>
-          <a:lstStyle/>
-          <a:p>
-            <a:r>
-              <a:rPr lang="en-US" dirty="0"/>
-              <a:t>Extending the Algorithm</a:t>
-            </a:r>
-          </a:p>
-        </p:txBody>
-      </p:sp>
-      <p:sp>
-        <p:nvSpPr>
-          <p:cNvPr id="3" name="Date Placeholder 2">
-            <a:extLst>
-              <a:ext uri="{FF2B5EF4-FFF2-40B4-BE49-F238E27FC236}">
-                <a16:creationId xmlns:a16="http://schemas.microsoft.com/office/drawing/2014/main" id="{2EE64DBE-2C49-435C-AF33-7D018E42A978}"/>
-              </a:ext>
-            </a:extLst>
-          </p:cNvPr>
-          <p:cNvSpPr>
-            <a:spLocks noGrp="1"/>
-          </p:cNvSpPr>
-          <p:nvPr>
-            <p:ph type="dt" sz="half" idx="10"/>
-          </p:nvPr>
-        </p:nvSpPr>
-        <p:spPr/>
-        <p:txBody>
-          <a:bodyPr/>
-          <a:lstStyle/>
-          <a:p>
-            <a:fld id="{9AC9EBFE-5BA1-460F-BE92-8CF5579A714B}" type="datetime4">
-              <a:rPr lang="en-US" smtClean="0"/>
-              <a:t>December 6, 2022</a:t>
-            </a:fld>
-            <a:endParaRPr lang="en-CA"/>
-          </a:p>
-        </p:txBody>
-      </p:sp>
-      <p:sp>
-        <p:nvSpPr>
-          <p:cNvPr id="4" name="Footer Placeholder 3">
-            <a:extLst>
-              <a:ext uri="{FF2B5EF4-FFF2-40B4-BE49-F238E27FC236}">
-                <a16:creationId xmlns:a16="http://schemas.microsoft.com/office/drawing/2014/main" id="{3D5DBEE6-1FC3-43EC-A6E3-F4F0623B670B}"/>
-              </a:ext>
-            </a:extLst>
-          </p:cNvPr>
-          <p:cNvSpPr>
-            <a:spLocks noGrp="1"/>
-          </p:cNvSpPr>
-          <p:nvPr>
-            <p:ph type="ftr" sz="quarter" idx="11"/>
-          </p:nvPr>
-        </p:nvSpPr>
-        <p:spPr/>
-        <p:txBody>
-          <a:bodyPr/>
-          <a:lstStyle/>
-          <a:p>
-            <a:r>
-              <a:rPr lang="en-CA"/>
-              <a:t>Presentation Title</a:t>
-            </a:r>
-          </a:p>
-        </p:txBody>
-      </p:sp>
-      <p:sp>
-        <p:nvSpPr>
-          <p:cNvPr id="5" name="Slide Number Placeholder 4">
-            <a:extLst>
-              <a:ext uri="{FF2B5EF4-FFF2-40B4-BE49-F238E27FC236}">
-                <a16:creationId xmlns:a16="http://schemas.microsoft.com/office/drawing/2014/main" id="{5C6F5594-894F-4D85-82C0-9D900DE9B3CB}"/>
-              </a:ext>
-            </a:extLst>
-          </p:cNvPr>
-          <p:cNvSpPr>
-            <a:spLocks noGrp="1"/>
-          </p:cNvSpPr>
-          <p:nvPr>
-            <p:ph type="sldNum" sz="quarter" idx="12"/>
-          </p:nvPr>
-        </p:nvSpPr>
-        <p:spPr/>
-        <p:txBody>
-          <a:bodyPr/>
-          <a:lstStyle/>
-          <a:p>
-            <a:fld id="{00E6A5BD-C011-4A45-AA3A-201790FB7F2B}" type="slidenum">
-              <a:rPr lang="en-CA" smtClean="0"/>
-              <a:t>7</a:t>
-            </a:fld>
-            <a:endParaRPr lang="en-CA"/>
-          </a:p>
-        </p:txBody>
-      </p:sp>
-      <p:sp>
-        <p:nvSpPr>
-          <p:cNvPr id="7" name="Content Placeholder 6">
-            <a:extLst>
-              <a:ext uri="{FF2B5EF4-FFF2-40B4-BE49-F238E27FC236}">
-                <a16:creationId xmlns:a16="http://schemas.microsoft.com/office/drawing/2014/main" id="{F37D6AE4-65CE-4F40-BA87-F8EEF35F47C3}"/>
-              </a:ext>
-            </a:extLst>
-          </p:cNvPr>
-          <p:cNvSpPr>
-            <a:spLocks noGrp="1"/>
-          </p:cNvSpPr>
-          <p:nvPr>
-            <p:ph sz="quarter" idx="14"/>
-          </p:nvPr>
-        </p:nvSpPr>
-        <p:spPr/>
-        <p:txBody>
-          <a:bodyPr/>
-          <a:lstStyle/>
-          <a:p>
-            <a:endParaRPr lang="en-US" dirty="0"/>
-          </a:p>
-        </p:txBody>
-      </p:sp>
-    </p:spTree>
-    <p:extLst>
-      <p:ext uri="{BB962C8B-B14F-4D97-AF65-F5344CB8AC3E}">
-        <p14:creationId xmlns:p14="http://schemas.microsoft.com/office/powerpoint/2010/main" val="1643561512"/>
-      </p:ext>
-    </p:extLst>
-  </p:cSld>
-  <p:clrMapOvr>
-    <a:masterClrMapping/>
-  </p:clrMapOvr>
-</p:sld>
-</file>
-
-<file path=ppt/slides/slide8.xml><?xml version="1.0" encoding="utf-8"?>
-<p:sld xmlns:a="http://schemas.openxmlformats.org/drawingml/2006/main" xmlns:r="http://schemas.openxmlformats.org/officeDocument/2006/relationships" xmlns:p="http://schemas.openxmlformats.org/presentationml/2006/main">
-  <p:cSld>
-    <p:spTree>
-      <p:nvGrpSpPr>
-        <p:cNvPr id="1" name=""/>
-        <p:cNvGrpSpPr/>
-        <p:nvPr/>
-      </p:nvGrpSpPr>
-      <p:grpSpPr>
-        <a:xfrm>
-          <a:off x="0" y="0"/>
-          <a:ext cx="0" cy="0"/>
-          <a:chOff x="0" y="0"/>
-          <a:chExt cx="0" cy="0"/>
-        </a:xfrm>
-      </p:grpSpPr>
-      <p:sp>
-        <p:nvSpPr>
-          <p:cNvPr id="2" name="Title 1">
-            <a:extLst>
-              <a:ext uri="{FF2B5EF4-FFF2-40B4-BE49-F238E27FC236}">
-                <a16:creationId xmlns:a16="http://schemas.microsoft.com/office/drawing/2014/main" id="{1BCC1F77-8300-466A-9C7F-5B21E88D231D}"/>
-              </a:ext>
-            </a:extLst>
-          </p:cNvPr>
-          <p:cNvSpPr>
-            <a:spLocks noGrp="1"/>
-          </p:cNvSpPr>
-          <p:nvPr>
-            <p:ph type="title"/>
-          </p:nvPr>
-        </p:nvSpPr>
-        <p:spPr>
-          <a:xfrm>
-            <a:off x="1627632" y="252364"/>
-            <a:ext cx="8997696" cy="914400"/>
-          </a:xfrm>
-        </p:spPr>
-        <p:txBody>
-          <a:bodyPr/>
-          <a:lstStyle/>
-          <a:p>
-            <a:r>
-              <a:rPr lang="en-US" dirty="0"/>
-              <a:t>Input Parameter Impact on Results</a:t>
-            </a:r>
-          </a:p>
-        </p:txBody>
-      </p:sp>
-      <p:sp>
-        <p:nvSpPr>
-          <p:cNvPr id="3" name="Date Placeholder 2">
-            <a:extLst>
-              <a:ext uri="{FF2B5EF4-FFF2-40B4-BE49-F238E27FC236}">
-                <a16:creationId xmlns:a16="http://schemas.microsoft.com/office/drawing/2014/main" id="{B437D10D-4E88-4BAB-8EFD-E0C870D25D0D}"/>
-              </a:ext>
-            </a:extLst>
-          </p:cNvPr>
-          <p:cNvSpPr>
-            <a:spLocks noGrp="1"/>
-          </p:cNvSpPr>
-          <p:nvPr>
-            <p:ph type="dt" sz="half" idx="10"/>
-          </p:nvPr>
-        </p:nvSpPr>
-        <p:spPr/>
-        <p:txBody>
-          <a:bodyPr/>
-          <a:lstStyle/>
-          <a:p>
-            <a:fld id="{9AC9EBFE-5BA1-460F-BE92-8CF5579A714B}" type="datetime4">
-              <a:rPr lang="en-US" smtClean="0"/>
-              <a:t>December 6, 2022</a:t>
-            </a:fld>
-            <a:endParaRPr lang="en-CA"/>
-          </a:p>
-        </p:txBody>
-      </p:sp>
-      <p:sp>
-        <p:nvSpPr>
-          <p:cNvPr id="4" name="Footer Placeholder 3">
-            <a:extLst>
-              <a:ext uri="{FF2B5EF4-FFF2-40B4-BE49-F238E27FC236}">
-                <a16:creationId xmlns:a16="http://schemas.microsoft.com/office/drawing/2014/main" id="{49DF8C9D-4C14-425D-B520-A1C7AF13AC52}"/>
-              </a:ext>
-            </a:extLst>
-          </p:cNvPr>
-          <p:cNvSpPr>
-            <a:spLocks noGrp="1"/>
-          </p:cNvSpPr>
-          <p:nvPr>
-            <p:ph type="ftr" sz="quarter" idx="11"/>
-          </p:nvPr>
-        </p:nvSpPr>
-        <p:spPr/>
-        <p:txBody>
-          <a:bodyPr/>
-          <a:lstStyle/>
-          <a:p>
-            <a:r>
-              <a:rPr lang="en-CA"/>
-              <a:t>Presentation Title</a:t>
-            </a:r>
-          </a:p>
-        </p:txBody>
-      </p:sp>
-      <p:sp>
-        <p:nvSpPr>
-          <p:cNvPr id="5" name="Slide Number Placeholder 4">
-            <a:extLst>
-              <a:ext uri="{FF2B5EF4-FFF2-40B4-BE49-F238E27FC236}">
-                <a16:creationId xmlns:a16="http://schemas.microsoft.com/office/drawing/2014/main" id="{E53F0E2C-CD60-4BED-8A91-4E8A7C25550F}"/>
-              </a:ext>
-            </a:extLst>
-          </p:cNvPr>
-          <p:cNvSpPr>
-            <a:spLocks noGrp="1"/>
-          </p:cNvSpPr>
-          <p:nvPr>
-            <p:ph type="sldNum" sz="quarter" idx="12"/>
-          </p:nvPr>
-        </p:nvSpPr>
-        <p:spPr/>
-        <p:txBody>
-          <a:bodyPr/>
-          <a:lstStyle/>
-          <a:p>
-            <a:fld id="{00E6A5BD-C011-4A45-AA3A-201790FB7F2B}" type="slidenum">
-              <a:rPr lang="en-CA" smtClean="0"/>
-              <a:t>8</a:t>
-            </a:fld>
-            <a:endParaRPr lang="en-CA"/>
-          </a:p>
-        </p:txBody>
-      </p:sp>
-      <p:pic>
-        <p:nvPicPr>
-          <p:cNvPr id="7" name="Picture 6">
-            <a:extLst>
-              <a:ext uri="{FF2B5EF4-FFF2-40B4-BE49-F238E27FC236}">
-                <a16:creationId xmlns:a16="http://schemas.microsoft.com/office/drawing/2014/main" id="{3EAD85DA-CD85-4E5A-9628-BA9462D1CC05}"/>
-              </a:ext>
-            </a:extLst>
-          </p:cNvPr>
-          <p:cNvPicPr>
-            <a:picLocks noChangeAspect="1"/>
-          </p:cNvPicPr>
-          <p:nvPr/>
-        </p:nvPicPr>
-        <p:blipFill>
-          <a:blip r:embed="rId2"/>
-          <a:stretch>
-            <a:fillRect/>
-          </a:stretch>
-        </p:blipFill>
-        <p:spPr>
-          <a:xfrm>
-            <a:off x="362528" y="1452958"/>
-            <a:ext cx="3268716" cy="2573949"/>
-          </a:xfrm>
-          <a:prstGeom prst="rect">
-            <a:avLst/>
-          </a:prstGeom>
-        </p:spPr>
-      </p:pic>
-      <p:pic>
-        <p:nvPicPr>
-          <p:cNvPr id="9" name="Picture 8">
-            <a:extLst>
-              <a:ext uri="{FF2B5EF4-FFF2-40B4-BE49-F238E27FC236}">
-                <a16:creationId xmlns:a16="http://schemas.microsoft.com/office/drawing/2014/main" id="{3832E934-F817-4D5F-B183-7FAB152B7A94}"/>
-              </a:ext>
-            </a:extLst>
-          </p:cNvPr>
-          <p:cNvPicPr>
-            <a:picLocks noChangeAspect="1"/>
-          </p:cNvPicPr>
-          <p:nvPr/>
-        </p:nvPicPr>
-        <p:blipFill>
-          <a:blip r:embed="rId3"/>
-          <a:stretch>
-            <a:fillRect/>
-          </a:stretch>
-        </p:blipFill>
-        <p:spPr>
-          <a:xfrm>
-            <a:off x="362528" y="4282160"/>
-            <a:ext cx="4410691" cy="1705213"/>
-          </a:xfrm>
-          <a:prstGeom prst="rect">
-            <a:avLst/>
-          </a:prstGeom>
-        </p:spPr>
-      </p:pic>
-      <p:pic>
-        <p:nvPicPr>
-          <p:cNvPr id="13" name="Picture 12">
-            <a:extLst>
-              <a:ext uri="{FF2B5EF4-FFF2-40B4-BE49-F238E27FC236}">
-                <a16:creationId xmlns:a16="http://schemas.microsoft.com/office/drawing/2014/main" id="{5A9CC59A-5075-4BE8-A18A-9125BCFEDE98}"/>
-              </a:ext>
-            </a:extLst>
-          </p:cNvPr>
-          <p:cNvPicPr>
-            <a:picLocks noChangeAspect="1"/>
-          </p:cNvPicPr>
-          <p:nvPr/>
-        </p:nvPicPr>
-        <p:blipFill>
-          <a:blip r:embed="rId4"/>
-          <a:stretch>
-            <a:fillRect/>
-          </a:stretch>
-        </p:blipFill>
-        <p:spPr>
-          <a:xfrm>
-            <a:off x="6096000" y="1440883"/>
-            <a:ext cx="3450438" cy="2576684"/>
-          </a:xfrm>
-          <a:prstGeom prst="rect">
-            <a:avLst/>
-          </a:prstGeom>
-        </p:spPr>
-      </p:pic>
-      <p:pic>
-        <p:nvPicPr>
-          <p:cNvPr id="15" name="Picture 14">
-            <a:extLst>
-              <a:ext uri="{FF2B5EF4-FFF2-40B4-BE49-F238E27FC236}">
-                <a16:creationId xmlns:a16="http://schemas.microsoft.com/office/drawing/2014/main" id="{C50EE643-FB78-447F-845C-D2B6129E03AC}"/>
-              </a:ext>
-            </a:extLst>
-          </p:cNvPr>
-          <p:cNvPicPr>
-            <a:picLocks noChangeAspect="1"/>
-          </p:cNvPicPr>
-          <p:nvPr/>
-        </p:nvPicPr>
-        <p:blipFill>
-          <a:blip r:embed="rId5"/>
-          <a:stretch>
-            <a:fillRect/>
-          </a:stretch>
-        </p:blipFill>
-        <p:spPr>
-          <a:xfrm>
-            <a:off x="6445907" y="4291686"/>
-            <a:ext cx="4772691" cy="1695687"/>
-          </a:xfrm>
-          <a:prstGeom prst="rect">
-            <a:avLst/>
-          </a:prstGeom>
-        </p:spPr>
-      </p:pic>
-      <p:pic>
-        <p:nvPicPr>
-          <p:cNvPr id="17" name="Picture 16">
-            <a:extLst>
-              <a:ext uri="{FF2B5EF4-FFF2-40B4-BE49-F238E27FC236}">
-                <a16:creationId xmlns:a16="http://schemas.microsoft.com/office/drawing/2014/main" id="{E23A86EB-E2F0-4576-97E0-FCE5C487298A}"/>
-              </a:ext>
-            </a:extLst>
-          </p:cNvPr>
-          <p:cNvPicPr>
-            <a:picLocks noChangeAspect="1"/>
-          </p:cNvPicPr>
-          <p:nvPr/>
-        </p:nvPicPr>
-        <p:blipFill>
-          <a:blip r:embed="rId6"/>
-          <a:stretch>
-            <a:fillRect/>
-          </a:stretch>
-        </p:blipFill>
-        <p:spPr>
-          <a:xfrm>
-            <a:off x="9476996" y="2139290"/>
-            <a:ext cx="2715004" cy="1333686"/>
-          </a:xfrm>
-          <a:prstGeom prst="rect">
-            <a:avLst/>
-          </a:prstGeom>
-        </p:spPr>
-      </p:pic>
-    </p:spTree>
-    <p:extLst>
-      <p:ext uri="{BB962C8B-B14F-4D97-AF65-F5344CB8AC3E}">
-        <p14:creationId xmlns:p14="http://schemas.microsoft.com/office/powerpoint/2010/main" val="6936538"/>
-      </p:ext>
-    </p:extLst>
-  </p:cSld>
-  <p:clrMapOvr>
-    <a:masterClrMapping/>
-  </p:clrMapOvr>
-</p:sld>
-</file>
-
-<file path=ppt/slides/slide9.xml><?xml version="1.0" encoding="utf-8"?>
-<p:sld xmlns:a="http://schemas.openxmlformats.org/drawingml/2006/main" xmlns:r="http://schemas.openxmlformats.org/officeDocument/2006/relationships" xmlns:p="http://schemas.openxmlformats.org/presentationml/2006/main">
-  <p:cSld>
-    <p:spTree>
-      <p:nvGrpSpPr>
-        <p:cNvPr id="1" name=""/>
-        <p:cNvGrpSpPr/>
-        <p:nvPr/>
-      </p:nvGrpSpPr>
-      <p:grpSpPr>
-        <a:xfrm>
-          <a:off x="0" y="0"/>
-          <a:ext cx="0" cy="0"/>
-          <a:chOff x="0" y="0"/>
-          <a:chExt cx="0" cy="0"/>
-        </a:xfrm>
-      </p:grpSpPr>
-      <p:sp>
-        <p:nvSpPr>
-          <p:cNvPr id="2" name="Title 1">
-            <a:extLst>
-              <a:ext uri="{FF2B5EF4-FFF2-40B4-BE49-F238E27FC236}">
                 <a16:creationId xmlns:a16="http://schemas.microsoft.com/office/drawing/2014/main" id="{1510E9B4-CA74-455B-8118-C442DE9703E6}"/>
               </a:ext>
             </a:extLst>
@@ -16107,7 +14838,7 @@
           <a:p>
             <a:fld id="{00E6A5BD-C011-4A45-AA3A-201790FB7F2B}" type="slidenum">
               <a:rPr lang="en-CA" smtClean="0"/>
-              <a:t>9</a:t>
+              <a:t>6</a:t>
             </a:fld>
             <a:endParaRPr lang="en-CA"/>
           </a:p>
@@ -16997,6 +15728,1860 @@
     <p:extLst>
       <p:ext uri="{BB962C8B-B14F-4D97-AF65-F5344CB8AC3E}">
         <p14:creationId xmlns:p14="http://schemas.microsoft.com/office/powerpoint/2010/main" val="1370634919"/>
+      </p:ext>
+    </p:extLst>
+  </p:cSld>
+  <p:clrMapOvr>
+    <a:masterClrMapping/>
+  </p:clrMapOvr>
+</p:sld>
+</file>
+
+<file path=ppt/slides/slide7.xml><?xml version="1.0" encoding="utf-8"?>
+<p:sld xmlns:a="http://schemas.openxmlformats.org/drawingml/2006/main" xmlns:r="http://schemas.openxmlformats.org/officeDocument/2006/relationships" xmlns:p="http://schemas.openxmlformats.org/presentationml/2006/main">
+  <p:cSld>
+    <p:spTree>
+      <p:nvGrpSpPr>
+        <p:cNvPr id="1" name=""/>
+        <p:cNvGrpSpPr/>
+        <p:nvPr/>
+      </p:nvGrpSpPr>
+      <p:grpSpPr>
+        <a:xfrm>
+          <a:off x="0" y="0"/>
+          <a:ext cx="0" cy="0"/>
+          <a:chOff x="0" y="0"/>
+          <a:chExt cx="0" cy="0"/>
+        </a:xfrm>
+      </p:grpSpPr>
+      <p:sp>
+        <p:nvSpPr>
+          <p:cNvPr id="2" name="Title 1">
+            <a:extLst>
+              <a:ext uri="{FF2B5EF4-FFF2-40B4-BE49-F238E27FC236}">
+                <a16:creationId xmlns:a16="http://schemas.microsoft.com/office/drawing/2014/main" id="{56F6BC20-98B8-4A04-895A-F14BF3790466}"/>
+              </a:ext>
+            </a:extLst>
+          </p:cNvPr>
+          <p:cNvSpPr>
+            <a:spLocks noGrp="1"/>
+          </p:cNvSpPr>
+          <p:nvPr>
+            <p:ph type="title"/>
+          </p:nvPr>
+        </p:nvSpPr>
+        <p:spPr/>
+        <p:txBody>
+          <a:bodyPr/>
+          <a:lstStyle/>
+          <a:p>
+            <a:r>
+              <a:rPr lang="en-US" dirty="0"/>
+              <a:t>Unit Tests</a:t>
+            </a:r>
+          </a:p>
+        </p:txBody>
+      </p:sp>
+      <p:sp>
+        <p:nvSpPr>
+          <p:cNvPr id="3" name="Date Placeholder 2">
+            <a:extLst>
+              <a:ext uri="{FF2B5EF4-FFF2-40B4-BE49-F238E27FC236}">
+                <a16:creationId xmlns:a16="http://schemas.microsoft.com/office/drawing/2014/main" id="{1578B505-71C2-4D5C-8C03-59A3129F3F00}"/>
+              </a:ext>
+            </a:extLst>
+          </p:cNvPr>
+          <p:cNvSpPr>
+            <a:spLocks noGrp="1"/>
+          </p:cNvSpPr>
+          <p:nvPr>
+            <p:ph type="dt" sz="half" idx="10"/>
+          </p:nvPr>
+        </p:nvSpPr>
+        <p:spPr/>
+        <p:txBody>
+          <a:bodyPr/>
+          <a:lstStyle/>
+          <a:p>
+            <a:pPr marL="0" marR="0" lvl="0" indent="0" algn="r" defTabSz="914400" rtl="0" eaLnBrk="1" fontAlgn="auto" latinLnBrk="0" hangingPunct="1">
+              <a:lnSpc>
+                <a:spcPct val="100000"/>
+              </a:lnSpc>
+              <a:spcBef>
+                <a:spcPts val="0"/>
+              </a:spcBef>
+              <a:spcAft>
+                <a:spcPts val="0"/>
+              </a:spcAft>
+              <a:buClrTx/>
+              <a:buSzTx/>
+              <a:buFontTx/>
+              <a:buNone/>
+              <a:tabLst/>
+              <a:defRPr/>
+            </a:pPr>
+            <a:fld id="{9AC9EBFE-5BA1-460F-BE92-8CF5579A714B}" type="datetime4">
+              <a:rPr kumimoji="0" lang="en-US" sz="1200" b="0" i="0" u="none" strike="noStrike" kern="1200" cap="none" spc="0" normalizeH="0" baseline="0" noProof="0" smtClean="0">
+                <a:ln>
+                  <a:noFill/>
+                </a:ln>
+                <a:solidFill>
+                  <a:srgbClr val="63666A"/>
+                </a:solidFill>
+                <a:effectLst/>
+                <a:uLnTx/>
+                <a:uFillTx/>
+                <a:latin typeface="GE Inspira Sans"/>
+                <a:ea typeface="+mn-ea"/>
+                <a:cs typeface="+mn-cs"/>
+              </a:rPr>
+              <a:pPr marL="0" marR="0" lvl="0" indent="0" algn="r" defTabSz="914400" rtl="0" eaLnBrk="1" fontAlgn="auto" latinLnBrk="0" hangingPunct="1">
+                <a:lnSpc>
+                  <a:spcPct val="100000"/>
+                </a:lnSpc>
+                <a:spcBef>
+                  <a:spcPts val="0"/>
+                </a:spcBef>
+                <a:spcAft>
+                  <a:spcPts val="0"/>
+                </a:spcAft>
+                <a:buClrTx/>
+                <a:buSzTx/>
+                <a:buFontTx/>
+                <a:buNone/>
+                <a:tabLst/>
+                <a:defRPr/>
+              </a:pPr>
+              <a:t>December 6, 2022</a:t>
+            </a:fld>
+            <a:endParaRPr kumimoji="0" lang="en-CA" sz="1200" b="0" i="0" u="none" strike="noStrike" kern="1200" cap="none" spc="0" normalizeH="0" baseline="0" noProof="0">
+              <a:ln>
+                <a:noFill/>
+              </a:ln>
+              <a:solidFill>
+                <a:srgbClr val="63666A"/>
+              </a:solidFill>
+              <a:effectLst/>
+              <a:uLnTx/>
+              <a:uFillTx/>
+              <a:latin typeface="GE Inspira Sans"/>
+              <a:ea typeface="+mn-ea"/>
+              <a:cs typeface="+mn-cs"/>
+            </a:endParaRPr>
+          </a:p>
+        </p:txBody>
+      </p:sp>
+      <p:sp>
+        <p:nvSpPr>
+          <p:cNvPr id="4" name="Footer Placeholder 3">
+            <a:extLst>
+              <a:ext uri="{FF2B5EF4-FFF2-40B4-BE49-F238E27FC236}">
+                <a16:creationId xmlns:a16="http://schemas.microsoft.com/office/drawing/2014/main" id="{38108EBC-206F-467E-AFB2-0EAEDE433782}"/>
+              </a:ext>
+            </a:extLst>
+          </p:cNvPr>
+          <p:cNvSpPr>
+            <a:spLocks noGrp="1"/>
+          </p:cNvSpPr>
+          <p:nvPr>
+            <p:ph type="ftr" sz="quarter" idx="11"/>
+          </p:nvPr>
+        </p:nvSpPr>
+        <p:spPr/>
+        <p:txBody>
+          <a:bodyPr/>
+          <a:lstStyle/>
+          <a:p>
+            <a:pPr marL="0" marR="0" lvl="0" indent="0" algn="l" defTabSz="914400" rtl="0" eaLnBrk="1" fontAlgn="auto" latinLnBrk="0" hangingPunct="1">
+              <a:lnSpc>
+                <a:spcPct val="100000"/>
+              </a:lnSpc>
+              <a:spcBef>
+                <a:spcPts val="0"/>
+              </a:spcBef>
+              <a:spcAft>
+                <a:spcPts val="0"/>
+              </a:spcAft>
+              <a:buClrTx/>
+              <a:buSzTx/>
+              <a:buFontTx/>
+              <a:buNone/>
+              <a:tabLst/>
+              <a:defRPr/>
+            </a:pPr>
+            <a:r>
+              <a:rPr kumimoji="0" lang="en-CA" sz="1200" b="0" i="0" u="none" strike="noStrike" kern="1200" cap="none" spc="0" normalizeH="0" baseline="0" noProof="0">
+                <a:ln>
+                  <a:noFill/>
+                </a:ln>
+                <a:solidFill>
+                  <a:srgbClr val="63666A"/>
+                </a:solidFill>
+                <a:effectLst/>
+                <a:uLnTx/>
+                <a:uFillTx/>
+                <a:latin typeface="GE Inspira Sans"/>
+                <a:ea typeface="+mn-ea"/>
+                <a:cs typeface="+mn-cs"/>
+              </a:rPr>
+              <a:t>Presentation Title</a:t>
+            </a:r>
+          </a:p>
+        </p:txBody>
+      </p:sp>
+      <p:sp>
+        <p:nvSpPr>
+          <p:cNvPr id="5" name="Slide Number Placeholder 4">
+            <a:extLst>
+              <a:ext uri="{FF2B5EF4-FFF2-40B4-BE49-F238E27FC236}">
+                <a16:creationId xmlns:a16="http://schemas.microsoft.com/office/drawing/2014/main" id="{543933B1-2E78-41A2-A163-92B5A11EAC6B}"/>
+              </a:ext>
+            </a:extLst>
+          </p:cNvPr>
+          <p:cNvSpPr>
+            <a:spLocks noGrp="1"/>
+          </p:cNvSpPr>
+          <p:nvPr>
+            <p:ph type="sldNum" sz="quarter" idx="12"/>
+          </p:nvPr>
+        </p:nvSpPr>
+        <p:spPr/>
+        <p:txBody>
+          <a:bodyPr/>
+          <a:lstStyle/>
+          <a:p>
+            <a:pPr marL="0" marR="0" lvl="0" indent="0" algn="r" defTabSz="914400" rtl="0" eaLnBrk="1" fontAlgn="auto" latinLnBrk="0" hangingPunct="1">
+              <a:lnSpc>
+                <a:spcPct val="100000"/>
+              </a:lnSpc>
+              <a:spcBef>
+                <a:spcPts val="0"/>
+              </a:spcBef>
+              <a:spcAft>
+                <a:spcPts val="0"/>
+              </a:spcAft>
+              <a:buClrTx/>
+              <a:buSzTx/>
+              <a:buFontTx/>
+              <a:buNone/>
+              <a:tabLst/>
+              <a:defRPr/>
+            </a:pPr>
+            <a:fld id="{00E6A5BD-C011-4A45-AA3A-201790FB7F2B}" type="slidenum">
+              <a:rPr kumimoji="0" lang="en-CA" sz="1200" b="0" i="0" u="none" strike="noStrike" kern="1200" cap="none" spc="0" normalizeH="0" baseline="0" noProof="0" smtClean="0">
+                <a:ln>
+                  <a:noFill/>
+                </a:ln>
+                <a:solidFill>
+                  <a:srgbClr val="63666A"/>
+                </a:solidFill>
+                <a:effectLst/>
+                <a:uLnTx/>
+                <a:uFillTx/>
+                <a:latin typeface="GE Inspira Sans"/>
+                <a:ea typeface="+mn-ea"/>
+                <a:cs typeface="+mn-cs"/>
+              </a:rPr>
+              <a:pPr marL="0" marR="0" lvl="0" indent="0" algn="r" defTabSz="914400" rtl="0" eaLnBrk="1" fontAlgn="auto" latinLnBrk="0" hangingPunct="1">
+                <a:lnSpc>
+                  <a:spcPct val="100000"/>
+                </a:lnSpc>
+                <a:spcBef>
+                  <a:spcPts val="0"/>
+                </a:spcBef>
+                <a:spcAft>
+                  <a:spcPts val="0"/>
+                </a:spcAft>
+                <a:buClrTx/>
+                <a:buSzTx/>
+                <a:buFontTx/>
+                <a:buNone/>
+                <a:tabLst/>
+                <a:defRPr/>
+              </a:pPr>
+              <a:t>7</a:t>
+            </a:fld>
+            <a:endParaRPr kumimoji="0" lang="en-CA" sz="1200" b="0" i="0" u="none" strike="noStrike" kern="1200" cap="none" spc="0" normalizeH="0" baseline="0" noProof="0">
+              <a:ln>
+                <a:noFill/>
+              </a:ln>
+              <a:solidFill>
+                <a:srgbClr val="63666A"/>
+              </a:solidFill>
+              <a:effectLst/>
+              <a:uLnTx/>
+              <a:uFillTx/>
+              <a:latin typeface="GE Inspira Sans"/>
+              <a:ea typeface="+mn-ea"/>
+              <a:cs typeface="+mn-cs"/>
+            </a:endParaRPr>
+          </a:p>
+        </p:txBody>
+      </p:sp>
+      <p:sp>
+        <p:nvSpPr>
+          <p:cNvPr id="7" name="Content Placeholder 6">
+            <a:extLst>
+              <a:ext uri="{FF2B5EF4-FFF2-40B4-BE49-F238E27FC236}">
+                <a16:creationId xmlns:a16="http://schemas.microsoft.com/office/drawing/2014/main" id="{E5FAACE2-8D8A-4084-872E-1FC99378EEAB}"/>
+              </a:ext>
+            </a:extLst>
+          </p:cNvPr>
+          <p:cNvSpPr>
+            <a:spLocks noGrp="1"/>
+          </p:cNvSpPr>
+          <p:nvPr>
+            <p:ph sz="quarter" idx="14"/>
+          </p:nvPr>
+        </p:nvSpPr>
+        <p:spPr/>
+        <p:txBody>
+          <a:bodyPr/>
+          <a:lstStyle/>
+          <a:p>
+            <a:r>
+              <a:rPr lang="en-US" sz="2000" dirty="0"/>
+              <a:t>Unit tests for the functions called to estimate circumference and area </a:t>
+            </a:r>
+          </a:p>
+          <a:p>
+            <a:r>
+              <a:rPr lang="en-US" sz="2000" dirty="0"/>
+              <a:t>Because it’s an estimate there are two ways to test the function: see if the estimate is “close” to the actual answer, or see if the algorithm used is being called properly -&gt; went with 2</a:t>
+            </a:r>
+            <a:r>
+              <a:rPr lang="en-US" sz="2000" baseline="30000" dirty="0"/>
+              <a:t>nd</a:t>
+            </a:r>
+            <a:r>
+              <a:rPr lang="en-US" sz="2000" dirty="0"/>
+              <a:t> by hand-calculating the estimate, then asserting with the code</a:t>
+            </a:r>
+          </a:p>
+        </p:txBody>
+      </p:sp>
+    </p:spTree>
+    <p:extLst>
+      <p:ext uri="{BB962C8B-B14F-4D97-AF65-F5344CB8AC3E}">
+        <p14:creationId xmlns:p14="http://schemas.microsoft.com/office/powerpoint/2010/main" val="1604837525"/>
+      </p:ext>
+    </p:extLst>
+  </p:cSld>
+  <p:clrMapOvr>
+    <a:masterClrMapping/>
+  </p:clrMapOvr>
+</p:sld>
+</file>
+
+<file path=ppt/slides/slide8.xml><?xml version="1.0" encoding="utf-8"?>
+<p:sld xmlns:a="http://schemas.openxmlformats.org/drawingml/2006/main" xmlns:r="http://schemas.openxmlformats.org/officeDocument/2006/relationships" xmlns:p="http://schemas.openxmlformats.org/presentationml/2006/main">
+  <p:cSld>
+    <p:spTree>
+      <p:nvGrpSpPr>
+        <p:cNvPr id="1" name=""/>
+        <p:cNvGrpSpPr/>
+        <p:nvPr/>
+      </p:nvGrpSpPr>
+      <p:grpSpPr>
+        <a:xfrm>
+          <a:off x="0" y="0"/>
+          <a:ext cx="0" cy="0"/>
+          <a:chOff x="0" y="0"/>
+          <a:chExt cx="0" cy="0"/>
+        </a:xfrm>
+      </p:grpSpPr>
+      <p:pic>
+        <p:nvPicPr>
+          <p:cNvPr id="24" name="Picture 23">
+            <a:extLst>
+              <a:ext uri="{FF2B5EF4-FFF2-40B4-BE49-F238E27FC236}">
+                <a16:creationId xmlns:a16="http://schemas.microsoft.com/office/drawing/2014/main" id="{84A8546C-D059-498A-822B-74187498B3CF}"/>
+              </a:ext>
+            </a:extLst>
+          </p:cNvPr>
+          <p:cNvPicPr>
+            <a:picLocks noChangeAspect="1"/>
+          </p:cNvPicPr>
+          <p:nvPr/>
+        </p:nvPicPr>
+        <p:blipFill>
+          <a:blip r:embed="rId2"/>
+          <a:stretch>
+            <a:fillRect/>
+          </a:stretch>
+        </p:blipFill>
+        <p:spPr>
+          <a:xfrm>
+            <a:off x="8427077" y="3792003"/>
+            <a:ext cx="3411163" cy="2567279"/>
+          </a:xfrm>
+          <a:prstGeom prst="rect">
+            <a:avLst/>
+          </a:prstGeom>
+        </p:spPr>
+      </p:pic>
+      <p:pic>
+        <p:nvPicPr>
+          <p:cNvPr id="15" name="Picture 14">
+            <a:extLst>
+              <a:ext uri="{FF2B5EF4-FFF2-40B4-BE49-F238E27FC236}">
+                <a16:creationId xmlns:a16="http://schemas.microsoft.com/office/drawing/2014/main" id="{5C95B084-94EF-495A-B258-972D11F4BA94}"/>
+              </a:ext>
+            </a:extLst>
+          </p:cNvPr>
+          <p:cNvPicPr>
+            <a:picLocks noChangeAspect="1"/>
+          </p:cNvPicPr>
+          <p:nvPr/>
+        </p:nvPicPr>
+        <p:blipFill>
+          <a:blip r:embed="rId3"/>
+          <a:stretch>
+            <a:fillRect/>
+          </a:stretch>
+        </p:blipFill>
+        <p:spPr>
+          <a:xfrm>
+            <a:off x="4369025" y="3792167"/>
+            <a:ext cx="3411163" cy="2601773"/>
+          </a:xfrm>
+          <a:prstGeom prst="rect">
+            <a:avLst/>
+          </a:prstGeom>
+        </p:spPr>
+      </p:pic>
+      <p:pic>
+        <p:nvPicPr>
+          <p:cNvPr id="13" name="Picture 12">
+            <a:extLst>
+              <a:ext uri="{FF2B5EF4-FFF2-40B4-BE49-F238E27FC236}">
+                <a16:creationId xmlns:a16="http://schemas.microsoft.com/office/drawing/2014/main" id="{B6291C6D-D993-440A-B360-DE3FE0AEED54}"/>
+              </a:ext>
+            </a:extLst>
+          </p:cNvPr>
+          <p:cNvPicPr>
+            <a:picLocks noChangeAspect="1"/>
+          </p:cNvPicPr>
+          <p:nvPr/>
+        </p:nvPicPr>
+        <p:blipFill>
+          <a:blip r:embed="rId4"/>
+          <a:stretch>
+            <a:fillRect/>
+          </a:stretch>
+        </p:blipFill>
+        <p:spPr>
+          <a:xfrm>
+            <a:off x="324364" y="3776928"/>
+            <a:ext cx="3334084" cy="2597431"/>
+          </a:xfrm>
+          <a:prstGeom prst="rect">
+            <a:avLst/>
+          </a:prstGeom>
+        </p:spPr>
+      </p:pic>
+      <p:pic>
+        <p:nvPicPr>
+          <p:cNvPr id="7" name="Picture 6">
+            <a:extLst>
+              <a:ext uri="{FF2B5EF4-FFF2-40B4-BE49-F238E27FC236}">
+                <a16:creationId xmlns:a16="http://schemas.microsoft.com/office/drawing/2014/main" id="{C027FC18-6EC1-4ED1-95C4-E15563BD41F1}"/>
+              </a:ext>
+            </a:extLst>
+          </p:cNvPr>
+          <p:cNvPicPr>
+            <a:picLocks noChangeAspect="1"/>
+          </p:cNvPicPr>
+          <p:nvPr/>
+        </p:nvPicPr>
+        <p:blipFill>
+          <a:blip r:embed="rId5"/>
+          <a:stretch>
+            <a:fillRect/>
+          </a:stretch>
+        </p:blipFill>
+        <p:spPr>
+          <a:xfrm>
+            <a:off x="2032709" y="1165611"/>
+            <a:ext cx="3411163" cy="2597431"/>
+          </a:xfrm>
+          <a:prstGeom prst="rect">
+            <a:avLst/>
+          </a:prstGeom>
+        </p:spPr>
+      </p:pic>
+      <p:sp>
+        <p:nvSpPr>
+          <p:cNvPr id="2" name="Title 1">
+            <a:extLst>
+              <a:ext uri="{FF2B5EF4-FFF2-40B4-BE49-F238E27FC236}">
+                <a16:creationId xmlns:a16="http://schemas.microsoft.com/office/drawing/2014/main" id="{14D1FEA8-4E30-40AD-92EB-320FCAD023DA}"/>
+              </a:ext>
+            </a:extLst>
+          </p:cNvPr>
+          <p:cNvSpPr>
+            <a:spLocks noGrp="1"/>
+          </p:cNvSpPr>
+          <p:nvPr>
+            <p:ph type="title"/>
+          </p:nvPr>
+        </p:nvSpPr>
+        <p:spPr/>
+        <p:txBody>
+          <a:bodyPr/>
+          <a:lstStyle/>
+          <a:p>
+            <a:r>
+              <a:rPr lang="en-US" dirty="0"/>
+              <a:t>Sample plots from function output</a:t>
+            </a:r>
+          </a:p>
+        </p:txBody>
+      </p:sp>
+      <p:sp>
+        <p:nvSpPr>
+          <p:cNvPr id="3" name="Date Placeholder 2">
+            <a:extLst>
+              <a:ext uri="{FF2B5EF4-FFF2-40B4-BE49-F238E27FC236}">
+                <a16:creationId xmlns:a16="http://schemas.microsoft.com/office/drawing/2014/main" id="{D900F170-0D30-400A-8BE8-0791E8605B39}"/>
+              </a:ext>
+            </a:extLst>
+          </p:cNvPr>
+          <p:cNvSpPr>
+            <a:spLocks noGrp="1"/>
+          </p:cNvSpPr>
+          <p:nvPr>
+            <p:ph type="dt" sz="half" idx="10"/>
+          </p:nvPr>
+        </p:nvSpPr>
+        <p:spPr/>
+        <p:txBody>
+          <a:bodyPr/>
+          <a:lstStyle/>
+          <a:p>
+            <a:fld id="{9AC9EBFE-5BA1-460F-BE92-8CF5579A714B}" type="datetime4">
+              <a:rPr lang="en-US" smtClean="0"/>
+              <a:t>December 6, 2022</a:t>
+            </a:fld>
+            <a:endParaRPr lang="en-CA"/>
+          </a:p>
+        </p:txBody>
+      </p:sp>
+      <p:sp>
+        <p:nvSpPr>
+          <p:cNvPr id="4" name="Footer Placeholder 3">
+            <a:extLst>
+              <a:ext uri="{FF2B5EF4-FFF2-40B4-BE49-F238E27FC236}">
+                <a16:creationId xmlns:a16="http://schemas.microsoft.com/office/drawing/2014/main" id="{B7A92993-DBBD-47A6-81B4-E8DB54F4A23E}"/>
+              </a:ext>
+            </a:extLst>
+          </p:cNvPr>
+          <p:cNvSpPr>
+            <a:spLocks noGrp="1"/>
+          </p:cNvSpPr>
+          <p:nvPr>
+            <p:ph type="ftr" sz="quarter" idx="11"/>
+          </p:nvPr>
+        </p:nvSpPr>
+        <p:spPr/>
+        <p:txBody>
+          <a:bodyPr/>
+          <a:lstStyle/>
+          <a:p>
+            <a:r>
+              <a:rPr lang="en-CA"/>
+              <a:t>Presentation Title</a:t>
+            </a:r>
+          </a:p>
+        </p:txBody>
+      </p:sp>
+      <p:sp>
+        <p:nvSpPr>
+          <p:cNvPr id="5" name="Slide Number Placeholder 4">
+            <a:extLst>
+              <a:ext uri="{FF2B5EF4-FFF2-40B4-BE49-F238E27FC236}">
+                <a16:creationId xmlns:a16="http://schemas.microsoft.com/office/drawing/2014/main" id="{1ACF5D45-8760-437F-92DA-130365F9DC59}"/>
+              </a:ext>
+            </a:extLst>
+          </p:cNvPr>
+          <p:cNvSpPr>
+            <a:spLocks noGrp="1"/>
+          </p:cNvSpPr>
+          <p:nvPr>
+            <p:ph type="sldNum" sz="quarter" idx="12"/>
+          </p:nvPr>
+        </p:nvSpPr>
+        <p:spPr/>
+        <p:txBody>
+          <a:bodyPr/>
+          <a:lstStyle/>
+          <a:p>
+            <a:fld id="{00E6A5BD-C011-4A45-AA3A-201790FB7F2B}" type="slidenum">
+              <a:rPr lang="en-CA" smtClean="0"/>
+              <a:t>8</a:t>
+            </a:fld>
+            <a:endParaRPr lang="en-CA"/>
+          </a:p>
+        </p:txBody>
+      </p:sp>
+      <p:sp>
+        <p:nvSpPr>
+          <p:cNvPr id="17" name="TextBox 16">
+            <a:extLst>
+              <a:ext uri="{FF2B5EF4-FFF2-40B4-BE49-F238E27FC236}">
+                <a16:creationId xmlns:a16="http://schemas.microsoft.com/office/drawing/2014/main" id="{66C7559F-196D-4FD4-A2D0-45B0C6D22F5F}"/>
+              </a:ext>
+            </a:extLst>
+          </p:cNvPr>
+          <p:cNvSpPr txBox="1"/>
+          <p:nvPr/>
+        </p:nvSpPr>
+        <p:spPr>
+          <a:xfrm>
+            <a:off x="3108495" y="2249367"/>
+            <a:ext cx="1410961" cy="553998"/>
+          </a:xfrm>
+          <a:prstGeom prst="rect">
+            <a:avLst/>
+          </a:prstGeom>
+          <a:noFill/>
+        </p:spPr>
+        <p:txBody>
+          <a:bodyPr wrap="square" lIns="0" tIns="0" rIns="0" bIns="0" rtlCol="0">
+            <a:spAutoFit/>
+          </a:bodyPr>
+          <a:lstStyle/>
+          <a:p>
+            <a:r>
+              <a:rPr lang="en-US" i="1" dirty="0">
+                <a:solidFill>
+                  <a:schemeClr val="accent2"/>
+                </a:solidFill>
+              </a:rPr>
+              <a:t>N = 20 points</a:t>
+            </a:r>
+          </a:p>
+          <a:p>
+            <a:pPr algn="ctr"/>
+            <a:r>
+              <a:rPr lang="en-US" i="1" dirty="0">
+                <a:solidFill>
+                  <a:schemeClr val="accent2"/>
+                </a:solidFill>
+              </a:rPr>
+              <a:t>Eq. spacing</a:t>
+            </a:r>
+          </a:p>
+        </p:txBody>
+      </p:sp>
+      <p:grpSp>
+        <p:nvGrpSpPr>
+          <p:cNvPr id="31" name="Group 30">
+            <a:extLst>
+              <a:ext uri="{FF2B5EF4-FFF2-40B4-BE49-F238E27FC236}">
+                <a16:creationId xmlns:a16="http://schemas.microsoft.com/office/drawing/2014/main" id="{041B0009-93BB-43A1-83CC-04A10E41AF4F}"/>
+              </a:ext>
+            </a:extLst>
+          </p:cNvPr>
+          <p:cNvGrpSpPr/>
+          <p:nvPr/>
+        </p:nvGrpSpPr>
+        <p:grpSpPr>
+          <a:xfrm>
+            <a:off x="6719103" y="1329260"/>
+            <a:ext cx="3415948" cy="2433782"/>
+            <a:chOff x="6719103" y="1329260"/>
+            <a:chExt cx="3415948" cy="2433782"/>
+          </a:xfrm>
+        </p:grpSpPr>
+        <p:pic>
+          <p:nvPicPr>
+            <p:cNvPr id="10" name="Picture 9">
+              <a:extLst>
+                <a:ext uri="{FF2B5EF4-FFF2-40B4-BE49-F238E27FC236}">
+                  <a16:creationId xmlns:a16="http://schemas.microsoft.com/office/drawing/2014/main" id="{5E106F6A-1BFA-4BAA-AE58-25B44F7CB441}"/>
+                </a:ext>
+              </a:extLst>
+            </p:cNvPr>
+            <p:cNvPicPr>
+              <a:picLocks noChangeAspect="1"/>
+            </p:cNvPicPr>
+            <p:nvPr/>
+          </p:nvPicPr>
+          <p:blipFill>
+            <a:blip r:embed="rId6"/>
+            <a:stretch>
+              <a:fillRect/>
+            </a:stretch>
+          </p:blipFill>
+          <p:spPr>
+            <a:xfrm>
+              <a:off x="6719103" y="1329260"/>
+              <a:ext cx="3415948" cy="2433782"/>
+            </a:xfrm>
+            <a:prstGeom prst="rect">
+              <a:avLst/>
+            </a:prstGeom>
+          </p:spPr>
+        </p:pic>
+        <p:sp>
+          <p:nvSpPr>
+            <p:cNvPr id="18" name="TextBox 17">
+              <a:extLst>
+                <a:ext uri="{FF2B5EF4-FFF2-40B4-BE49-F238E27FC236}">
+                  <a16:creationId xmlns:a16="http://schemas.microsoft.com/office/drawing/2014/main" id="{55146BF3-9B7A-4E00-AFDB-386BA17E0FD7}"/>
+                </a:ext>
+              </a:extLst>
+            </p:cNvPr>
+            <p:cNvSpPr txBox="1"/>
+            <p:nvPr/>
+          </p:nvSpPr>
+          <p:spPr>
+            <a:xfrm>
+              <a:off x="7669771" y="2246300"/>
+              <a:ext cx="1671777" cy="553998"/>
+            </a:xfrm>
+            <a:prstGeom prst="rect">
+              <a:avLst/>
+            </a:prstGeom>
+            <a:noFill/>
+          </p:spPr>
+          <p:txBody>
+            <a:bodyPr wrap="square" lIns="0" tIns="0" rIns="0" bIns="0" rtlCol="0">
+              <a:spAutoFit/>
+            </a:bodyPr>
+            <a:lstStyle/>
+            <a:p>
+              <a:r>
+                <a:rPr lang="en-US" i="1" dirty="0">
+                  <a:solidFill>
+                    <a:schemeClr val="accent2"/>
+                  </a:solidFill>
+                </a:rPr>
+                <a:t>N = 20 points</a:t>
+              </a:r>
+            </a:p>
+            <a:p>
+              <a:pPr algn="ctr"/>
+              <a:r>
+                <a:rPr lang="en-US" i="1" dirty="0">
+                  <a:solidFill>
+                    <a:schemeClr val="accent2"/>
+                  </a:solidFill>
+                </a:rPr>
+                <a:t>Random spacing</a:t>
+              </a:r>
+            </a:p>
+          </p:txBody>
+        </p:sp>
+      </p:grpSp>
+      <p:sp>
+        <p:nvSpPr>
+          <p:cNvPr id="19" name="TextBox 18">
+            <a:extLst>
+              <a:ext uri="{FF2B5EF4-FFF2-40B4-BE49-F238E27FC236}">
+                <a16:creationId xmlns:a16="http://schemas.microsoft.com/office/drawing/2014/main" id="{1779A3FA-9F9F-4D20-9EDB-439D9EBBB03B}"/>
+              </a:ext>
+            </a:extLst>
+          </p:cNvPr>
+          <p:cNvSpPr txBox="1"/>
+          <p:nvPr/>
+        </p:nvSpPr>
+        <p:spPr>
+          <a:xfrm>
+            <a:off x="1359630" y="4742228"/>
+            <a:ext cx="1671777" cy="553998"/>
+          </a:xfrm>
+          <a:prstGeom prst="rect">
+            <a:avLst/>
+          </a:prstGeom>
+          <a:noFill/>
+        </p:spPr>
+        <p:txBody>
+          <a:bodyPr wrap="square" lIns="0" tIns="0" rIns="0" bIns="0" rtlCol="0">
+            <a:spAutoFit/>
+          </a:bodyPr>
+          <a:lstStyle/>
+          <a:p>
+            <a:r>
+              <a:rPr lang="en-US" i="1" dirty="0">
+                <a:solidFill>
+                  <a:schemeClr val="accent2"/>
+                </a:solidFill>
+              </a:rPr>
+              <a:t>N = 100 points</a:t>
+            </a:r>
+          </a:p>
+          <a:p>
+            <a:pPr algn="ctr"/>
+            <a:r>
+              <a:rPr lang="en-US" i="1" dirty="0">
+                <a:solidFill>
+                  <a:schemeClr val="accent2"/>
+                </a:solidFill>
+              </a:rPr>
+              <a:t>Eq. spacing</a:t>
+            </a:r>
+          </a:p>
+        </p:txBody>
+      </p:sp>
+      <p:sp>
+        <p:nvSpPr>
+          <p:cNvPr id="20" name="TextBox 19">
+            <a:extLst>
+              <a:ext uri="{FF2B5EF4-FFF2-40B4-BE49-F238E27FC236}">
+                <a16:creationId xmlns:a16="http://schemas.microsoft.com/office/drawing/2014/main" id="{990D25C5-7504-49AC-9E22-BAD11633B1A6}"/>
+              </a:ext>
+            </a:extLst>
+          </p:cNvPr>
+          <p:cNvSpPr txBox="1"/>
+          <p:nvPr/>
+        </p:nvSpPr>
+        <p:spPr>
+          <a:xfrm>
+            <a:off x="5401207" y="4742228"/>
+            <a:ext cx="1671777" cy="553998"/>
+          </a:xfrm>
+          <a:prstGeom prst="rect">
+            <a:avLst/>
+          </a:prstGeom>
+          <a:noFill/>
+        </p:spPr>
+        <p:txBody>
+          <a:bodyPr wrap="square" lIns="0" tIns="0" rIns="0" bIns="0" rtlCol="0">
+            <a:spAutoFit/>
+          </a:bodyPr>
+          <a:lstStyle/>
+          <a:p>
+            <a:r>
+              <a:rPr lang="en-US" i="1" dirty="0">
+                <a:solidFill>
+                  <a:schemeClr val="accent2"/>
+                </a:solidFill>
+              </a:rPr>
+              <a:t>N = 1000 points</a:t>
+            </a:r>
+          </a:p>
+          <a:p>
+            <a:pPr algn="ctr"/>
+            <a:r>
+              <a:rPr lang="en-US" i="1" dirty="0">
+                <a:solidFill>
+                  <a:schemeClr val="accent2"/>
+                </a:solidFill>
+              </a:rPr>
+              <a:t>Eq. spacing</a:t>
+            </a:r>
+          </a:p>
+        </p:txBody>
+      </p:sp>
+      <p:sp>
+        <p:nvSpPr>
+          <p:cNvPr id="21" name="TextBox 20">
+            <a:extLst>
+              <a:ext uri="{FF2B5EF4-FFF2-40B4-BE49-F238E27FC236}">
+                <a16:creationId xmlns:a16="http://schemas.microsoft.com/office/drawing/2014/main" id="{5C781B61-7EBE-4121-85EE-3FA310C04A5E}"/>
+              </a:ext>
+            </a:extLst>
+          </p:cNvPr>
+          <p:cNvSpPr txBox="1"/>
+          <p:nvPr/>
+        </p:nvSpPr>
+        <p:spPr>
+          <a:xfrm>
+            <a:off x="9413240" y="4736843"/>
+            <a:ext cx="1671777" cy="553998"/>
+          </a:xfrm>
+          <a:prstGeom prst="rect">
+            <a:avLst/>
+          </a:prstGeom>
+          <a:noFill/>
+        </p:spPr>
+        <p:txBody>
+          <a:bodyPr wrap="square" lIns="0" tIns="0" rIns="0" bIns="0" rtlCol="0">
+            <a:spAutoFit/>
+          </a:bodyPr>
+          <a:lstStyle/>
+          <a:p>
+            <a:r>
+              <a:rPr lang="en-US" i="1" dirty="0">
+                <a:solidFill>
+                  <a:schemeClr val="accent2"/>
+                </a:solidFill>
+              </a:rPr>
+              <a:t>N = 10000 points</a:t>
+            </a:r>
+          </a:p>
+          <a:p>
+            <a:pPr algn="ctr"/>
+            <a:r>
+              <a:rPr lang="en-US" i="1" dirty="0">
+                <a:solidFill>
+                  <a:schemeClr val="accent2"/>
+                </a:solidFill>
+              </a:rPr>
+              <a:t>Random spacing</a:t>
+            </a:r>
+          </a:p>
+        </p:txBody>
+      </p:sp>
+    </p:spTree>
+    <p:extLst>
+      <p:ext uri="{BB962C8B-B14F-4D97-AF65-F5344CB8AC3E}">
+        <p14:creationId xmlns:p14="http://schemas.microsoft.com/office/powerpoint/2010/main" val="2054234993"/>
+      </p:ext>
+    </p:extLst>
+  </p:cSld>
+  <p:clrMapOvr>
+    <a:masterClrMapping/>
+  </p:clrMapOvr>
+</p:sld>
+</file>
+
+<file path=ppt/slides/slide9.xml><?xml version="1.0" encoding="utf-8"?>
+<p:sld xmlns:a="http://schemas.openxmlformats.org/drawingml/2006/main" xmlns:r="http://schemas.openxmlformats.org/officeDocument/2006/relationships" xmlns:p="http://schemas.openxmlformats.org/presentationml/2006/main">
+  <p:cSld>
+    <p:spTree>
+      <p:nvGrpSpPr>
+        <p:cNvPr id="1" name=""/>
+        <p:cNvGrpSpPr/>
+        <p:nvPr/>
+      </p:nvGrpSpPr>
+      <p:grpSpPr>
+        <a:xfrm>
+          <a:off x="0" y="0"/>
+          <a:ext cx="0" cy="0"/>
+          <a:chOff x="0" y="0"/>
+          <a:chExt cx="0" cy="0"/>
+        </a:xfrm>
+      </p:grpSpPr>
+      <p:sp>
+        <p:nvSpPr>
+          <p:cNvPr id="2" name="Title 1">
+            <a:extLst>
+              <a:ext uri="{FF2B5EF4-FFF2-40B4-BE49-F238E27FC236}">
+                <a16:creationId xmlns:a16="http://schemas.microsoft.com/office/drawing/2014/main" id="{1BCC1F77-8300-466A-9C7F-5B21E88D231D}"/>
+              </a:ext>
+            </a:extLst>
+          </p:cNvPr>
+          <p:cNvSpPr>
+            <a:spLocks noGrp="1"/>
+          </p:cNvSpPr>
+          <p:nvPr>
+            <p:ph type="title"/>
+          </p:nvPr>
+        </p:nvSpPr>
+        <p:spPr>
+          <a:xfrm>
+            <a:off x="1627632" y="252364"/>
+            <a:ext cx="8997696" cy="914400"/>
+          </a:xfrm>
+        </p:spPr>
+        <p:txBody>
+          <a:bodyPr/>
+          <a:lstStyle/>
+          <a:p>
+            <a:r>
+              <a:rPr lang="en-US" dirty="0"/>
+              <a:t>Input Parameter Impact on Results</a:t>
+            </a:r>
+          </a:p>
+        </p:txBody>
+      </p:sp>
+      <p:sp>
+        <p:nvSpPr>
+          <p:cNvPr id="3" name="Date Placeholder 2">
+            <a:extLst>
+              <a:ext uri="{FF2B5EF4-FFF2-40B4-BE49-F238E27FC236}">
+                <a16:creationId xmlns:a16="http://schemas.microsoft.com/office/drawing/2014/main" id="{B437D10D-4E88-4BAB-8EFD-E0C870D25D0D}"/>
+              </a:ext>
+            </a:extLst>
+          </p:cNvPr>
+          <p:cNvSpPr>
+            <a:spLocks noGrp="1"/>
+          </p:cNvSpPr>
+          <p:nvPr>
+            <p:ph type="dt" sz="half" idx="10"/>
+          </p:nvPr>
+        </p:nvSpPr>
+        <p:spPr/>
+        <p:txBody>
+          <a:bodyPr/>
+          <a:lstStyle/>
+          <a:p>
+            <a:fld id="{9AC9EBFE-5BA1-460F-BE92-8CF5579A714B}" type="datetime4">
+              <a:rPr lang="en-US" smtClean="0"/>
+              <a:t>December 6, 2022</a:t>
+            </a:fld>
+            <a:endParaRPr lang="en-CA"/>
+          </a:p>
+        </p:txBody>
+      </p:sp>
+      <p:sp>
+        <p:nvSpPr>
+          <p:cNvPr id="4" name="Footer Placeholder 3">
+            <a:extLst>
+              <a:ext uri="{FF2B5EF4-FFF2-40B4-BE49-F238E27FC236}">
+                <a16:creationId xmlns:a16="http://schemas.microsoft.com/office/drawing/2014/main" id="{49DF8C9D-4C14-425D-B520-A1C7AF13AC52}"/>
+              </a:ext>
+            </a:extLst>
+          </p:cNvPr>
+          <p:cNvSpPr>
+            <a:spLocks noGrp="1"/>
+          </p:cNvSpPr>
+          <p:nvPr>
+            <p:ph type="ftr" sz="quarter" idx="11"/>
+          </p:nvPr>
+        </p:nvSpPr>
+        <p:spPr/>
+        <p:txBody>
+          <a:bodyPr/>
+          <a:lstStyle/>
+          <a:p>
+            <a:r>
+              <a:rPr lang="en-CA"/>
+              <a:t>Presentation Title</a:t>
+            </a:r>
+          </a:p>
+        </p:txBody>
+      </p:sp>
+      <p:sp>
+        <p:nvSpPr>
+          <p:cNvPr id="5" name="Slide Number Placeholder 4">
+            <a:extLst>
+              <a:ext uri="{FF2B5EF4-FFF2-40B4-BE49-F238E27FC236}">
+                <a16:creationId xmlns:a16="http://schemas.microsoft.com/office/drawing/2014/main" id="{E53F0E2C-CD60-4BED-8A91-4E8A7C25550F}"/>
+              </a:ext>
+            </a:extLst>
+          </p:cNvPr>
+          <p:cNvSpPr>
+            <a:spLocks noGrp="1"/>
+          </p:cNvSpPr>
+          <p:nvPr>
+            <p:ph type="sldNum" sz="quarter" idx="12"/>
+          </p:nvPr>
+        </p:nvSpPr>
+        <p:spPr/>
+        <p:txBody>
+          <a:bodyPr/>
+          <a:lstStyle/>
+          <a:p>
+            <a:fld id="{00E6A5BD-C011-4A45-AA3A-201790FB7F2B}" type="slidenum">
+              <a:rPr lang="en-CA" smtClean="0"/>
+              <a:t>9</a:t>
+            </a:fld>
+            <a:endParaRPr lang="en-CA"/>
+          </a:p>
+        </p:txBody>
+      </p:sp>
+      <p:pic>
+        <p:nvPicPr>
+          <p:cNvPr id="7" name="Picture 6">
+            <a:extLst>
+              <a:ext uri="{FF2B5EF4-FFF2-40B4-BE49-F238E27FC236}">
+                <a16:creationId xmlns:a16="http://schemas.microsoft.com/office/drawing/2014/main" id="{3EAD85DA-CD85-4E5A-9628-BA9462D1CC05}"/>
+              </a:ext>
+            </a:extLst>
+          </p:cNvPr>
+          <p:cNvPicPr>
+            <a:picLocks noChangeAspect="1"/>
+          </p:cNvPicPr>
+          <p:nvPr/>
+        </p:nvPicPr>
+        <p:blipFill>
+          <a:blip r:embed="rId2"/>
+          <a:stretch>
+            <a:fillRect/>
+          </a:stretch>
+        </p:blipFill>
+        <p:spPr>
+          <a:xfrm>
+            <a:off x="362528" y="1452958"/>
+            <a:ext cx="3268716" cy="2573949"/>
+          </a:xfrm>
+          <a:prstGeom prst="rect">
+            <a:avLst/>
+          </a:prstGeom>
+        </p:spPr>
+      </p:pic>
+      <p:pic>
+        <p:nvPicPr>
+          <p:cNvPr id="9" name="Picture 8">
+            <a:extLst>
+              <a:ext uri="{FF2B5EF4-FFF2-40B4-BE49-F238E27FC236}">
+                <a16:creationId xmlns:a16="http://schemas.microsoft.com/office/drawing/2014/main" id="{3832E934-F817-4D5F-B183-7FAB152B7A94}"/>
+              </a:ext>
+            </a:extLst>
+          </p:cNvPr>
+          <p:cNvPicPr>
+            <a:picLocks noChangeAspect="1"/>
+          </p:cNvPicPr>
+          <p:nvPr/>
+        </p:nvPicPr>
+        <p:blipFill>
+          <a:blip r:embed="rId3"/>
+          <a:stretch>
+            <a:fillRect/>
+          </a:stretch>
+        </p:blipFill>
+        <p:spPr>
+          <a:xfrm>
+            <a:off x="362528" y="4282160"/>
+            <a:ext cx="4410691" cy="1705213"/>
+          </a:xfrm>
+          <a:prstGeom prst="rect">
+            <a:avLst/>
+          </a:prstGeom>
+        </p:spPr>
+      </p:pic>
+      <p:pic>
+        <p:nvPicPr>
+          <p:cNvPr id="13" name="Picture 12">
+            <a:extLst>
+              <a:ext uri="{FF2B5EF4-FFF2-40B4-BE49-F238E27FC236}">
+                <a16:creationId xmlns:a16="http://schemas.microsoft.com/office/drawing/2014/main" id="{5A9CC59A-5075-4BE8-A18A-9125BCFEDE98}"/>
+              </a:ext>
+            </a:extLst>
+          </p:cNvPr>
+          <p:cNvPicPr>
+            <a:picLocks noChangeAspect="1"/>
+          </p:cNvPicPr>
+          <p:nvPr/>
+        </p:nvPicPr>
+        <p:blipFill>
+          <a:blip r:embed="rId4"/>
+          <a:stretch>
+            <a:fillRect/>
+          </a:stretch>
+        </p:blipFill>
+        <p:spPr>
+          <a:xfrm>
+            <a:off x="6096000" y="1440883"/>
+            <a:ext cx="3450438" cy="2576684"/>
+          </a:xfrm>
+          <a:prstGeom prst="rect">
+            <a:avLst/>
+          </a:prstGeom>
+        </p:spPr>
+      </p:pic>
+      <p:pic>
+        <p:nvPicPr>
+          <p:cNvPr id="15" name="Picture 14">
+            <a:extLst>
+              <a:ext uri="{FF2B5EF4-FFF2-40B4-BE49-F238E27FC236}">
+                <a16:creationId xmlns:a16="http://schemas.microsoft.com/office/drawing/2014/main" id="{C50EE643-FB78-447F-845C-D2B6129E03AC}"/>
+              </a:ext>
+            </a:extLst>
+          </p:cNvPr>
+          <p:cNvPicPr>
+            <a:picLocks noChangeAspect="1"/>
+          </p:cNvPicPr>
+          <p:nvPr/>
+        </p:nvPicPr>
+        <p:blipFill>
+          <a:blip r:embed="rId5"/>
+          <a:stretch>
+            <a:fillRect/>
+          </a:stretch>
+        </p:blipFill>
+        <p:spPr>
+          <a:xfrm>
+            <a:off x="6445907" y="4291686"/>
+            <a:ext cx="4772691" cy="1695687"/>
+          </a:xfrm>
+          <a:prstGeom prst="rect">
+            <a:avLst/>
+          </a:prstGeom>
+        </p:spPr>
+      </p:pic>
+      <p:pic>
+        <p:nvPicPr>
+          <p:cNvPr id="17" name="Picture 16">
+            <a:extLst>
+              <a:ext uri="{FF2B5EF4-FFF2-40B4-BE49-F238E27FC236}">
+                <a16:creationId xmlns:a16="http://schemas.microsoft.com/office/drawing/2014/main" id="{E23A86EB-E2F0-4576-97E0-FCE5C487298A}"/>
+              </a:ext>
+            </a:extLst>
+          </p:cNvPr>
+          <p:cNvPicPr>
+            <a:picLocks noChangeAspect="1"/>
+          </p:cNvPicPr>
+          <p:nvPr/>
+        </p:nvPicPr>
+        <p:blipFill>
+          <a:blip r:embed="rId6"/>
+          <a:stretch>
+            <a:fillRect/>
+          </a:stretch>
+        </p:blipFill>
+        <p:spPr>
+          <a:xfrm>
+            <a:off x="9476996" y="2139290"/>
+            <a:ext cx="2715004" cy="1333686"/>
+          </a:xfrm>
+          <a:prstGeom prst="rect">
+            <a:avLst/>
+          </a:prstGeom>
+        </p:spPr>
+      </p:pic>
+      <p:pic>
+        <p:nvPicPr>
+          <p:cNvPr id="8" name="Picture 7">
+            <a:extLst>
+              <a:ext uri="{FF2B5EF4-FFF2-40B4-BE49-F238E27FC236}">
+                <a16:creationId xmlns:a16="http://schemas.microsoft.com/office/drawing/2014/main" id="{116473E4-257D-4C18-ABD6-FF07876F1A4A}"/>
+              </a:ext>
+            </a:extLst>
+          </p:cNvPr>
+          <p:cNvPicPr>
+            <a:picLocks noChangeAspect="1"/>
+          </p:cNvPicPr>
+          <p:nvPr/>
+        </p:nvPicPr>
+        <p:blipFill>
+          <a:blip r:embed="rId7"/>
+          <a:stretch>
+            <a:fillRect/>
+          </a:stretch>
+        </p:blipFill>
+        <p:spPr>
+          <a:xfrm>
+            <a:off x="3631244" y="2110873"/>
+            <a:ext cx="2353003" cy="1324160"/>
+          </a:xfrm>
+          <a:prstGeom prst="rect">
+            <a:avLst/>
+          </a:prstGeom>
+        </p:spPr>
+      </p:pic>
+      <p:sp>
+        <p:nvSpPr>
+          <p:cNvPr id="10" name="Rectangle 9">
+            <a:extLst>
+              <a:ext uri="{FF2B5EF4-FFF2-40B4-BE49-F238E27FC236}">
+                <a16:creationId xmlns:a16="http://schemas.microsoft.com/office/drawing/2014/main" id="{DA08840B-CC1C-4831-891E-51B280CA55E2}"/>
+              </a:ext>
+            </a:extLst>
+          </p:cNvPr>
+          <p:cNvSpPr/>
+          <p:nvPr/>
+        </p:nvSpPr>
+        <p:spPr>
+          <a:xfrm>
+            <a:off x="2687782" y="4715975"/>
+            <a:ext cx="1628186" cy="181961"/>
+          </a:xfrm>
+          <a:prstGeom prst="rect">
+            <a:avLst/>
+          </a:prstGeom>
+          <a:solidFill>
+            <a:schemeClr val="accent5">
+              <a:alpha val="50000"/>
+            </a:schemeClr>
+          </a:solidFill>
+          <a:ln>
+            <a:noFill/>
+          </a:ln>
+        </p:spPr>
+        <p:style>
+          <a:lnRef idx="0">
+            <a:scrgbClr r="0" g="0" b="0"/>
+          </a:lnRef>
+          <a:fillRef idx="0">
+            <a:scrgbClr r="0" g="0" b="0"/>
+          </a:fillRef>
+          <a:effectRef idx="0">
+            <a:scrgbClr r="0" g="0" b="0"/>
+          </a:effectRef>
+          <a:fontRef idx="minor">
+            <a:schemeClr val="lt1"/>
+          </a:fontRef>
+        </p:style>
+        <p:txBody>
+          <a:bodyPr rtlCol="0" anchor="ctr"/>
+          <a:lstStyle/>
+          <a:p>
+            <a:pPr algn="ctr"/>
+            <a:endParaRPr lang="en-US"/>
+          </a:p>
+        </p:txBody>
+      </p:sp>
+      <p:sp>
+        <p:nvSpPr>
+          <p:cNvPr id="14" name="Rectangle 13">
+            <a:extLst>
+              <a:ext uri="{FF2B5EF4-FFF2-40B4-BE49-F238E27FC236}">
+                <a16:creationId xmlns:a16="http://schemas.microsoft.com/office/drawing/2014/main" id="{B0494DE5-70A4-4BC2-90EC-A2044CC4BEE9}"/>
+              </a:ext>
+            </a:extLst>
+          </p:cNvPr>
+          <p:cNvSpPr/>
+          <p:nvPr/>
+        </p:nvSpPr>
+        <p:spPr>
+          <a:xfrm>
+            <a:off x="8732345" y="4715975"/>
+            <a:ext cx="1815582" cy="158060"/>
+          </a:xfrm>
+          <a:prstGeom prst="rect">
+            <a:avLst/>
+          </a:prstGeom>
+          <a:solidFill>
+            <a:schemeClr val="accent5">
+              <a:alpha val="50000"/>
+            </a:schemeClr>
+          </a:solidFill>
+          <a:ln>
+            <a:noFill/>
+          </a:ln>
+        </p:spPr>
+        <p:style>
+          <a:lnRef idx="0">
+            <a:scrgbClr r="0" g="0" b="0"/>
+          </a:lnRef>
+          <a:fillRef idx="0">
+            <a:scrgbClr r="0" g="0" b="0"/>
+          </a:fillRef>
+          <a:effectRef idx="0">
+            <a:scrgbClr r="0" g="0" b="0"/>
+          </a:effectRef>
+          <a:fontRef idx="minor">
+            <a:schemeClr val="lt1"/>
+          </a:fontRef>
+        </p:style>
+        <p:txBody>
+          <a:bodyPr rtlCol="0" anchor="ctr"/>
+          <a:lstStyle/>
+          <a:p>
+            <a:pPr algn="ctr"/>
+            <a:endParaRPr lang="en-US"/>
+          </a:p>
+        </p:txBody>
+      </p:sp>
+      <p:sp>
+        <p:nvSpPr>
+          <p:cNvPr id="18" name="Rectangle 17">
+            <a:extLst>
+              <a:ext uri="{FF2B5EF4-FFF2-40B4-BE49-F238E27FC236}">
+                <a16:creationId xmlns:a16="http://schemas.microsoft.com/office/drawing/2014/main" id="{75AE95A1-E4E3-4FC8-A89C-0B248C23876C}"/>
+              </a:ext>
+            </a:extLst>
+          </p:cNvPr>
+          <p:cNvSpPr/>
+          <p:nvPr/>
+        </p:nvSpPr>
+        <p:spPr>
+          <a:xfrm>
+            <a:off x="9743070" y="4310826"/>
+            <a:ext cx="1386748" cy="158060"/>
+          </a:xfrm>
+          <a:prstGeom prst="rect">
+            <a:avLst/>
+          </a:prstGeom>
+          <a:solidFill>
+            <a:schemeClr val="accent3">
+              <a:alpha val="50000"/>
+            </a:schemeClr>
+          </a:solidFill>
+          <a:ln>
+            <a:noFill/>
+          </a:ln>
+        </p:spPr>
+        <p:style>
+          <a:lnRef idx="0">
+            <a:scrgbClr r="0" g="0" b="0"/>
+          </a:lnRef>
+          <a:fillRef idx="0">
+            <a:scrgbClr r="0" g="0" b="0"/>
+          </a:fillRef>
+          <a:effectRef idx="0">
+            <a:scrgbClr r="0" g="0" b="0"/>
+          </a:effectRef>
+          <a:fontRef idx="minor">
+            <a:schemeClr val="lt1"/>
+          </a:fontRef>
+        </p:style>
+        <p:txBody>
+          <a:bodyPr rtlCol="0" anchor="ctr"/>
+          <a:lstStyle/>
+          <a:p>
+            <a:pPr algn="ctr"/>
+            <a:endParaRPr lang="en-US"/>
+          </a:p>
+        </p:txBody>
+      </p:sp>
+      <p:sp>
+        <p:nvSpPr>
+          <p:cNvPr id="19" name="Rectangle 18">
+            <a:extLst>
+              <a:ext uri="{FF2B5EF4-FFF2-40B4-BE49-F238E27FC236}">
+                <a16:creationId xmlns:a16="http://schemas.microsoft.com/office/drawing/2014/main" id="{E864EC5C-AD12-4F38-AAC3-4978C99473FB}"/>
+              </a:ext>
+            </a:extLst>
+          </p:cNvPr>
+          <p:cNvSpPr/>
+          <p:nvPr/>
+        </p:nvSpPr>
+        <p:spPr>
+          <a:xfrm>
+            <a:off x="8038971" y="4513401"/>
+            <a:ext cx="1386748" cy="158060"/>
+          </a:xfrm>
+          <a:prstGeom prst="rect">
+            <a:avLst/>
+          </a:prstGeom>
+          <a:solidFill>
+            <a:schemeClr val="accent3">
+              <a:alpha val="50000"/>
+            </a:schemeClr>
+          </a:solidFill>
+          <a:ln>
+            <a:noFill/>
+          </a:ln>
+        </p:spPr>
+        <p:style>
+          <a:lnRef idx="0">
+            <a:scrgbClr r="0" g="0" b="0"/>
+          </a:lnRef>
+          <a:fillRef idx="0">
+            <a:scrgbClr r="0" g="0" b="0"/>
+          </a:fillRef>
+          <a:effectRef idx="0">
+            <a:scrgbClr r="0" g="0" b="0"/>
+          </a:effectRef>
+          <a:fontRef idx="minor">
+            <a:schemeClr val="lt1"/>
+          </a:fontRef>
+        </p:style>
+        <p:txBody>
+          <a:bodyPr rtlCol="0" anchor="ctr"/>
+          <a:lstStyle/>
+          <a:p>
+            <a:pPr algn="ctr"/>
+            <a:endParaRPr lang="en-US"/>
+          </a:p>
+        </p:txBody>
+      </p:sp>
+      <p:sp>
+        <p:nvSpPr>
+          <p:cNvPr id="20" name="Rectangle 19">
+            <a:extLst>
+              <a:ext uri="{FF2B5EF4-FFF2-40B4-BE49-F238E27FC236}">
+                <a16:creationId xmlns:a16="http://schemas.microsoft.com/office/drawing/2014/main" id="{9418AAD9-43E8-4ED0-84D4-AAC26CDB7E9A}"/>
+              </a:ext>
+            </a:extLst>
+          </p:cNvPr>
+          <p:cNvSpPr/>
+          <p:nvPr/>
+        </p:nvSpPr>
+        <p:spPr>
+          <a:xfrm>
+            <a:off x="3420997" y="4297429"/>
+            <a:ext cx="1386748" cy="158060"/>
+          </a:xfrm>
+          <a:prstGeom prst="rect">
+            <a:avLst/>
+          </a:prstGeom>
+          <a:solidFill>
+            <a:schemeClr val="accent3">
+              <a:alpha val="50000"/>
+            </a:schemeClr>
+          </a:solidFill>
+          <a:ln>
+            <a:noFill/>
+          </a:ln>
+        </p:spPr>
+        <p:style>
+          <a:lnRef idx="0">
+            <a:scrgbClr r="0" g="0" b="0"/>
+          </a:lnRef>
+          <a:fillRef idx="0">
+            <a:scrgbClr r="0" g="0" b="0"/>
+          </a:fillRef>
+          <a:effectRef idx="0">
+            <a:scrgbClr r="0" g="0" b="0"/>
+          </a:effectRef>
+          <a:fontRef idx="minor">
+            <a:schemeClr val="lt1"/>
+          </a:fontRef>
+        </p:style>
+        <p:txBody>
+          <a:bodyPr rtlCol="0" anchor="ctr"/>
+          <a:lstStyle/>
+          <a:p>
+            <a:pPr algn="ctr"/>
+            <a:endParaRPr lang="en-US"/>
+          </a:p>
+        </p:txBody>
+      </p:sp>
+      <p:sp>
+        <p:nvSpPr>
+          <p:cNvPr id="21" name="Rectangle 20">
+            <a:extLst>
+              <a:ext uri="{FF2B5EF4-FFF2-40B4-BE49-F238E27FC236}">
+                <a16:creationId xmlns:a16="http://schemas.microsoft.com/office/drawing/2014/main" id="{3A3093D9-2ED7-4767-AD61-3CCADF311FBC}"/>
+              </a:ext>
+            </a:extLst>
+          </p:cNvPr>
+          <p:cNvSpPr/>
+          <p:nvPr/>
+        </p:nvSpPr>
+        <p:spPr>
+          <a:xfrm>
+            <a:off x="1996886" y="4507790"/>
+            <a:ext cx="1386748" cy="158060"/>
+          </a:xfrm>
+          <a:prstGeom prst="rect">
+            <a:avLst/>
+          </a:prstGeom>
+          <a:solidFill>
+            <a:schemeClr val="accent3">
+              <a:alpha val="50000"/>
+            </a:schemeClr>
+          </a:solidFill>
+          <a:ln>
+            <a:noFill/>
+          </a:ln>
+        </p:spPr>
+        <p:style>
+          <a:lnRef idx="0">
+            <a:scrgbClr r="0" g="0" b="0"/>
+          </a:lnRef>
+          <a:fillRef idx="0">
+            <a:scrgbClr r="0" g="0" b="0"/>
+          </a:fillRef>
+          <a:effectRef idx="0">
+            <a:scrgbClr r="0" g="0" b="0"/>
+          </a:effectRef>
+          <a:fontRef idx="minor">
+            <a:schemeClr val="lt1"/>
+          </a:fontRef>
+        </p:style>
+        <p:txBody>
+          <a:bodyPr rtlCol="0" anchor="ctr"/>
+          <a:lstStyle/>
+          <a:p>
+            <a:pPr algn="ctr"/>
+            <a:endParaRPr lang="en-US"/>
+          </a:p>
+        </p:txBody>
+      </p:sp>
+      <p:sp>
+        <p:nvSpPr>
+          <p:cNvPr id="22" name="Rectangle 21">
+            <a:extLst>
+              <a:ext uri="{FF2B5EF4-FFF2-40B4-BE49-F238E27FC236}">
+                <a16:creationId xmlns:a16="http://schemas.microsoft.com/office/drawing/2014/main" id="{F94AEA58-09BF-4C9F-B1B3-5FAA3FE232A9}"/>
+              </a:ext>
+            </a:extLst>
+          </p:cNvPr>
+          <p:cNvSpPr/>
+          <p:nvPr/>
+        </p:nvSpPr>
+        <p:spPr>
+          <a:xfrm>
+            <a:off x="9049696" y="5157024"/>
+            <a:ext cx="1386748" cy="158060"/>
+          </a:xfrm>
+          <a:prstGeom prst="rect">
+            <a:avLst/>
+          </a:prstGeom>
+          <a:solidFill>
+            <a:schemeClr val="accent3">
+              <a:alpha val="50000"/>
+            </a:schemeClr>
+          </a:solidFill>
+          <a:ln>
+            <a:noFill/>
+          </a:ln>
+        </p:spPr>
+        <p:style>
+          <a:lnRef idx="0">
+            <a:scrgbClr r="0" g="0" b="0"/>
+          </a:lnRef>
+          <a:fillRef idx="0">
+            <a:scrgbClr r="0" g="0" b="0"/>
+          </a:fillRef>
+          <a:effectRef idx="0">
+            <a:scrgbClr r="0" g="0" b="0"/>
+          </a:effectRef>
+          <a:fontRef idx="minor">
+            <a:schemeClr val="lt1"/>
+          </a:fontRef>
+        </p:style>
+        <p:txBody>
+          <a:bodyPr rtlCol="0" anchor="ctr"/>
+          <a:lstStyle/>
+          <a:p>
+            <a:pPr algn="ctr"/>
+            <a:endParaRPr lang="en-US"/>
+          </a:p>
+        </p:txBody>
+      </p:sp>
+      <p:sp>
+        <p:nvSpPr>
+          <p:cNvPr id="23" name="Rectangle 22">
+            <a:extLst>
+              <a:ext uri="{FF2B5EF4-FFF2-40B4-BE49-F238E27FC236}">
+                <a16:creationId xmlns:a16="http://schemas.microsoft.com/office/drawing/2014/main" id="{D85827B4-EFDD-4E55-9738-4C0E02C1E3CF}"/>
+              </a:ext>
+            </a:extLst>
+          </p:cNvPr>
+          <p:cNvSpPr/>
+          <p:nvPr/>
+        </p:nvSpPr>
+        <p:spPr>
+          <a:xfrm>
+            <a:off x="7272343" y="5346931"/>
+            <a:ext cx="1386748" cy="158060"/>
+          </a:xfrm>
+          <a:prstGeom prst="rect">
+            <a:avLst/>
+          </a:prstGeom>
+          <a:solidFill>
+            <a:schemeClr val="accent3">
+              <a:alpha val="50000"/>
+            </a:schemeClr>
+          </a:solidFill>
+          <a:ln>
+            <a:noFill/>
+          </a:ln>
+        </p:spPr>
+        <p:style>
+          <a:lnRef idx="0">
+            <a:scrgbClr r="0" g="0" b="0"/>
+          </a:lnRef>
+          <a:fillRef idx="0">
+            <a:scrgbClr r="0" g="0" b="0"/>
+          </a:fillRef>
+          <a:effectRef idx="0">
+            <a:scrgbClr r="0" g="0" b="0"/>
+          </a:effectRef>
+          <a:fontRef idx="minor">
+            <a:schemeClr val="lt1"/>
+          </a:fontRef>
+        </p:style>
+        <p:txBody>
+          <a:bodyPr rtlCol="0" anchor="ctr"/>
+          <a:lstStyle/>
+          <a:p>
+            <a:pPr algn="ctr"/>
+            <a:endParaRPr lang="en-US"/>
+          </a:p>
+        </p:txBody>
+      </p:sp>
+      <p:sp>
+        <p:nvSpPr>
+          <p:cNvPr id="24" name="Rectangle 23">
+            <a:extLst>
+              <a:ext uri="{FF2B5EF4-FFF2-40B4-BE49-F238E27FC236}">
+                <a16:creationId xmlns:a16="http://schemas.microsoft.com/office/drawing/2014/main" id="{03A5E21F-2BCF-4E15-886A-ECBD17607778}"/>
+              </a:ext>
+            </a:extLst>
+          </p:cNvPr>
+          <p:cNvSpPr/>
+          <p:nvPr/>
+        </p:nvSpPr>
+        <p:spPr>
+          <a:xfrm>
+            <a:off x="1217423" y="5329851"/>
+            <a:ext cx="1386748" cy="158060"/>
+          </a:xfrm>
+          <a:prstGeom prst="rect">
+            <a:avLst/>
+          </a:prstGeom>
+          <a:solidFill>
+            <a:schemeClr val="accent3">
+              <a:alpha val="50000"/>
+            </a:schemeClr>
+          </a:solidFill>
+          <a:ln>
+            <a:noFill/>
+          </a:ln>
+        </p:spPr>
+        <p:style>
+          <a:lnRef idx="0">
+            <a:scrgbClr r="0" g="0" b="0"/>
+          </a:lnRef>
+          <a:fillRef idx="0">
+            <a:scrgbClr r="0" g="0" b="0"/>
+          </a:fillRef>
+          <a:effectRef idx="0">
+            <a:scrgbClr r="0" g="0" b="0"/>
+          </a:effectRef>
+          <a:fontRef idx="minor">
+            <a:schemeClr val="lt1"/>
+          </a:fontRef>
+        </p:style>
+        <p:txBody>
+          <a:bodyPr rtlCol="0" anchor="ctr"/>
+          <a:lstStyle/>
+          <a:p>
+            <a:pPr algn="ctr"/>
+            <a:endParaRPr lang="en-US"/>
+          </a:p>
+        </p:txBody>
+      </p:sp>
+      <p:sp>
+        <p:nvSpPr>
+          <p:cNvPr id="25" name="Rectangle 24">
+            <a:extLst>
+              <a:ext uri="{FF2B5EF4-FFF2-40B4-BE49-F238E27FC236}">
+                <a16:creationId xmlns:a16="http://schemas.microsoft.com/office/drawing/2014/main" id="{1546574F-F180-4428-B0AD-47AD3419A2B5}"/>
+              </a:ext>
+            </a:extLst>
+          </p:cNvPr>
+          <p:cNvSpPr/>
+          <p:nvPr/>
+        </p:nvSpPr>
+        <p:spPr>
+          <a:xfrm>
+            <a:off x="2746095" y="5120408"/>
+            <a:ext cx="421977" cy="176203"/>
+          </a:xfrm>
+          <a:prstGeom prst="rect">
+            <a:avLst/>
+          </a:prstGeom>
+          <a:solidFill>
+            <a:schemeClr val="accent3">
+              <a:alpha val="50000"/>
+            </a:schemeClr>
+          </a:solidFill>
+          <a:ln>
+            <a:noFill/>
+          </a:ln>
+        </p:spPr>
+        <p:style>
+          <a:lnRef idx="0">
+            <a:scrgbClr r="0" g="0" b="0"/>
+          </a:lnRef>
+          <a:fillRef idx="0">
+            <a:scrgbClr r="0" g="0" b="0"/>
+          </a:fillRef>
+          <a:effectRef idx="0">
+            <a:scrgbClr r="0" g="0" b="0"/>
+          </a:effectRef>
+          <a:fontRef idx="minor">
+            <a:schemeClr val="lt1"/>
+          </a:fontRef>
+        </p:style>
+        <p:txBody>
+          <a:bodyPr rtlCol="0" anchor="ctr"/>
+          <a:lstStyle/>
+          <a:p>
+            <a:pPr algn="ctr"/>
+            <a:endParaRPr lang="en-US"/>
+          </a:p>
+        </p:txBody>
+      </p:sp>
+      <p:sp>
+        <p:nvSpPr>
+          <p:cNvPr id="28" name="Rectangle 27">
+            <a:extLst>
+              <a:ext uri="{FF2B5EF4-FFF2-40B4-BE49-F238E27FC236}">
+                <a16:creationId xmlns:a16="http://schemas.microsoft.com/office/drawing/2014/main" id="{90338235-950C-4BCB-A1EC-F75F0A568723}"/>
+              </a:ext>
+            </a:extLst>
+          </p:cNvPr>
+          <p:cNvSpPr/>
+          <p:nvPr/>
+        </p:nvSpPr>
+        <p:spPr>
+          <a:xfrm>
+            <a:off x="2003058" y="5551011"/>
+            <a:ext cx="1628186" cy="181961"/>
+          </a:xfrm>
+          <a:prstGeom prst="rect">
+            <a:avLst/>
+          </a:prstGeom>
+          <a:solidFill>
+            <a:schemeClr val="accent5">
+              <a:alpha val="50000"/>
+            </a:schemeClr>
+          </a:solidFill>
+          <a:ln>
+            <a:noFill/>
+          </a:ln>
+        </p:spPr>
+        <p:style>
+          <a:lnRef idx="0">
+            <a:scrgbClr r="0" g="0" b="0"/>
+          </a:lnRef>
+          <a:fillRef idx="0">
+            <a:scrgbClr r="0" g="0" b="0"/>
+          </a:fillRef>
+          <a:effectRef idx="0">
+            <a:scrgbClr r="0" g="0" b="0"/>
+          </a:effectRef>
+          <a:fontRef idx="minor">
+            <a:schemeClr val="lt1"/>
+          </a:fontRef>
+        </p:style>
+        <p:txBody>
+          <a:bodyPr rtlCol="0" anchor="ctr"/>
+          <a:lstStyle/>
+          <a:p>
+            <a:pPr algn="ctr"/>
+            <a:endParaRPr lang="en-US"/>
+          </a:p>
+        </p:txBody>
+      </p:sp>
+      <p:sp>
+        <p:nvSpPr>
+          <p:cNvPr id="29" name="Rectangle 28">
+            <a:extLst>
+              <a:ext uri="{FF2B5EF4-FFF2-40B4-BE49-F238E27FC236}">
+                <a16:creationId xmlns:a16="http://schemas.microsoft.com/office/drawing/2014/main" id="{F208C291-675B-4084-AE4E-14D4CD457240}"/>
+              </a:ext>
+            </a:extLst>
+          </p:cNvPr>
+          <p:cNvSpPr/>
+          <p:nvPr/>
+        </p:nvSpPr>
+        <p:spPr>
+          <a:xfrm>
+            <a:off x="8098578" y="5544745"/>
+            <a:ext cx="1904404" cy="181961"/>
+          </a:xfrm>
+          <a:prstGeom prst="rect">
+            <a:avLst/>
+          </a:prstGeom>
+          <a:solidFill>
+            <a:schemeClr val="accent5">
+              <a:alpha val="50000"/>
+            </a:schemeClr>
+          </a:solidFill>
+          <a:ln>
+            <a:noFill/>
+          </a:ln>
+        </p:spPr>
+        <p:style>
+          <a:lnRef idx="0">
+            <a:scrgbClr r="0" g="0" b="0"/>
+          </a:lnRef>
+          <a:fillRef idx="0">
+            <a:scrgbClr r="0" g="0" b="0"/>
+          </a:fillRef>
+          <a:effectRef idx="0">
+            <a:scrgbClr r="0" g="0" b="0"/>
+          </a:effectRef>
+          <a:fontRef idx="minor">
+            <a:schemeClr val="lt1"/>
+          </a:fontRef>
+        </p:style>
+        <p:txBody>
+          <a:bodyPr rtlCol="0" anchor="ctr"/>
+          <a:lstStyle/>
+          <a:p>
+            <a:pPr algn="ctr"/>
+            <a:endParaRPr lang="en-US"/>
+          </a:p>
+        </p:txBody>
+      </p:sp>
+    </p:spTree>
+    <p:extLst>
+      <p:ext uri="{BB962C8B-B14F-4D97-AF65-F5344CB8AC3E}">
+        <p14:creationId xmlns:p14="http://schemas.microsoft.com/office/powerpoint/2010/main" val="6936538"/>
       </p:ext>
     </p:extLst>
   </p:cSld>
